--- a/기획발표_최종.pptx
+++ b/기획발표_최종.pptx
@@ -13,15 +13,16 @@
     <p:sldId id="270" r:id="rId7"/>
     <p:sldId id="271" r:id="rId8"/>
     <p:sldId id="272" r:id="rId9"/>
-    <p:sldId id="265" r:id="rId10"/>
+    <p:sldId id="273" r:id="rId10"/>
+    <p:sldId id="265" r:id="rId11"/>
   </p:sldIdLst>
   <p:sldSz cx="12192000" cy="6858000"/>
   <p:notesSz cx="6858000" cy="9144000"/>
   <p:embeddedFontLst>
     <p:embeddedFont>
       <p:font typeface="맑은 고딕" pitchFamily="50" charset="-127"/>
-      <p:regular r:id="rId11"/>
-      <p:bold r:id="rId12"/>
+      <p:regular r:id="rId12"/>
+      <p:bold r:id="rId13"/>
     </p:embeddedFont>
   </p:embeddedFontLst>
   <p:defaultTextStyle>
@@ -121,7 +122,7 @@
   </p:defaultTextStyle>
   <p:extLst>
     <p:ext uri="{EFAFB233-063F-42B5-8137-9DF3F51BA10A}">
-      <p15:sldGuideLst xmlns="" xmlns:p15="http://schemas.microsoft.com/office/powerpoint/2012/main">
+      <p15:sldGuideLst xmlns:p15="http://schemas.microsoft.com/office/powerpoint/2012/main" xmlns="">
         <p15:guide id="1" orient="horz" pos="2092" userDrawn="1">
           <p15:clr>
             <a:srgbClr val="A4A3A4"/>
@@ -231,11 +232,11 @@
         </c:dLbls>
         <c:marker val="1"/>
         <c:smooth val="0"/>
-        <c:axId val="50097152"/>
-        <c:axId val="50095616"/>
+        <c:axId val="133493504"/>
+        <c:axId val="133494656"/>
       </c:lineChart>
       <c:catAx>
-        <c:axId val="50097152"/>
+        <c:axId val="133493504"/>
         <c:scaling>
           <c:orientation val="minMax"/>
         </c:scaling>
@@ -254,7 +255,7 @@
             <a:endParaRPr lang="ko-KR"/>
           </a:p>
         </c:txPr>
-        <c:crossAx val="50095616"/>
+        <c:crossAx val="133494656"/>
         <c:crosses val="autoZero"/>
         <c:auto val="1"/>
         <c:lblAlgn val="ctr"/>
@@ -262,7 +263,7 @@
         <c:noMultiLvlLbl val="0"/>
       </c:catAx>
       <c:valAx>
-        <c:axId val="50095616"/>
+        <c:axId val="133494656"/>
         <c:scaling>
           <c:orientation val="minMax"/>
         </c:scaling>
@@ -273,7 +274,7 @@
         <c:majorTickMark val="out"/>
         <c:minorTickMark val="none"/>
         <c:tickLblPos val="nextTo"/>
-        <c:crossAx val="50097152"/>
+        <c:crossAx val="133493504"/>
         <c:crosses val="autoZero"/>
         <c:crossBetween val="between"/>
       </c:valAx>
@@ -398,11 +399,11 @@
         </c:dLbls>
         <c:marker val="1"/>
         <c:smooth val="0"/>
-        <c:axId val="175444352"/>
-        <c:axId val="175445888"/>
+        <c:axId val="133887104"/>
+        <c:axId val="133888640"/>
       </c:lineChart>
       <c:catAx>
-        <c:axId val="175444352"/>
+        <c:axId val="133887104"/>
         <c:scaling>
           <c:orientation val="minMax"/>
         </c:scaling>
@@ -421,7 +422,7 @@
             <a:endParaRPr lang="ko-KR"/>
           </a:p>
         </c:txPr>
-        <c:crossAx val="175445888"/>
+        <c:crossAx val="133888640"/>
         <c:crosses val="autoZero"/>
         <c:auto val="1"/>
         <c:lblAlgn val="ctr"/>
@@ -429,7 +430,7 @@
         <c:noMultiLvlLbl val="0"/>
       </c:catAx>
       <c:valAx>
-        <c:axId val="175445888"/>
+        <c:axId val="133888640"/>
         <c:scaling>
           <c:orientation val="minMax"/>
         </c:scaling>
@@ -440,7 +441,7 @@
         <c:majorTickMark val="out"/>
         <c:minorTickMark val="none"/>
         <c:tickLblPos val="nextTo"/>
-        <c:crossAx val="175444352"/>
+        <c:crossAx val="133887104"/>
         <c:crosses val="autoZero"/>
         <c:crossBetween val="between"/>
       </c:valAx>
@@ -603,7 +604,7 @@
           <a:p>
             <a:fld id="{7FDDE5EA-FC9D-44B5-B7E3-D54953EA9507}" type="datetimeFigureOut">
               <a:rPr lang="ko-KR" altLang="en-US" smtClean="0"/>
-              <a:t>2022-05-15</a:t>
+              <a:t>2022-05-16</a:t>
             </a:fld>
             <a:endParaRPr lang="ko-KR" altLang="en-US"/>
           </a:p>
@@ -773,7 +774,7 @@
           <a:p>
             <a:fld id="{7FDDE5EA-FC9D-44B5-B7E3-D54953EA9507}" type="datetimeFigureOut">
               <a:rPr lang="ko-KR" altLang="en-US" smtClean="0"/>
-              <a:t>2022-05-15</a:t>
+              <a:t>2022-05-16</a:t>
             </a:fld>
             <a:endParaRPr lang="ko-KR" altLang="en-US"/>
           </a:p>
@@ -953,7 +954,7 @@
           <a:p>
             <a:fld id="{7FDDE5EA-FC9D-44B5-B7E3-D54953EA9507}" type="datetimeFigureOut">
               <a:rPr lang="ko-KR" altLang="en-US" smtClean="0"/>
-              <a:t>2022-05-15</a:t>
+              <a:t>2022-05-16</a:t>
             </a:fld>
             <a:endParaRPr lang="ko-KR" altLang="en-US"/>
           </a:p>
@@ -1123,7 +1124,7 @@
           <a:p>
             <a:fld id="{7FDDE5EA-FC9D-44B5-B7E3-D54953EA9507}" type="datetimeFigureOut">
               <a:rPr lang="ko-KR" altLang="en-US" smtClean="0"/>
-              <a:t>2022-05-15</a:t>
+              <a:t>2022-05-16</a:t>
             </a:fld>
             <a:endParaRPr lang="ko-KR" altLang="en-US"/>
           </a:p>
@@ -1369,7 +1370,7 @@
           <a:p>
             <a:fld id="{7FDDE5EA-FC9D-44B5-B7E3-D54953EA9507}" type="datetimeFigureOut">
               <a:rPr lang="ko-KR" altLang="en-US" smtClean="0"/>
-              <a:t>2022-05-15</a:t>
+              <a:t>2022-05-16</a:t>
             </a:fld>
             <a:endParaRPr lang="ko-KR" altLang="en-US"/>
           </a:p>
@@ -1601,7 +1602,7 @@
           <a:p>
             <a:fld id="{7FDDE5EA-FC9D-44B5-B7E3-D54953EA9507}" type="datetimeFigureOut">
               <a:rPr lang="ko-KR" altLang="en-US" smtClean="0"/>
-              <a:t>2022-05-15</a:t>
+              <a:t>2022-05-16</a:t>
             </a:fld>
             <a:endParaRPr lang="ko-KR" altLang="en-US"/>
           </a:p>
@@ -1968,7 +1969,7 @@
           <a:p>
             <a:fld id="{7FDDE5EA-FC9D-44B5-B7E3-D54953EA9507}" type="datetimeFigureOut">
               <a:rPr lang="ko-KR" altLang="en-US" smtClean="0"/>
-              <a:t>2022-05-15</a:t>
+              <a:t>2022-05-16</a:t>
             </a:fld>
             <a:endParaRPr lang="ko-KR" altLang="en-US"/>
           </a:p>
@@ -2086,7 +2087,7 @@
           <a:p>
             <a:fld id="{7FDDE5EA-FC9D-44B5-B7E3-D54953EA9507}" type="datetimeFigureOut">
               <a:rPr lang="ko-KR" altLang="en-US" smtClean="0"/>
-              <a:t>2022-05-15</a:t>
+              <a:t>2022-05-16</a:t>
             </a:fld>
             <a:endParaRPr lang="ko-KR" altLang="en-US"/>
           </a:p>
@@ -2441,7 +2442,7 @@
           <a:p>
             <a:fld id="{7FDDE5EA-FC9D-44B5-B7E3-D54953EA9507}" type="datetimeFigureOut">
               <a:rPr lang="ko-KR" altLang="en-US" smtClean="0"/>
-              <a:t>2022-05-15</a:t>
+              <a:t>2022-05-16</a:t>
             </a:fld>
             <a:endParaRPr lang="ko-KR" altLang="en-US"/>
           </a:p>
@@ -2694,7 +2695,7 @@
           <a:p>
             <a:fld id="{7FDDE5EA-FC9D-44B5-B7E3-D54953EA9507}" type="datetimeFigureOut">
               <a:rPr lang="ko-KR" altLang="en-US" smtClean="0"/>
-              <a:t>2022-05-15</a:t>
+              <a:t>2022-05-16</a:t>
             </a:fld>
             <a:endParaRPr lang="ko-KR" altLang="en-US"/>
           </a:p>
@@ -2907,7 +2908,7 @@
           <a:p>
             <a:fld id="{7FDDE5EA-FC9D-44B5-B7E3-D54953EA9507}" type="datetimeFigureOut">
               <a:rPr lang="ko-KR" altLang="en-US" smtClean="0"/>
-              <a:t>2022-05-15</a:t>
+              <a:t>2022-05-16</a:t>
             </a:fld>
             <a:endParaRPr lang="ko-KR" altLang="en-US"/>
           </a:p>
@@ -3579,12 +3580,21 @@
             <a:p>
               <a:r>
                 <a:rPr lang="ko-KR" altLang="en-US" sz="4000" b="1" dirty="0" smtClean="0"/>
-                <a:t>지하철 시간표 </a:t>
+                <a:t> </a:t>
               </a:r>
               <a:r>
-                <a:rPr lang="en-US" altLang="ko-KR" sz="4000" b="1" dirty="0" smtClean="0"/>
-                <a:t>API</a:t>
+                <a:rPr lang="ko-KR" altLang="en-US" sz="4000" b="1" dirty="0" err="1" smtClean="0"/>
+                <a:t>언제타</a:t>
               </a:r>
+              <a:r>
+                <a:rPr lang="ko-KR" altLang="en-US" sz="4000" b="1" dirty="0" smtClean="0"/>
+                <a:t> </a:t>
+              </a:r>
+              <a:r>
+                <a:rPr lang="ko-KR" altLang="en-US" sz="4000" b="1" dirty="0"/>
+                <a:t>지하철</a:t>
+              </a:r>
+              <a:endParaRPr lang="en-US" altLang="ko-KR" sz="4000" b="1" dirty="0"/>
             </a:p>
             <a:p>
               <a:endParaRPr lang="ko-KR" altLang="en-US" sz="3600" b="1" dirty="0"/>
@@ -3658,7 +3668,7 @@
 </p:sld>
 </file>
 
-<file path=ppt/slides/slide2.xml><?xml version="1.0" encoding="utf-8"?>
+<file path=ppt/slides/slide10.xml><?xml version="1.0" encoding="utf-8"?>
 <p:sld xmlns:a="http://schemas.openxmlformats.org/drawingml/2006/main" xmlns:r="http://schemas.openxmlformats.org/officeDocument/2006/relationships" xmlns:p="http://schemas.openxmlformats.org/presentationml/2006/main">
   <p:cSld>
     <p:spTree>
@@ -3675,491 +3685,36 @@
           <a:chExt cx="0" cy="0"/>
         </a:xfrm>
       </p:grpSpPr>
-      <p:sp>
-        <p:nvSpPr>
-          <p:cNvPr id="23" name="타원 22"/>
-          <p:cNvSpPr/>
-          <p:nvPr/>
-        </p:nvSpPr>
-        <p:spPr>
-          <a:xfrm>
-            <a:off x="4739655" y="1715653"/>
-            <a:ext cx="445740" cy="445740"/>
-          </a:xfrm>
-          <a:prstGeom prst="ellipse">
-            <a:avLst/>
-          </a:prstGeom>
-          <a:solidFill>
-            <a:srgbClr val="64C044"/>
-          </a:solidFill>
-          <a:ln>
-            <a:noFill/>
-          </a:ln>
-        </p:spPr>
-        <p:style>
-          <a:lnRef idx="2">
-            <a:schemeClr val="accent1">
-              <a:shade val="50000"/>
-            </a:schemeClr>
-          </a:lnRef>
-          <a:fillRef idx="1">
-            <a:schemeClr val="accent1"/>
-          </a:fillRef>
-          <a:effectRef idx="0">
-            <a:schemeClr val="accent1"/>
-          </a:effectRef>
-          <a:fontRef idx="minor">
-            <a:schemeClr val="lt1"/>
-          </a:fontRef>
-        </p:style>
-        <p:txBody>
-          <a:bodyPr rtlCol="0" anchor="ctr"/>
-          <a:lstStyle/>
-          <a:p>
-            <a:pPr algn="ctr"/>
-            <a:r>
-              <a:rPr lang="en-US" altLang="ko-KR" sz="2400" b="1" dirty="0" smtClean="0">
-                <a:ea typeface="12롯데마트드림Bold" panose="02020603020101020101" pitchFamily="18" charset="-127"/>
-              </a:rPr>
-              <a:t>1</a:t>
-            </a:r>
-            <a:endParaRPr lang="ko-KR" altLang="en-US" sz="2400" b="1" dirty="0">
-              <a:ea typeface="12롯데마트드림Bold" panose="02020603020101020101" pitchFamily="18" charset="-127"/>
-            </a:endParaRPr>
-          </a:p>
-        </p:txBody>
-      </p:sp>
-      <p:sp>
-        <p:nvSpPr>
-          <p:cNvPr id="40" name="타원 39"/>
-          <p:cNvSpPr/>
-          <p:nvPr/>
-        </p:nvSpPr>
-        <p:spPr>
-          <a:xfrm>
-            <a:off x="4739655" y="2472097"/>
-            <a:ext cx="445740" cy="445740"/>
-          </a:xfrm>
-          <a:prstGeom prst="ellipse">
-            <a:avLst/>
-          </a:prstGeom>
-          <a:solidFill>
-            <a:srgbClr val="64C044"/>
-          </a:solidFill>
-          <a:ln>
-            <a:noFill/>
-          </a:ln>
-        </p:spPr>
-        <p:style>
-          <a:lnRef idx="2">
-            <a:schemeClr val="accent1">
-              <a:shade val="50000"/>
-            </a:schemeClr>
-          </a:lnRef>
-          <a:fillRef idx="1">
-            <a:schemeClr val="accent1"/>
-          </a:fillRef>
-          <a:effectRef idx="0">
-            <a:schemeClr val="accent1"/>
-          </a:effectRef>
-          <a:fontRef idx="minor">
-            <a:schemeClr val="lt1"/>
-          </a:fontRef>
-        </p:style>
-        <p:txBody>
-          <a:bodyPr rtlCol="0" anchor="ctr"/>
-          <a:lstStyle/>
-          <a:p>
-            <a:pPr algn="ctr"/>
-            <a:r>
-              <a:rPr lang="en-US" altLang="ko-KR" sz="2400" b="1" dirty="0" smtClean="0">
-                <a:ea typeface="12롯데마트드림Bold" panose="02020603020101020101" pitchFamily="18" charset="-127"/>
-              </a:rPr>
-              <a:t>2</a:t>
-            </a:r>
-            <a:endParaRPr lang="ko-KR" altLang="en-US" sz="2400" b="1" dirty="0">
-              <a:ea typeface="12롯데마트드림Bold" panose="02020603020101020101" pitchFamily="18" charset="-127"/>
-            </a:endParaRPr>
-          </a:p>
-        </p:txBody>
-      </p:sp>
-      <p:sp>
-        <p:nvSpPr>
-          <p:cNvPr id="41" name="타원 40"/>
-          <p:cNvSpPr/>
-          <p:nvPr/>
-        </p:nvSpPr>
-        <p:spPr>
-          <a:xfrm>
-            <a:off x="4739655" y="3256578"/>
-            <a:ext cx="445740" cy="445740"/>
-          </a:xfrm>
-          <a:prstGeom prst="ellipse">
-            <a:avLst/>
-          </a:prstGeom>
-          <a:solidFill>
-            <a:srgbClr val="64C044"/>
-          </a:solidFill>
-          <a:ln>
-            <a:noFill/>
-          </a:ln>
-        </p:spPr>
-        <p:style>
-          <a:lnRef idx="2">
-            <a:schemeClr val="accent1">
-              <a:shade val="50000"/>
-            </a:schemeClr>
-          </a:lnRef>
-          <a:fillRef idx="1">
-            <a:schemeClr val="accent1"/>
-          </a:fillRef>
-          <a:effectRef idx="0">
-            <a:schemeClr val="accent1"/>
-          </a:effectRef>
-          <a:fontRef idx="minor">
-            <a:schemeClr val="lt1"/>
-          </a:fontRef>
-        </p:style>
-        <p:txBody>
-          <a:bodyPr rtlCol="0" anchor="ctr"/>
-          <a:lstStyle/>
-          <a:p>
-            <a:pPr algn="ctr"/>
-            <a:r>
-              <a:rPr lang="en-US" altLang="ko-KR" sz="2400" b="1" dirty="0" smtClean="0">
-                <a:ea typeface="12롯데마트드림Bold" panose="02020603020101020101" pitchFamily="18" charset="-127"/>
-              </a:rPr>
-              <a:t>3</a:t>
-            </a:r>
-            <a:endParaRPr lang="ko-KR" altLang="en-US" sz="2400" b="1" dirty="0">
-              <a:ea typeface="12롯데마트드림Bold" panose="02020603020101020101" pitchFamily="18" charset="-127"/>
-            </a:endParaRPr>
-          </a:p>
-        </p:txBody>
-      </p:sp>
-      <p:sp>
-        <p:nvSpPr>
-          <p:cNvPr id="42" name="타원 41"/>
-          <p:cNvSpPr/>
-          <p:nvPr/>
-        </p:nvSpPr>
-        <p:spPr>
-          <a:xfrm>
-            <a:off x="4739655" y="3970710"/>
-            <a:ext cx="445740" cy="445740"/>
-          </a:xfrm>
-          <a:prstGeom prst="ellipse">
-            <a:avLst/>
-          </a:prstGeom>
-          <a:solidFill>
-            <a:srgbClr val="64C044"/>
-          </a:solidFill>
-          <a:ln>
-            <a:noFill/>
-          </a:ln>
-        </p:spPr>
-        <p:style>
-          <a:lnRef idx="2">
-            <a:schemeClr val="accent1">
-              <a:shade val="50000"/>
-            </a:schemeClr>
-          </a:lnRef>
-          <a:fillRef idx="1">
-            <a:schemeClr val="accent1"/>
-          </a:fillRef>
-          <a:effectRef idx="0">
-            <a:schemeClr val="accent1"/>
-          </a:effectRef>
-          <a:fontRef idx="minor">
-            <a:schemeClr val="lt1"/>
-          </a:fontRef>
-        </p:style>
-        <p:txBody>
-          <a:bodyPr rtlCol="0" anchor="ctr"/>
-          <a:lstStyle/>
-          <a:p>
-            <a:pPr algn="ctr"/>
-            <a:r>
-              <a:rPr lang="en-US" altLang="ko-KR" sz="2400" b="1" dirty="0" smtClean="0">
-                <a:ea typeface="12롯데마트드림Bold" panose="02020603020101020101" pitchFamily="18" charset="-127"/>
-              </a:rPr>
-              <a:t>4</a:t>
-            </a:r>
-            <a:endParaRPr lang="ko-KR" altLang="en-US" sz="2400" b="1" dirty="0">
-              <a:ea typeface="12롯데마트드림Bold" panose="02020603020101020101" pitchFamily="18" charset="-127"/>
-            </a:endParaRPr>
-          </a:p>
-        </p:txBody>
-      </p:sp>
-      <p:sp>
-        <p:nvSpPr>
-          <p:cNvPr id="2" name="TextBox 1"/>
-          <p:cNvSpPr txBox="1"/>
-          <p:nvPr/>
-        </p:nvSpPr>
-        <p:spPr>
-          <a:xfrm>
-            <a:off x="5485308" y="1676913"/>
-            <a:ext cx="1273086" cy="523220"/>
-          </a:xfrm>
-          <a:prstGeom prst="rect">
-            <a:avLst/>
-          </a:prstGeom>
-          <a:noFill/>
-        </p:spPr>
-        <p:txBody>
-          <a:bodyPr wrap="square" rtlCol="0">
-            <a:spAutoFit/>
-          </a:bodyPr>
-          <a:lstStyle/>
-          <a:p>
-            <a:r>
-              <a:rPr lang="ko-KR" altLang="en-US" sz="2800" b="1" dirty="0" smtClean="0"/>
-              <a:t>검색</a:t>
-            </a:r>
-            <a:endParaRPr lang="ko-KR" altLang="en-US" sz="2800" b="1" dirty="0"/>
-          </a:p>
-        </p:txBody>
-      </p:sp>
-      <p:sp>
-        <p:nvSpPr>
-          <p:cNvPr id="34" name="TextBox 33"/>
-          <p:cNvSpPr txBox="1"/>
-          <p:nvPr/>
-        </p:nvSpPr>
-        <p:spPr>
-          <a:xfrm>
-            <a:off x="5319905" y="774994"/>
-            <a:ext cx="1224372" cy="707886"/>
-          </a:xfrm>
-          <a:prstGeom prst="rect">
-            <a:avLst/>
-          </a:prstGeom>
-          <a:noFill/>
-        </p:spPr>
-        <p:txBody>
-          <a:bodyPr wrap="square" rtlCol="0">
-            <a:spAutoFit/>
-          </a:bodyPr>
-          <a:lstStyle/>
-          <a:p>
-            <a:r>
-              <a:rPr lang="ko-KR" altLang="en-US" sz="4000" b="1" dirty="0" smtClean="0"/>
-              <a:t>목차</a:t>
-            </a:r>
-            <a:endParaRPr lang="ko-KR" altLang="en-US" sz="4000" b="1" dirty="0"/>
-          </a:p>
-        </p:txBody>
-      </p:sp>
-      <p:sp>
-        <p:nvSpPr>
-          <p:cNvPr id="4" name="TextBox 3"/>
-          <p:cNvSpPr txBox="1"/>
-          <p:nvPr/>
-        </p:nvSpPr>
-        <p:spPr>
-          <a:xfrm>
-            <a:off x="5485308" y="2474904"/>
-            <a:ext cx="1684153" cy="523220"/>
-          </a:xfrm>
-          <a:prstGeom prst="rect">
-            <a:avLst/>
-          </a:prstGeom>
-          <a:noFill/>
-        </p:spPr>
-        <p:txBody>
-          <a:bodyPr wrap="square" rtlCol="0">
-            <a:spAutoFit/>
-          </a:bodyPr>
-          <a:lstStyle/>
-          <a:p>
-            <a:r>
-              <a:rPr lang="ko-KR" altLang="en-US" sz="2800" b="1" dirty="0" err="1" smtClean="0"/>
-              <a:t>이메일</a:t>
-            </a:r>
-            <a:endParaRPr lang="ko-KR" altLang="en-US" sz="2800" b="1" dirty="0"/>
-          </a:p>
-        </p:txBody>
-      </p:sp>
-      <p:sp>
-        <p:nvSpPr>
-          <p:cNvPr id="8" name="TextBox 7"/>
-          <p:cNvSpPr txBox="1"/>
-          <p:nvPr/>
-        </p:nvSpPr>
-        <p:spPr>
-          <a:xfrm>
-            <a:off x="5485308" y="3202912"/>
-            <a:ext cx="3543750" cy="954107"/>
-          </a:xfrm>
-          <a:prstGeom prst="rect">
-            <a:avLst/>
-          </a:prstGeom>
-          <a:noFill/>
-        </p:spPr>
-        <p:txBody>
-          <a:bodyPr wrap="square" rtlCol="0">
-            <a:spAutoFit/>
-          </a:bodyPr>
-          <a:lstStyle/>
-          <a:p>
-            <a:r>
-              <a:rPr lang="ko-KR" altLang="en-US" sz="2800" b="1" dirty="0" smtClean="0"/>
-              <a:t>이미지</a:t>
-            </a:r>
-            <a:r>
-              <a:rPr lang="en-US" altLang="ko-KR" sz="2800" b="1" dirty="0" smtClean="0"/>
-              <a:t>,</a:t>
-            </a:r>
-            <a:r>
-              <a:rPr lang="ko-KR" altLang="en-US" sz="2800" b="1" dirty="0"/>
-              <a:t> 그래프</a:t>
-            </a:r>
-          </a:p>
-          <a:p>
-            <a:endParaRPr lang="ko-KR" altLang="en-US" sz="2800" b="1" dirty="0"/>
-          </a:p>
-        </p:txBody>
-      </p:sp>
-      <p:sp>
-        <p:nvSpPr>
-          <p:cNvPr id="11" name="TextBox 10"/>
-          <p:cNvSpPr txBox="1"/>
-          <p:nvPr/>
-        </p:nvSpPr>
-        <p:spPr>
-          <a:xfrm>
-            <a:off x="5485308" y="3930628"/>
-            <a:ext cx="2117939" cy="523220"/>
-          </a:xfrm>
-          <a:prstGeom prst="rect">
-            <a:avLst/>
-          </a:prstGeom>
-          <a:noFill/>
-        </p:spPr>
-        <p:txBody>
-          <a:bodyPr wrap="square" rtlCol="0">
-            <a:spAutoFit/>
-          </a:bodyPr>
-          <a:lstStyle/>
-          <a:p>
-            <a:r>
-              <a:rPr lang="ko-KR" altLang="en-US" sz="2800" b="1" dirty="0"/>
-              <a:t>지도연동</a:t>
-            </a:r>
-          </a:p>
-        </p:txBody>
-      </p:sp>
-      <p:sp>
-        <p:nvSpPr>
-          <p:cNvPr id="13" name="TextBox 12"/>
-          <p:cNvSpPr txBox="1"/>
-          <p:nvPr/>
-        </p:nvSpPr>
-        <p:spPr>
-          <a:xfrm>
-            <a:off x="5485308" y="4644760"/>
-            <a:ext cx="2181137" cy="523220"/>
-          </a:xfrm>
-          <a:prstGeom prst="rect">
-            <a:avLst/>
-          </a:prstGeom>
-          <a:noFill/>
-        </p:spPr>
-        <p:txBody>
-          <a:bodyPr wrap="square" rtlCol="0">
-            <a:spAutoFit/>
-          </a:bodyPr>
-          <a:lstStyle/>
-          <a:p>
-            <a:r>
-              <a:rPr lang="ko-KR" altLang="en-US" sz="2800" b="1" dirty="0" err="1" smtClean="0"/>
-              <a:t>텔레그램</a:t>
-            </a:r>
-            <a:r>
-              <a:rPr lang="ko-KR" altLang="en-US" sz="2800" b="1" dirty="0" smtClean="0"/>
-              <a:t> </a:t>
-            </a:r>
-            <a:endParaRPr lang="ko-KR" altLang="en-US" sz="2800" b="1" dirty="0"/>
-          </a:p>
-        </p:txBody>
-      </p:sp>
-      <p:sp>
-        <p:nvSpPr>
-          <p:cNvPr id="99" name="직사각형 98"/>
-          <p:cNvSpPr/>
-          <p:nvPr/>
-        </p:nvSpPr>
-        <p:spPr>
-          <a:xfrm>
-            <a:off x="4025214" y="4998850"/>
-            <a:ext cx="128609" cy="712790"/>
-          </a:xfrm>
-          <a:prstGeom prst="rect">
-            <a:avLst/>
-          </a:prstGeom>
-          <a:solidFill>
-            <a:srgbClr val="64C044"/>
-          </a:solidFill>
-          <a:ln>
-            <a:noFill/>
-          </a:ln>
-        </p:spPr>
-        <p:style>
-          <a:lnRef idx="2">
-            <a:schemeClr val="accent1">
-              <a:shade val="50000"/>
-            </a:schemeClr>
-          </a:lnRef>
-          <a:fillRef idx="1">
-            <a:schemeClr val="accent1"/>
-          </a:fillRef>
-          <a:effectRef idx="0">
-            <a:schemeClr val="accent1"/>
-          </a:effectRef>
-          <a:fontRef idx="minor">
-            <a:schemeClr val="lt1"/>
-          </a:fontRef>
-        </p:style>
-        <p:txBody>
-          <a:bodyPr rtlCol="0" anchor="ctr"/>
-          <a:lstStyle/>
-          <a:p>
-            <a:pPr algn="ctr"/>
-            <a:endParaRPr lang="ko-KR" altLang="en-US" b="1"/>
-          </a:p>
-        </p:txBody>
-      </p:sp>
       <p:grpSp>
         <p:nvGrpSpPr>
-          <p:cNvPr id="100" name="그룹 99"/>
+          <p:cNvPr id="11" name="그룹 10"/>
           <p:cNvGrpSpPr/>
           <p:nvPr/>
         </p:nvGrpSpPr>
         <p:grpSpPr>
           <a:xfrm>
-            <a:off x="3862046" y="5517415"/>
-            <a:ext cx="439226" cy="439226"/>
-            <a:chOff x="2728749" y="1818290"/>
-            <a:chExt cx="719959" cy="719959"/>
+            <a:off x="0" y="2321472"/>
+            <a:ext cx="12192000" cy="2215055"/>
+            <a:chOff x="0" y="2321472"/>
+            <a:chExt cx="12192000" cy="2215055"/>
           </a:xfrm>
         </p:grpSpPr>
         <p:sp>
           <p:nvSpPr>
-            <p:cNvPr id="101" name="타원 100"/>
+            <p:cNvPr id="2" name="직사각형 1"/>
             <p:cNvSpPr/>
             <p:nvPr/>
           </p:nvSpPr>
           <p:spPr>
             <a:xfrm>
-              <a:off x="2768164" y="1818290"/>
-              <a:ext cx="641131" cy="641131"/>
+              <a:off x="0" y="3184634"/>
+              <a:ext cx="12192000" cy="620111"/>
             </a:xfrm>
-            <a:prstGeom prst="ellipse">
+            <a:prstGeom prst="rect">
               <a:avLst/>
             </a:prstGeom>
             <a:solidFill>
-              <a:schemeClr val="bg1"/>
+              <a:srgbClr val="64C044"/>
             </a:solidFill>
             <a:ln>
               <a:noFill/>
@@ -4186,24 +3741,24 @@
             <a:lstStyle/>
             <a:p>
               <a:pPr algn="ctr"/>
-              <a:endParaRPr lang="ko-KR" altLang="en-US" b="1"/>
+              <a:endParaRPr lang="ko-KR" altLang="en-US"/>
             </a:p>
           </p:txBody>
         </p:sp>
         <p:sp>
           <p:nvSpPr>
-            <p:cNvPr id="102" name="도넛 101"/>
+            <p:cNvPr id="3" name="모서리가 둥근 직사각형 2"/>
             <p:cNvSpPr/>
             <p:nvPr/>
           </p:nvSpPr>
           <p:spPr>
             <a:xfrm>
-              <a:off x="2728749" y="1818290"/>
-              <a:ext cx="719959" cy="719959"/>
+              <a:off x="2261818" y="2321472"/>
+              <a:ext cx="7668363" cy="2215055"/>
             </a:xfrm>
-            <a:prstGeom prst="donut">
+            <a:prstGeom prst="roundRect">
               <a:avLst>
-                <a:gd name="adj" fmla="val 17241"/>
+                <a:gd name="adj" fmla="val 50000"/>
               </a:avLst>
             </a:prstGeom>
             <a:solidFill>
@@ -4234,88 +3789,28 @@
             <a:lstStyle/>
             <a:p>
               <a:pPr algn="ctr"/>
-              <a:endParaRPr lang="ko-KR" altLang="en-US" b="1">
-                <a:solidFill>
-                  <a:schemeClr val="tx1"/>
-                </a:solidFill>
+              <a:endParaRPr lang="ko-KR" altLang="en-US">
+                <a:latin typeface="+mj-ea"/>
+                <a:ea typeface="+mj-ea"/>
               </a:endParaRPr>
             </a:p>
           </p:txBody>
         </p:sp>
-      </p:grpSp>
-      <p:sp>
-        <p:nvSpPr>
-          <p:cNvPr id="89" name="직사각형 88"/>
-          <p:cNvSpPr/>
-          <p:nvPr/>
-        </p:nvSpPr>
-        <p:spPr>
-          <a:xfrm>
-            <a:off x="4025214" y="4239149"/>
-            <a:ext cx="128609" cy="712790"/>
-          </a:xfrm>
-          <a:prstGeom prst="rect">
-            <a:avLst/>
-          </a:prstGeom>
-          <a:solidFill>
-            <a:srgbClr val="64C044"/>
-          </a:solidFill>
-          <a:ln>
-            <a:noFill/>
-          </a:ln>
-        </p:spPr>
-        <p:style>
-          <a:lnRef idx="2">
-            <a:schemeClr val="accent1">
-              <a:shade val="50000"/>
-            </a:schemeClr>
-          </a:lnRef>
-          <a:fillRef idx="1">
-            <a:schemeClr val="accent1"/>
-          </a:fillRef>
-          <a:effectRef idx="0">
-            <a:schemeClr val="accent1"/>
-          </a:effectRef>
-          <a:fontRef idx="minor">
-            <a:schemeClr val="lt1"/>
-          </a:fontRef>
-        </p:style>
-        <p:txBody>
-          <a:bodyPr rtlCol="0" anchor="ctr"/>
-          <a:lstStyle/>
-          <a:p>
-            <a:pPr algn="ctr"/>
-            <a:endParaRPr lang="ko-KR" altLang="en-US" b="1"/>
-          </a:p>
-        </p:txBody>
-      </p:sp>
-      <p:grpSp>
-        <p:nvGrpSpPr>
-          <p:cNvPr id="90" name="그룹 89"/>
-          <p:cNvGrpSpPr/>
-          <p:nvPr/>
-        </p:nvGrpSpPr>
-        <p:grpSpPr>
-          <a:xfrm>
-            <a:off x="3862046" y="4757714"/>
-            <a:ext cx="439226" cy="439226"/>
-            <a:chOff x="2728749" y="1818290"/>
-            <a:chExt cx="719959" cy="719959"/>
-          </a:xfrm>
-        </p:grpSpPr>
         <p:sp>
           <p:nvSpPr>
-            <p:cNvPr id="91" name="타원 90"/>
+            <p:cNvPr id="4" name="모서리가 둥근 직사각형 3"/>
             <p:cNvSpPr/>
             <p:nvPr/>
           </p:nvSpPr>
           <p:spPr>
             <a:xfrm>
-              <a:off x="2768164" y="1818290"/>
-              <a:ext cx="641131" cy="641131"/>
+              <a:off x="2490953" y="2543877"/>
+              <a:ext cx="7220606" cy="1770246"/>
             </a:xfrm>
-            <a:prstGeom prst="ellipse">
-              <a:avLst/>
+            <a:prstGeom prst="roundRect">
+              <a:avLst>
+                <a:gd name="adj" fmla="val 50000"/>
+              </a:avLst>
             </a:prstGeom>
             <a:solidFill>
               <a:schemeClr val="bg1"/>
@@ -4345,25 +3840,26 @@
             <a:lstStyle/>
             <a:p>
               <a:pPr algn="ctr"/>
-              <a:endParaRPr lang="ko-KR" altLang="en-US" b="1"/>
+              <a:endParaRPr lang="ko-KR" altLang="en-US" dirty="0">
+                <a:latin typeface="+mj-ea"/>
+                <a:ea typeface="+mj-ea"/>
+              </a:endParaRPr>
             </a:p>
           </p:txBody>
         </p:sp>
         <p:sp>
           <p:nvSpPr>
-            <p:cNvPr id="92" name="도넛 91"/>
+            <p:cNvPr id="5" name="타원 4"/>
             <p:cNvSpPr/>
             <p:nvPr/>
           </p:nvSpPr>
           <p:spPr>
             <a:xfrm>
-              <a:off x="2728749" y="1818290"/>
-              <a:ext cx="719959" cy="719959"/>
+              <a:off x="2785242" y="2766848"/>
+              <a:ext cx="1303282" cy="1303282"/>
             </a:xfrm>
-            <a:prstGeom prst="donut">
-              <a:avLst>
-                <a:gd name="adj" fmla="val 17241"/>
-              </a:avLst>
+            <a:prstGeom prst="ellipse">
+              <a:avLst/>
             </a:prstGeom>
             <a:solidFill>
               <a:srgbClr val="64C044"/>
@@ -4393,730 +3889,156 @@
             <a:lstStyle/>
             <a:p>
               <a:pPr algn="ctr"/>
-              <a:endParaRPr lang="ko-KR" altLang="en-US" b="1">
+              <a:endParaRPr lang="ko-KR" altLang="en-US">
+                <a:latin typeface="+mj-ea"/>
+                <a:ea typeface="+mj-ea"/>
+              </a:endParaRPr>
+            </a:p>
+          </p:txBody>
+        </p:sp>
+        <p:sp>
+          <p:nvSpPr>
+            <p:cNvPr id="6" name="TextBox 5"/>
+            <p:cNvSpPr txBox="1"/>
+            <p:nvPr/>
+          </p:nvSpPr>
+          <p:spPr>
+            <a:xfrm>
+              <a:off x="4298609" y="2969164"/>
+              <a:ext cx="4597226" cy="1216664"/>
+            </a:xfrm>
+            <a:prstGeom prst="rect">
+              <a:avLst/>
+            </a:prstGeom>
+            <a:noFill/>
+          </p:spPr>
+          <p:txBody>
+            <a:bodyPr wrap="square" rtlCol="0">
+              <a:spAutoFit/>
+            </a:bodyPr>
+            <a:lstStyle/>
+            <a:p>
+              <a:pPr algn="dist"/>
+              <a:r>
+                <a:rPr lang="ko-KR" altLang="en-US" sz="4800" b="1" dirty="0" smtClean="0">
+                  <a:latin typeface="+mj-ea"/>
+                  <a:ea typeface="+mj-ea"/>
+                </a:rPr>
+                <a:t>감사합니다</a:t>
+              </a:r>
+              <a:endParaRPr lang="en-US" altLang="ko-KR" sz="4800" b="1" dirty="0" smtClean="0">
+                <a:latin typeface="+mj-ea"/>
+                <a:ea typeface="+mj-ea"/>
+              </a:endParaRPr>
+            </a:p>
+          </p:txBody>
+        </p:sp>
+        <p:sp>
+          <p:nvSpPr>
+            <p:cNvPr id="10" name="TextBox 9"/>
+            <p:cNvSpPr txBox="1"/>
+            <p:nvPr/>
+          </p:nvSpPr>
+          <p:spPr>
+            <a:xfrm>
+              <a:off x="2995455" y="3013501"/>
+              <a:ext cx="976470" cy="830997"/>
+            </a:xfrm>
+            <a:prstGeom prst="rect">
+              <a:avLst/>
+            </a:prstGeom>
+            <a:noFill/>
+          </p:spPr>
+          <p:txBody>
+            <a:bodyPr wrap="square" rtlCol="0">
+              <a:spAutoFit/>
+            </a:bodyPr>
+            <a:lstStyle/>
+            <a:p>
+              <a:r>
+                <a:rPr lang="en-US" altLang="ko-KR" sz="4800" b="1" dirty="0" smtClean="0">
+                  <a:solidFill>
+                    <a:schemeClr val="bg1"/>
+                  </a:solidFill>
+                  <a:latin typeface="+mj-ea"/>
+                  <a:ea typeface="+mj-ea"/>
+                </a:rPr>
+                <a:t>20</a:t>
+              </a:r>
+              <a:endParaRPr lang="ko-KR" altLang="en-US" sz="4800" b="1" dirty="0">
                 <a:solidFill>
-                  <a:schemeClr val="tx1"/>
+                  <a:schemeClr val="bg1"/>
                 </a:solidFill>
+                <a:latin typeface="+mj-ea"/>
+                <a:ea typeface="+mj-ea"/>
               </a:endParaRPr>
             </a:p>
           </p:txBody>
         </p:sp>
       </p:grpSp>
-      <p:sp>
-        <p:nvSpPr>
-          <p:cNvPr id="84" name="직사각형 83"/>
-          <p:cNvSpPr/>
-          <p:nvPr/>
-        </p:nvSpPr>
-        <p:spPr>
-          <a:xfrm>
-            <a:off x="4025214" y="3479448"/>
-            <a:ext cx="128609" cy="712790"/>
-          </a:xfrm>
-          <a:prstGeom prst="rect">
-            <a:avLst/>
-          </a:prstGeom>
-          <a:solidFill>
-            <a:srgbClr val="64C044"/>
-          </a:solidFill>
-          <a:ln>
-            <a:noFill/>
-          </a:ln>
-        </p:spPr>
-        <p:style>
-          <a:lnRef idx="2">
-            <a:schemeClr val="accent1">
-              <a:shade val="50000"/>
-            </a:schemeClr>
-          </a:lnRef>
-          <a:fillRef idx="1">
-            <a:schemeClr val="accent1"/>
-          </a:fillRef>
-          <a:effectRef idx="0">
-            <a:schemeClr val="accent1"/>
-          </a:effectRef>
-          <a:fontRef idx="minor">
-            <a:schemeClr val="lt1"/>
-          </a:fontRef>
-        </p:style>
-        <p:txBody>
-          <a:bodyPr rtlCol="0" anchor="ctr"/>
-          <a:lstStyle/>
-          <a:p>
-            <a:pPr algn="ctr"/>
-            <a:endParaRPr lang="ko-KR" altLang="en-US" b="1"/>
-          </a:p>
-        </p:txBody>
-      </p:sp>
+    </p:spTree>
+    <p:extLst>
+      <p:ext uri="{BB962C8B-B14F-4D97-AF65-F5344CB8AC3E}">
+        <p14:creationId xmlns:p14="http://schemas.microsoft.com/office/powerpoint/2010/main" val="2912312662"/>
+      </p:ext>
+    </p:extLst>
+  </p:cSld>
+  <p:clrMapOvr>
+    <a:masterClrMapping/>
+  </p:clrMapOvr>
+  <p:timing>
+    <p:tnLst>
+      <p:par>
+        <p:cTn id="1" dur="indefinite" restart="never" nodeType="tmRoot"/>
+      </p:par>
+    </p:tnLst>
+  </p:timing>
+</p:sld>
+</file>
+
+<file path=ppt/slides/slide2.xml><?xml version="1.0" encoding="utf-8"?>
+<p:sld xmlns:a="http://schemas.openxmlformats.org/drawingml/2006/main" xmlns:r="http://schemas.openxmlformats.org/officeDocument/2006/relationships" xmlns:p="http://schemas.openxmlformats.org/presentationml/2006/main">
+  <p:cSld>
+    <p:spTree>
+      <p:nvGrpSpPr>
+        <p:cNvPr id="1" name=""/>
+        <p:cNvGrpSpPr/>
+        <p:nvPr/>
+      </p:nvGrpSpPr>
+      <p:grpSpPr>
+        <a:xfrm>
+          <a:off x="0" y="0"/>
+          <a:ext cx="0" cy="0"/>
+          <a:chOff x="0" y="0"/>
+          <a:chExt cx="0" cy="0"/>
+        </a:xfrm>
+      </p:grpSpPr>
       <p:grpSp>
         <p:nvGrpSpPr>
-          <p:cNvPr id="85" name="그룹 84"/>
+          <p:cNvPr id="3" name="그룹 2"/>
           <p:cNvGrpSpPr/>
           <p:nvPr/>
         </p:nvGrpSpPr>
         <p:grpSpPr>
           <a:xfrm>
-            <a:off x="3862046" y="3998013"/>
-            <a:ext cx="439226" cy="439226"/>
-            <a:chOff x="2728749" y="1818290"/>
-            <a:chExt cx="719959" cy="719959"/>
+            <a:off x="3448705" y="546394"/>
+            <a:ext cx="5580353" cy="5901555"/>
+            <a:chOff x="3448705" y="774994"/>
+            <a:chExt cx="5580353" cy="5901555"/>
           </a:xfrm>
         </p:grpSpPr>
         <p:sp>
           <p:nvSpPr>
-            <p:cNvPr id="86" name="타원 85"/>
+            <p:cNvPr id="43" name="직사각형 42"/>
             <p:cNvSpPr/>
             <p:nvPr/>
           </p:nvSpPr>
           <p:spPr>
             <a:xfrm>
-              <a:off x="2768164" y="1818290"/>
-              <a:ext cx="641131" cy="641131"/>
+              <a:off x="4025214" y="5710964"/>
+              <a:ext cx="128609" cy="712790"/>
             </a:xfrm>
-            <a:prstGeom prst="ellipse">
-              <a:avLst/>
-            </a:prstGeom>
-            <a:solidFill>
-              <a:schemeClr val="bg1"/>
-            </a:solidFill>
-            <a:ln>
-              <a:noFill/>
-            </a:ln>
-          </p:spPr>
-          <p:style>
-            <a:lnRef idx="2">
-              <a:schemeClr val="accent1">
-                <a:shade val="50000"/>
-              </a:schemeClr>
-            </a:lnRef>
-            <a:fillRef idx="1">
-              <a:schemeClr val="accent1"/>
-            </a:fillRef>
-            <a:effectRef idx="0">
-              <a:schemeClr val="accent1"/>
-            </a:effectRef>
-            <a:fontRef idx="minor">
-              <a:schemeClr val="lt1"/>
-            </a:fontRef>
-          </p:style>
-          <p:txBody>
-            <a:bodyPr rtlCol="0" anchor="ctr"/>
-            <a:lstStyle/>
-            <a:p>
-              <a:pPr algn="ctr"/>
-              <a:endParaRPr lang="ko-KR" altLang="en-US" b="1"/>
-            </a:p>
-          </p:txBody>
-        </p:sp>
-        <p:sp>
-          <p:nvSpPr>
-            <p:cNvPr id="87" name="도넛 86"/>
-            <p:cNvSpPr/>
-            <p:nvPr/>
-          </p:nvSpPr>
-          <p:spPr>
-            <a:xfrm>
-              <a:off x="2728749" y="1818290"/>
-              <a:ext cx="719959" cy="719959"/>
-            </a:xfrm>
-            <a:prstGeom prst="donut">
-              <a:avLst>
-                <a:gd name="adj" fmla="val 17241"/>
-              </a:avLst>
-            </a:prstGeom>
-            <a:solidFill>
-              <a:srgbClr val="64C044"/>
-            </a:solidFill>
-            <a:ln>
-              <a:noFill/>
-            </a:ln>
-          </p:spPr>
-          <p:style>
-            <a:lnRef idx="2">
-              <a:schemeClr val="accent1">
-                <a:shade val="50000"/>
-              </a:schemeClr>
-            </a:lnRef>
-            <a:fillRef idx="1">
-              <a:schemeClr val="accent1"/>
-            </a:fillRef>
-            <a:effectRef idx="0">
-              <a:schemeClr val="accent1"/>
-            </a:effectRef>
-            <a:fontRef idx="minor">
-              <a:schemeClr val="lt1"/>
-            </a:fontRef>
-          </p:style>
-          <p:txBody>
-            <a:bodyPr rtlCol="0" anchor="ctr"/>
-            <a:lstStyle/>
-            <a:p>
-              <a:pPr algn="ctr"/>
-              <a:endParaRPr lang="ko-KR" altLang="en-US" b="1">
-                <a:solidFill>
-                  <a:schemeClr val="tx1"/>
-                </a:solidFill>
-              </a:endParaRPr>
-            </a:p>
-          </p:txBody>
-        </p:sp>
-      </p:grpSp>
-      <p:sp>
-        <p:nvSpPr>
-          <p:cNvPr id="79" name="직사각형 78"/>
-          <p:cNvSpPr/>
-          <p:nvPr/>
-        </p:nvSpPr>
-        <p:spPr>
-          <a:xfrm>
-            <a:off x="4025214" y="2719747"/>
-            <a:ext cx="128609" cy="712790"/>
-          </a:xfrm>
-          <a:prstGeom prst="rect">
-            <a:avLst/>
-          </a:prstGeom>
-          <a:solidFill>
-            <a:srgbClr val="64C044"/>
-          </a:solidFill>
-          <a:ln>
-            <a:noFill/>
-          </a:ln>
-        </p:spPr>
-        <p:style>
-          <a:lnRef idx="2">
-            <a:schemeClr val="accent1">
-              <a:shade val="50000"/>
-            </a:schemeClr>
-          </a:lnRef>
-          <a:fillRef idx="1">
-            <a:schemeClr val="accent1"/>
-          </a:fillRef>
-          <a:effectRef idx="0">
-            <a:schemeClr val="accent1"/>
-          </a:effectRef>
-          <a:fontRef idx="minor">
-            <a:schemeClr val="lt1"/>
-          </a:fontRef>
-        </p:style>
-        <p:txBody>
-          <a:bodyPr rtlCol="0" anchor="ctr"/>
-          <a:lstStyle/>
-          <a:p>
-            <a:pPr algn="ctr"/>
-            <a:endParaRPr lang="ko-KR" altLang="en-US" b="1"/>
-          </a:p>
-        </p:txBody>
-      </p:sp>
-      <p:grpSp>
-        <p:nvGrpSpPr>
-          <p:cNvPr id="80" name="그룹 79"/>
-          <p:cNvGrpSpPr/>
-          <p:nvPr/>
-        </p:nvGrpSpPr>
-        <p:grpSpPr>
-          <a:xfrm>
-            <a:off x="3862046" y="3238312"/>
-            <a:ext cx="439226" cy="439226"/>
-            <a:chOff x="2728749" y="1818290"/>
-            <a:chExt cx="719959" cy="719959"/>
-          </a:xfrm>
-        </p:grpSpPr>
-        <p:sp>
-          <p:nvSpPr>
-            <p:cNvPr id="81" name="타원 80"/>
-            <p:cNvSpPr/>
-            <p:nvPr/>
-          </p:nvSpPr>
-          <p:spPr>
-            <a:xfrm>
-              <a:off x="2768164" y="1818290"/>
-              <a:ext cx="641131" cy="641131"/>
-            </a:xfrm>
-            <a:prstGeom prst="ellipse">
-              <a:avLst/>
-            </a:prstGeom>
-            <a:solidFill>
-              <a:schemeClr val="bg1"/>
-            </a:solidFill>
-            <a:ln>
-              <a:noFill/>
-            </a:ln>
-          </p:spPr>
-          <p:style>
-            <a:lnRef idx="2">
-              <a:schemeClr val="accent1">
-                <a:shade val="50000"/>
-              </a:schemeClr>
-            </a:lnRef>
-            <a:fillRef idx="1">
-              <a:schemeClr val="accent1"/>
-            </a:fillRef>
-            <a:effectRef idx="0">
-              <a:schemeClr val="accent1"/>
-            </a:effectRef>
-            <a:fontRef idx="minor">
-              <a:schemeClr val="lt1"/>
-            </a:fontRef>
-          </p:style>
-          <p:txBody>
-            <a:bodyPr rtlCol="0" anchor="ctr"/>
-            <a:lstStyle/>
-            <a:p>
-              <a:pPr algn="ctr"/>
-              <a:endParaRPr lang="ko-KR" altLang="en-US" b="1"/>
-            </a:p>
-          </p:txBody>
-        </p:sp>
-        <p:sp>
-          <p:nvSpPr>
-            <p:cNvPr id="82" name="도넛 81"/>
-            <p:cNvSpPr/>
-            <p:nvPr/>
-          </p:nvSpPr>
-          <p:spPr>
-            <a:xfrm>
-              <a:off x="2728749" y="1818290"/>
-              <a:ext cx="719959" cy="719959"/>
-            </a:xfrm>
-            <a:prstGeom prst="donut">
-              <a:avLst>
-                <a:gd name="adj" fmla="val 17241"/>
-              </a:avLst>
-            </a:prstGeom>
-            <a:solidFill>
-              <a:srgbClr val="64C044"/>
-            </a:solidFill>
-            <a:ln>
-              <a:noFill/>
-            </a:ln>
-          </p:spPr>
-          <p:style>
-            <a:lnRef idx="2">
-              <a:schemeClr val="accent1">
-                <a:shade val="50000"/>
-              </a:schemeClr>
-            </a:lnRef>
-            <a:fillRef idx="1">
-              <a:schemeClr val="accent1"/>
-            </a:fillRef>
-            <a:effectRef idx="0">
-              <a:schemeClr val="accent1"/>
-            </a:effectRef>
-            <a:fontRef idx="minor">
-              <a:schemeClr val="lt1"/>
-            </a:fontRef>
-          </p:style>
-          <p:txBody>
-            <a:bodyPr rtlCol="0" anchor="ctr"/>
-            <a:lstStyle/>
-            <a:p>
-              <a:pPr algn="ctr"/>
-              <a:endParaRPr lang="ko-KR" altLang="en-US" b="1">
-                <a:solidFill>
-                  <a:schemeClr val="tx1"/>
-                </a:solidFill>
-              </a:endParaRPr>
-            </a:p>
-          </p:txBody>
-        </p:sp>
-      </p:grpSp>
-      <p:sp>
-        <p:nvSpPr>
-          <p:cNvPr id="74" name="직사각형 73"/>
-          <p:cNvSpPr/>
-          <p:nvPr/>
-        </p:nvSpPr>
-        <p:spPr>
-          <a:xfrm>
-            <a:off x="4025214" y="1960046"/>
-            <a:ext cx="128609" cy="712790"/>
-          </a:xfrm>
-          <a:prstGeom prst="rect">
-            <a:avLst/>
-          </a:prstGeom>
-          <a:solidFill>
-            <a:srgbClr val="64C044"/>
-          </a:solidFill>
-          <a:ln>
-            <a:noFill/>
-          </a:ln>
-        </p:spPr>
-        <p:style>
-          <a:lnRef idx="2">
-            <a:schemeClr val="accent1">
-              <a:shade val="50000"/>
-            </a:schemeClr>
-          </a:lnRef>
-          <a:fillRef idx="1">
-            <a:schemeClr val="accent1"/>
-          </a:fillRef>
-          <a:effectRef idx="0">
-            <a:schemeClr val="accent1"/>
-          </a:effectRef>
-          <a:fontRef idx="minor">
-            <a:schemeClr val="lt1"/>
-          </a:fontRef>
-        </p:style>
-        <p:txBody>
-          <a:bodyPr rtlCol="0" anchor="ctr"/>
-          <a:lstStyle/>
-          <a:p>
-            <a:pPr algn="ctr"/>
-            <a:endParaRPr lang="ko-KR" altLang="en-US" b="1"/>
-          </a:p>
-        </p:txBody>
-      </p:sp>
-      <p:grpSp>
-        <p:nvGrpSpPr>
-          <p:cNvPr id="75" name="그룹 74"/>
-          <p:cNvGrpSpPr/>
-          <p:nvPr/>
-        </p:nvGrpSpPr>
-        <p:grpSpPr>
-          <a:xfrm>
-            <a:off x="3862046" y="2478611"/>
-            <a:ext cx="439226" cy="439226"/>
-            <a:chOff x="2728749" y="1818290"/>
-            <a:chExt cx="719959" cy="719959"/>
-          </a:xfrm>
-        </p:grpSpPr>
-        <p:sp>
-          <p:nvSpPr>
-            <p:cNvPr id="76" name="타원 75"/>
-            <p:cNvSpPr/>
-            <p:nvPr/>
-          </p:nvSpPr>
-          <p:spPr>
-            <a:xfrm>
-              <a:off x="2768164" y="1818290"/>
-              <a:ext cx="641131" cy="641131"/>
-            </a:xfrm>
-            <a:prstGeom prst="ellipse">
-              <a:avLst/>
-            </a:prstGeom>
-            <a:solidFill>
-              <a:schemeClr val="bg1"/>
-            </a:solidFill>
-            <a:ln>
-              <a:noFill/>
-            </a:ln>
-          </p:spPr>
-          <p:style>
-            <a:lnRef idx="2">
-              <a:schemeClr val="accent1">
-                <a:shade val="50000"/>
-              </a:schemeClr>
-            </a:lnRef>
-            <a:fillRef idx="1">
-              <a:schemeClr val="accent1"/>
-            </a:fillRef>
-            <a:effectRef idx="0">
-              <a:schemeClr val="accent1"/>
-            </a:effectRef>
-            <a:fontRef idx="minor">
-              <a:schemeClr val="lt1"/>
-            </a:fontRef>
-          </p:style>
-          <p:txBody>
-            <a:bodyPr rtlCol="0" anchor="ctr"/>
-            <a:lstStyle/>
-            <a:p>
-              <a:pPr algn="ctr"/>
-              <a:endParaRPr lang="ko-KR" altLang="en-US" b="1"/>
-            </a:p>
-          </p:txBody>
-        </p:sp>
-        <p:sp>
-          <p:nvSpPr>
-            <p:cNvPr id="77" name="도넛 76"/>
-            <p:cNvSpPr/>
-            <p:nvPr/>
-          </p:nvSpPr>
-          <p:spPr>
-            <a:xfrm>
-              <a:off x="2728749" y="1818290"/>
-              <a:ext cx="719959" cy="719959"/>
-            </a:xfrm>
-            <a:prstGeom prst="donut">
-              <a:avLst>
-                <a:gd name="adj" fmla="val 17241"/>
-              </a:avLst>
-            </a:prstGeom>
-            <a:solidFill>
-              <a:srgbClr val="64C044"/>
-            </a:solidFill>
-            <a:ln>
-              <a:noFill/>
-            </a:ln>
-          </p:spPr>
-          <p:style>
-            <a:lnRef idx="2">
-              <a:schemeClr val="accent1">
-                <a:shade val="50000"/>
-              </a:schemeClr>
-            </a:lnRef>
-            <a:fillRef idx="1">
-              <a:schemeClr val="accent1"/>
-            </a:fillRef>
-            <a:effectRef idx="0">
-              <a:schemeClr val="accent1"/>
-            </a:effectRef>
-            <a:fontRef idx="minor">
-              <a:schemeClr val="lt1"/>
-            </a:fontRef>
-          </p:style>
-          <p:txBody>
-            <a:bodyPr rtlCol="0" anchor="ctr"/>
-            <a:lstStyle/>
-            <a:p>
-              <a:pPr algn="ctr"/>
-              <a:endParaRPr lang="ko-KR" altLang="en-US" b="1">
-                <a:solidFill>
-                  <a:schemeClr val="tx1"/>
-                </a:solidFill>
-              </a:endParaRPr>
-            </a:p>
-          </p:txBody>
-        </p:sp>
-      </p:grpSp>
-      <p:sp>
-        <p:nvSpPr>
-          <p:cNvPr id="21" name="직사각형 20"/>
-          <p:cNvSpPr/>
-          <p:nvPr/>
-        </p:nvSpPr>
-        <p:spPr>
-          <a:xfrm>
-            <a:off x="4025214" y="1200345"/>
-            <a:ext cx="128609" cy="712790"/>
-          </a:xfrm>
-          <a:prstGeom prst="rect">
-            <a:avLst/>
-          </a:prstGeom>
-          <a:solidFill>
-            <a:srgbClr val="64C044"/>
-          </a:solidFill>
-          <a:ln>
-            <a:noFill/>
-          </a:ln>
-        </p:spPr>
-        <p:style>
-          <a:lnRef idx="2">
-            <a:schemeClr val="accent1">
-              <a:shade val="50000"/>
-            </a:schemeClr>
-          </a:lnRef>
-          <a:fillRef idx="1">
-            <a:schemeClr val="accent1"/>
-          </a:fillRef>
-          <a:effectRef idx="0">
-            <a:schemeClr val="accent1"/>
-          </a:effectRef>
-          <a:fontRef idx="minor">
-            <a:schemeClr val="lt1"/>
-          </a:fontRef>
-        </p:style>
-        <p:txBody>
-          <a:bodyPr rtlCol="0" anchor="ctr"/>
-          <a:lstStyle/>
-          <a:p>
-            <a:pPr algn="ctr"/>
-            <a:endParaRPr lang="ko-KR" altLang="en-US" b="1"/>
-          </a:p>
-        </p:txBody>
-      </p:sp>
-      <p:grpSp>
-        <p:nvGrpSpPr>
-          <p:cNvPr id="24" name="그룹 23"/>
-          <p:cNvGrpSpPr/>
-          <p:nvPr/>
-        </p:nvGrpSpPr>
-        <p:grpSpPr>
-          <a:xfrm>
-            <a:off x="3862046" y="1718910"/>
-            <a:ext cx="439226" cy="439226"/>
-            <a:chOff x="2728749" y="1818290"/>
-            <a:chExt cx="719959" cy="719959"/>
-          </a:xfrm>
-        </p:grpSpPr>
-        <p:sp>
-          <p:nvSpPr>
-            <p:cNvPr id="5" name="타원 4"/>
-            <p:cNvSpPr/>
-            <p:nvPr/>
-          </p:nvSpPr>
-          <p:spPr>
-            <a:xfrm>
-              <a:off x="2768164" y="1818290"/>
-              <a:ext cx="641131" cy="641131"/>
-            </a:xfrm>
-            <a:prstGeom prst="ellipse">
-              <a:avLst/>
-            </a:prstGeom>
-            <a:solidFill>
-              <a:schemeClr val="bg1"/>
-            </a:solidFill>
-            <a:ln>
-              <a:noFill/>
-            </a:ln>
-          </p:spPr>
-          <p:style>
-            <a:lnRef idx="2">
-              <a:schemeClr val="accent1">
-                <a:shade val="50000"/>
-              </a:schemeClr>
-            </a:lnRef>
-            <a:fillRef idx="1">
-              <a:schemeClr val="accent1"/>
-            </a:fillRef>
-            <a:effectRef idx="0">
-              <a:schemeClr val="accent1"/>
-            </a:effectRef>
-            <a:fontRef idx="minor">
-              <a:schemeClr val="lt1"/>
-            </a:fontRef>
-          </p:style>
-          <p:txBody>
-            <a:bodyPr rtlCol="0" anchor="ctr"/>
-            <a:lstStyle/>
-            <a:p>
-              <a:pPr algn="ctr"/>
-              <a:endParaRPr lang="ko-KR" altLang="en-US" b="1"/>
-            </a:p>
-          </p:txBody>
-        </p:sp>
-        <p:sp>
-          <p:nvSpPr>
-            <p:cNvPr id="6" name="도넛 5"/>
-            <p:cNvSpPr/>
-            <p:nvPr/>
-          </p:nvSpPr>
-          <p:spPr>
-            <a:xfrm>
-              <a:off x="2728749" y="1818290"/>
-              <a:ext cx="719959" cy="719959"/>
-            </a:xfrm>
-            <a:prstGeom prst="donut">
-              <a:avLst>
-                <a:gd name="adj" fmla="val 17241"/>
-              </a:avLst>
-            </a:prstGeom>
-            <a:solidFill>
-              <a:srgbClr val="64C044"/>
-            </a:solidFill>
-            <a:ln>
-              <a:noFill/>
-            </a:ln>
-          </p:spPr>
-          <p:style>
-            <a:lnRef idx="2">
-              <a:schemeClr val="accent1">
-                <a:shade val="50000"/>
-              </a:schemeClr>
-            </a:lnRef>
-            <a:fillRef idx="1">
-              <a:schemeClr val="accent1"/>
-            </a:fillRef>
-            <a:effectRef idx="0">
-              <a:schemeClr val="accent1"/>
-            </a:effectRef>
-            <a:fontRef idx="minor">
-              <a:schemeClr val="lt1"/>
-            </a:fontRef>
-          </p:style>
-          <p:txBody>
-            <a:bodyPr rtlCol="0" anchor="ctr"/>
-            <a:lstStyle/>
-            <a:p>
-              <a:pPr algn="ctr"/>
-              <a:endParaRPr lang="ko-KR" altLang="en-US" b="1">
-                <a:solidFill>
-                  <a:schemeClr val="tx1"/>
-                </a:solidFill>
-              </a:endParaRPr>
-            </a:p>
-          </p:txBody>
-        </p:sp>
-      </p:grpSp>
-      <p:grpSp>
-        <p:nvGrpSpPr>
-          <p:cNvPr id="14" name="그룹 13"/>
-          <p:cNvGrpSpPr/>
-          <p:nvPr/>
-        </p:nvGrpSpPr>
-        <p:grpSpPr>
-          <a:xfrm>
-            <a:off x="3448705" y="846248"/>
-            <a:ext cx="1265908" cy="565381"/>
-            <a:chOff x="3448704" y="756745"/>
-            <a:chExt cx="1206065" cy="538654"/>
-          </a:xfrm>
-        </p:grpSpPr>
-        <p:sp>
-          <p:nvSpPr>
-            <p:cNvPr id="47" name="모서리가 둥근 직사각형 46"/>
-            <p:cNvSpPr/>
-            <p:nvPr/>
-          </p:nvSpPr>
-          <p:spPr>
-            <a:xfrm>
-              <a:off x="3448704" y="756745"/>
-              <a:ext cx="1206065" cy="538654"/>
-            </a:xfrm>
-            <a:prstGeom prst="roundRect">
-              <a:avLst>
-                <a:gd name="adj" fmla="val 50000"/>
-              </a:avLst>
-            </a:prstGeom>
-            <a:solidFill>
-              <a:schemeClr val="bg1"/>
-            </a:solidFill>
-            <a:ln w="57150">
-              <a:solidFill>
-                <a:schemeClr val="tx1">
-                  <a:lumMod val="50000"/>
-                  <a:lumOff val="50000"/>
-                </a:schemeClr>
-              </a:solidFill>
-            </a:ln>
-          </p:spPr>
-          <p:style>
-            <a:lnRef idx="2">
-              <a:schemeClr val="accent1">
-                <a:shade val="50000"/>
-              </a:schemeClr>
-            </a:lnRef>
-            <a:fillRef idx="1">
-              <a:schemeClr val="accent1"/>
-            </a:fillRef>
-            <a:effectRef idx="0">
-              <a:schemeClr val="accent1"/>
-            </a:effectRef>
-            <a:fontRef idx="minor">
-              <a:schemeClr val="lt1"/>
-            </a:fontRef>
-          </p:style>
-          <p:txBody>
-            <a:bodyPr rtlCol="0" anchor="ctr"/>
-            <a:lstStyle/>
-            <a:p>
-              <a:pPr algn="ctr"/>
-              <a:endParaRPr lang="ko-KR" altLang="en-US" b="1"/>
-            </a:p>
-          </p:txBody>
-        </p:sp>
-        <p:sp>
-          <p:nvSpPr>
-            <p:cNvPr id="48" name="타원 47"/>
-            <p:cNvSpPr/>
-            <p:nvPr/>
-          </p:nvSpPr>
-          <p:spPr>
-            <a:xfrm>
-              <a:off x="3626069" y="846740"/>
-              <a:ext cx="358663" cy="358663"/>
-            </a:xfrm>
-            <a:prstGeom prst="ellipse">
+            <a:prstGeom prst="rect">
               <a:avLst/>
             </a:prstGeom>
             <a:solidFill>
@@ -5153,20 +4075,429 @@
         </p:sp>
         <p:sp>
           <p:nvSpPr>
-            <p:cNvPr id="49" name="타원 48"/>
+            <p:cNvPr id="23" name="타원 22"/>
             <p:cNvSpPr/>
             <p:nvPr/>
           </p:nvSpPr>
           <p:spPr>
             <a:xfrm>
-              <a:off x="4108969" y="846740"/>
-              <a:ext cx="358663" cy="358663"/>
+              <a:off x="4739655" y="1715653"/>
+              <a:ext cx="445740" cy="445740"/>
             </a:xfrm>
             <a:prstGeom prst="ellipse">
               <a:avLst/>
             </a:prstGeom>
             <a:solidFill>
-              <a:srgbClr val="00B0F0"/>
+              <a:srgbClr val="64C044"/>
+            </a:solidFill>
+            <a:ln>
+              <a:noFill/>
+            </a:ln>
+          </p:spPr>
+          <p:style>
+            <a:lnRef idx="2">
+              <a:schemeClr val="accent1">
+                <a:shade val="50000"/>
+              </a:schemeClr>
+            </a:lnRef>
+            <a:fillRef idx="1">
+              <a:schemeClr val="accent1"/>
+            </a:fillRef>
+            <a:effectRef idx="0">
+              <a:schemeClr val="accent1"/>
+            </a:effectRef>
+            <a:fontRef idx="minor">
+              <a:schemeClr val="lt1"/>
+            </a:fontRef>
+          </p:style>
+          <p:txBody>
+            <a:bodyPr rtlCol="0" anchor="ctr"/>
+            <a:lstStyle/>
+            <a:p>
+              <a:pPr algn="ctr"/>
+              <a:r>
+                <a:rPr lang="en-US" altLang="ko-KR" sz="2400" b="1" dirty="0" smtClean="0">
+                  <a:ea typeface="12롯데마트드림Bold" panose="02020603020101020101" pitchFamily="18" charset="-127"/>
+                </a:rPr>
+                <a:t>1</a:t>
+              </a:r>
+              <a:endParaRPr lang="ko-KR" altLang="en-US" sz="2400" b="1" dirty="0">
+                <a:ea typeface="12롯데마트드림Bold" panose="02020603020101020101" pitchFamily="18" charset="-127"/>
+              </a:endParaRPr>
+            </a:p>
+          </p:txBody>
+        </p:sp>
+        <p:sp>
+          <p:nvSpPr>
+            <p:cNvPr id="40" name="타원 39"/>
+            <p:cNvSpPr/>
+            <p:nvPr/>
+          </p:nvSpPr>
+          <p:spPr>
+            <a:xfrm>
+              <a:off x="4739655" y="2472097"/>
+              <a:ext cx="445740" cy="445740"/>
+            </a:xfrm>
+            <a:prstGeom prst="ellipse">
+              <a:avLst/>
+            </a:prstGeom>
+            <a:solidFill>
+              <a:srgbClr val="64C044"/>
+            </a:solidFill>
+            <a:ln>
+              <a:noFill/>
+            </a:ln>
+          </p:spPr>
+          <p:style>
+            <a:lnRef idx="2">
+              <a:schemeClr val="accent1">
+                <a:shade val="50000"/>
+              </a:schemeClr>
+            </a:lnRef>
+            <a:fillRef idx="1">
+              <a:schemeClr val="accent1"/>
+            </a:fillRef>
+            <a:effectRef idx="0">
+              <a:schemeClr val="accent1"/>
+            </a:effectRef>
+            <a:fontRef idx="minor">
+              <a:schemeClr val="lt1"/>
+            </a:fontRef>
+          </p:style>
+          <p:txBody>
+            <a:bodyPr rtlCol="0" anchor="ctr"/>
+            <a:lstStyle/>
+            <a:p>
+              <a:pPr algn="ctr"/>
+              <a:r>
+                <a:rPr lang="en-US" altLang="ko-KR" sz="2400" b="1" dirty="0" smtClean="0">
+                  <a:ea typeface="12롯데마트드림Bold" panose="02020603020101020101" pitchFamily="18" charset="-127"/>
+                </a:rPr>
+                <a:t>2</a:t>
+              </a:r>
+              <a:endParaRPr lang="ko-KR" altLang="en-US" sz="2400" b="1" dirty="0">
+                <a:ea typeface="12롯데마트드림Bold" panose="02020603020101020101" pitchFamily="18" charset="-127"/>
+              </a:endParaRPr>
+            </a:p>
+          </p:txBody>
+        </p:sp>
+        <p:sp>
+          <p:nvSpPr>
+            <p:cNvPr id="41" name="타원 40"/>
+            <p:cNvSpPr/>
+            <p:nvPr/>
+          </p:nvSpPr>
+          <p:spPr>
+            <a:xfrm>
+              <a:off x="4739655" y="3256578"/>
+              <a:ext cx="445740" cy="445740"/>
+            </a:xfrm>
+            <a:prstGeom prst="ellipse">
+              <a:avLst/>
+            </a:prstGeom>
+            <a:solidFill>
+              <a:srgbClr val="64C044"/>
+            </a:solidFill>
+            <a:ln>
+              <a:noFill/>
+            </a:ln>
+          </p:spPr>
+          <p:style>
+            <a:lnRef idx="2">
+              <a:schemeClr val="accent1">
+                <a:shade val="50000"/>
+              </a:schemeClr>
+            </a:lnRef>
+            <a:fillRef idx="1">
+              <a:schemeClr val="accent1"/>
+            </a:fillRef>
+            <a:effectRef idx="0">
+              <a:schemeClr val="accent1"/>
+            </a:effectRef>
+            <a:fontRef idx="minor">
+              <a:schemeClr val="lt1"/>
+            </a:fontRef>
+          </p:style>
+          <p:txBody>
+            <a:bodyPr rtlCol="0" anchor="ctr"/>
+            <a:lstStyle/>
+            <a:p>
+              <a:pPr algn="ctr"/>
+              <a:r>
+                <a:rPr lang="en-US" altLang="ko-KR" sz="2400" b="1" dirty="0" smtClean="0">
+                  <a:ea typeface="12롯데마트드림Bold" panose="02020603020101020101" pitchFamily="18" charset="-127"/>
+                </a:rPr>
+                <a:t>3</a:t>
+              </a:r>
+              <a:endParaRPr lang="ko-KR" altLang="en-US" sz="2400" b="1" dirty="0">
+                <a:ea typeface="12롯데마트드림Bold" panose="02020603020101020101" pitchFamily="18" charset="-127"/>
+              </a:endParaRPr>
+            </a:p>
+          </p:txBody>
+        </p:sp>
+        <p:sp>
+          <p:nvSpPr>
+            <p:cNvPr id="42" name="타원 41"/>
+            <p:cNvSpPr/>
+            <p:nvPr/>
+          </p:nvSpPr>
+          <p:spPr>
+            <a:xfrm>
+              <a:off x="4739655" y="3970710"/>
+              <a:ext cx="445740" cy="445740"/>
+            </a:xfrm>
+            <a:prstGeom prst="ellipse">
+              <a:avLst/>
+            </a:prstGeom>
+            <a:solidFill>
+              <a:srgbClr val="64C044"/>
+            </a:solidFill>
+            <a:ln>
+              <a:noFill/>
+            </a:ln>
+          </p:spPr>
+          <p:style>
+            <a:lnRef idx="2">
+              <a:schemeClr val="accent1">
+                <a:shade val="50000"/>
+              </a:schemeClr>
+            </a:lnRef>
+            <a:fillRef idx="1">
+              <a:schemeClr val="accent1"/>
+            </a:fillRef>
+            <a:effectRef idx="0">
+              <a:schemeClr val="accent1"/>
+            </a:effectRef>
+            <a:fontRef idx="minor">
+              <a:schemeClr val="lt1"/>
+            </a:fontRef>
+          </p:style>
+          <p:txBody>
+            <a:bodyPr rtlCol="0" anchor="ctr"/>
+            <a:lstStyle/>
+            <a:p>
+              <a:pPr algn="ctr"/>
+              <a:r>
+                <a:rPr lang="en-US" altLang="ko-KR" sz="2400" b="1" dirty="0" smtClean="0">
+                  <a:ea typeface="12롯데마트드림Bold" panose="02020603020101020101" pitchFamily="18" charset="-127"/>
+                </a:rPr>
+                <a:t>4</a:t>
+              </a:r>
+              <a:endParaRPr lang="ko-KR" altLang="en-US" sz="2400" b="1" dirty="0">
+                <a:ea typeface="12롯데마트드림Bold" panose="02020603020101020101" pitchFamily="18" charset="-127"/>
+              </a:endParaRPr>
+            </a:p>
+          </p:txBody>
+        </p:sp>
+        <p:sp>
+          <p:nvSpPr>
+            <p:cNvPr id="2" name="TextBox 1"/>
+            <p:cNvSpPr txBox="1"/>
+            <p:nvPr/>
+          </p:nvSpPr>
+          <p:spPr>
+            <a:xfrm>
+              <a:off x="5485308" y="1676913"/>
+              <a:ext cx="1273086" cy="523220"/>
+            </a:xfrm>
+            <a:prstGeom prst="rect">
+              <a:avLst/>
+            </a:prstGeom>
+            <a:noFill/>
+          </p:spPr>
+          <p:txBody>
+            <a:bodyPr wrap="square" rtlCol="0">
+              <a:spAutoFit/>
+            </a:bodyPr>
+            <a:lstStyle/>
+            <a:p>
+              <a:r>
+                <a:rPr lang="ko-KR" altLang="en-US" sz="2800" b="1" dirty="0" smtClean="0"/>
+                <a:t>검색</a:t>
+              </a:r>
+              <a:endParaRPr lang="ko-KR" altLang="en-US" sz="2800" b="1" dirty="0"/>
+            </a:p>
+          </p:txBody>
+        </p:sp>
+        <p:sp>
+          <p:nvSpPr>
+            <p:cNvPr id="34" name="TextBox 33"/>
+            <p:cNvSpPr txBox="1"/>
+            <p:nvPr/>
+          </p:nvSpPr>
+          <p:spPr>
+            <a:xfrm>
+              <a:off x="5319905" y="774994"/>
+              <a:ext cx="1224372" cy="707886"/>
+            </a:xfrm>
+            <a:prstGeom prst="rect">
+              <a:avLst/>
+            </a:prstGeom>
+            <a:noFill/>
+          </p:spPr>
+          <p:txBody>
+            <a:bodyPr wrap="square" rtlCol="0">
+              <a:spAutoFit/>
+            </a:bodyPr>
+            <a:lstStyle/>
+            <a:p>
+              <a:r>
+                <a:rPr lang="ko-KR" altLang="en-US" sz="4000" b="1" dirty="0" smtClean="0"/>
+                <a:t>목차</a:t>
+              </a:r>
+              <a:endParaRPr lang="ko-KR" altLang="en-US" sz="4000" b="1" dirty="0"/>
+            </a:p>
+          </p:txBody>
+        </p:sp>
+        <p:sp>
+          <p:nvSpPr>
+            <p:cNvPr id="4" name="TextBox 3"/>
+            <p:cNvSpPr txBox="1"/>
+            <p:nvPr/>
+          </p:nvSpPr>
+          <p:spPr>
+            <a:xfrm>
+              <a:off x="5485308" y="2474904"/>
+              <a:ext cx="1684153" cy="523220"/>
+            </a:xfrm>
+            <a:prstGeom prst="rect">
+              <a:avLst/>
+            </a:prstGeom>
+            <a:noFill/>
+          </p:spPr>
+          <p:txBody>
+            <a:bodyPr wrap="square" rtlCol="0">
+              <a:spAutoFit/>
+            </a:bodyPr>
+            <a:lstStyle/>
+            <a:p>
+              <a:r>
+                <a:rPr lang="ko-KR" altLang="en-US" sz="2800" b="1" dirty="0" err="1" smtClean="0"/>
+                <a:t>이메일</a:t>
+              </a:r>
+              <a:endParaRPr lang="ko-KR" altLang="en-US" sz="2800" b="1" dirty="0"/>
+            </a:p>
+          </p:txBody>
+        </p:sp>
+        <p:sp>
+          <p:nvSpPr>
+            <p:cNvPr id="8" name="TextBox 7"/>
+            <p:cNvSpPr txBox="1"/>
+            <p:nvPr/>
+          </p:nvSpPr>
+          <p:spPr>
+            <a:xfrm>
+              <a:off x="5485308" y="3202912"/>
+              <a:ext cx="3543750" cy="954107"/>
+            </a:xfrm>
+            <a:prstGeom prst="rect">
+              <a:avLst/>
+            </a:prstGeom>
+            <a:noFill/>
+          </p:spPr>
+          <p:txBody>
+            <a:bodyPr wrap="square" rtlCol="0">
+              <a:spAutoFit/>
+            </a:bodyPr>
+            <a:lstStyle/>
+            <a:p>
+              <a:r>
+                <a:rPr lang="ko-KR" altLang="en-US" sz="2800" b="1" dirty="0" smtClean="0"/>
+                <a:t>이미지</a:t>
+              </a:r>
+              <a:r>
+                <a:rPr lang="en-US" altLang="ko-KR" sz="2800" b="1" dirty="0" smtClean="0"/>
+                <a:t>,</a:t>
+              </a:r>
+              <a:r>
+                <a:rPr lang="ko-KR" altLang="en-US" sz="2800" b="1" dirty="0"/>
+                <a:t> 그래프</a:t>
+              </a:r>
+            </a:p>
+            <a:p>
+              <a:endParaRPr lang="ko-KR" altLang="en-US" sz="2800" b="1" dirty="0"/>
+            </a:p>
+          </p:txBody>
+        </p:sp>
+        <p:sp>
+          <p:nvSpPr>
+            <p:cNvPr id="11" name="TextBox 10"/>
+            <p:cNvSpPr txBox="1"/>
+            <p:nvPr/>
+          </p:nvSpPr>
+          <p:spPr>
+            <a:xfrm>
+              <a:off x="5485308" y="3930628"/>
+              <a:ext cx="2117939" cy="523220"/>
+            </a:xfrm>
+            <a:prstGeom prst="rect">
+              <a:avLst/>
+            </a:prstGeom>
+            <a:noFill/>
+          </p:spPr>
+          <p:txBody>
+            <a:bodyPr wrap="square" rtlCol="0">
+              <a:spAutoFit/>
+            </a:bodyPr>
+            <a:lstStyle/>
+            <a:p>
+              <a:r>
+                <a:rPr lang="ko-KR" altLang="en-US" sz="2800" b="1" dirty="0"/>
+                <a:t>지도연동</a:t>
+              </a:r>
+            </a:p>
+          </p:txBody>
+        </p:sp>
+        <p:sp>
+          <p:nvSpPr>
+            <p:cNvPr id="13" name="TextBox 12"/>
+            <p:cNvSpPr txBox="1"/>
+            <p:nvPr/>
+          </p:nvSpPr>
+          <p:spPr>
+            <a:xfrm>
+              <a:off x="5485308" y="4644760"/>
+              <a:ext cx="2181137" cy="523220"/>
+            </a:xfrm>
+            <a:prstGeom prst="rect">
+              <a:avLst/>
+            </a:prstGeom>
+            <a:noFill/>
+          </p:spPr>
+          <p:txBody>
+            <a:bodyPr wrap="square" rtlCol="0">
+              <a:spAutoFit/>
+            </a:bodyPr>
+            <a:lstStyle/>
+            <a:p>
+              <a:r>
+                <a:rPr lang="ko-KR" altLang="en-US" sz="2800" b="1" dirty="0" err="1" smtClean="0"/>
+                <a:t>텔레그램</a:t>
+              </a:r>
+              <a:r>
+                <a:rPr lang="ko-KR" altLang="en-US" sz="2800" b="1" dirty="0" smtClean="0"/>
+                <a:t> </a:t>
+              </a:r>
+              <a:endParaRPr lang="ko-KR" altLang="en-US" sz="2800" b="1" dirty="0"/>
+            </a:p>
+          </p:txBody>
+        </p:sp>
+        <p:sp>
+          <p:nvSpPr>
+            <p:cNvPr id="99" name="직사각형 98"/>
+            <p:cNvSpPr/>
+            <p:nvPr/>
+          </p:nvSpPr>
+          <p:spPr>
+            <a:xfrm>
+              <a:off x="4025214" y="4998850"/>
+              <a:ext cx="128609" cy="712790"/>
+            </a:xfrm>
+            <a:prstGeom prst="rect">
+              <a:avLst/>
+            </a:prstGeom>
+            <a:solidFill>
+              <a:srgbClr val="64C044"/>
             </a:solidFill>
             <a:ln>
               <a:noFill/>
@@ -5197,145 +4528,1422 @@
             </a:p>
           </p:txBody>
         </p:sp>
+        <p:grpSp>
+          <p:nvGrpSpPr>
+            <p:cNvPr id="100" name="그룹 99"/>
+            <p:cNvGrpSpPr/>
+            <p:nvPr/>
+          </p:nvGrpSpPr>
+          <p:grpSpPr>
+            <a:xfrm>
+              <a:off x="3862046" y="5517415"/>
+              <a:ext cx="439226" cy="439226"/>
+              <a:chOff x="2728749" y="1818290"/>
+              <a:chExt cx="719959" cy="719959"/>
+            </a:xfrm>
+          </p:grpSpPr>
+          <p:sp>
+            <p:nvSpPr>
+              <p:cNvPr id="101" name="타원 100"/>
+              <p:cNvSpPr/>
+              <p:nvPr/>
+            </p:nvSpPr>
+            <p:spPr>
+              <a:xfrm>
+                <a:off x="2768164" y="1818290"/>
+                <a:ext cx="641131" cy="641131"/>
+              </a:xfrm>
+              <a:prstGeom prst="ellipse">
+                <a:avLst/>
+              </a:prstGeom>
+              <a:solidFill>
+                <a:schemeClr val="bg1"/>
+              </a:solidFill>
+              <a:ln>
+                <a:noFill/>
+              </a:ln>
+            </p:spPr>
+            <p:style>
+              <a:lnRef idx="2">
+                <a:schemeClr val="accent1">
+                  <a:shade val="50000"/>
+                </a:schemeClr>
+              </a:lnRef>
+              <a:fillRef idx="1">
+                <a:schemeClr val="accent1"/>
+              </a:fillRef>
+              <a:effectRef idx="0">
+                <a:schemeClr val="accent1"/>
+              </a:effectRef>
+              <a:fontRef idx="minor">
+                <a:schemeClr val="lt1"/>
+              </a:fontRef>
+            </p:style>
+            <p:txBody>
+              <a:bodyPr rtlCol="0" anchor="ctr"/>
+              <a:lstStyle/>
+              <a:p>
+                <a:pPr algn="ctr"/>
+                <a:endParaRPr lang="ko-KR" altLang="en-US" b="1"/>
+              </a:p>
+            </p:txBody>
+          </p:sp>
+          <p:sp>
+            <p:nvSpPr>
+              <p:cNvPr id="102" name="도넛 101"/>
+              <p:cNvSpPr/>
+              <p:nvPr/>
+            </p:nvSpPr>
+            <p:spPr>
+              <a:xfrm>
+                <a:off x="2728749" y="1818290"/>
+                <a:ext cx="719959" cy="719959"/>
+              </a:xfrm>
+              <a:prstGeom prst="donut">
+                <a:avLst>
+                  <a:gd name="adj" fmla="val 17241"/>
+                </a:avLst>
+              </a:prstGeom>
+              <a:solidFill>
+                <a:srgbClr val="64C044"/>
+              </a:solidFill>
+              <a:ln>
+                <a:noFill/>
+              </a:ln>
+            </p:spPr>
+            <p:style>
+              <a:lnRef idx="2">
+                <a:schemeClr val="accent1">
+                  <a:shade val="50000"/>
+                </a:schemeClr>
+              </a:lnRef>
+              <a:fillRef idx="1">
+                <a:schemeClr val="accent1"/>
+              </a:fillRef>
+              <a:effectRef idx="0">
+                <a:schemeClr val="accent1"/>
+              </a:effectRef>
+              <a:fontRef idx="minor">
+                <a:schemeClr val="lt1"/>
+              </a:fontRef>
+            </p:style>
+            <p:txBody>
+              <a:bodyPr rtlCol="0" anchor="ctr"/>
+              <a:lstStyle/>
+              <a:p>
+                <a:pPr algn="ctr"/>
+                <a:endParaRPr lang="ko-KR" altLang="en-US" b="1">
+                  <a:solidFill>
+                    <a:schemeClr val="tx1"/>
+                  </a:solidFill>
+                </a:endParaRPr>
+              </a:p>
+            </p:txBody>
+          </p:sp>
+        </p:grpSp>
+        <p:sp>
+          <p:nvSpPr>
+            <p:cNvPr id="89" name="직사각형 88"/>
+            <p:cNvSpPr/>
+            <p:nvPr/>
+          </p:nvSpPr>
+          <p:spPr>
+            <a:xfrm>
+              <a:off x="4025214" y="4239149"/>
+              <a:ext cx="128609" cy="712790"/>
+            </a:xfrm>
+            <a:prstGeom prst="rect">
+              <a:avLst/>
+            </a:prstGeom>
+            <a:solidFill>
+              <a:srgbClr val="64C044"/>
+            </a:solidFill>
+            <a:ln>
+              <a:noFill/>
+            </a:ln>
+          </p:spPr>
+          <p:style>
+            <a:lnRef idx="2">
+              <a:schemeClr val="accent1">
+                <a:shade val="50000"/>
+              </a:schemeClr>
+            </a:lnRef>
+            <a:fillRef idx="1">
+              <a:schemeClr val="accent1"/>
+            </a:fillRef>
+            <a:effectRef idx="0">
+              <a:schemeClr val="accent1"/>
+            </a:effectRef>
+            <a:fontRef idx="minor">
+              <a:schemeClr val="lt1"/>
+            </a:fontRef>
+          </p:style>
+          <p:txBody>
+            <a:bodyPr rtlCol="0" anchor="ctr"/>
+            <a:lstStyle/>
+            <a:p>
+              <a:pPr algn="ctr"/>
+              <a:endParaRPr lang="ko-KR" altLang="en-US" b="1"/>
+            </a:p>
+          </p:txBody>
+        </p:sp>
+        <p:grpSp>
+          <p:nvGrpSpPr>
+            <p:cNvPr id="90" name="그룹 89"/>
+            <p:cNvGrpSpPr/>
+            <p:nvPr/>
+          </p:nvGrpSpPr>
+          <p:grpSpPr>
+            <a:xfrm>
+              <a:off x="3862046" y="4757714"/>
+              <a:ext cx="439226" cy="439226"/>
+              <a:chOff x="2728749" y="1818290"/>
+              <a:chExt cx="719959" cy="719959"/>
+            </a:xfrm>
+          </p:grpSpPr>
+          <p:sp>
+            <p:nvSpPr>
+              <p:cNvPr id="91" name="타원 90"/>
+              <p:cNvSpPr/>
+              <p:nvPr/>
+            </p:nvSpPr>
+            <p:spPr>
+              <a:xfrm>
+                <a:off x="2768164" y="1818290"/>
+                <a:ext cx="641131" cy="641131"/>
+              </a:xfrm>
+              <a:prstGeom prst="ellipse">
+                <a:avLst/>
+              </a:prstGeom>
+              <a:solidFill>
+                <a:schemeClr val="bg1"/>
+              </a:solidFill>
+              <a:ln>
+                <a:noFill/>
+              </a:ln>
+            </p:spPr>
+            <p:style>
+              <a:lnRef idx="2">
+                <a:schemeClr val="accent1">
+                  <a:shade val="50000"/>
+                </a:schemeClr>
+              </a:lnRef>
+              <a:fillRef idx="1">
+                <a:schemeClr val="accent1"/>
+              </a:fillRef>
+              <a:effectRef idx="0">
+                <a:schemeClr val="accent1"/>
+              </a:effectRef>
+              <a:fontRef idx="minor">
+                <a:schemeClr val="lt1"/>
+              </a:fontRef>
+            </p:style>
+            <p:txBody>
+              <a:bodyPr rtlCol="0" anchor="ctr"/>
+              <a:lstStyle/>
+              <a:p>
+                <a:pPr algn="ctr"/>
+                <a:endParaRPr lang="ko-KR" altLang="en-US" b="1"/>
+              </a:p>
+            </p:txBody>
+          </p:sp>
+          <p:sp>
+            <p:nvSpPr>
+              <p:cNvPr id="92" name="도넛 91"/>
+              <p:cNvSpPr/>
+              <p:nvPr/>
+            </p:nvSpPr>
+            <p:spPr>
+              <a:xfrm>
+                <a:off x="2728749" y="1818290"/>
+                <a:ext cx="719959" cy="719959"/>
+              </a:xfrm>
+              <a:prstGeom prst="donut">
+                <a:avLst>
+                  <a:gd name="adj" fmla="val 17241"/>
+                </a:avLst>
+              </a:prstGeom>
+              <a:solidFill>
+                <a:srgbClr val="64C044"/>
+              </a:solidFill>
+              <a:ln>
+                <a:noFill/>
+              </a:ln>
+            </p:spPr>
+            <p:style>
+              <a:lnRef idx="2">
+                <a:schemeClr val="accent1">
+                  <a:shade val="50000"/>
+                </a:schemeClr>
+              </a:lnRef>
+              <a:fillRef idx="1">
+                <a:schemeClr val="accent1"/>
+              </a:fillRef>
+              <a:effectRef idx="0">
+                <a:schemeClr val="accent1"/>
+              </a:effectRef>
+              <a:fontRef idx="minor">
+                <a:schemeClr val="lt1"/>
+              </a:fontRef>
+            </p:style>
+            <p:txBody>
+              <a:bodyPr rtlCol="0" anchor="ctr"/>
+              <a:lstStyle/>
+              <a:p>
+                <a:pPr algn="ctr"/>
+                <a:endParaRPr lang="ko-KR" altLang="en-US" b="1">
+                  <a:solidFill>
+                    <a:schemeClr val="tx1"/>
+                  </a:solidFill>
+                </a:endParaRPr>
+              </a:p>
+            </p:txBody>
+          </p:sp>
+        </p:grpSp>
+        <p:sp>
+          <p:nvSpPr>
+            <p:cNvPr id="84" name="직사각형 83"/>
+            <p:cNvSpPr/>
+            <p:nvPr/>
+          </p:nvSpPr>
+          <p:spPr>
+            <a:xfrm>
+              <a:off x="4025214" y="3479448"/>
+              <a:ext cx="128609" cy="712790"/>
+            </a:xfrm>
+            <a:prstGeom prst="rect">
+              <a:avLst/>
+            </a:prstGeom>
+            <a:solidFill>
+              <a:srgbClr val="64C044"/>
+            </a:solidFill>
+            <a:ln>
+              <a:noFill/>
+            </a:ln>
+          </p:spPr>
+          <p:style>
+            <a:lnRef idx="2">
+              <a:schemeClr val="accent1">
+                <a:shade val="50000"/>
+              </a:schemeClr>
+            </a:lnRef>
+            <a:fillRef idx="1">
+              <a:schemeClr val="accent1"/>
+            </a:fillRef>
+            <a:effectRef idx="0">
+              <a:schemeClr val="accent1"/>
+            </a:effectRef>
+            <a:fontRef idx="minor">
+              <a:schemeClr val="lt1"/>
+            </a:fontRef>
+          </p:style>
+          <p:txBody>
+            <a:bodyPr rtlCol="0" anchor="ctr"/>
+            <a:lstStyle/>
+            <a:p>
+              <a:pPr algn="ctr"/>
+              <a:endParaRPr lang="ko-KR" altLang="en-US" b="1"/>
+            </a:p>
+          </p:txBody>
+        </p:sp>
+        <p:grpSp>
+          <p:nvGrpSpPr>
+            <p:cNvPr id="85" name="그룹 84"/>
+            <p:cNvGrpSpPr/>
+            <p:nvPr/>
+          </p:nvGrpSpPr>
+          <p:grpSpPr>
+            <a:xfrm>
+              <a:off x="3862046" y="3998013"/>
+              <a:ext cx="439226" cy="439226"/>
+              <a:chOff x="2728749" y="1818290"/>
+              <a:chExt cx="719959" cy="719959"/>
+            </a:xfrm>
+          </p:grpSpPr>
+          <p:sp>
+            <p:nvSpPr>
+              <p:cNvPr id="86" name="타원 85"/>
+              <p:cNvSpPr/>
+              <p:nvPr/>
+            </p:nvSpPr>
+            <p:spPr>
+              <a:xfrm>
+                <a:off x="2768164" y="1818290"/>
+                <a:ext cx="641131" cy="641131"/>
+              </a:xfrm>
+              <a:prstGeom prst="ellipse">
+                <a:avLst/>
+              </a:prstGeom>
+              <a:solidFill>
+                <a:schemeClr val="bg1"/>
+              </a:solidFill>
+              <a:ln>
+                <a:noFill/>
+              </a:ln>
+            </p:spPr>
+            <p:style>
+              <a:lnRef idx="2">
+                <a:schemeClr val="accent1">
+                  <a:shade val="50000"/>
+                </a:schemeClr>
+              </a:lnRef>
+              <a:fillRef idx="1">
+                <a:schemeClr val="accent1"/>
+              </a:fillRef>
+              <a:effectRef idx="0">
+                <a:schemeClr val="accent1"/>
+              </a:effectRef>
+              <a:fontRef idx="minor">
+                <a:schemeClr val="lt1"/>
+              </a:fontRef>
+            </p:style>
+            <p:txBody>
+              <a:bodyPr rtlCol="0" anchor="ctr"/>
+              <a:lstStyle/>
+              <a:p>
+                <a:pPr algn="ctr"/>
+                <a:endParaRPr lang="ko-KR" altLang="en-US" b="1"/>
+              </a:p>
+            </p:txBody>
+          </p:sp>
+          <p:sp>
+            <p:nvSpPr>
+              <p:cNvPr id="87" name="도넛 86"/>
+              <p:cNvSpPr/>
+              <p:nvPr/>
+            </p:nvSpPr>
+            <p:spPr>
+              <a:xfrm>
+                <a:off x="2728749" y="1818290"/>
+                <a:ext cx="719959" cy="719959"/>
+              </a:xfrm>
+              <a:prstGeom prst="donut">
+                <a:avLst>
+                  <a:gd name="adj" fmla="val 17241"/>
+                </a:avLst>
+              </a:prstGeom>
+              <a:solidFill>
+                <a:srgbClr val="64C044"/>
+              </a:solidFill>
+              <a:ln>
+                <a:noFill/>
+              </a:ln>
+            </p:spPr>
+            <p:style>
+              <a:lnRef idx="2">
+                <a:schemeClr val="accent1">
+                  <a:shade val="50000"/>
+                </a:schemeClr>
+              </a:lnRef>
+              <a:fillRef idx="1">
+                <a:schemeClr val="accent1"/>
+              </a:fillRef>
+              <a:effectRef idx="0">
+                <a:schemeClr val="accent1"/>
+              </a:effectRef>
+              <a:fontRef idx="minor">
+                <a:schemeClr val="lt1"/>
+              </a:fontRef>
+            </p:style>
+            <p:txBody>
+              <a:bodyPr rtlCol="0" anchor="ctr"/>
+              <a:lstStyle/>
+              <a:p>
+                <a:pPr algn="ctr"/>
+                <a:endParaRPr lang="ko-KR" altLang="en-US" b="1">
+                  <a:solidFill>
+                    <a:schemeClr val="tx1"/>
+                  </a:solidFill>
+                </a:endParaRPr>
+              </a:p>
+            </p:txBody>
+          </p:sp>
+        </p:grpSp>
+        <p:sp>
+          <p:nvSpPr>
+            <p:cNvPr id="79" name="직사각형 78"/>
+            <p:cNvSpPr/>
+            <p:nvPr/>
+          </p:nvSpPr>
+          <p:spPr>
+            <a:xfrm>
+              <a:off x="4025214" y="2719747"/>
+              <a:ext cx="128609" cy="712790"/>
+            </a:xfrm>
+            <a:prstGeom prst="rect">
+              <a:avLst/>
+            </a:prstGeom>
+            <a:solidFill>
+              <a:srgbClr val="64C044"/>
+            </a:solidFill>
+            <a:ln>
+              <a:noFill/>
+            </a:ln>
+          </p:spPr>
+          <p:style>
+            <a:lnRef idx="2">
+              <a:schemeClr val="accent1">
+                <a:shade val="50000"/>
+              </a:schemeClr>
+            </a:lnRef>
+            <a:fillRef idx="1">
+              <a:schemeClr val="accent1"/>
+            </a:fillRef>
+            <a:effectRef idx="0">
+              <a:schemeClr val="accent1"/>
+            </a:effectRef>
+            <a:fontRef idx="minor">
+              <a:schemeClr val="lt1"/>
+            </a:fontRef>
+          </p:style>
+          <p:txBody>
+            <a:bodyPr rtlCol="0" anchor="ctr"/>
+            <a:lstStyle/>
+            <a:p>
+              <a:pPr algn="ctr"/>
+              <a:endParaRPr lang="ko-KR" altLang="en-US" b="1"/>
+            </a:p>
+          </p:txBody>
+        </p:sp>
+        <p:grpSp>
+          <p:nvGrpSpPr>
+            <p:cNvPr id="80" name="그룹 79"/>
+            <p:cNvGrpSpPr/>
+            <p:nvPr/>
+          </p:nvGrpSpPr>
+          <p:grpSpPr>
+            <a:xfrm>
+              <a:off x="3862046" y="3238312"/>
+              <a:ext cx="439226" cy="439226"/>
+              <a:chOff x="2728749" y="1818290"/>
+              <a:chExt cx="719959" cy="719959"/>
+            </a:xfrm>
+          </p:grpSpPr>
+          <p:sp>
+            <p:nvSpPr>
+              <p:cNvPr id="81" name="타원 80"/>
+              <p:cNvSpPr/>
+              <p:nvPr/>
+            </p:nvSpPr>
+            <p:spPr>
+              <a:xfrm>
+                <a:off x="2768164" y="1818290"/>
+                <a:ext cx="641131" cy="641131"/>
+              </a:xfrm>
+              <a:prstGeom prst="ellipse">
+                <a:avLst/>
+              </a:prstGeom>
+              <a:solidFill>
+                <a:schemeClr val="bg1"/>
+              </a:solidFill>
+              <a:ln>
+                <a:noFill/>
+              </a:ln>
+            </p:spPr>
+            <p:style>
+              <a:lnRef idx="2">
+                <a:schemeClr val="accent1">
+                  <a:shade val="50000"/>
+                </a:schemeClr>
+              </a:lnRef>
+              <a:fillRef idx="1">
+                <a:schemeClr val="accent1"/>
+              </a:fillRef>
+              <a:effectRef idx="0">
+                <a:schemeClr val="accent1"/>
+              </a:effectRef>
+              <a:fontRef idx="minor">
+                <a:schemeClr val="lt1"/>
+              </a:fontRef>
+            </p:style>
+            <p:txBody>
+              <a:bodyPr rtlCol="0" anchor="ctr"/>
+              <a:lstStyle/>
+              <a:p>
+                <a:pPr algn="ctr"/>
+                <a:endParaRPr lang="ko-KR" altLang="en-US" b="1"/>
+              </a:p>
+            </p:txBody>
+          </p:sp>
+          <p:sp>
+            <p:nvSpPr>
+              <p:cNvPr id="82" name="도넛 81"/>
+              <p:cNvSpPr/>
+              <p:nvPr/>
+            </p:nvSpPr>
+            <p:spPr>
+              <a:xfrm>
+                <a:off x="2728749" y="1818290"/>
+                <a:ext cx="719959" cy="719959"/>
+              </a:xfrm>
+              <a:prstGeom prst="donut">
+                <a:avLst>
+                  <a:gd name="adj" fmla="val 17241"/>
+                </a:avLst>
+              </a:prstGeom>
+              <a:solidFill>
+                <a:srgbClr val="64C044"/>
+              </a:solidFill>
+              <a:ln>
+                <a:noFill/>
+              </a:ln>
+            </p:spPr>
+            <p:style>
+              <a:lnRef idx="2">
+                <a:schemeClr val="accent1">
+                  <a:shade val="50000"/>
+                </a:schemeClr>
+              </a:lnRef>
+              <a:fillRef idx="1">
+                <a:schemeClr val="accent1"/>
+              </a:fillRef>
+              <a:effectRef idx="0">
+                <a:schemeClr val="accent1"/>
+              </a:effectRef>
+              <a:fontRef idx="minor">
+                <a:schemeClr val="lt1"/>
+              </a:fontRef>
+            </p:style>
+            <p:txBody>
+              <a:bodyPr rtlCol="0" anchor="ctr"/>
+              <a:lstStyle/>
+              <a:p>
+                <a:pPr algn="ctr"/>
+                <a:endParaRPr lang="ko-KR" altLang="en-US" b="1">
+                  <a:solidFill>
+                    <a:schemeClr val="tx1"/>
+                  </a:solidFill>
+                </a:endParaRPr>
+              </a:p>
+            </p:txBody>
+          </p:sp>
+        </p:grpSp>
+        <p:sp>
+          <p:nvSpPr>
+            <p:cNvPr id="74" name="직사각형 73"/>
+            <p:cNvSpPr/>
+            <p:nvPr/>
+          </p:nvSpPr>
+          <p:spPr>
+            <a:xfrm>
+              <a:off x="4025214" y="1960046"/>
+              <a:ext cx="128609" cy="712790"/>
+            </a:xfrm>
+            <a:prstGeom prst="rect">
+              <a:avLst/>
+            </a:prstGeom>
+            <a:solidFill>
+              <a:srgbClr val="64C044"/>
+            </a:solidFill>
+            <a:ln>
+              <a:noFill/>
+            </a:ln>
+          </p:spPr>
+          <p:style>
+            <a:lnRef idx="2">
+              <a:schemeClr val="accent1">
+                <a:shade val="50000"/>
+              </a:schemeClr>
+            </a:lnRef>
+            <a:fillRef idx="1">
+              <a:schemeClr val="accent1"/>
+            </a:fillRef>
+            <a:effectRef idx="0">
+              <a:schemeClr val="accent1"/>
+            </a:effectRef>
+            <a:fontRef idx="minor">
+              <a:schemeClr val="lt1"/>
+            </a:fontRef>
+          </p:style>
+          <p:txBody>
+            <a:bodyPr rtlCol="0" anchor="ctr"/>
+            <a:lstStyle/>
+            <a:p>
+              <a:pPr algn="ctr"/>
+              <a:endParaRPr lang="ko-KR" altLang="en-US" b="1"/>
+            </a:p>
+          </p:txBody>
+        </p:sp>
+        <p:grpSp>
+          <p:nvGrpSpPr>
+            <p:cNvPr id="75" name="그룹 74"/>
+            <p:cNvGrpSpPr/>
+            <p:nvPr/>
+          </p:nvGrpSpPr>
+          <p:grpSpPr>
+            <a:xfrm>
+              <a:off x="3862046" y="2478611"/>
+              <a:ext cx="439226" cy="439226"/>
+              <a:chOff x="2728749" y="1818290"/>
+              <a:chExt cx="719959" cy="719959"/>
+            </a:xfrm>
+          </p:grpSpPr>
+          <p:sp>
+            <p:nvSpPr>
+              <p:cNvPr id="76" name="타원 75"/>
+              <p:cNvSpPr/>
+              <p:nvPr/>
+            </p:nvSpPr>
+            <p:spPr>
+              <a:xfrm>
+                <a:off x="2768164" y="1818290"/>
+                <a:ext cx="641131" cy="641131"/>
+              </a:xfrm>
+              <a:prstGeom prst="ellipse">
+                <a:avLst/>
+              </a:prstGeom>
+              <a:solidFill>
+                <a:schemeClr val="bg1"/>
+              </a:solidFill>
+              <a:ln>
+                <a:noFill/>
+              </a:ln>
+            </p:spPr>
+            <p:style>
+              <a:lnRef idx="2">
+                <a:schemeClr val="accent1">
+                  <a:shade val="50000"/>
+                </a:schemeClr>
+              </a:lnRef>
+              <a:fillRef idx="1">
+                <a:schemeClr val="accent1"/>
+              </a:fillRef>
+              <a:effectRef idx="0">
+                <a:schemeClr val="accent1"/>
+              </a:effectRef>
+              <a:fontRef idx="minor">
+                <a:schemeClr val="lt1"/>
+              </a:fontRef>
+            </p:style>
+            <p:txBody>
+              <a:bodyPr rtlCol="0" anchor="ctr"/>
+              <a:lstStyle/>
+              <a:p>
+                <a:pPr algn="ctr"/>
+                <a:endParaRPr lang="ko-KR" altLang="en-US" b="1"/>
+              </a:p>
+            </p:txBody>
+          </p:sp>
+          <p:sp>
+            <p:nvSpPr>
+              <p:cNvPr id="77" name="도넛 76"/>
+              <p:cNvSpPr/>
+              <p:nvPr/>
+            </p:nvSpPr>
+            <p:spPr>
+              <a:xfrm>
+                <a:off x="2728749" y="1818290"/>
+                <a:ext cx="719959" cy="719959"/>
+              </a:xfrm>
+              <a:prstGeom prst="donut">
+                <a:avLst>
+                  <a:gd name="adj" fmla="val 17241"/>
+                </a:avLst>
+              </a:prstGeom>
+              <a:solidFill>
+                <a:srgbClr val="64C044"/>
+              </a:solidFill>
+              <a:ln>
+                <a:noFill/>
+              </a:ln>
+            </p:spPr>
+            <p:style>
+              <a:lnRef idx="2">
+                <a:schemeClr val="accent1">
+                  <a:shade val="50000"/>
+                </a:schemeClr>
+              </a:lnRef>
+              <a:fillRef idx="1">
+                <a:schemeClr val="accent1"/>
+              </a:fillRef>
+              <a:effectRef idx="0">
+                <a:schemeClr val="accent1"/>
+              </a:effectRef>
+              <a:fontRef idx="minor">
+                <a:schemeClr val="lt1"/>
+              </a:fontRef>
+            </p:style>
+            <p:txBody>
+              <a:bodyPr rtlCol="0" anchor="ctr"/>
+              <a:lstStyle/>
+              <a:p>
+                <a:pPr algn="ctr"/>
+                <a:endParaRPr lang="ko-KR" altLang="en-US" b="1">
+                  <a:solidFill>
+                    <a:schemeClr val="tx1"/>
+                  </a:solidFill>
+                </a:endParaRPr>
+              </a:p>
+            </p:txBody>
+          </p:sp>
+        </p:grpSp>
+        <p:sp>
+          <p:nvSpPr>
+            <p:cNvPr id="21" name="직사각형 20"/>
+            <p:cNvSpPr/>
+            <p:nvPr/>
+          </p:nvSpPr>
+          <p:spPr>
+            <a:xfrm>
+              <a:off x="4025214" y="1200345"/>
+              <a:ext cx="128609" cy="712790"/>
+            </a:xfrm>
+            <a:prstGeom prst="rect">
+              <a:avLst/>
+            </a:prstGeom>
+            <a:solidFill>
+              <a:srgbClr val="64C044"/>
+            </a:solidFill>
+            <a:ln>
+              <a:noFill/>
+            </a:ln>
+          </p:spPr>
+          <p:style>
+            <a:lnRef idx="2">
+              <a:schemeClr val="accent1">
+                <a:shade val="50000"/>
+              </a:schemeClr>
+            </a:lnRef>
+            <a:fillRef idx="1">
+              <a:schemeClr val="accent1"/>
+            </a:fillRef>
+            <a:effectRef idx="0">
+              <a:schemeClr val="accent1"/>
+            </a:effectRef>
+            <a:fontRef idx="minor">
+              <a:schemeClr val="lt1"/>
+            </a:fontRef>
+          </p:style>
+          <p:txBody>
+            <a:bodyPr rtlCol="0" anchor="ctr"/>
+            <a:lstStyle/>
+            <a:p>
+              <a:pPr algn="ctr"/>
+              <a:endParaRPr lang="ko-KR" altLang="en-US" b="1"/>
+            </a:p>
+          </p:txBody>
+        </p:sp>
+        <p:grpSp>
+          <p:nvGrpSpPr>
+            <p:cNvPr id="24" name="그룹 23"/>
+            <p:cNvGrpSpPr/>
+            <p:nvPr/>
+          </p:nvGrpSpPr>
+          <p:grpSpPr>
+            <a:xfrm>
+              <a:off x="3862046" y="1718910"/>
+              <a:ext cx="439226" cy="439226"/>
+              <a:chOff x="2728749" y="1818290"/>
+              <a:chExt cx="719959" cy="719959"/>
+            </a:xfrm>
+          </p:grpSpPr>
+          <p:sp>
+            <p:nvSpPr>
+              <p:cNvPr id="5" name="타원 4"/>
+              <p:cNvSpPr/>
+              <p:nvPr/>
+            </p:nvSpPr>
+            <p:spPr>
+              <a:xfrm>
+                <a:off x="2768164" y="1818290"/>
+                <a:ext cx="641131" cy="641131"/>
+              </a:xfrm>
+              <a:prstGeom prst="ellipse">
+                <a:avLst/>
+              </a:prstGeom>
+              <a:solidFill>
+                <a:schemeClr val="bg1"/>
+              </a:solidFill>
+              <a:ln>
+                <a:noFill/>
+              </a:ln>
+            </p:spPr>
+            <p:style>
+              <a:lnRef idx="2">
+                <a:schemeClr val="accent1">
+                  <a:shade val="50000"/>
+                </a:schemeClr>
+              </a:lnRef>
+              <a:fillRef idx="1">
+                <a:schemeClr val="accent1"/>
+              </a:fillRef>
+              <a:effectRef idx="0">
+                <a:schemeClr val="accent1"/>
+              </a:effectRef>
+              <a:fontRef idx="minor">
+                <a:schemeClr val="lt1"/>
+              </a:fontRef>
+            </p:style>
+            <p:txBody>
+              <a:bodyPr rtlCol="0" anchor="ctr"/>
+              <a:lstStyle/>
+              <a:p>
+                <a:pPr algn="ctr"/>
+                <a:endParaRPr lang="ko-KR" altLang="en-US" b="1"/>
+              </a:p>
+            </p:txBody>
+          </p:sp>
+          <p:sp>
+            <p:nvSpPr>
+              <p:cNvPr id="6" name="도넛 5"/>
+              <p:cNvSpPr/>
+              <p:nvPr/>
+            </p:nvSpPr>
+            <p:spPr>
+              <a:xfrm>
+                <a:off x="2728749" y="1818290"/>
+                <a:ext cx="719959" cy="719959"/>
+              </a:xfrm>
+              <a:prstGeom prst="donut">
+                <a:avLst>
+                  <a:gd name="adj" fmla="val 17241"/>
+                </a:avLst>
+              </a:prstGeom>
+              <a:solidFill>
+                <a:srgbClr val="64C044"/>
+              </a:solidFill>
+              <a:ln>
+                <a:noFill/>
+              </a:ln>
+            </p:spPr>
+            <p:style>
+              <a:lnRef idx="2">
+                <a:schemeClr val="accent1">
+                  <a:shade val="50000"/>
+                </a:schemeClr>
+              </a:lnRef>
+              <a:fillRef idx="1">
+                <a:schemeClr val="accent1"/>
+              </a:fillRef>
+              <a:effectRef idx="0">
+                <a:schemeClr val="accent1"/>
+              </a:effectRef>
+              <a:fontRef idx="minor">
+                <a:schemeClr val="lt1"/>
+              </a:fontRef>
+            </p:style>
+            <p:txBody>
+              <a:bodyPr rtlCol="0" anchor="ctr"/>
+              <a:lstStyle/>
+              <a:p>
+                <a:pPr algn="ctr"/>
+                <a:endParaRPr lang="ko-KR" altLang="en-US" b="1">
+                  <a:solidFill>
+                    <a:schemeClr val="tx1"/>
+                  </a:solidFill>
+                </a:endParaRPr>
+              </a:p>
+            </p:txBody>
+          </p:sp>
+        </p:grpSp>
+        <p:grpSp>
+          <p:nvGrpSpPr>
+            <p:cNvPr id="14" name="그룹 13"/>
+            <p:cNvGrpSpPr/>
+            <p:nvPr/>
+          </p:nvGrpSpPr>
+          <p:grpSpPr>
+            <a:xfrm>
+              <a:off x="3448705" y="846248"/>
+              <a:ext cx="1265908" cy="565381"/>
+              <a:chOff x="3448704" y="756745"/>
+              <a:chExt cx="1206065" cy="538654"/>
+            </a:xfrm>
+          </p:grpSpPr>
+          <p:sp>
+            <p:nvSpPr>
+              <p:cNvPr id="47" name="모서리가 둥근 직사각형 46"/>
+              <p:cNvSpPr/>
+              <p:nvPr/>
+            </p:nvSpPr>
+            <p:spPr>
+              <a:xfrm>
+                <a:off x="3448704" y="756745"/>
+                <a:ext cx="1206065" cy="538654"/>
+              </a:xfrm>
+              <a:prstGeom prst="roundRect">
+                <a:avLst>
+                  <a:gd name="adj" fmla="val 50000"/>
+                </a:avLst>
+              </a:prstGeom>
+              <a:solidFill>
+                <a:schemeClr val="bg1"/>
+              </a:solidFill>
+              <a:ln w="57150">
+                <a:solidFill>
+                  <a:schemeClr val="tx1">
+                    <a:lumMod val="50000"/>
+                    <a:lumOff val="50000"/>
+                  </a:schemeClr>
+                </a:solidFill>
+              </a:ln>
+            </p:spPr>
+            <p:style>
+              <a:lnRef idx="2">
+                <a:schemeClr val="accent1">
+                  <a:shade val="50000"/>
+                </a:schemeClr>
+              </a:lnRef>
+              <a:fillRef idx="1">
+                <a:schemeClr val="accent1"/>
+              </a:fillRef>
+              <a:effectRef idx="0">
+                <a:schemeClr val="accent1"/>
+              </a:effectRef>
+              <a:fontRef idx="minor">
+                <a:schemeClr val="lt1"/>
+              </a:fontRef>
+            </p:style>
+            <p:txBody>
+              <a:bodyPr rtlCol="0" anchor="ctr"/>
+              <a:lstStyle/>
+              <a:p>
+                <a:pPr algn="ctr"/>
+                <a:endParaRPr lang="ko-KR" altLang="en-US" b="1"/>
+              </a:p>
+            </p:txBody>
+          </p:sp>
+          <p:sp>
+            <p:nvSpPr>
+              <p:cNvPr id="48" name="타원 47"/>
+              <p:cNvSpPr/>
+              <p:nvPr/>
+            </p:nvSpPr>
+            <p:spPr>
+              <a:xfrm>
+                <a:off x="3626069" y="846740"/>
+                <a:ext cx="358663" cy="358663"/>
+              </a:xfrm>
+              <a:prstGeom prst="ellipse">
+                <a:avLst/>
+              </a:prstGeom>
+              <a:solidFill>
+                <a:srgbClr val="64C044"/>
+              </a:solidFill>
+              <a:ln>
+                <a:noFill/>
+              </a:ln>
+            </p:spPr>
+            <p:style>
+              <a:lnRef idx="2">
+                <a:schemeClr val="accent1">
+                  <a:shade val="50000"/>
+                </a:schemeClr>
+              </a:lnRef>
+              <a:fillRef idx="1">
+                <a:schemeClr val="accent1"/>
+              </a:fillRef>
+              <a:effectRef idx="0">
+                <a:schemeClr val="accent1"/>
+              </a:effectRef>
+              <a:fontRef idx="minor">
+                <a:schemeClr val="lt1"/>
+              </a:fontRef>
+            </p:style>
+            <p:txBody>
+              <a:bodyPr rtlCol="0" anchor="ctr"/>
+              <a:lstStyle/>
+              <a:p>
+                <a:pPr algn="ctr"/>
+                <a:endParaRPr lang="ko-KR" altLang="en-US" b="1"/>
+              </a:p>
+            </p:txBody>
+          </p:sp>
+          <p:sp>
+            <p:nvSpPr>
+              <p:cNvPr id="49" name="타원 48"/>
+              <p:cNvSpPr/>
+              <p:nvPr/>
+            </p:nvSpPr>
+            <p:spPr>
+              <a:xfrm>
+                <a:off x="4108969" y="846740"/>
+                <a:ext cx="358663" cy="358663"/>
+              </a:xfrm>
+              <a:prstGeom prst="ellipse">
+                <a:avLst/>
+              </a:prstGeom>
+              <a:solidFill>
+                <a:srgbClr val="00B0F0"/>
+              </a:solidFill>
+              <a:ln>
+                <a:noFill/>
+              </a:ln>
+            </p:spPr>
+            <p:style>
+              <a:lnRef idx="2">
+                <a:schemeClr val="accent1">
+                  <a:shade val="50000"/>
+                </a:schemeClr>
+              </a:lnRef>
+              <a:fillRef idx="1">
+                <a:schemeClr val="accent1"/>
+              </a:fillRef>
+              <a:effectRef idx="0">
+                <a:schemeClr val="accent1"/>
+              </a:effectRef>
+              <a:fontRef idx="minor">
+                <a:schemeClr val="lt1"/>
+              </a:fontRef>
+            </p:style>
+            <p:txBody>
+              <a:bodyPr rtlCol="0" anchor="ctr"/>
+              <a:lstStyle/>
+              <a:p>
+                <a:pPr algn="ctr"/>
+                <a:endParaRPr lang="ko-KR" altLang="en-US" b="1"/>
+              </a:p>
+            </p:txBody>
+          </p:sp>
+        </p:grpSp>
+        <p:sp>
+          <p:nvSpPr>
+            <p:cNvPr id="103" name="타원 102"/>
+            <p:cNvSpPr/>
+            <p:nvPr/>
+          </p:nvSpPr>
+          <p:spPr>
+            <a:xfrm>
+              <a:off x="4739655" y="4775980"/>
+              <a:ext cx="445740" cy="445740"/>
+            </a:xfrm>
+            <a:prstGeom prst="ellipse">
+              <a:avLst/>
+            </a:prstGeom>
+            <a:solidFill>
+              <a:srgbClr val="64C044"/>
+            </a:solidFill>
+            <a:ln>
+              <a:noFill/>
+            </a:ln>
+          </p:spPr>
+          <p:style>
+            <a:lnRef idx="2">
+              <a:schemeClr val="accent1">
+                <a:shade val="50000"/>
+              </a:schemeClr>
+            </a:lnRef>
+            <a:fillRef idx="1">
+              <a:schemeClr val="accent1"/>
+            </a:fillRef>
+            <a:effectRef idx="0">
+              <a:schemeClr val="accent1"/>
+            </a:effectRef>
+            <a:fontRef idx="minor">
+              <a:schemeClr val="lt1"/>
+            </a:fontRef>
+          </p:style>
+          <p:txBody>
+            <a:bodyPr rtlCol="0" anchor="ctr"/>
+            <a:lstStyle/>
+            <a:p>
+              <a:pPr algn="ctr"/>
+              <a:r>
+                <a:rPr lang="en-US" altLang="ko-KR" sz="2400" b="1" dirty="0">
+                  <a:ea typeface="12롯데마트드림Bold" panose="02020603020101020101" pitchFamily="18" charset="-127"/>
+                </a:rPr>
+                <a:t>5</a:t>
+              </a:r>
+              <a:endParaRPr lang="ko-KR" altLang="en-US" sz="2400" b="1" dirty="0">
+                <a:ea typeface="12롯데마트드림Bold" panose="02020603020101020101" pitchFamily="18" charset="-127"/>
+              </a:endParaRPr>
+            </a:p>
+          </p:txBody>
+        </p:sp>
+        <p:sp>
+          <p:nvSpPr>
+            <p:cNvPr id="104" name="타원 103"/>
+            <p:cNvSpPr/>
+            <p:nvPr/>
+          </p:nvSpPr>
+          <p:spPr>
+            <a:xfrm>
+              <a:off x="4739655" y="5490112"/>
+              <a:ext cx="445740" cy="445740"/>
+            </a:xfrm>
+            <a:prstGeom prst="ellipse">
+              <a:avLst/>
+            </a:prstGeom>
+            <a:solidFill>
+              <a:srgbClr val="64C044"/>
+            </a:solidFill>
+            <a:ln>
+              <a:noFill/>
+            </a:ln>
+          </p:spPr>
+          <p:style>
+            <a:lnRef idx="2">
+              <a:schemeClr val="accent1">
+                <a:shade val="50000"/>
+              </a:schemeClr>
+            </a:lnRef>
+            <a:fillRef idx="1">
+              <a:schemeClr val="accent1"/>
+            </a:fillRef>
+            <a:effectRef idx="0">
+              <a:schemeClr val="accent1"/>
+            </a:effectRef>
+            <a:fontRef idx="minor">
+              <a:schemeClr val="lt1"/>
+            </a:fontRef>
+          </p:style>
+          <p:txBody>
+            <a:bodyPr rtlCol="0" anchor="ctr"/>
+            <a:lstStyle/>
+            <a:p>
+              <a:pPr algn="ctr"/>
+              <a:r>
+                <a:rPr lang="en-US" altLang="ko-KR" sz="2400" b="1" dirty="0">
+                  <a:ea typeface="12롯데마트드림Bold" panose="02020603020101020101" pitchFamily="18" charset="-127"/>
+                </a:rPr>
+                <a:t>6</a:t>
+              </a:r>
+              <a:endParaRPr lang="ko-KR" altLang="en-US" sz="2400" b="1" dirty="0">
+                <a:ea typeface="12롯데마트드림Bold" panose="02020603020101020101" pitchFamily="18" charset="-127"/>
+              </a:endParaRPr>
+            </a:p>
+          </p:txBody>
+        </p:sp>
+        <p:sp>
+          <p:nvSpPr>
+            <p:cNvPr id="18" name="TextBox 17"/>
+            <p:cNvSpPr txBox="1"/>
+            <p:nvPr/>
+          </p:nvSpPr>
+          <p:spPr>
+            <a:xfrm>
+              <a:off x="5485308" y="5386699"/>
+              <a:ext cx="3543750" cy="523220"/>
+            </a:xfrm>
+            <a:prstGeom prst="rect">
+              <a:avLst/>
+            </a:prstGeom>
+            <a:noFill/>
+          </p:spPr>
+          <p:txBody>
+            <a:bodyPr wrap="square" rtlCol="0">
+              <a:spAutoFit/>
+            </a:bodyPr>
+            <a:lstStyle/>
+            <a:p>
+              <a:r>
+                <a:rPr lang="ko-KR" altLang="en-US" sz="2800" b="1" dirty="0" smtClean="0"/>
+                <a:t>최종 </a:t>
+              </a:r>
+              <a:r>
+                <a:rPr lang="en-US" altLang="ko-KR" sz="2800" b="1" dirty="0" smtClean="0"/>
+                <a:t>UI</a:t>
+              </a:r>
+              <a:r>
+                <a:rPr lang="ko-KR" altLang="en-US" sz="2800" b="1" dirty="0" smtClean="0"/>
+                <a:t> </a:t>
+              </a:r>
+              <a:r>
+                <a:rPr lang="ko-KR" altLang="en-US" sz="2800" b="1" dirty="0" smtClean="0"/>
+                <a:t>디자인</a:t>
+              </a:r>
+              <a:endParaRPr lang="ko-KR" altLang="en-US" sz="2800" b="1" dirty="0"/>
+            </a:p>
+          </p:txBody>
+        </p:sp>
+        <p:grpSp>
+          <p:nvGrpSpPr>
+            <p:cNvPr id="44" name="그룹 43"/>
+            <p:cNvGrpSpPr/>
+            <p:nvPr/>
+          </p:nvGrpSpPr>
+          <p:grpSpPr>
+            <a:xfrm>
+              <a:off x="3862046" y="6229529"/>
+              <a:ext cx="439226" cy="439226"/>
+              <a:chOff x="2728749" y="1818290"/>
+              <a:chExt cx="719959" cy="719959"/>
+            </a:xfrm>
+          </p:grpSpPr>
+          <p:sp>
+            <p:nvSpPr>
+              <p:cNvPr id="45" name="타원 44"/>
+              <p:cNvSpPr/>
+              <p:nvPr/>
+            </p:nvSpPr>
+            <p:spPr>
+              <a:xfrm>
+                <a:off x="2768164" y="1818290"/>
+                <a:ext cx="641131" cy="641131"/>
+              </a:xfrm>
+              <a:prstGeom prst="ellipse">
+                <a:avLst/>
+              </a:prstGeom>
+              <a:solidFill>
+                <a:schemeClr val="bg1"/>
+              </a:solidFill>
+              <a:ln>
+                <a:noFill/>
+              </a:ln>
+            </p:spPr>
+            <p:style>
+              <a:lnRef idx="2">
+                <a:schemeClr val="accent1">
+                  <a:shade val="50000"/>
+                </a:schemeClr>
+              </a:lnRef>
+              <a:fillRef idx="1">
+                <a:schemeClr val="accent1"/>
+              </a:fillRef>
+              <a:effectRef idx="0">
+                <a:schemeClr val="accent1"/>
+              </a:effectRef>
+              <a:fontRef idx="minor">
+                <a:schemeClr val="lt1"/>
+              </a:fontRef>
+            </p:style>
+            <p:txBody>
+              <a:bodyPr rtlCol="0" anchor="ctr"/>
+              <a:lstStyle/>
+              <a:p>
+                <a:pPr algn="ctr"/>
+                <a:endParaRPr lang="ko-KR" altLang="en-US" b="1"/>
+              </a:p>
+            </p:txBody>
+          </p:sp>
+          <p:sp>
+            <p:nvSpPr>
+              <p:cNvPr id="46" name="도넛 45"/>
+              <p:cNvSpPr/>
+              <p:nvPr/>
+            </p:nvSpPr>
+            <p:spPr>
+              <a:xfrm>
+                <a:off x="2728749" y="1818290"/>
+                <a:ext cx="719959" cy="719959"/>
+              </a:xfrm>
+              <a:prstGeom prst="donut">
+                <a:avLst>
+                  <a:gd name="adj" fmla="val 17241"/>
+                </a:avLst>
+              </a:prstGeom>
+              <a:solidFill>
+                <a:srgbClr val="64C044"/>
+              </a:solidFill>
+              <a:ln>
+                <a:noFill/>
+              </a:ln>
+            </p:spPr>
+            <p:style>
+              <a:lnRef idx="2">
+                <a:schemeClr val="accent1">
+                  <a:shade val="50000"/>
+                </a:schemeClr>
+              </a:lnRef>
+              <a:fillRef idx="1">
+                <a:schemeClr val="accent1"/>
+              </a:fillRef>
+              <a:effectRef idx="0">
+                <a:schemeClr val="accent1"/>
+              </a:effectRef>
+              <a:fontRef idx="minor">
+                <a:schemeClr val="lt1"/>
+              </a:fontRef>
+            </p:style>
+            <p:txBody>
+              <a:bodyPr rtlCol="0" anchor="ctr"/>
+              <a:lstStyle/>
+              <a:p>
+                <a:pPr algn="ctr"/>
+                <a:endParaRPr lang="ko-KR" altLang="en-US" b="1">
+                  <a:solidFill>
+                    <a:schemeClr val="tx1"/>
+                  </a:solidFill>
+                </a:endParaRPr>
+              </a:p>
+            </p:txBody>
+          </p:sp>
+        </p:grpSp>
+        <p:sp>
+          <p:nvSpPr>
+            <p:cNvPr id="50" name="타원 49"/>
+            <p:cNvSpPr/>
+            <p:nvPr/>
+          </p:nvSpPr>
+          <p:spPr>
+            <a:xfrm>
+              <a:off x="4739655" y="6202226"/>
+              <a:ext cx="445740" cy="445740"/>
+            </a:xfrm>
+            <a:prstGeom prst="ellipse">
+              <a:avLst/>
+            </a:prstGeom>
+            <a:solidFill>
+              <a:srgbClr val="64C044"/>
+            </a:solidFill>
+            <a:ln>
+              <a:noFill/>
+            </a:ln>
+          </p:spPr>
+          <p:style>
+            <a:lnRef idx="2">
+              <a:schemeClr val="accent1">
+                <a:shade val="50000"/>
+              </a:schemeClr>
+            </a:lnRef>
+            <a:fillRef idx="1">
+              <a:schemeClr val="accent1"/>
+            </a:fillRef>
+            <a:effectRef idx="0">
+              <a:schemeClr val="accent1"/>
+            </a:effectRef>
+            <a:fontRef idx="minor">
+              <a:schemeClr val="lt1"/>
+            </a:fontRef>
+          </p:style>
+          <p:txBody>
+            <a:bodyPr rtlCol="0" anchor="ctr"/>
+            <a:lstStyle/>
+            <a:p>
+              <a:pPr algn="ctr"/>
+              <a:r>
+                <a:rPr lang="en-US" altLang="ko-KR" sz="2400" b="1" dirty="0">
+                  <a:ea typeface="12롯데마트드림Bold" panose="02020603020101020101" pitchFamily="18" charset="-127"/>
+                </a:rPr>
+                <a:t>7</a:t>
+              </a:r>
+              <a:endParaRPr lang="ko-KR" altLang="en-US" sz="2400" b="1" dirty="0">
+                <a:ea typeface="12롯데마트드림Bold" panose="02020603020101020101" pitchFamily="18" charset="-127"/>
+              </a:endParaRPr>
+            </a:p>
+          </p:txBody>
+        </p:sp>
+        <p:sp>
+          <p:nvSpPr>
+            <p:cNvPr id="51" name="TextBox 50"/>
+            <p:cNvSpPr txBox="1"/>
+            <p:nvPr/>
+          </p:nvSpPr>
+          <p:spPr>
+            <a:xfrm>
+              <a:off x="5485308" y="6153329"/>
+              <a:ext cx="3543750" cy="523220"/>
+            </a:xfrm>
+            <a:prstGeom prst="rect">
+              <a:avLst/>
+            </a:prstGeom>
+            <a:noFill/>
+          </p:spPr>
+          <p:txBody>
+            <a:bodyPr wrap="square" rtlCol="0">
+              <a:spAutoFit/>
+            </a:bodyPr>
+            <a:lstStyle/>
+            <a:p>
+              <a:r>
+                <a:rPr lang="ko-KR" altLang="en-US" sz="2800" b="1" dirty="0" smtClean="0"/>
+                <a:t>개발 계획</a:t>
+              </a:r>
+              <a:endParaRPr lang="ko-KR" altLang="en-US" sz="2800" b="1" dirty="0"/>
+            </a:p>
+          </p:txBody>
+        </p:sp>
       </p:grpSp>
-      <p:sp>
-        <p:nvSpPr>
-          <p:cNvPr id="103" name="타원 102"/>
-          <p:cNvSpPr/>
-          <p:nvPr/>
-        </p:nvSpPr>
-        <p:spPr>
-          <a:xfrm>
-            <a:off x="4739655" y="4775980"/>
-            <a:ext cx="445740" cy="445740"/>
-          </a:xfrm>
-          <a:prstGeom prst="ellipse">
-            <a:avLst/>
-          </a:prstGeom>
-          <a:solidFill>
-            <a:srgbClr val="64C044"/>
-          </a:solidFill>
-          <a:ln>
-            <a:noFill/>
-          </a:ln>
-        </p:spPr>
-        <p:style>
-          <a:lnRef idx="2">
-            <a:schemeClr val="accent1">
-              <a:shade val="50000"/>
-            </a:schemeClr>
-          </a:lnRef>
-          <a:fillRef idx="1">
-            <a:schemeClr val="accent1"/>
-          </a:fillRef>
-          <a:effectRef idx="0">
-            <a:schemeClr val="accent1"/>
-          </a:effectRef>
-          <a:fontRef idx="minor">
-            <a:schemeClr val="lt1"/>
-          </a:fontRef>
-        </p:style>
-        <p:txBody>
-          <a:bodyPr rtlCol="0" anchor="ctr"/>
-          <a:lstStyle/>
-          <a:p>
-            <a:pPr algn="ctr"/>
-            <a:r>
-              <a:rPr lang="en-US" altLang="ko-KR" sz="2400" b="1" dirty="0">
-                <a:ea typeface="12롯데마트드림Bold" panose="02020603020101020101" pitchFamily="18" charset="-127"/>
-              </a:rPr>
-              <a:t>5</a:t>
-            </a:r>
-            <a:endParaRPr lang="ko-KR" altLang="en-US" sz="2400" b="1" dirty="0">
-              <a:ea typeface="12롯데마트드림Bold" panose="02020603020101020101" pitchFamily="18" charset="-127"/>
-            </a:endParaRPr>
-          </a:p>
-        </p:txBody>
-      </p:sp>
-      <p:sp>
-        <p:nvSpPr>
-          <p:cNvPr id="104" name="타원 103"/>
-          <p:cNvSpPr/>
-          <p:nvPr/>
-        </p:nvSpPr>
-        <p:spPr>
-          <a:xfrm>
-            <a:off x="4739655" y="5490112"/>
-            <a:ext cx="445740" cy="445740"/>
-          </a:xfrm>
-          <a:prstGeom prst="ellipse">
-            <a:avLst/>
-          </a:prstGeom>
-          <a:solidFill>
-            <a:srgbClr val="64C044"/>
-          </a:solidFill>
-          <a:ln>
-            <a:noFill/>
-          </a:ln>
-        </p:spPr>
-        <p:style>
-          <a:lnRef idx="2">
-            <a:schemeClr val="accent1">
-              <a:shade val="50000"/>
-            </a:schemeClr>
-          </a:lnRef>
-          <a:fillRef idx="1">
-            <a:schemeClr val="accent1"/>
-          </a:fillRef>
-          <a:effectRef idx="0">
-            <a:schemeClr val="accent1"/>
-          </a:effectRef>
-          <a:fontRef idx="minor">
-            <a:schemeClr val="lt1"/>
-          </a:fontRef>
-        </p:style>
-        <p:txBody>
-          <a:bodyPr rtlCol="0" anchor="ctr"/>
-          <a:lstStyle/>
-          <a:p>
-            <a:pPr algn="ctr"/>
-            <a:r>
-              <a:rPr lang="en-US" altLang="ko-KR" sz="2400" b="1" dirty="0">
-                <a:ea typeface="12롯데마트드림Bold" panose="02020603020101020101" pitchFamily="18" charset="-127"/>
-              </a:rPr>
-              <a:t>6</a:t>
-            </a:r>
-            <a:endParaRPr lang="ko-KR" altLang="en-US" sz="2400" b="1" dirty="0">
-              <a:ea typeface="12롯데마트드림Bold" panose="02020603020101020101" pitchFamily="18" charset="-127"/>
-            </a:endParaRPr>
-          </a:p>
-        </p:txBody>
-      </p:sp>
-      <p:sp>
-        <p:nvSpPr>
-          <p:cNvPr id="18" name="TextBox 17"/>
-          <p:cNvSpPr txBox="1"/>
-          <p:nvPr/>
-        </p:nvSpPr>
-        <p:spPr>
-          <a:xfrm>
-            <a:off x="5485308" y="5386699"/>
-            <a:ext cx="3543750" cy="523220"/>
-          </a:xfrm>
-          <a:prstGeom prst="rect">
-            <a:avLst/>
-          </a:prstGeom>
-          <a:noFill/>
-        </p:spPr>
-        <p:txBody>
-          <a:bodyPr wrap="square" rtlCol="0">
-            <a:spAutoFit/>
-          </a:bodyPr>
-          <a:lstStyle/>
-          <a:p>
-            <a:r>
-              <a:rPr lang="ko-KR" altLang="en-US" sz="2800" b="1" dirty="0" smtClean="0"/>
-              <a:t>최종 구성 디자인</a:t>
-            </a:r>
-            <a:endParaRPr lang="ko-KR" altLang="en-US" sz="2800" b="1" dirty="0"/>
-          </a:p>
-        </p:txBody>
-      </p:sp>
     </p:spTree>
     <p:extLst>
       <p:ext uri="{BB962C8B-B14F-4D97-AF65-F5344CB8AC3E}">
@@ -5674,7 +6282,7 @@
         </p:nvSpPr>
         <p:spPr>
           <a:xfrm>
-            <a:off x="827833" y="1714500"/>
+            <a:off x="218233" y="1714500"/>
             <a:ext cx="8306642" cy="3108543"/>
           </a:xfrm>
           <a:prstGeom prst="rect">
@@ -5741,7 +6349,7 @@
         </p:nvGrpSpPr>
         <p:grpSpPr>
           <a:xfrm>
-            <a:off x="1841504" y="3525946"/>
+            <a:off x="1231904" y="3525946"/>
             <a:ext cx="5493956" cy="2783741"/>
             <a:chOff x="1841504" y="3525946"/>
             <a:chExt cx="5493956" cy="2783741"/>
@@ -5991,6 +6599,314 @@
           </p:txBody>
         </p:sp>
       </p:grpSp>
+      <p:grpSp>
+        <p:nvGrpSpPr>
+          <p:cNvPr id="6" name="그룹 5"/>
+          <p:cNvGrpSpPr/>
+          <p:nvPr/>
+        </p:nvGrpSpPr>
+        <p:grpSpPr>
+          <a:xfrm>
+            <a:off x="6955342" y="1424149"/>
+            <a:ext cx="695362" cy="5220000"/>
+            <a:chOff x="7564942" y="1424149"/>
+            <a:chExt cx="695362" cy="5220000"/>
+          </a:xfrm>
+        </p:grpSpPr>
+        <p:sp>
+          <p:nvSpPr>
+            <p:cNvPr id="15" name="직사각형 14"/>
+            <p:cNvSpPr/>
+            <p:nvPr/>
+          </p:nvSpPr>
+          <p:spPr>
+            <a:xfrm>
+              <a:off x="7822623" y="1424149"/>
+              <a:ext cx="180000" cy="5220000"/>
+            </a:xfrm>
+            <a:prstGeom prst="rect">
+              <a:avLst/>
+            </a:prstGeom>
+            <a:solidFill>
+              <a:srgbClr val="64C044"/>
+            </a:solidFill>
+            <a:ln>
+              <a:noFill/>
+            </a:ln>
+          </p:spPr>
+          <p:style>
+            <a:lnRef idx="2">
+              <a:schemeClr val="accent1">
+                <a:shade val="50000"/>
+              </a:schemeClr>
+            </a:lnRef>
+            <a:fillRef idx="1">
+              <a:schemeClr val="accent1"/>
+            </a:fillRef>
+            <a:effectRef idx="0">
+              <a:schemeClr val="accent1"/>
+            </a:effectRef>
+            <a:fontRef idx="minor">
+              <a:schemeClr val="lt1"/>
+            </a:fontRef>
+          </p:style>
+          <p:txBody>
+            <a:bodyPr rtlCol="0" anchor="ctr"/>
+            <a:lstStyle/>
+            <a:p>
+              <a:pPr algn="ctr"/>
+              <a:endParaRPr lang="ko-KR" altLang="en-US" dirty="0"/>
+            </a:p>
+          </p:txBody>
+        </p:sp>
+        <p:sp>
+          <p:nvSpPr>
+            <p:cNvPr id="18" name="타원 17"/>
+            <p:cNvSpPr/>
+            <p:nvPr/>
+          </p:nvSpPr>
+          <p:spPr>
+            <a:xfrm>
+              <a:off x="7614971" y="2861905"/>
+              <a:ext cx="619227" cy="619227"/>
+            </a:xfrm>
+            <a:prstGeom prst="ellipse">
+              <a:avLst/>
+            </a:prstGeom>
+            <a:solidFill>
+              <a:schemeClr val="bg1"/>
+            </a:solidFill>
+            <a:ln>
+              <a:noFill/>
+            </a:ln>
+          </p:spPr>
+          <p:style>
+            <a:lnRef idx="2">
+              <a:schemeClr val="accent1">
+                <a:shade val="50000"/>
+              </a:schemeClr>
+            </a:lnRef>
+            <a:fillRef idx="1">
+              <a:schemeClr val="accent1"/>
+            </a:fillRef>
+            <a:effectRef idx="0">
+              <a:schemeClr val="accent1"/>
+            </a:effectRef>
+            <a:fontRef idx="minor">
+              <a:schemeClr val="lt1"/>
+            </a:fontRef>
+          </p:style>
+          <p:txBody>
+            <a:bodyPr rtlCol="0" anchor="ctr"/>
+            <a:lstStyle/>
+            <a:p>
+              <a:pPr algn="ctr"/>
+              <a:endParaRPr lang="ko-KR" altLang="en-US"/>
+            </a:p>
+          </p:txBody>
+        </p:sp>
+        <p:sp>
+          <p:nvSpPr>
+            <p:cNvPr id="19" name="도넛 18"/>
+            <p:cNvSpPr/>
+            <p:nvPr/>
+          </p:nvSpPr>
+          <p:spPr>
+            <a:xfrm>
+              <a:off x="7564942" y="2861905"/>
+              <a:ext cx="695362" cy="695362"/>
+            </a:xfrm>
+            <a:prstGeom prst="donut">
+              <a:avLst>
+                <a:gd name="adj" fmla="val 17241"/>
+              </a:avLst>
+            </a:prstGeom>
+            <a:solidFill>
+              <a:srgbClr val="64C044"/>
+            </a:solidFill>
+            <a:ln>
+              <a:noFill/>
+            </a:ln>
+          </p:spPr>
+          <p:style>
+            <a:lnRef idx="2">
+              <a:schemeClr val="accent1">
+                <a:shade val="50000"/>
+              </a:schemeClr>
+            </a:lnRef>
+            <a:fillRef idx="1">
+              <a:schemeClr val="accent1"/>
+            </a:fillRef>
+            <a:effectRef idx="0">
+              <a:schemeClr val="accent1"/>
+            </a:effectRef>
+            <a:fontRef idx="minor">
+              <a:schemeClr val="lt1"/>
+            </a:fontRef>
+          </p:style>
+          <p:txBody>
+            <a:bodyPr rtlCol="0" anchor="ctr"/>
+            <a:lstStyle/>
+            <a:p>
+              <a:pPr algn="ctr"/>
+              <a:endParaRPr lang="ko-KR" altLang="en-US">
+                <a:solidFill>
+                  <a:schemeClr val="tx1"/>
+                </a:solidFill>
+              </a:endParaRPr>
+            </a:p>
+          </p:txBody>
+        </p:sp>
+      </p:grpSp>
+      <p:sp>
+        <p:nvSpPr>
+          <p:cNvPr id="7" name="TextBox 6"/>
+          <p:cNvSpPr txBox="1"/>
+          <p:nvPr/>
+        </p:nvSpPr>
+        <p:spPr>
+          <a:xfrm>
+            <a:off x="7650704" y="1647825"/>
+            <a:ext cx="4636546" cy="1661993"/>
+          </a:xfrm>
+          <a:prstGeom prst="rect">
+            <a:avLst/>
+          </a:prstGeom>
+          <a:noFill/>
+        </p:spPr>
+        <p:txBody>
+          <a:bodyPr wrap="square" rtlCol="0">
+            <a:spAutoFit/>
+          </a:bodyPr>
+          <a:lstStyle/>
+          <a:p>
+            <a:r>
+              <a:rPr lang="ko-KR" altLang="en-US" sz="2800" b="1" dirty="0" smtClean="0"/>
+              <a:t>공공 데이터 포탈의 </a:t>
+            </a:r>
+            <a:endParaRPr lang="en-US" altLang="ko-KR" sz="2800" b="1" dirty="0" smtClean="0"/>
+          </a:p>
+          <a:p>
+            <a:endParaRPr lang="en-US" altLang="ko-KR" sz="2800" b="1" dirty="0"/>
+          </a:p>
+          <a:p>
+            <a:r>
+              <a:rPr lang="ko-KR" altLang="en-US" sz="2800" b="1" dirty="0" smtClean="0"/>
+              <a:t>지하철 시간표 </a:t>
+            </a:r>
+            <a:r>
+              <a:rPr lang="en-US" altLang="ko-KR" sz="2800" b="1" dirty="0" smtClean="0"/>
+              <a:t>API</a:t>
+            </a:r>
+            <a:r>
+              <a:rPr lang="ko-KR" altLang="en-US" sz="2800" b="1" dirty="0" smtClean="0"/>
+              <a:t>를 활용</a:t>
+            </a:r>
+            <a:endParaRPr lang="en-US" altLang="ko-KR" dirty="0"/>
+          </a:p>
+          <a:p>
+            <a:endParaRPr lang="ko-KR" altLang="en-US" dirty="0"/>
+          </a:p>
+        </p:txBody>
+      </p:sp>
+      <p:pic>
+        <p:nvPicPr>
+          <p:cNvPr id="1027" name="Picture 3"/>
+          <p:cNvPicPr>
+            <a:picLocks noChangeAspect="1" noChangeArrowheads="1"/>
+          </p:cNvPicPr>
+          <p:nvPr/>
+        </p:nvPicPr>
+        <p:blipFill rotWithShape="1">
+          <a:blip r:embed="rId2" cstate="print">
+            <a:extLst>
+              <a:ext uri="{28A0092B-C50C-407E-A947-70E740481C1C}">
+                <a14:useLocalDpi xmlns:a14="http://schemas.microsoft.com/office/drawing/2010/main" val="0"/>
+              </a:ext>
+            </a:extLst>
+          </a:blip>
+          <a:srcRect l="1797" t="11467" r="3203" b="6805"/>
+          <a:stretch/>
+        </p:blipFill>
+        <p:spPr bwMode="auto">
+          <a:xfrm>
+            <a:off x="7724775" y="3711070"/>
+            <a:ext cx="4257675" cy="2060351"/>
+          </a:xfrm>
+          <a:prstGeom prst="rect">
+            <a:avLst/>
+          </a:prstGeom>
+          <a:noFill/>
+          <a:ln>
+            <a:noFill/>
+          </a:ln>
+          <a:effectLst/>
+          <a:extLst>
+            <a:ext uri="{909E8E84-426E-40DD-AFC4-6F175D3DCCD1}">
+              <a14:hiddenFill xmlns:a14="http://schemas.microsoft.com/office/drawing/2010/main">
+                <a:solidFill>
+                  <a:schemeClr val="accent1"/>
+                </a:solidFill>
+              </a14:hiddenFill>
+            </a:ext>
+            <a:ext uri="{91240B29-F687-4F45-9708-019B960494DF}">
+              <a14:hiddenLine xmlns:a14="http://schemas.microsoft.com/office/drawing/2010/main" w="9525">
+                <a:solidFill>
+                  <a:schemeClr val="tx1"/>
+                </a:solidFill>
+                <a:miter lim="800000"/>
+                <a:headEnd/>
+                <a:tailEnd/>
+              </a14:hiddenLine>
+            </a:ext>
+            <a:ext uri="{AF507438-7753-43E0-B8FC-AC1667EBCBE1}">
+              <a14:hiddenEffects xmlns:a14="http://schemas.microsoft.com/office/drawing/2010/main">
+                <a:effectLst>
+                  <a:outerShdw dist="35921" dir="2700000" algn="ctr" rotWithShape="0">
+                    <a:schemeClr val="bg2"/>
+                  </a:outerShdw>
+                </a:effectLst>
+              </a14:hiddenEffects>
+            </a:ext>
+          </a:extLst>
+        </p:spPr>
+      </p:pic>
+      <p:cxnSp>
+        <p:nvCxnSpPr>
+          <p:cNvPr id="23" name="직선 화살표 연결선 22"/>
+          <p:cNvCxnSpPr/>
+          <p:nvPr/>
+        </p:nvCxnSpPr>
+        <p:spPr>
+          <a:xfrm>
+            <a:off x="9601200" y="3095625"/>
+            <a:ext cx="0" cy="615445"/>
+          </a:xfrm>
+          <a:prstGeom prst="straightConnector1">
+            <a:avLst/>
+          </a:prstGeom>
+          <a:ln w="57150">
+            <a:solidFill>
+              <a:srgbClr val="64C044"/>
+            </a:solidFill>
+            <a:tailEnd type="arrow"/>
+          </a:ln>
+        </p:spPr>
+        <p:style>
+          <a:lnRef idx="1">
+            <a:schemeClr val="accent1"/>
+          </a:lnRef>
+          <a:fillRef idx="0">
+            <a:schemeClr val="accent1"/>
+          </a:fillRef>
+          <a:effectRef idx="0">
+            <a:schemeClr val="accent1"/>
+          </a:effectRef>
+          <a:fontRef idx="minor">
+            <a:schemeClr val="tx1"/>
+          </a:fontRef>
+        </p:style>
+      </p:cxnSp>
     </p:spTree>
     <p:extLst>
       <p:ext uri="{BB962C8B-B14F-4D97-AF65-F5344CB8AC3E}">
@@ -10618,7 +11534,19 @@
             <a:p>
               <a:r>
                 <a:rPr lang="ko-KR" altLang="en-US" sz="3200" b="1" dirty="0"/>
-                <a:t>최종 구성 디자인</a:t>
+                <a:t>최종 </a:t>
+              </a:r>
+              <a:r>
+                <a:rPr lang="en-US" altLang="ko-KR" sz="3200" b="1" dirty="0" smtClean="0"/>
+                <a:t>UI</a:t>
+              </a:r>
+              <a:r>
+                <a:rPr lang="ko-KR" altLang="en-US" sz="3200" b="1" dirty="0" smtClean="0"/>
+                <a:t> </a:t>
+              </a:r>
+              <a:r>
+                <a:rPr lang="ko-KR" altLang="en-US" sz="3200" b="1" dirty="0"/>
+                <a:t>디자인</a:t>
               </a:r>
             </a:p>
           </p:txBody>
@@ -10626,499 +11554,52 @@
       </p:grpSp>
       <p:grpSp>
         <p:nvGrpSpPr>
-          <p:cNvPr id="49" name="그룹 48"/>
+          <p:cNvPr id="30" name="그룹 29"/>
           <p:cNvGrpSpPr/>
           <p:nvPr/>
         </p:nvGrpSpPr>
         <p:grpSpPr>
           <a:xfrm>
-            <a:off x="952937" y="1430860"/>
-            <a:ext cx="10134163" cy="5122340"/>
-            <a:chOff x="952937" y="1430860"/>
-            <a:chExt cx="10134163" cy="5122340"/>
+            <a:off x="923326" y="1318163"/>
+            <a:ext cx="10163774" cy="5435062"/>
+            <a:chOff x="923326" y="1318163"/>
+            <a:chExt cx="10163774" cy="5435062"/>
           </a:xfrm>
         </p:grpSpPr>
-        <p:sp>
-          <p:nvSpPr>
-            <p:cNvPr id="11" name="직사각형 10"/>
-            <p:cNvSpPr/>
-            <p:nvPr/>
-          </p:nvSpPr>
-          <p:spPr>
-            <a:xfrm>
-              <a:off x="952937" y="1430860"/>
-              <a:ext cx="10134163" cy="5122340"/>
-            </a:xfrm>
-            <a:prstGeom prst="rect">
-              <a:avLst/>
-            </a:prstGeom>
-            <a:noFill/>
-            <a:ln w="57150">
-              <a:solidFill>
-                <a:srgbClr val="00B050"/>
-              </a:solidFill>
-            </a:ln>
-          </p:spPr>
-          <p:style>
-            <a:lnRef idx="2">
-              <a:schemeClr val="accent1">
-                <a:shade val="50000"/>
-              </a:schemeClr>
-            </a:lnRef>
-            <a:fillRef idx="1">
-              <a:schemeClr val="accent1"/>
-            </a:fillRef>
-            <a:effectRef idx="0">
-              <a:schemeClr val="accent1"/>
-            </a:effectRef>
-            <a:fontRef idx="minor">
-              <a:schemeClr val="lt1"/>
-            </a:fontRef>
-          </p:style>
-          <p:txBody>
-            <a:bodyPr rtlCol="0" anchor="ctr"/>
-            <a:lstStyle/>
-            <a:p>
-              <a:pPr algn="ctr"/>
-              <a:endParaRPr lang="ko-KR" altLang="en-US"/>
-            </a:p>
-          </p:txBody>
-        </p:sp>
         <p:grpSp>
           <p:nvGrpSpPr>
-            <p:cNvPr id="35" name="그룹 34"/>
+            <p:cNvPr id="10" name="그룹 9"/>
             <p:cNvGrpSpPr/>
             <p:nvPr/>
           </p:nvGrpSpPr>
           <p:grpSpPr>
             <a:xfrm>
-              <a:off x="5840223" y="1582693"/>
-              <a:ext cx="5068604" cy="523220"/>
-              <a:chOff x="5840223" y="1752033"/>
-              <a:chExt cx="5068604" cy="523220"/>
+              <a:off x="952937" y="1333497"/>
+              <a:ext cx="10134163" cy="5419728"/>
+              <a:chOff x="952937" y="1333497"/>
+              <a:chExt cx="10134163" cy="5419728"/>
             </a:xfrm>
           </p:grpSpPr>
           <p:sp>
             <p:nvSpPr>
-              <p:cNvPr id="13" name="TextBox 12"/>
-              <p:cNvSpPr txBox="1"/>
+              <p:cNvPr id="39" name="직사각형 38"/>
+              <p:cNvSpPr/>
               <p:nvPr/>
             </p:nvSpPr>
             <p:spPr>
               <a:xfrm>
-                <a:off x="9918227" y="1752033"/>
-                <a:ext cx="990600" cy="523220"/>
+                <a:off x="952937" y="1333497"/>
+                <a:ext cx="10134163" cy="288000"/>
               </a:xfrm>
               <a:prstGeom prst="rect">
                 <a:avLst/>
               </a:prstGeom>
               <a:solidFill>
-                <a:srgbClr val="92D050"/>
-              </a:solidFill>
-            </p:spPr>
-            <p:txBody>
-              <a:bodyPr wrap="square" rtlCol="0">
-                <a:spAutoFit/>
-              </a:bodyPr>
-              <a:lstStyle/>
-              <a:p>
-                <a:r>
-                  <a:rPr lang="ko-KR" altLang="en-US" sz="2800" b="1" dirty="0" smtClean="0"/>
-                  <a:t>검색</a:t>
-                </a:r>
-                <a:endParaRPr lang="en-US" altLang="ko-KR" sz="2800" b="1" dirty="0"/>
-              </a:p>
-            </p:txBody>
-          </p:sp>
-          <p:sp>
-            <p:nvSpPr>
-              <p:cNvPr id="14" name="TextBox 13"/>
-              <p:cNvSpPr txBox="1"/>
-              <p:nvPr/>
-            </p:nvSpPr>
-            <p:spPr>
-              <a:xfrm>
-                <a:off x="5840223" y="1752033"/>
-                <a:ext cx="3989879" cy="523220"/>
-              </a:xfrm>
-              <a:prstGeom prst="rect">
-                <a:avLst/>
-              </a:prstGeom>
-              <a:noFill/>
-              <a:ln w="28575">
-                <a:solidFill>
-                  <a:srgbClr val="64C044"/>
-                </a:solidFill>
-              </a:ln>
-            </p:spPr>
-            <p:txBody>
-              <a:bodyPr wrap="square" rtlCol="0">
-                <a:spAutoFit/>
-              </a:bodyPr>
-              <a:lstStyle/>
-              <a:p>
-                <a:r>
-                  <a:rPr lang="ko-KR" altLang="en-US" sz="2800" b="1" dirty="0" err="1" smtClean="0"/>
-                  <a:t>충무로역</a:t>
-                </a:r>
-                <a:endParaRPr lang="en-US" altLang="ko-KR" sz="2800" b="1" dirty="0"/>
-              </a:p>
-            </p:txBody>
-          </p:sp>
-        </p:grpSp>
-        <p:pic>
-          <p:nvPicPr>
-            <p:cNvPr id="15" name="Picture 6" descr="C:\Users\user\AppData\Local\Microsoft\Windows\INetCache\IE\SCXF6NYW\mail-1454732_960_720[1].png"/>
-            <p:cNvPicPr>
-              <a:picLocks noChangeAspect="1" noChangeArrowheads="1"/>
-            </p:cNvPicPr>
-            <p:nvPr/>
-          </p:nvPicPr>
-          <p:blipFill>
-            <a:blip r:embed="rId2" cstate="print">
-              <a:extLst>
-                <a:ext uri="{28A0092B-C50C-407E-A947-70E740481C1C}">
-                  <a14:useLocalDpi xmlns:a14="http://schemas.microsoft.com/office/drawing/2010/main" val="0"/>
-                </a:ext>
-              </a:extLst>
-            </a:blip>
-            <a:srcRect/>
-            <a:stretch>
-              <a:fillRect/>
-            </a:stretch>
-          </p:blipFill>
-          <p:spPr bwMode="auto">
-            <a:xfrm>
-              <a:off x="8682773" y="5309298"/>
-              <a:ext cx="1062360" cy="1062360"/>
-            </a:xfrm>
-            <a:prstGeom prst="rect">
-              <a:avLst/>
-            </a:prstGeom>
-            <a:noFill/>
-            <a:extLst>
-              <a:ext uri="{909E8E84-426E-40DD-AFC4-6F175D3DCCD1}">
-                <a14:hiddenFill xmlns:a14="http://schemas.microsoft.com/office/drawing/2010/main">
-                  <a:solidFill>
-                    <a:srgbClr val="FFFFFF"/>
-                  </a:solidFill>
-                </a14:hiddenFill>
-              </a:ext>
-            </a:extLst>
-          </p:spPr>
-        </p:pic>
-        <p:pic>
-          <p:nvPicPr>
-            <p:cNvPr id="16" name="Picture 6" descr="C:\Users\user\AppData\Local\Microsoft\Windows\INetCache\IE\SCXF6NYW\google-maps-1797882_960_720[1].png"/>
-            <p:cNvPicPr>
-              <a:picLocks noChangeAspect="1" noChangeArrowheads="1"/>
-            </p:cNvPicPr>
-            <p:nvPr/>
-          </p:nvPicPr>
-          <p:blipFill rotWithShape="1">
-            <a:blip r:embed="rId3" cstate="print">
-              <a:extLst>
-                <a:ext uri="{28A0092B-C50C-407E-A947-70E740481C1C}">
-                  <a14:useLocalDpi xmlns:a14="http://schemas.microsoft.com/office/drawing/2010/main" val="0"/>
-                </a:ext>
-              </a:extLst>
-            </a:blip>
-            <a:srcRect l="18280" t="14318" r="10573" b="14546"/>
-            <a:stretch/>
-          </p:blipFill>
-          <p:spPr bwMode="auto">
-            <a:xfrm>
-              <a:off x="9918227" y="5371042"/>
-              <a:ext cx="959868" cy="938872"/>
-            </a:xfrm>
-            <a:prstGeom prst="rect">
-              <a:avLst/>
-            </a:prstGeom>
-            <a:noFill/>
-            <a:extLst>
-              <a:ext uri="{909E8E84-426E-40DD-AFC4-6F175D3DCCD1}">
-                <a14:hiddenFill xmlns:a14="http://schemas.microsoft.com/office/drawing/2010/main">
-                  <a:solidFill>
-                    <a:srgbClr val="FFFFFF"/>
-                  </a:solidFill>
-                </a14:hiddenFill>
-              </a:ext>
-            </a:extLst>
-          </p:spPr>
-        </p:pic>
-        <p:sp>
-          <p:nvSpPr>
-            <p:cNvPr id="18" name="TextBox 17"/>
-            <p:cNvSpPr txBox="1"/>
-            <p:nvPr/>
-          </p:nvSpPr>
-          <p:spPr>
-            <a:xfrm>
-              <a:off x="1093975" y="1582693"/>
-              <a:ext cx="4589896" cy="707886"/>
-            </a:xfrm>
-            <a:prstGeom prst="rect">
-              <a:avLst/>
-            </a:prstGeom>
-            <a:noFill/>
-            <a:ln w="28575">
-              <a:noFill/>
-            </a:ln>
-          </p:spPr>
-          <p:txBody>
-            <a:bodyPr wrap="square" rtlCol="0">
-              <a:spAutoFit/>
-            </a:bodyPr>
-            <a:lstStyle/>
-            <a:p>
-              <a:r>
-                <a:rPr lang="ko-KR" altLang="en-US" sz="4000" b="1" dirty="0"/>
-                <a:t>지하철 시간표 </a:t>
-              </a:r>
-              <a:r>
-                <a:rPr lang="en-US" altLang="ko-KR" sz="4000" b="1" dirty="0"/>
-                <a:t>API</a:t>
-              </a:r>
-            </a:p>
-          </p:txBody>
-        </p:sp>
-        <p:sp>
-          <p:nvSpPr>
-            <p:cNvPr id="12" name="TextBox 11"/>
-            <p:cNvSpPr txBox="1"/>
-            <p:nvPr/>
-          </p:nvSpPr>
-          <p:spPr>
-            <a:xfrm>
-              <a:off x="5840223" y="3419069"/>
-              <a:ext cx="5090206" cy="1754326"/>
-            </a:xfrm>
-            <a:prstGeom prst="rect">
-              <a:avLst/>
-            </a:prstGeom>
-            <a:noFill/>
-            <a:ln w="28575">
-              <a:solidFill>
                 <a:srgbClr val="64C044"/>
               </a:solidFill>
-            </a:ln>
-          </p:spPr>
-          <p:txBody>
-            <a:bodyPr wrap="square" rtlCol="0">
-              <a:spAutoFit/>
-            </a:bodyPr>
-            <a:lstStyle/>
-            <a:p>
-              <a:r>
-                <a:rPr lang="ko-KR" altLang="en-US" b="1" dirty="0" smtClean="0"/>
-                <a:t> </a:t>
-              </a:r>
-              <a:r>
-                <a:rPr lang="ko-KR" altLang="en-US" b="1" dirty="0" err="1" smtClean="0"/>
-                <a:t>당고개행</a:t>
-              </a:r>
-              <a:r>
-                <a:rPr lang="ko-KR" altLang="en-US" b="1" dirty="0" smtClean="0"/>
-                <a:t> </a:t>
-              </a:r>
-              <a:r>
-                <a:rPr lang="en-US" altLang="ko-KR" b="1" dirty="0" smtClean="0"/>
-                <a:t>14:45  </a:t>
-              </a:r>
-              <a:r>
-                <a:rPr lang="ko-KR" altLang="en-US" b="1" dirty="0" err="1" smtClean="0"/>
-                <a:t>오이도행</a:t>
-              </a:r>
-              <a:r>
-                <a:rPr lang="ko-KR" altLang="en-US" b="1" dirty="0" smtClean="0"/>
-                <a:t> </a:t>
-              </a:r>
-              <a:r>
-                <a:rPr lang="en-US" altLang="ko-KR" b="1" dirty="0" smtClean="0"/>
-                <a:t>14:40</a:t>
-              </a:r>
-              <a:endParaRPr lang="ko-KR" altLang="en-US" b="1" dirty="0"/>
-            </a:p>
-            <a:p>
-              <a:r>
-                <a:rPr lang="ko-KR" altLang="en-US" b="1" dirty="0" smtClean="0"/>
-                <a:t> </a:t>
-              </a:r>
-              <a:r>
-                <a:rPr lang="ko-KR" altLang="en-US" b="1" dirty="0" err="1" smtClean="0"/>
-                <a:t>당고개행</a:t>
-              </a:r>
-              <a:r>
-                <a:rPr lang="ko-KR" altLang="en-US" b="1" dirty="0" smtClean="0"/>
-                <a:t> </a:t>
-              </a:r>
-              <a:r>
-                <a:rPr lang="en-US" altLang="ko-KR" b="1" dirty="0" smtClean="0"/>
-                <a:t>14:52  </a:t>
-              </a:r>
-              <a:r>
-                <a:rPr lang="ko-KR" altLang="en-US" b="1" dirty="0" smtClean="0"/>
-                <a:t>인천행 </a:t>
-              </a:r>
-              <a:r>
-                <a:rPr lang="en-US" altLang="ko-KR" b="1" dirty="0"/>
-                <a:t>14:46</a:t>
-              </a:r>
-            </a:p>
-            <a:p>
-              <a:r>
-                <a:rPr lang="ko-KR" altLang="en-US" b="1" dirty="0" smtClean="0"/>
-                <a:t> </a:t>
-              </a:r>
-              <a:r>
-                <a:rPr lang="ko-KR" altLang="en-US" b="1" dirty="0" err="1" smtClean="0"/>
-                <a:t>당고개행</a:t>
-              </a:r>
-              <a:r>
-                <a:rPr lang="ko-KR" altLang="en-US" b="1" dirty="0" smtClean="0"/>
-                <a:t> </a:t>
-              </a:r>
-              <a:r>
-                <a:rPr lang="en-US" altLang="ko-KR" b="1" dirty="0"/>
-                <a:t>14:58  </a:t>
-              </a:r>
-              <a:r>
-                <a:rPr lang="ko-KR" altLang="en-US" b="1" dirty="0" smtClean="0"/>
-                <a:t>인천행 </a:t>
-              </a:r>
-              <a:r>
-                <a:rPr lang="en-US" altLang="ko-KR" b="1" dirty="0"/>
-                <a:t>14:55</a:t>
-              </a:r>
-              <a:endParaRPr lang="ko-KR" altLang="en-US" b="1" dirty="0"/>
-            </a:p>
-            <a:p>
-              <a:r>
-                <a:rPr lang="ko-KR" altLang="en-US" b="1" dirty="0" smtClean="0"/>
-                <a:t> </a:t>
-              </a:r>
-              <a:r>
-                <a:rPr lang="ko-KR" altLang="en-US" b="1" dirty="0" err="1" smtClean="0"/>
-                <a:t>진접행</a:t>
-              </a:r>
-              <a:r>
-                <a:rPr lang="ko-KR" altLang="en-US" b="1" dirty="0" smtClean="0"/>
-                <a:t>    </a:t>
-              </a:r>
-              <a:r>
-                <a:rPr lang="en-US" altLang="ko-KR" b="1" dirty="0" smtClean="0"/>
-                <a:t>15:06  </a:t>
-              </a:r>
-              <a:r>
-                <a:rPr lang="ko-KR" altLang="en-US" b="1" dirty="0" smtClean="0"/>
-                <a:t>인천행 </a:t>
-              </a:r>
-              <a:r>
-                <a:rPr lang="en-US" altLang="ko-KR" b="1" dirty="0" smtClean="0"/>
-                <a:t>14:59</a:t>
-              </a:r>
-            </a:p>
-            <a:p>
-              <a:r>
-                <a:rPr lang="ko-KR" altLang="en-US" b="1" dirty="0" smtClean="0"/>
-                <a:t> </a:t>
-              </a:r>
-              <a:r>
-                <a:rPr lang="ko-KR" altLang="en-US" b="1" dirty="0" err="1" smtClean="0"/>
-                <a:t>당고개행</a:t>
-              </a:r>
-              <a:r>
-                <a:rPr lang="ko-KR" altLang="en-US" b="1" dirty="0" smtClean="0"/>
-                <a:t> </a:t>
-              </a:r>
-              <a:r>
-                <a:rPr lang="en-US" altLang="ko-KR" b="1" dirty="0"/>
-                <a:t>14:58  </a:t>
-              </a:r>
-              <a:r>
-                <a:rPr lang="ko-KR" altLang="en-US" b="1" dirty="0" err="1" smtClean="0"/>
-                <a:t>오이도행</a:t>
-              </a:r>
-              <a:r>
-                <a:rPr lang="ko-KR" altLang="en-US" b="1" dirty="0" smtClean="0"/>
-                <a:t> </a:t>
-              </a:r>
-              <a:r>
-                <a:rPr lang="en-US" altLang="ko-KR" b="1" dirty="0"/>
-                <a:t>14:55</a:t>
-              </a:r>
-              <a:endParaRPr lang="ko-KR" altLang="en-US" b="1" dirty="0"/>
-            </a:p>
-            <a:p>
-              <a:r>
-                <a:rPr lang="ko-KR" altLang="en-US" b="1" dirty="0" smtClean="0"/>
-                <a:t> </a:t>
-              </a:r>
-              <a:r>
-                <a:rPr lang="ko-KR" altLang="en-US" b="1" dirty="0" err="1" smtClean="0"/>
-                <a:t>당고개행</a:t>
-              </a:r>
-              <a:r>
-                <a:rPr lang="ko-KR" altLang="en-US" b="1" dirty="0" smtClean="0"/>
-                <a:t> </a:t>
-              </a:r>
-              <a:r>
-                <a:rPr lang="en-US" altLang="ko-KR" b="1" dirty="0"/>
-                <a:t>15:06  </a:t>
-              </a:r>
-              <a:r>
-                <a:rPr lang="ko-KR" altLang="en-US" b="1" dirty="0" err="1" smtClean="0"/>
-                <a:t>오이도행</a:t>
-              </a:r>
-              <a:r>
-                <a:rPr lang="ko-KR" altLang="en-US" b="1" dirty="0" smtClean="0"/>
-                <a:t> </a:t>
-              </a:r>
-              <a:r>
-                <a:rPr lang="en-US" altLang="ko-KR" b="1" dirty="0" smtClean="0"/>
-                <a:t>14:59</a:t>
-              </a:r>
-              <a:endParaRPr lang="ko-KR" altLang="en-US" b="1" dirty="0"/>
-            </a:p>
-          </p:txBody>
-        </p:sp>
-        <p:grpSp>
-          <p:nvGrpSpPr>
-            <p:cNvPr id="28" name="그룹 27"/>
-            <p:cNvGrpSpPr/>
-            <p:nvPr/>
-          </p:nvGrpSpPr>
-          <p:grpSpPr>
-            <a:xfrm>
-              <a:off x="10619628" y="3497961"/>
-              <a:ext cx="224666" cy="1603267"/>
-              <a:chOff x="10569448" y="2626467"/>
-              <a:chExt cx="224666" cy="1603267"/>
-            </a:xfrm>
-          </p:grpSpPr>
-          <p:sp>
-            <p:nvSpPr>
-              <p:cNvPr id="17" name="직사각형 16"/>
-              <p:cNvSpPr/>
-              <p:nvPr/>
-            </p:nvSpPr>
-            <p:spPr>
-              <a:xfrm>
-                <a:off x="10569448" y="2626467"/>
-                <a:ext cx="224666" cy="1603267"/>
-              </a:xfrm>
-              <a:prstGeom prst="rect">
-                <a:avLst/>
-              </a:prstGeom>
-              <a:solidFill>
-                <a:schemeClr val="accent6">
-                  <a:lumMod val="20000"/>
-                  <a:lumOff val="80000"/>
-                </a:schemeClr>
-              </a:solidFill>
-              <a:ln w="19050">
+              <a:ln w="57150">
                 <a:solidFill>
-                  <a:srgbClr val="64C044"/>
+                  <a:srgbClr val="00B050"/>
                 </a:solidFill>
               </a:ln>
             </p:spPr>
@@ -11147,24 +11628,1393 @@
               </a:p>
             </p:txBody>
           </p:sp>
+          <p:grpSp>
+            <p:nvGrpSpPr>
+              <p:cNvPr id="49" name="그룹 48"/>
+              <p:cNvGrpSpPr/>
+              <p:nvPr/>
+            </p:nvGrpSpPr>
+            <p:grpSpPr>
+              <a:xfrm>
+                <a:off x="952937" y="1630885"/>
+                <a:ext cx="10134163" cy="5122340"/>
+                <a:chOff x="952937" y="1430860"/>
+                <a:chExt cx="10134163" cy="5122340"/>
+              </a:xfrm>
+            </p:grpSpPr>
+            <p:sp>
+              <p:nvSpPr>
+                <p:cNvPr id="11" name="직사각형 10"/>
+                <p:cNvSpPr/>
+                <p:nvPr/>
+              </p:nvSpPr>
+              <p:spPr>
+                <a:xfrm>
+                  <a:off x="952937" y="1430860"/>
+                  <a:ext cx="10134163" cy="5122340"/>
+                </a:xfrm>
+                <a:prstGeom prst="rect">
+                  <a:avLst/>
+                </a:prstGeom>
+                <a:noFill/>
+                <a:ln w="57150">
+                  <a:solidFill>
+                    <a:srgbClr val="00B050"/>
+                  </a:solidFill>
+                </a:ln>
+              </p:spPr>
+              <p:style>
+                <a:lnRef idx="2">
+                  <a:schemeClr val="accent1">
+                    <a:shade val="50000"/>
+                  </a:schemeClr>
+                </a:lnRef>
+                <a:fillRef idx="1">
+                  <a:schemeClr val="accent1"/>
+                </a:fillRef>
+                <a:effectRef idx="0">
+                  <a:schemeClr val="accent1"/>
+                </a:effectRef>
+                <a:fontRef idx="minor">
+                  <a:schemeClr val="lt1"/>
+                </a:fontRef>
+              </p:style>
+              <p:txBody>
+                <a:bodyPr rtlCol="0" anchor="ctr"/>
+                <a:lstStyle/>
+                <a:p>
+                  <a:pPr algn="ctr"/>
+                  <a:endParaRPr lang="ko-KR" altLang="en-US"/>
+                </a:p>
+              </p:txBody>
+            </p:sp>
+            <p:grpSp>
+              <p:nvGrpSpPr>
+                <p:cNvPr id="35" name="그룹 34"/>
+                <p:cNvGrpSpPr/>
+                <p:nvPr/>
+              </p:nvGrpSpPr>
+              <p:grpSpPr>
+                <a:xfrm>
+                  <a:off x="5840223" y="1582693"/>
+                  <a:ext cx="5068604" cy="523220"/>
+                  <a:chOff x="5840223" y="1752033"/>
+                  <a:chExt cx="5068604" cy="523220"/>
+                </a:xfrm>
+              </p:grpSpPr>
+              <p:sp>
+                <p:nvSpPr>
+                  <p:cNvPr id="13" name="TextBox 12"/>
+                  <p:cNvSpPr txBox="1"/>
+                  <p:nvPr/>
+                </p:nvSpPr>
+                <p:spPr>
+                  <a:xfrm>
+                    <a:off x="9918227" y="1752033"/>
+                    <a:ext cx="990600" cy="523220"/>
+                  </a:xfrm>
+                  <a:prstGeom prst="rect">
+                    <a:avLst/>
+                  </a:prstGeom>
+                  <a:solidFill>
+                    <a:srgbClr val="92D050"/>
+                  </a:solidFill>
+                </p:spPr>
+                <p:txBody>
+                  <a:bodyPr wrap="square" rtlCol="0">
+                    <a:spAutoFit/>
+                  </a:bodyPr>
+                  <a:lstStyle/>
+                  <a:p>
+                    <a:r>
+                      <a:rPr lang="ko-KR" altLang="en-US" sz="2800" b="1" dirty="0" smtClean="0"/>
+                      <a:t>검색</a:t>
+                    </a:r>
+                    <a:endParaRPr lang="en-US" altLang="ko-KR" sz="2800" b="1" dirty="0"/>
+                  </a:p>
+                </p:txBody>
+              </p:sp>
+              <p:sp>
+                <p:nvSpPr>
+                  <p:cNvPr id="14" name="TextBox 13"/>
+                  <p:cNvSpPr txBox="1"/>
+                  <p:nvPr/>
+                </p:nvSpPr>
+                <p:spPr>
+                  <a:xfrm>
+                    <a:off x="5840223" y="1752033"/>
+                    <a:ext cx="3989879" cy="523220"/>
+                  </a:xfrm>
+                  <a:prstGeom prst="rect">
+                    <a:avLst/>
+                  </a:prstGeom>
+                  <a:noFill/>
+                  <a:ln w="28575">
+                    <a:solidFill>
+                      <a:srgbClr val="64C044"/>
+                    </a:solidFill>
+                  </a:ln>
+                </p:spPr>
+                <p:txBody>
+                  <a:bodyPr wrap="square" rtlCol="0">
+                    <a:spAutoFit/>
+                  </a:bodyPr>
+                  <a:lstStyle/>
+                  <a:p>
+                    <a:r>
+                      <a:rPr lang="ko-KR" altLang="en-US" sz="2800" b="1" dirty="0" err="1" smtClean="0"/>
+                      <a:t>충무로역</a:t>
+                    </a:r>
+                    <a:endParaRPr lang="en-US" altLang="ko-KR" sz="2800" b="1" dirty="0"/>
+                  </a:p>
+                </p:txBody>
+              </p:sp>
+            </p:grpSp>
+            <p:pic>
+              <p:nvPicPr>
+                <p:cNvPr id="15" name="Picture 6" descr="C:\Users\user\AppData\Local\Microsoft\Windows\INetCache\IE\SCXF6NYW\mail-1454732_960_720[1].png"/>
+                <p:cNvPicPr>
+                  <a:picLocks noChangeAspect="1" noChangeArrowheads="1"/>
+                </p:cNvPicPr>
+                <p:nvPr/>
+              </p:nvPicPr>
+              <p:blipFill>
+                <a:blip r:embed="rId2" cstate="print">
+                  <a:extLst>
+                    <a:ext uri="{28A0092B-C50C-407E-A947-70E740481C1C}">
+                      <a14:useLocalDpi xmlns:a14="http://schemas.microsoft.com/office/drawing/2010/main" val="0"/>
+                    </a:ext>
+                  </a:extLst>
+                </a:blip>
+                <a:srcRect/>
+                <a:stretch>
+                  <a:fillRect/>
+                </a:stretch>
+              </p:blipFill>
+              <p:spPr bwMode="auto">
+                <a:xfrm>
+                  <a:off x="8682773" y="5309298"/>
+                  <a:ext cx="1062360" cy="1062360"/>
+                </a:xfrm>
+                <a:prstGeom prst="rect">
+                  <a:avLst/>
+                </a:prstGeom>
+                <a:noFill/>
+                <a:extLst>
+                  <a:ext uri="{909E8E84-426E-40DD-AFC4-6F175D3DCCD1}">
+                    <a14:hiddenFill xmlns:a14="http://schemas.microsoft.com/office/drawing/2010/main">
+                      <a:solidFill>
+                        <a:srgbClr val="FFFFFF"/>
+                      </a:solidFill>
+                    </a14:hiddenFill>
+                  </a:ext>
+                </a:extLst>
+              </p:spPr>
+            </p:pic>
+            <p:pic>
+              <p:nvPicPr>
+                <p:cNvPr id="16" name="Picture 6" descr="C:\Users\user\AppData\Local\Microsoft\Windows\INetCache\IE\SCXF6NYW\google-maps-1797882_960_720[1].png"/>
+                <p:cNvPicPr>
+                  <a:picLocks noChangeAspect="1" noChangeArrowheads="1"/>
+                </p:cNvPicPr>
+                <p:nvPr/>
+              </p:nvPicPr>
+              <p:blipFill rotWithShape="1">
+                <a:blip r:embed="rId3" cstate="print">
+                  <a:extLst>
+                    <a:ext uri="{28A0092B-C50C-407E-A947-70E740481C1C}">
+                      <a14:useLocalDpi xmlns:a14="http://schemas.microsoft.com/office/drawing/2010/main" val="0"/>
+                    </a:ext>
+                  </a:extLst>
+                </a:blip>
+                <a:srcRect l="18280" t="14318" r="10573" b="14546"/>
+                <a:stretch/>
+              </p:blipFill>
+              <p:spPr bwMode="auto">
+                <a:xfrm>
+                  <a:off x="9918227" y="5371042"/>
+                  <a:ext cx="959868" cy="938872"/>
+                </a:xfrm>
+                <a:prstGeom prst="rect">
+                  <a:avLst/>
+                </a:prstGeom>
+                <a:noFill/>
+                <a:extLst>
+                  <a:ext uri="{909E8E84-426E-40DD-AFC4-6F175D3DCCD1}">
+                    <a14:hiddenFill xmlns:a14="http://schemas.microsoft.com/office/drawing/2010/main">
+                      <a:solidFill>
+                        <a:srgbClr val="FFFFFF"/>
+                      </a:solidFill>
+                    </a14:hiddenFill>
+                  </a:ext>
+                </a:extLst>
+              </p:spPr>
+            </p:pic>
+            <p:sp>
+              <p:nvSpPr>
+                <p:cNvPr id="18" name="TextBox 17"/>
+                <p:cNvSpPr txBox="1"/>
+                <p:nvPr/>
+              </p:nvSpPr>
+              <p:spPr>
+                <a:xfrm>
+                  <a:off x="1093975" y="1582693"/>
+                  <a:ext cx="4589896" cy="707886"/>
+                </a:xfrm>
+                <a:prstGeom prst="rect">
+                  <a:avLst/>
+                </a:prstGeom>
+                <a:noFill/>
+                <a:ln w="28575">
+                  <a:noFill/>
+                </a:ln>
+              </p:spPr>
+              <p:txBody>
+                <a:bodyPr wrap="square" rtlCol="0">
+                  <a:spAutoFit/>
+                </a:bodyPr>
+                <a:lstStyle/>
+                <a:p>
+                  <a:r>
+                    <a:rPr lang="ko-KR" altLang="en-US" sz="4000" b="1" dirty="0" err="1" smtClean="0"/>
+                    <a:t>언제타</a:t>
+                  </a:r>
+                  <a:r>
+                    <a:rPr lang="ko-KR" altLang="en-US" sz="4000" b="1" dirty="0" smtClean="0"/>
+                    <a:t> </a:t>
+                  </a:r>
+                  <a:r>
+                    <a:rPr lang="ko-KR" altLang="en-US" sz="4000" b="1" dirty="0" smtClean="0"/>
+                    <a:t>지하철</a:t>
+                  </a:r>
+                  <a:endParaRPr lang="en-US" altLang="ko-KR" sz="4000" b="1" dirty="0"/>
+                </a:p>
+              </p:txBody>
+            </p:sp>
+            <p:sp>
+              <p:nvSpPr>
+                <p:cNvPr id="12" name="TextBox 11"/>
+                <p:cNvSpPr txBox="1"/>
+                <p:nvPr/>
+              </p:nvSpPr>
+              <p:spPr>
+                <a:xfrm>
+                  <a:off x="5840223" y="3419069"/>
+                  <a:ext cx="5090206" cy="1754326"/>
+                </a:xfrm>
+                <a:prstGeom prst="rect">
+                  <a:avLst/>
+                </a:prstGeom>
+                <a:noFill/>
+                <a:ln w="28575">
+                  <a:solidFill>
+                    <a:srgbClr val="64C044"/>
+                  </a:solidFill>
+                </a:ln>
+              </p:spPr>
+              <p:txBody>
+                <a:bodyPr wrap="square" rtlCol="0">
+                  <a:spAutoFit/>
+                </a:bodyPr>
+                <a:lstStyle/>
+                <a:p>
+                  <a:r>
+                    <a:rPr lang="ko-KR" altLang="en-US" b="1" dirty="0" smtClean="0"/>
+                    <a:t> </a:t>
+                  </a:r>
+                  <a:r>
+                    <a:rPr lang="ko-KR" altLang="en-US" b="1" dirty="0" err="1" smtClean="0"/>
+                    <a:t>당고개행</a:t>
+                  </a:r>
+                  <a:r>
+                    <a:rPr lang="ko-KR" altLang="en-US" b="1" dirty="0" smtClean="0"/>
+                    <a:t> </a:t>
+                  </a:r>
+                  <a:r>
+                    <a:rPr lang="en-US" altLang="ko-KR" b="1" dirty="0" smtClean="0"/>
+                    <a:t>14:45  </a:t>
+                  </a:r>
+                  <a:r>
+                    <a:rPr lang="ko-KR" altLang="en-US" b="1" dirty="0" err="1" smtClean="0"/>
+                    <a:t>오이도행</a:t>
+                  </a:r>
+                  <a:r>
+                    <a:rPr lang="ko-KR" altLang="en-US" b="1" dirty="0" smtClean="0"/>
+                    <a:t> </a:t>
+                  </a:r>
+                  <a:r>
+                    <a:rPr lang="en-US" altLang="ko-KR" b="1" dirty="0" smtClean="0"/>
+                    <a:t>14:40</a:t>
+                  </a:r>
+                  <a:endParaRPr lang="ko-KR" altLang="en-US" b="1" dirty="0"/>
+                </a:p>
+                <a:p>
+                  <a:r>
+                    <a:rPr lang="ko-KR" altLang="en-US" b="1" dirty="0" smtClean="0"/>
+                    <a:t> </a:t>
+                  </a:r>
+                  <a:r>
+                    <a:rPr lang="ko-KR" altLang="en-US" b="1" dirty="0" err="1" smtClean="0"/>
+                    <a:t>당고개행</a:t>
+                  </a:r>
+                  <a:r>
+                    <a:rPr lang="ko-KR" altLang="en-US" b="1" dirty="0" smtClean="0"/>
+                    <a:t> </a:t>
+                  </a:r>
+                  <a:r>
+                    <a:rPr lang="en-US" altLang="ko-KR" b="1" dirty="0" smtClean="0"/>
+                    <a:t>14:52  </a:t>
+                  </a:r>
+                  <a:r>
+                    <a:rPr lang="ko-KR" altLang="en-US" b="1" dirty="0" smtClean="0"/>
+                    <a:t>인천행 </a:t>
+                  </a:r>
+                  <a:r>
+                    <a:rPr lang="en-US" altLang="ko-KR" b="1" dirty="0"/>
+                    <a:t>14:46</a:t>
+                  </a:r>
+                </a:p>
+                <a:p>
+                  <a:r>
+                    <a:rPr lang="ko-KR" altLang="en-US" b="1" dirty="0" smtClean="0"/>
+                    <a:t> </a:t>
+                  </a:r>
+                  <a:r>
+                    <a:rPr lang="ko-KR" altLang="en-US" b="1" dirty="0" err="1" smtClean="0"/>
+                    <a:t>당고개행</a:t>
+                  </a:r>
+                  <a:r>
+                    <a:rPr lang="ko-KR" altLang="en-US" b="1" dirty="0" smtClean="0"/>
+                    <a:t> </a:t>
+                  </a:r>
+                  <a:r>
+                    <a:rPr lang="en-US" altLang="ko-KR" b="1" dirty="0"/>
+                    <a:t>14:58  </a:t>
+                  </a:r>
+                  <a:r>
+                    <a:rPr lang="ko-KR" altLang="en-US" b="1" dirty="0" smtClean="0"/>
+                    <a:t>인천행 </a:t>
+                  </a:r>
+                  <a:r>
+                    <a:rPr lang="en-US" altLang="ko-KR" b="1" dirty="0"/>
+                    <a:t>14:55</a:t>
+                  </a:r>
+                  <a:endParaRPr lang="ko-KR" altLang="en-US" b="1" dirty="0"/>
+                </a:p>
+                <a:p>
+                  <a:r>
+                    <a:rPr lang="ko-KR" altLang="en-US" b="1" dirty="0" smtClean="0"/>
+                    <a:t> </a:t>
+                  </a:r>
+                  <a:r>
+                    <a:rPr lang="ko-KR" altLang="en-US" b="1" dirty="0" err="1" smtClean="0"/>
+                    <a:t>진접행</a:t>
+                  </a:r>
+                  <a:r>
+                    <a:rPr lang="ko-KR" altLang="en-US" b="1" dirty="0" smtClean="0"/>
+                    <a:t>    </a:t>
+                  </a:r>
+                  <a:r>
+                    <a:rPr lang="en-US" altLang="ko-KR" b="1" dirty="0" smtClean="0"/>
+                    <a:t>15:06  </a:t>
+                  </a:r>
+                  <a:r>
+                    <a:rPr lang="ko-KR" altLang="en-US" b="1" dirty="0" smtClean="0"/>
+                    <a:t>인천행 </a:t>
+                  </a:r>
+                  <a:r>
+                    <a:rPr lang="en-US" altLang="ko-KR" b="1" dirty="0" smtClean="0"/>
+                    <a:t>14:59</a:t>
+                  </a:r>
+                </a:p>
+                <a:p>
+                  <a:r>
+                    <a:rPr lang="ko-KR" altLang="en-US" b="1" dirty="0" smtClean="0"/>
+                    <a:t> </a:t>
+                  </a:r>
+                  <a:r>
+                    <a:rPr lang="ko-KR" altLang="en-US" b="1" dirty="0" err="1" smtClean="0"/>
+                    <a:t>당고개행</a:t>
+                  </a:r>
+                  <a:r>
+                    <a:rPr lang="ko-KR" altLang="en-US" b="1" dirty="0" smtClean="0"/>
+                    <a:t> </a:t>
+                  </a:r>
+                  <a:r>
+                    <a:rPr lang="en-US" altLang="ko-KR" b="1" dirty="0"/>
+                    <a:t>14:58  </a:t>
+                  </a:r>
+                  <a:r>
+                    <a:rPr lang="ko-KR" altLang="en-US" b="1" dirty="0" err="1" smtClean="0"/>
+                    <a:t>오이도행</a:t>
+                  </a:r>
+                  <a:r>
+                    <a:rPr lang="ko-KR" altLang="en-US" b="1" dirty="0" smtClean="0"/>
+                    <a:t> </a:t>
+                  </a:r>
+                  <a:r>
+                    <a:rPr lang="en-US" altLang="ko-KR" b="1" dirty="0"/>
+                    <a:t>14:55</a:t>
+                  </a:r>
+                  <a:endParaRPr lang="ko-KR" altLang="en-US" b="1" dirty="0"/>
+                </a:p>
+                <a:p>
+                  <a:r>
+                    <a:rPr lang="ko-KR" altLang="en-US" b="1" dirty="0" smtClean="0"/>
+                    <a:t> </a:t>
+                  </a:r>
+                  <a:r>
+                    <a:rPr lang="ko-KR" altLang="en-US" b="1" dirty="0" err="1" smtClean="0"/>
+                    <a:t>당고개행</a:t>
+                  </a:r>
+                  <a:r>
+                    <a:rPr lang="ko-KR" altLang="en-US" b="1" dirty="0" smtClean="0"/>
+                    <a:t> </a:t>
+                  </a:r>
+                  <a:r>
+                    <a:rPr lang="en-US" altLang="ko-KR" b="1" dirty="0"/>
+                    <a:t>15:06  </a:t>
+                  </a:r>
+                  <a:r>
+                    <a:rPr lang="ko-KR" altLang="en-US" b="1" dirty="0" err="1" smtClean="0"/>
+                    <a:t>오이도행</a:t>
+                  </a:r>
+                  <a:r>
+                    <a:rPr lang="ko-KR" altLang="en-US" b="1" dirty="0" smtClean="0"/>
+                    <a:t> </a:t>
+                  </a:r>
+                  <a:r>
+                    <a:rPr lang="en-US" altLang="ko-KR" b="1" dirty="0" smtClean="0"/>
+                    <a:t>14:59</a:t>
+                  </a:r>
+                  <a:endParaRPr lang="ko-KR" altLang="en-US" b="1" dirty="0"/>
+                </a:p>
+              </p:txBody>
+            </p:sp>
+            <p:grpSp>
+              <p:nvGrpSpPr>
+                <p:cNvPr id="28" name="그룹 27"/>
+                <p:cNvGrpSpPr/>
+                <p:nvPr/>
+              </p:nvGrpSpPr>
+              <p:grpSpPr>
+                <a:xfrm>
+                  <a:off x="10619628" y="3497961"/>
+                  <a:ext cx="224666" cy="1603267"/>
+                  <a:chOff x="10569448" y="2626467"/>
+                  <a:chExt cx="224666" cy="1603267"/>
+                </a:xfrm>
+              </p:grpSpPr>
+              <p:sp>
+                <p:nvSpPr>
+                  <p:cNvPr id="17" name="직사각형 16"/>
+                  <p:cNvSpPr/>
+                  <p:nvPr/>
+                </p:nvSpPr>
+                <p:spPr>
+                  <a:xfrm>
+                    <a:off x="10569448" y="2626467"/>
+                    <a:ext cx="224666" cy="1603267"/>
+                  </a:xfrm>
+                  <a:prstGeom prst="rect">
+                    <a:avLst/>
+                  </a:prstGeom>
+                  <a:solidFill>
+                    <a:schemeClr val="accent6">
+                      <a:lumMod val="20000"/>
+                      <a:lumOff val="80000"/>
+                    </a:schemeClr>
+                  </a:solidFill>
+                  <a:ln w="19050">
+                    <a:solidFill>
+                      <a:srgbClr val="64C044"/>
+                    </a:solidFill>
+                  </a:ln>
+                </p:spPr>
+                <p:style>
+                  <a:lnRef idx="2">
+                    <a:schemeClr val="accent1">
+                      <a:shade val="50000"/>
+                    </a:schemeClr>
+                  </a:lnRef>
+                  <a:fillRef idx="1">
+                    <a:schemeClr val="accent1"/>
+                  </a:fillRef>
+                  <a:effectRef idx="0">
+                    <a:schemeClr val="accent1"/>
+                  </a:effectRef>
+                  <a:fontRef idx="minor">
+                    <a:schemeClr val="lt1"/>
+                  </a:fontRef>
+                </p:style>
+                <p:txBody>
+                  <a:bodyPr rtlCol="0" anchor="ctr"/>
+                  <a:lstStyle/>
+                  <a:p>
+                    <a:pPr algn="ctr"/>
+                    <a:endParaRPr lang="ko-KR" altLang="en-US"/>
+                  </a:p>
+                </p:txBody>
+              </p:sp>
+              <p:sp>
+                <p:nvSpPr>
+                  <p:cNvPr id="29" name="직사각형 28"/>
+                  <p:cNvSpPr/>
+                  <p:nvPr/>
+                </p:nvSpPr>
+                <p:spPr>
+                  <a:xfrm>
+                    <a:off x="10618889" y="3188875"/>
+                    <a:ext cx="134836" cy="89832"/>
+                  </a:xfrm>
+                  <a:prstGeom prst="rect">
+                    <a:avLst/>
+                  </a:prstGeom>
+                  <a:solidFill>
+                    <a:schemeClr val="accent6">
+                      <a:lumMod val="75000"/>
+                    </a:schemeClr>
+                  </a:solidFill>
+                  <a:ln>
+                    <a:noFill/>
+                  </a:ln>
+                </p:spPr>
+                <p:style>
+                  <a:lnRef idx="2">
+                    <a:schemeClr val="accent1">
+                      <a:shade val="50000"/>
+                    </a:schemeClr>
+                  </a:lnRef>
+                  <a:fillRef idx="1">
+                    <a:schemeClr val="accent1"/>
+                  </a:fillRef>
+                  <a:effectRef idx="0">
+                    <a:schemeClr val="accent1"/>
+                  </a:effectRef>
+                  <a:fontRef idx="minor">
+                    <a:schemeClr val="lt1"/>
+                  </a:fontRef>
+                </p:style>
+                <p:txBody>
+                  <a:bodyPr rtlCol="0" anchor="ctr"/>
+                  <a:lstStyle/>
+                  <a:p>
+                    <a:pPr algn="ctr"/>
+                    <a:endParaRPr lang="ko-KR" altLang="en-US" sz="1400"/>
+                  </a:p>
+                </p:txBody>
+              </p:sp>
+            </p:grpSp>
+            <p:grpSp>
+              <p:nvGrpSpPr>
+                <p:cNvPr id="34" name="그룹 33"/>
+                <p:cNvGrpSpPr/>
+                <p:nvPr/>
+              </p:nvGrpSpPr>
+              <p:grpSpPr>
+                <a:xfrm>
+                  <a:off x="1190785" y="2361453"/>
+                  <a:ext cx="8393030" cy="429918"/>
+                  <a:chOff x="1190785" y="2530793"/>
+                  <a:chExt cx="8393030" cy="429918"/>
+                </a:xfrm>
+              </p:grpSpPr>
+              <p:sp>
+                <p:nvSpPr>
+                  <p:cNvPr id="21" name="TextBox 20"/>
+                  <p:cNvSpPr txBox="1"/>
+                  <p:nvPr/>
+                </p:nvSpPr>
+                <p:spPr>
+                  <a:xfrm>
+                    <a:off x="6819780" y="2560601"/>
+                    <a:ext cx="869329" cy="400110"/>
+                  </a:xfrm>
+                  <a:prstGeom prst="rect">
+                    <a:avLst/>
+                  </a:prstGeom>
+                  <a:solidFill>
+                    <a:srgbClr val="92D050"/>
+                  </a:solidFill>
+                </p:spPr>
+                <p:txBody>
+                  <a:bodyPr wrap="square" rtlCol="0">
+                    <a:spAutoFit/>
+                  </a:bodyPr>
+                  <a:lstStyle/>
+                  <a:p>
+                    <a:pPr algn="ctr"/>
+                    <a:r>
+                      <a:rPr lang="en-US" altLang="ko-KR" sz="2000" b="1" dirty="0" smtClean="0">
+                        <a:solidFill>
+                          <a:schemeClr val="bg1"/>
+                        </a:solidFill>
+                      </a:rPr>
+                      <a:t>7</a:t>
+                    </a:r>
+                    <a:r>
+                      <a:rPr lang="ko-KR" altLang="en-US" sz="2000" b="1" dirty="0" smtClean="0">
+                        <a:solidFill>
+                          <a:schemeClr val="bg1"/>
+                        </a:solidFill>
+                      </a:rPr>
+                      <a:t>호선</a:t>
+                    </a:r>
+                    <a:endParaRPr lang="en-US" altLang="ko-KR" sz="2000" b="1" dirty="0">
+                      <a:solidFill>
+                        <a:schemeClr val="bg1"/>
+                      </a:solidFill>
+                    </a:endParaRPr>
+                  </a:p>
+                </p:txBody>
+              </p:sp>
+              <p:sp>
+                <p:nvSpPr>
+                  <p:cNvPr id="22" name="TextBox 21"/>
+                  <p:cNvSpPr txBox="1"/>
+                  <p:nvPr/>
+                </p:nvSpPr>
+                <p:spPr>
+                  <a:xfrm>
+                    <a:off x="5878312" y="2548115"/>
+                    <a:ext cx="869329" cy="400110"/>
+                  </a:xfrm>
+                  <a:prstGeom prst="rect">
+                    <a:avLst/>
+                  </a:prstGeom>
+                  <a:solidFill>
+                    <a:srgbClr val="92D050"/>
+                  </a:solidFill>
+                </p:spPr>
+                <p:txBody>
+                  <a:bodyPr wrap="square" rtlCol="0">
+                    <a:spAutoFit/>
+                  </a:bodyPr>
+                  <a:lstStyle/>
+                  <a:p>
+                    <a:pPr algn="ctr"/>
+                    <a:r>
+                      <a:rPr lang="en-US" altLang="ko-KR" sz="2000" b="1" dirty="0">
+                        <a:solidFill>
+                          <a:schemeClr val="bg1"/>
+                        </a:solidFill>
+                      </a:rPr>
+                      <a:t>6</a:t>
+                    </a:r>
+                    <a:r>
+                      <a:rPr lang="ko-KR" altLang="en-US" sz="2000" b="1" dirty="0" smtClean="0">
+                        <a:solidFill>
+                          <a:schemeClr val="bg1"/>
+                        </a:solidFill>
+                      </a:rPr>
+                      <a:t>호선</a:t>
+                    </a:r>
+                    <a:endParaRPr lang="en-US" altLang="ko-KR" sz="2000" b="1" dirty="0">
+                      <a:solidFill>
+                        <a:schemeClr val="bg1"/>
+                      </a:solidFill>
+                    </a:endParaRPr>
+                  </a:p>
+                </p:txBody>
+              </p:sp>
+              <p:sp>
+                <p:nvSpPr>
+                  <p:cNvPr id="23" name="TextBox 22"/>
+                  <p:cNvSpPr txBox="1"/>
+                  <p:nvPr/>
+                </p:nvSpPr>
+                <p:spPr>
+                  <a:xfrm>
+                    <a:off x="4935565" y="2548115"/>
+                    <a:ext cx="869329" cy="400110"/>
+                  </a:xfrm>
+                  <a:prstGeom prst="rect">
+                    <a:avLst/>
+                  </a:prstGeom>
+                  <a:solidFill>
+                    <a:srgbClr val="92D050"/>
+                  </a:solidFill>
+                </p:spPr>
+                <p:txBody>
+                  <a:bodyPr wrap="square" rtlCol="0">
+                    <a:spAutoFit/>
+                  </a:bodyPr>
+                  <a:lstStyle/>
+                  <a:p>
+                    <a:pPr algn="ctr"/>
+                    <a:r>
+                      <a:rPr lang="en-US" altLang="ko-KR" sz="2000" b="1" dirty="0">
+                        <a:solidFill>
+                          <a:schemeClr val="bg1"/>
+                        </a:solidFill>
+                      </a:rPr>
+                      <a:t>5</a:t>
+                    </a:r>
+                    <a:r>
+                      <a:rPr lang="ko-KR" altLang="en-US" sz="2000" b="1" dirty="0" smtClean="0">
+                        <a:solidFill>
+                          <a:schemeClr val="bg1"/>
+                        </a:solidFill>
+                      </a:rPr>
+                      <a:t>호선</a:t>
+                    </a:r>
+                    <a:endParaRPr lang="en-US" altLang="ko-KR" sz="2000" b="1" dirty="0">
+                      <a:solidFill>
+                        <a:schemeClr val="bg1"/>
+                      </a:solidFill>
+                    </a:endParaRPr>
+                  </a:p>
+                </p:txBody>
+              </p:sp>
+              <p:sp>
+                <p:nvSpPr>
+                  <p:cNvPr id="24" name="TextBox 23"/>
+                  <p:cNvSpPr txBox="1"/>
+                  <p:nvPr/>
+                </p:nvSpPr>
+                <p:spPr>
+                  <a:xfrm>
+                    <a:off x="4011786" y="2548115"/>
+                    <a:ext cx="869329" cy="400110"/>
+                  </a:xfrm>
+                  <a:prstGeom prst="rect">
+                    <a:avLst/>
+                  </a:prstGeom>
+                  <a:solidFill>
+                    <a:schemeClr val="accent6">
+                      <a:lumMod val="75000"/>
+                    </a:schemeClr>
+                  </a:solidFill>
+                  <a:ln>
+                    <a:solidFill>
+                      <a:schemeClr val="accent6">
+                        <a:lumMod val="50000"/>
+                      </a:schemeClr>
+                    </a:solidFill>
+                  </a:ln>
+                </p:spPr>
+                <p:txBody>
+                  <a:bodyPr wrap="square" rtlCol="0">
+                    <a:spAutoFit/>
+                  </a:bodyPr>
+                  <a:lstStyle/>
+                  <a:p>
+                    <a:pPr algn="ctr"/>
+                    <a:r>
+                      <a:rPr lang="en-US" altLang="ko-KR" sz="2000" b="1" dirty="0">
+                        <a:solidFill>
+                          <a:schemeClr val="bg1"/>
+                        </a:solidFill>
+                      </a:rPr>
+                      <a:t>4</a:t>
+                    </a:r>
+                    <a:r>
+                      <a:rPr lang="ko-KR" altLang="en-US" sz="2000" b="1" dirty="0" smtClean="0">
+                        <a:solidFill>
+                          <a:schemeClr val="bg1"/>
+                        </a:solidFill>
+                      </a:rPr>
+                      <a:t>호선</a:t>
+                    </a:r>
+                    <a:endParaRPr lang="en-US" altLang="ko-KR" sz="2000" b="1" dirty="0">
+                      <a:solidFill>
+                        <a:schemeClr val="bg1"/>
+                      </a:solidFill>
+                    </a:endParaRPr>
+                  </a:p>
+                </p:txBody>
+              </p:sp>
+              <p:sp>
+                <p:nvSpPr>
+                  <p:cNvPr id="25" name="TextBox 24"/>
+                  <p:cNvSpPr txBox="1"/>
+                  <p:nvPr/>
+                </p:nvSpPr>
+                <p:spPr>
+                  <a:xfrm>
+                    <a:off x="2140076" y="2530793"/>
+                    <a:ext cx="869329" cy="400110"/>
+                  </a:xfrm>
+                  <a:prstGeom prst="rect">
+                    <a:avLst/>
+                  </a:prstGeom>
+                  <a:solidFill>
+                    <a:srgbClr val="92D050"/>
+                  </a:solidFill>
+                </p:spPr>
+                <p:txBody>
+                  <a:bodyPr wrap="square" rtlCol="0">
+                    <a:spAutoFit/>
+                  </a:bodyPr>
+                  <a:lstStyle/>
+                  <a:p>
+                    <a:pPr algn="ctr"/>
+                    <a:r>
+                      <a:rPr lang="en-US" altLang="ko-KR" sz="2000" b="1" dirty="0">
+                        <a:solidFill>
+                          <a:schemeClr val="bg1"/>
+                        </a:solidFill>
+                      </a:rPr>
+                      <a:t>2</a:t>
+                    </a:r>
+                    <a:r>
+                      <a:rPr lang="ko-KR" altLang="en-US" sz="2000" b="1" dirty="0" smtClean="0">
+                        <a:solidFill>
+                          <a:schemeClr val="bg1"/>
+                        </a:solidFill>
+                      </a:rPr>
+                      <a:t>호선</a:t>
+                    </a:r>
+                    <a:endParaRPr lang="en-US" altLang="ko-KR" sz="2000" b="1" dirty="0">
+                      <a:solidFill>
+                        <a:schemeClr val="bg1"/>
+                      </a:solidFill>
+                    </a:endParaRPr>
+                  </a:p>
+                </p:txBody>
+              </p:sp>
+              <p:sp>
+                <p:nvSpPr>
+                  <p:cNvPr id="26" name="TextBox 25"/>
+                  <p:cNvSpPr txBox="1"/>
+                  <p:nvPr/>
+                </p:nvSpPr>
+                <p:spPr>
+                  <a:xfrm>
+                    <a:off x="1190785" y="2530793"/>
+                    <a:ext cx="869329" cy="400110"/>
+                  </a:xfrm>
+                  <a:prstGeom prst="rect">
+                    <a:avLst/>
+                  </a:prstGeom>
+                  <a:solidFill>
+                    <a:srgbClr val="92D050"/>
+                  </a:solidFill>
+                </p:spPr>
+                <p:txBody>
+                  <a:bodyPr wrap="square" rtlCol="0">
+                    <a:spAutoFit/>
+                  </a:bodyPr>
+                  <a:lstStyle/>
+                  <a:p>
+                    <a:pPr algn="ctr"/>
+                    <a:r>
+                      <a:rPr lang="en-US" altLang="ko-KR" sz="2000" b="1" dirty="0" smtClean="0">
+                        <a:solidFill>
+                          <a:schemeClr val="bg1"/>
+                        </a:solidFill>
+                      </a:rPr>
+                      <a:t>1</a:t>
+                    </a:r>
+                    <a:r>
+                      <a:rPr lang="ko-KR" altLang="en-US" sz="2000" b="1" dirty="0" smtClean="0">
+                        <a:solidFill>
+                          <a:schemeClr val="bg1"/>
+                        </a:solidFill>
+                      </a:rPr>
+                      <a:t>호선</a:t>
+                    </a:r>
+                    <a:endParaRPr lang="en-US" altLang="ko-KR" sz="2000" b="1" dirty="0">
+                      <a:solidFill>
+                        <a:schemeClr val="bg1"/>
+                      </a:solidFill>
+                    </a:endParaRPr>
+                  </a:p>
+                </p:txBody>
+              </p:sp>
+              <p:sp>
+                <p:nvSpPr>
+                  <p:cNvPr id="27" name="TextBox 26"/>
+                  <p:cNvSpPr txBox="1"/>
+                  <p:nvPr/>
+                </p:nvSpPr>
+                <p:spPr>
+                  <a:xfrm>
+                    <a:off x="3079743" y="2530793"/>
+                    <a:ext cx="869329" cy="400110"/>
+                  </a:xfrm>
+                  <a:prstGeom prst="rect">
+                    <a:avLst/>
+                  </a:prstGeom>
+                  <a:solidFill>
+                    <a:srgbClr val="92D050"/>
+                  </a:solidFill>
+                </p:spPr>
+                <p:txBody>
+                  <a:bodyPr wrap="square" rtlCol="0">
+                    <a:spAutoFit/>
+                  </a:bodyPr>
+                  <a:lstStyle/>
+                  <a:p>
+                    <a:pPr algn="ctr"/>
+                    <a:r>
+                      <a:rPr lang="en-US" altLang="ko-KR" sz="2000" b="1" dirty="0" smtClean="0">
+                        <a:solidFill>
+                          <a:schemeClr val="bg1"/>
+                        </a:solidFill>
+                      </a:rPr>
+                      <a:t>3</a:t>
+                    </a:r>
+                    <a:r>
+                      <a:rPr lang="ko-KR" altLang="en-US" sz="2000" b="1" dirty="0" smtClean="0">
+                        <a:solidFill>
+                          <a:schemeClr val="bg1"/>
+                        </a:solidFill>
+                      </a:rPr>
+                      <a:t>호선</a:t>
+                    </a:r>
+                    <a:endParaRPr lang="en-US" altLang="ko-KR" sz="2000" b="1" dirty="0">
+                      <a:solidFill>
+                        <a:schemeClr val="bg1"/>
+                      </a:solidFill>
+                    </a:endParaRPr>
+                  </a:p>
+                </p:txBody>
+              </p:sp>
+              <p:sp>
+                <p:nvSpPr>
+                  <p:cNvPr id="31" name="TextBox 30"/>
+                  <p:cNvSpPr txBox="1"/>
+                  <p:nvPr/>
+                </p:nvSpPr>
+                <p:spPr>
+                  <a:xfrm>
+                    <a:off x="8714486" y="2560601"/>
+                    <a:ext cx="869329" cy="400110"/>
+                  </a:xfrm>
+                  <a:prstGeom prst="rect">
+                    <a:avLst/>
+                  </a:prstGeom>
+                  <a:solidFill>
+                    <a:srgbClr val="92D050"/>
+                  </a:solidFill>
+                </p:spPr>
+                <p:txBody>
+                  <a:bodyPr wrap="square" rtlCol="0">
+                    <a:spAutoFit/>
+                  </a:bodyPr>
+                  <a:lstStyle/>
+                  <a:p>
+                    <a:pPr algn="ctr"/>
+                    <a:r>
+                      <a:rPr lang="en-US" altLang="ko-KR" sz="2000" b="1" dirty="0">
+                        <a:solidFill>
+                          <a:schemeClr val="bg1"/>
+                        </a:solidFill>
+                      </a:rPr>
+                      <a:t>9</a:t>
+                    </a:r>
+                    <a:r>
+                      <a:rPr lang="ko-KR" altLang="en-US" sz="2000" b="1" dirty="0" smtClean="0">
+                        <a:solidFill>
+                          <a:schemeClr val="bg1"/>
+                        </a:solidFill>
+                      </a:rPr>
+                      <a:t>호선</a:t>
+                    </a:r>
+                    <a:endParaRPr lang="en-US" altLang="ko-KR" sz="2000" b="1" dirty="0">
+                      <a:solidFill>
+                        <a:schemeClr val="bg1"/>
+                      </a:solidFill>
+                    </a:endParaRPr>
+                  </a:p>
+                </p:txBody>
+              </p:sp>
+              <p:sp>
+                <p:nvSpPr>
+                  <p:cNvPr id="32" name="TextBox 31"/>
+                  <p:cNvSpPr txBox="1"/>
+                  <p:nvPr/>
+                </p:nvSpPr>
+                <p:spPr>
+                  <a:xfrm>
+                    <a:off x="7769629" y="2560601"/>
+                    <a:ext cx="869329" cy="400110"/>
+                  </a:xfrm>
+                  <a:prstGeom prst="rect">
+                    <a:avLst/>
+                  </a:prstGeom>
+                  <a:solidFill>
+                    <a:srgbClr val="92D050"/>
+                  </a:solidFill>
+                </p:spPr>
+                <p:txBody>
+                  <a:bodyPr wrap="square" rtlCol="0">
+                    <a:spAutoFit/>
+                  </a:bodyPr>
+                  <a:lstStyle/>
+                  <a:p>
+                    <a:pPr algn="ctr"/>
+                    <a:r>
+                      <a:rPr lang="en-US" altLang="ko-KR" sz="2000" b="1" dirty="0">
+                        <a:solidFill>
+                          <a:schemeClr val="bg1"/>
+                        </a:solidFill>
+                      </a:rPr>
+                      <a:t>8</a:t>
+                    </a:r>
+                    <a:r>
+                      <a:rPr lang="ko-KR" altLang="en-US" sz="2000" b="1" dirty="0" smtClean="0">
+                        <a:solidFill>
+                          <a:schemeClr val="bg1"/>
+                        </a:solidFill>
+                      </a:rPr>
+                      <a:t>호선</a:t>
+                    </a:r>
+                    <a:endParaRPr lang="en-US" altLang="ko-KR" sz="2000" b="1" dirty="0">
+                      <a:solidFill>
+                        <a:schemeClr val="bg1"/>
+                      </a:solidFill>
+                    </a:endParaRPr>
+                  </a:p>
+                </p:txBody>
+              </p:sp>
+            </p:grpSp>
+            <p:graphicFrame>
+              <p:nvGraphicFramePr>
+                <p:cNvPr id="43" name="차트 42"/>
+                <p:cNvGraphicFramePr/>
+                <p:nvPr>
+                  <p:extLst>
+                    <p:ext uri="{D42A27DB-BD31-4B8C-83A1-F6EECF244321}">
+                      <p14:modId xmlns:p14="http://schemas.microsoft.com/office/powerpoint/2010/main" val="1658780463"/>
+                    </p:ext>
+                  </p:extLst>
+                </p:nvPr>
+              </p:nvGraphicFramePr>
+              <p:xfrm>
+                <a:off x="1227014" y="5371042"/>
+                <a:ext cx="7341253" cy="1004367"/>
+              </p:xfrm>
+              <a:graphic>
+                <a:graphicData uri="http://schemas.openxmlformats.org/drawingml/2006/chart">
+                  <c:chart xmlns:c="http://schemas.openxmlformats.org/drawingml/2006/chart" xmlns:r="http://schemas.openxmlformats.org/officeDocument/2006/relationships" r:id="rId4"/>
+                </a:graphicData>
+              </a:graphic>
+            </p:graphicFrame>
+            <p:sp>
+              <p:nvSpPr>
+                <p:cNvPr id="45" name="TextBox 44"/>
+                <p:cNvSpPr txBox="1"/>
+                <p:nvPr/>
+              </p:nvSpPr>
+              <p:spPr>
+                <a:xfrm>
+                  <a:off x="1154812" y="3429677"/>
+                  <a:ext cx="4529059" cy="1754326"/>
+                </a:xfrm>
+                <a:prstGeom prst="rect">
+                  <a:avLst/>
+                </a:prstGeom>
+                <a:noFill/>
+                <a:ln w="28575">
+                  <a:solidFill>
+                    <a:srgbClr val="64C044"/>
+                  </a:solidFill>
+                </a:ln>
+              </p:spPr>
+              <p:txBody>
+                <a:bodyPr wrap="square" rtlCol="0">
+                  <a:spAutoFit/>
+                </a:bodyPr>
+                <a:lstStyle/>
+                <a:p>
+                  <a:r>
+                    <a:rPr lang="ko-KR" altLang="en-US" b="1" dirty="0" err="1"/>
+                    <a:t>동대문역</a:t>
+                  </a:r>
+                  <a:endParaRPr lang="ko-KR" altLang="en-US" b="1" dirty="0"/>
+                </a:p>
+                <a:p>
+                  <a:r>
+                    <a:rPr lang="ko-KR" altLang="en-US" b="1" dirty="0" err="1"/>
+                    <a:t>동대문역사문화공원역</a:t>
+                  </a:r>
+                  <a:endParaRPr lang="ko-KR" altLang="en-US" b="1" dirty="0"/>
+                </a:p>
+                <a:p>
+                  <a:r>
+                    <a:rPr lang="ko-KR" altLang="en-US" b="1" dirty="0" err="1"/>
+                    <a:t>충무로역</a:t>
+                  </a:r>
+                  <a:endParaRPr lang="ko-KR" altLang="en-US" b="1" dirty="0"/>
+                </a:p>
+                <a:p>
+                  <a:r>
+                    <a:rPr lang="ko-KR" altLang="en-US" b="1" dirty="0" err="1"/>
+                    <a:t>명동역</a:t>
+                  </a:r>
+                  <a:endParaRPr lang="ko-KR" altLang="en-US" b="1" dirty="0"/>
+                </a:p>
+                <a:p>
+                  <a:r>
+                    <a:rPr lang="ko-KR" altLang="en-US" b="1" dirty="0" err="1"/>
+                    <a:t>회현역</a:t>
+                  </a:r>
+                  <a:endParaRPr lang="ko-KR" altLang="en-US" b="1" dirty="0"/>
+                </a:p>
+                <a:p>
+                  <a:r>
+                    <a:rPr lang="ko-KR" altLang="en-US" b="1" dirty="0"/>
+                    <a:t>서울역</a:t>
+                  </a:r>
+                </a:p>
+              </p:txBody>
+            </p:sp>
+            <p:grpSp>
+              <p:nvGrpSpPr>
+                <p:cNvPr id="46" name="그룹 45"/>
+                <p:cNvGrpSpPr/>
+                <p:nvPr/>
+              </p:nvGrpSpPr>
+              <p:grpSpPr>
+                <a:xfrm>
+                  <a:off x="5370229" y="3494598"/>
+                  <a:ext cx="224666" cy="1603267"/>
+                  <a:chOff x="10569448" y="2626467"/>
+                  <a:chExt cx="224666" cy="1603267"/>
+                </a:xfrm>
+              </p:grpSpPr>
+              <p:sp>
+                <p:nvSpPr>
+                  <p:cNvPr id="47" name="직사각형 46"/>
+                  <p:cNvSpPr/>
+                  <p:nvPr/>
+                </p:nvSpPr>
+                <p:spPr>
+                  <a:xfrm>
+                    <a:off x="10569448" y="2626467"/>
+                    <a:ext cx="224666" cy="1603267"/>
+                  </a:xfrm>
+                  <a:prstGeom prst="rect">
+                    <a:avLst/>
+                  </a:prstGeom>
+                  <a:solidFill>
+                    <a:schemeClr val="accent6">
+                      <a:lumMod val="20000"/>
+                      <a:lumOff val="80000"/>
+                    </a:schemeClr>
+                  </a:solidFill>
+                  <a:ln w="19050">
+                    <a:solidFill>
+                      <a:srgbClr val="64C044"/>
+                    </a:solidFill>
+                  </a:ln>
+                </p:spPr>
+                <p:style>
+                  <a:lnRef idx="2">
+                    <a:schemeClr val="accent1">
+                      <a:shade val="50000"/>
+                    </a:schemeClr>
+                  </a:lnRef>
+                  <a:fillRef idx="1">
+                    <a:schemeClr val="accent1"/>
+                  </a:fillRef>
+                  <a:effectRef idx="0">
+                    <a:schemeClr val="accent1"/>
+                  </a:effectRef>
+                  <a:fontRef idx="minor">
+                    <a:schemeClr val="lt1"/>
+                  </a:fontRef>
+                </p:style>
+                <p:txBody>
+                  <a:bodyPr rtlCol="0" anchor="ctr"/>
+                  <a:lstStyle/>
+                  <a:p>
+                    <a:pPr algn="ctr"/>
+                    <a:endParaRPr lang="ko-KR" altLang="en-US"/>
+                  </a:p>
+                </p:txBody>
+              </p:sp>
+              <p:sp>
+                <p:nvSpPr>
+                  <p:cNvPr id="48" name="직사각형 47"/>
+                  <p:cNvSpPr/>
+                  <p:nvPr/>
+                </p:nvSpPr>
+                <p:spPr>
+                  <a:xfrm>
+                    <a:off x="10614363" y="2731675"/>
+                    <a:ext cx="134836" cy="89832"/>
+                  </a:xfrm>
+                  <a:prstGeom prst="rect">
+                    <a:avLst/>
+                  </a:prstGeom>
+                  <a:solidFill>
+                    <a:schemeClr val="accent6">
+                      <a:lumMod val="75000"/>
+                    </a:schemeClr>
+                  </a:solidFill>
+                  <a:ln>
+                    <a:noFill/>
+                  </a:ln>
+                </p:spPr>
+                <p:style>
+                  <a:lnRef idx="2">
+                    <a:schemeClr val="accent1">
+                      <a:shade val="50000"/>
+                    </a:schemeClr>
+                  </a:lnRef>
+                  <a:fillRef idx="1">
+                    <a:schemeClr val="accent1"/>
+                  </a:fillRef>
+                  <a:effectRef idx="0">
+                    <a:schemeClr val="accent1"/>
+                  </a:effectRef>
+                  <a:fontRef idx="minor">
+                    <a:schemeClr val="lt1"/>
+                  </a:fontRef>
+                </p:style>
+                <p:txBody>
+                  <a:bodyPr rtlCol="0" anchor="ctr"/>
+                  <a:lstStyle/>
+                  <a:p>
+                    <a:pPr algn="ctr"/>
+                    <a:endParaRPr lang="ko-KR" altLang="en-US" sz="1400"/>
+                  </a:p>
+                </p:txBody>
+              </p:sp>
+            </p:grpSp>
+            <p:pic>
+              <p:nvPicPr>
+                <p:cNvPr id="5123" name="Picture 3" descr="C:\Users\user\AppData\Local\Microsoft\Windows\INetCache\IE\AIXJ2YIJ\600px-Seoul_Metro_Line_4.svg[1].png"/>
+                <p:cNvPicPr>
+                  <a:picLocks noChangeAspect="1" noChangeArrowheads="1"/>
+                </p:cNvPicPr>
+                <p:nvPr/>
+              </p:nvPicPr>
+              <p:blipFill>
+                <a:blip r:embed="rId5" cstate="print">
+                  <a:extLst>
+                    <a:ext uri="{28A0092B-C50C-407E-A947-70E740481C1C}">
+                      <a14:useLocalDpi xmlns:a14="http://schemas.microsoft.com/office/drawing/2010/main" val="0"/>
+                    </a:ext>
+                  </a:extLst>
+                </a:blip>
+                <a:srcRect/>
+                <a:stretch>
+                  <a:fillRect/>
+                </a:stretch>
+              </p:blipFill>
+              <p:spPr bwMode="auto">
+                <a:xfrm>
+                  <a:off x="10014618" y="2200573"/>
+                  <a:ext cx="721869" cy="721869"/>
+                </a:xfrm>
+                <a:prstGeom prst="rect">
+                  <a:avLst/>
+                </a:prstGeom>
+                <a:noFill/>
+                <a:extLst>
+                  <a:ext uri="{909E8E84-426E-40DD-AFC4-6F175D3DCCD1}">
+                    <a14:hiddenFill xmlns:a14="http://schemas.microsoft.com/office/drawing/2010/main">
+                      <a:solidFill>
+                        <a:srgbClr val="FFFFFF"/>
+                      </a:solidFill>
+                    </a14:hiddenFill>
+                  </a:ext>
+                </a:extLst>
+              </p:spPr>
+            </p:pic>
+            <p:sp>
+              <p:nvSpPr>
+                <p:cNvPr id="44" name="TextBox 43"/>
+                <p:cNvSpPr txBox="1"/>
+                <p:nvPr/>
+              </p:nvSpPr>
+              <p:spPr>
+                <a:xfrm>
+                  <a:off x="1154811" y="3034244"/>
+                  <a:ext cx="4528800" cy="369332"/>
+                </a:xfrm>
+                <a:prstGeom prst="rect">
+                  <a:avLst/>
+                </a:prstGeom>
+                <a:solidFill>
+                  <a:srgbClr val="64C044"/>
+                </a:solidFill>
+                <a:ln w="28575">
+                  <a:solidFill>
+                    <a:srgbClr val="64C044"/>
+                  </a:solidFill>
+                </a:ln>
+              </p:spPr>
+              <p:txBody>
+                <a:bodyPr wrap="square" rtlCol="0">
+                  <a:spAutoFit/>
+                </a:bodyPr>
+                <a:lstStyle/>
+                <a:p>
+                  <a:r>
+                    <a:rPr lang="en-US" altLang="ko-KR" b="1" dirty="0" smtClean="0"/>
+                    <a:t>4</a:t>
+                  </a:r>
+                  <a:r>
+                    <a:rPr lang="ko-KR" altLang="en-US" b="1" dirty="0" smtClean="0"/>
+                    <a:t>호선 역 목록</a:t>
+                  </a:r>
+                  <a:endParaRPr lang="ko-KR" altLang="en-US" b="1" dirty="0"/>
+                </a:p>
+              </p:txBody>
+            </p:sp>
+            <p:sp>
+              <p:nvSpPr>
+                <p:cNvPr id="57" name="TextBox 56"/>
+                <p:cNvSpPr txBox="1"/>
+                <p:nvPr/>
+              </p:nvSpPr>
+              <p:spPr>
+                <a:xfrm>
+                  <a:off x="5840223" y="3034244"/>
+                  <a:ext cx="5090206" cy="369332"/>
+                </a:xfrm>
+                <a:prstGeom prst="rect">
+                  <a:avLst/>
+                </a:prstGeom>
+                <a:solidFill>
+                  <a:srgbClr val="64C044"/>
+                </a:solidFill>
+                <a:ln w="28575">
+                  <a:solidFill>
+                    <a:srgbClr val="64C044"/>
+                  </a:solidFill>
+                </a:ln>
+              </p:spPr>
+              <p:txBody>
+                <a:bodyPr wrap="square" rtlCol="0">
+                  <a:spAutoFit/>
+                </a:bodyPr>
+                <a:lstStyle/>
+                <a:p>
+                  <a:r>
+                    <a:rPr lang="ko-KR" altLang="en-US" b="1" dirty="0" err="1" smtClean="0"/>
+                    <a:t>충무로역</a:t>
+                  </a:r>
+                  <a:r>
+                    <a:rPr lang="ko-KR" altLang="en-US" b="1" dirty="0" smtClean="0"/>
+                    <a:t> 열차 시간표</a:t>
+                  </a:r>
+                  <a:endParaRPr lang="ko-KR" altLang="en-US" b="1" dirty="0"/>
+                </a:p>
+              </p:txBody>
+            </p:sp>
+          </p:grpSp>
           <p:sp>
             <p:nvSpPr>
-              <p:cNvPr id="29" name="직사각형 28"/>
+              <p:cNvPr id="9" name="직사각형 8"/>
               <p:cNvSpPr/>
               <p:nvPr/>
             </p:nvSpPr>
             <p:spPr>
               <a:xfrm>
-                <a:off x="10618889" y="3188875"/>
-                <a:ext cx="134836" cy="89832"/>
+                <a:off x="10813430" y="1381125"/>
+                <a:ext cx="206995" cy="211797"/>
               </a:xfrm>
               <a:prstGeom prst="rect">
                 <a:avLst/>
               </a:prstGeom>
               <a:solidFill>
-                <a:schemeClr val="accent6">
-                  <a:lumMod val="75000"/>
-                </a:schemeClr>
+                <a:srgbClr val="92D050"/>
               </a:solidFill>
               <a:ln>
                 <a:noFill/>
@@ -11191,801 +13041,45 @@
               <a:lstStyle/>
               <a:p>
                 <a:pPr algn="ctr"/>
-                <a:endParaRPr lang="ko-KR" altLang="en-US" sz="1400"/>
+                <a:r>
+                  <a:rPr lang="en-US" altLang="ko-KR" dirty="0" smtClean="0"/>
+                  <a:t>X</a:t>
+                </a:r>
+                <a:endParaRPr lang="ko-KR" altLang="en-US" dirty="0"/>
               </a:p>
             </p:txBody>
           </p:sp>
         </p:grpSp>
-        <p:grpSp>
-          <p:nvGrpSpPr>
-            <p:cNvPr id="34" name="그룹 33"/>
-            <p:cNvGrpSpPr/>
-            <p:nvPr/>
-          </p:nvGrpSpPr>
-          <p:grpSpPr>
-            <a:xfrm>
-              <a:off x="1190785" y="2361453"/>
-              <a:ext cx="8393030" cy="429918"/>
-              <a:chOff x="1190785" y="2530793"/>
-              <a:chExt cx="8393030" cy="429918"/>
-            </a:xfrm>
-          </p:grpSpPr>
-          <p:sp>
-            <p:nvSpPr>
-              <p:cNvPr id="21" name="TextBox 20"/>
-              <p:cNvSpPr txBox="1"/>
-              <p:nvPr/>
-            </p:nvSpPr>
-            <p:spPr>
-              <a:xfrm>
-                <a:off x="6819780" y="2560601"/>
-                <a:ext cx="869329" cy="400110"/>
-              </a:xfrm>
-              <a:prstGeom prst="rect">
-                <a:avLst/>
-              </a:prstGeom>
-              <a:solidFill>
-                <a:srgbClr val="92D050"/>
-              </a:solidFill>
-            </p:spPr>
-            <p:txBody>
-              <a:bodyPr wrap="square" rtlCol="0">
-                <a:spAutoFit/>
-              </a:bodyPr>
-              <a:lstStyle/>
-              <a:p>
-                <a:pPr algn="ctr"/>
-                <a:r>
-                  <a:rPr lang="en-US" altLang="ko-KR" sz="2000" b="1" dirty="0" smtClean="0">
-                    <a:solidFill>
-                      <a:schemeClr val="bg1"/>
-                    </a:solidFill>
-                  </a:rPr>
-                  <a:t>7</a:t>
-                </a:r>
-                <a:r>
-                  <a:rPr lang="ko-KR" altLang="en-US" sz="2000" b="1" dirty="0" smtClean="0">
-                    <a:solidFill>
-                      <a:schemeClr val="bg1"/>
-                    </a:solidFill>
-                  </a:rPr>
-                  <a:t>호선</a:t>
-                </a:r>
-                <a:endParaRPr lang="en-US" altLang="ko-KR" sz="2000" b="1" dirty="0">
-                  <a:solidFill>
-                    <a:schemeClr val="bg1"/>
-                  </a:solidFill>
-                </a:endParaRPr>
-              </a:p>
-            </p:txBody>
-          </p:sp>
-          <p:sp>
-            <p:nvSpPr>
-              <p:cNvPr id="22" name="TextBox 21"/>
-              <p:cNvSpPr txBox="1"/>
-              <p:nvPr/>
-            </p:nvSpPr>
-            <p:spPr>
-              <a:xfrm>
-                <a:off x="5878312" y="2548115"/>
-                <a:ext cx="869329" cy="400110"/>
-              </a:xfrm>
-              <a:prstGeom prst="rect">
-                <a:avLst/>
-              </a:prstGeom>
-              <a:solidFill>
-                <a:srgbClr val="92D050"/>
-              </a:solidFill>
-            </p:spPr>
-            <p:txBody>
-              <a:bodyPr wrap="square" rtlCol="0">
-                <a:spAutoFit/>
-              </a:bodyPr>
-              <a:lstStyle/>
-              <a:p>
-                <a:pPr algn="ctr"/>
-                <a:r>
-                  <a:rPr lang="en-US" altLang="ko-KR" sz="2000" b="1" dirty="0">
-                    <a:solidFill>
-                      <a:schemeClr val="bg1"/>
-                    </a:solidFill>
-                  </a:rPr>
-                  <a:t>6</a:t>
-                </a:r>
-                <a:r>
-                  <a:rPr lang="ko-KR" altLang="en-US" sz="2000" b="1" dirty="0" smtClean="0">
-                    <a:solidFill>
-                      <a:schemeClr val="bg1"/>
-                    </a:solidFill>
-                  </a:rPr>
-                  <a:t>호선</a:t>
-                </a:r>
-                <a:endParaRPr lang="en-US" altLang="ko-KR" sz="2000" b="1" dirty="0">
-                  <a:solidFill>
-                    <a:schemeClr val="bg1"/>
-                  </a:solidFill>
-                </a:endParaRPr>
-              </a:p>
-            </p:txBody>
-          </p:sp>
-          <p:sp>
-            <p:nvSpPr>
-              <p:cNvPr id="23" name="TextBox 22"/>
-              <p:cNvSpPr txBox="1"/>
-              <p:nvPr/>
-            </p:nvSpPr>
-            <p:spPr>
-              <a:xfrm>
-                <a:off x="4935565" y="2548115"/>
-                <a:ext cx="869329" cy="400110"/>
-              </a:xfrm>
-              <a:prstGeom prst="rect">
-                <a:avLst/>
-              </a:prstGeom>
-              <a:solidFill>
-                <a:srgbClr val="92D050"/>
-              </a:solidFill>
-            </p:spPr>
-            <p:txBody>
-              <a:bodyPr wrap="square" rtlCol="0">
-                <a:spAutoFit/>
-              </a:bodyPr>
-              <a:lstStyle/>
-              <a:p>
-                <a:pPr algn="ctr"/>
-                <a:r>
-                  <a:rPr lang="en-US" altLang="ko-KR" sz="2000" b="1" dirty="0">
-                    <a:solidFill>
-                      <a:schemeClr val="bg1"/>
-                    </a:solidFill>
-                  </a:rPr>
-                  <a:t>5</a:t>
-                </a:r>
-                <a:r>
-                  <a:rPr lang="ko-KR" altLang="en-US" sz="2000" b="1" dirty="0" smtClean="0">
-                    <a:solidFill>
-                      <a:schemeClr val="bg1"/>
-                    </a:solidFill>
-                  </a:rPr>
-                  <a:t>호선</a:t>
-                </a:r>
-                <a:endParaRPr lang="en-US" altLang="ko-KR" sz="2000" b="1" dirty="0">
-                  <a:solidFill>
-                    <a:schemeClr val="bg1"/>
-                  </a:solidFill>
-                </a:endParaRPr>
-              </a:p>
-            </p:txBody>
-          </p:sp>
-          <p:sp>
-            <p:nvSpPr>
-              <p:cNvPr id="24" name="TextBox 23"/>
-              <p:cNvSpPr txBox="1"/>
-              <p:nvPr/>
-            </p:nvSpPr>
-            <p:spPr>
-              <a:xfrm>
-                <a:off x="4011786" y="2548115"/>
-                <a:ext cx="869329" cy="400110"/>
-              </a:xfrm>
-              <a:prstGeom prst="rect">
-                <a:avLst/>
-              </a:prstGeom>
-              <a:solidFill>
-                <a:schemeClr val="accent6">
-                  <a:lumMod val="75000"/>
-                </a:schemeClr>
-              </a:solidFill>
-              <a:ln>
-                <a:solidFill>
-                  <a:schemeClr val="accent6">
-                    <a:lumMod val="50000"/>
-                  </a:schemeClr>
-                </a:solidFill>
-              </a:ln>
-            </p:spPr>
-            <p:txBody>
-              <a:bodyPr wrap="square" rtlCol="0">
-                <a:spAutoFit/>
-              </a:bodyPr>
-              <a:lstStyle/>
-              <a:p>
-                <a:pPr algn="ctr"/>
-                <a:r>
-                  <a:rPr lang="en-US" altLang="ko-KR" sz="2000" b="1" dirty="0">
-                    <a:solidFill>
-                      <a:schemeClr val="bg1"/>
-                    </a:solidFill>
-                  </a:rPr>
-                  <a:t>4</a:t>
-                </a:r>
-                <a:r>
-                  <a:rPr lang="ko-KR" altLang="en-US" sz="2000" b="1" dirty="0" smtClean="0">
-                    <a:solidFill>
-                      <a:schemeClr val="bg1"/>
-                    </a:solidFill>
-                  </a:rPr>
-                  <a:t>호선</a:t>
-                </a:r>
-                <a:endParaRPr lang="en-US" altLang="ko-KR" sz="2000" b="1" dirty="0">
-                  <a:solidFill>
-                    <a:schemeClr val="bg1"/>
-                  </a:solidFill>
-                </a:endParaRPr>
-              </a:p>
-            </p:txBody>
-          </p:sp>
-          <p:sp>
-            <p:nvSpPr>
-              <p:cNvPr id="25" name="TextBox 24"/>
-              <p:cNvSpPr txBox="1"/>
-              <p:nvPr/>
-            </p:nvSpPr>
-            <p:spPr>
-              <a:xfrm>
-                <a:off x="2140076" y="2530793"/>
-                <a:ext cx="869329" cy="400110"/>
-              </a:xfrm>
-              <a:prstGeom prst="rect">
-                <a:avLst/>
-              </a:prstGeom>
-              <a:solidFill>
-                <a:srgbClr val="92D050"/>
-              </a:solidFill>
-            </p:spPr>
-            <p:txBody>
-              <a:bodyPr wrap="square" rtlCol="0">
-                <a:spAutoFit/>
-              </a:bodyPr>
-              <a:lstStyle/>
-              <a:p>
-                <a:pPr algn="ctr"/>
-                <a:r>
-                  <a:rPr lang="en-US" altLang="ko-KR" sz="2000" b="1" dirty="0">
-                    <a:solidFill>
-                      <a:schemeClr val="bg1"/>
-                    </a:solidFill>
-                  </a:rPr>
-                  <a:t>2</a:t>
-                </a:r>
-                <a:r>
-                  <a:rPr lang="ko-KR" altLang="en-US" sz="2000" b="1" dirty="0" smtClean="0">
-                    <a:solidFill>
-                      <a:schemeClr val="bg1"/>
-                    </a:solidFill>
-                  </a:rPr>
-                  <a:t>호선</a:t>
-                </a:r>
-                <a:endParaRPr lang="en-US" altLang="ko-KR" sz="2000" b="1" dirty="0">
-                  <a:solidFill>
-                    <a:schemeClr val="bg1"/>
-                  </a:solidFill>
-                </a:endParaRPr>
-              </a:p>
-            </p:txBody>
-          </p:sp>
-          <p:sp>
-            <p:nvSpPr>
-              <p:cNvPr id="26" name="TextBox 25"/>
-              <p:cNvSpPr txBox="1"/>
-              <p:nvPr/>
-            </p:nvSpPr>
-            <p:spPr>
-              <a:xfrm>
-                <a:off x="1190785" y="2530793"/>
-                <a:ext cx="869329" cy="400110"/>
-              </a:xfrm>
-              <a:prstGeom prst="rect">
-                <a:avLst/>
-              </a:prstGeom>
-              <a:solidFill>
-                <a:srgbClr val="92D050"/>
-              </a:solidFill>
-            </p:spPr>
-            <p:txBody>
-              <a:bodyPr wrap="square" rtlCol="0">
-                <a:spAutoFit/>
-              </a:bodyPr>
-              <a:lstStyle/>
-              <a:p>
-                <a:pPr algn="ctr"/>
-                <a:r>
-                  <a:rPr lang="en-US" altLang="ko-KR" sz="2000" b="1" dirty="0" smtClean="0">
-                    <a:solidFill>
-                      <a:schemeClr val="bg1"/>
-                    </a:solidFill>
-                  </a:rPr>
-                  <a:t>1</a:t>
-                </a:r>
-                <a:r>
-                  <a:rPr lang="ko-KR" altLang="en-US" sz="2000" b="1" dirty="0" smtClean="0">
-                    <a:solidFill>
-                      <a:schemeClr val="bg1"/>
-                    </a:solidFill>
-                  </a:rPr>
-                  <a:t>호선</a:t>
-                </a:r>
-                <a:endParaRPr lang="en-US" altLang="ko-KR" sz="2000" b="1" dirty="0">
-                  <a:solidFill>
-                    <a:schemeClr val="bg1"/>
-                  </a:solidFill>
-                </a:endParaRPr>
-              </a:p>
-            </p:txBody>
-          </p:sp>
-          <p:sp>
-            <p:nvSpPr>
-              <p:cNvPr id="27" name="TextBox 26"/>
-              <p:cNvSpPr txBox="1"/>
-              <p:nvPr/>
-            </p:nvSpPr>
-            <p:spPr>
-              <a:xfrm>
-                <a:off x="3079743" y="2530793"/>
-                <a:ext cx="869329" cy="400110"/>
-              </a:xfrm>
-              <a:prstGeom prst="rect">
-                <a:avLst/>
-              </a:prstGeom>
-              <a:solidFill>
-                <a:srgbClr val="92D050"/>
-              </a:solidFill>
-            </p:spPr>
-            <p:txBody>
-              <a:bodyPr wrap="square" rtlCol="0">
-                <a:spAutoFit/>
-              </a:bodyPr>
-              <a:lstStyle/>
-              <a:p>
-                <a:pPr algn="ctr"/>
-                <a:r>
-                  <a:rPr lang="en-US" altLang="ko-KR" sz="2000" b="1" dirty="0" smtClean="0">
-                    <a:solidFill>
-                      <a:schemeClr val="bg1"/>
-                    </a:solidFill>
-                  </a:rPr>
-                  <a:t>3</a:t>
-                </a:r>
-                <a:r>
-                  <a:rPr lang="ko-KR" altLang="en-US" sz="2000" b="1" dirty="0" smtClean="0">
-                    <a:solidFill>
-                      <a:schemeClr val="bg1"/>
-                    </a:solidFill>
-                  </a:rPr>
-                  <a:t>호선</a:t>
-                </a:r>
-                <a:endParaRPr lang="en-US" altLang="ko-KR" sz="2000" b="1" dirty="0">
-                  <a:solidFill>
-                    <a:schemeClr val="bg1"/>
-                  </a:solidFill>
-                </a:endParaRPr>
-              </a:p>
-            </p:txBody>
-          </p:sp>
-          <p:sp>
-            <p:nvSpPr>
-              <p:cNvPr id="31" name="TextBox 30"/>
-              <p:cNvSpPr txBox="1"/>
-              <p:nvPr/>
-            </p:nvSpPr>
-            <p:spPr>
-              <a:xfrm>
-                <a:off x="8714486" y="2560601"/>
-                <a:ext cx="869329" cy="400110"/>
-              </a:xfrm>
-              <a:prstGeom prst="rect">
-                <a:avLst/>
-              </a:prstGeom>
-              <a:solidFill>
-                <a:srgbClr val="92D050"/>
-              </a:solidFill>
-            </p:spPr>
-            <p:txBody>
-              <a:bodyPr wrap="square" rtlCol="0">
-                <a:spAutoFit/>
-              </a:bodyPr>
-              <a:lstStyle/>
-              <a:p>
-                <a:pPr algn="ctr"/>
-                <a:r>
-                  <a:rPr lang="en-US" altLang="ko-KR" sz="2000" b="1" dirty="0">
-                    <a:solidFill>
-                      <a:schemeClr val="bg1"/>
-                    </a:solidFill>
-                  </a:rPr>
-                  <a:t>9</a:t>
-                </a:r>
-                <a:r>
-                  <a:rPr lang="ko-KR" altLang="en-US" sz="2000" b="1" dirty="0" smtClean="0">
-                    <a:solidFill>
-                      <a:schemeClr val="bg1"/>
-                    </a:solidFill>
-                  </a:rPr>
-                  <a:t>호선</a:t>
-                </a:r>
-                <a:endParaRPr lang="en-US" altLang="ko-KR" sz="2000" b="1" dirty="0">
-                  <a:solidFill>
-                    <a:schemeClr val="bg1"/>
-                  </a:solidFill>
-                </a:endParaRPr>
-              </a:p>
-            </p:txBody>
-          </p:sp>
-          <p:sp>
-            <p:nvSpPr>
-              <p:cNvPr id="32" name="TextBox 31"/>
-              <p:cNvSpPr txBox="1"/>
-              <p:nvPr/>
-            </p:nvSpPr>
-            <p:spPr>
-              <a:xfrm>
-                <a:off x="7769629" y="2560601"/>
-                <a:ext cx="869329" cy="400110"/>
-              </a:xfrm>
-              <a:prstGeom prst="rect">
-                <a:avLst/>
-              </a:prstGeom>
-              <a:solidFill>
-                <a:srgbClr val="92D050"/>
-              </a:solidFill>
-            </p:spPr>
-            <p:txBody>
-              <a:bodyPr wrap="square" rtlCol="0">
-                <a:spAutoFit/>
-              </a:bodyPr>
-              <a:lstStyle/>
-              <a:p>
-                <a:pPr algn="ctr"/>
-                <a:r>
-                  <a:rPr lang="en-US" altLang="ko-KR" sz="2000" b="1" dirty="0">
-                    <a:solidFill>
-                      <a:schemeClr val="bg1"/>
-                    </a:solidFill>
-                  </a:rPr>
-                  <a:t>8</a:t>
-                </a:r>
-                <a:r>
-                  <a:rPr lang="ko-KR" altLang="en-US" sz="2000" b="1" dirty="0" smtClean="0">
-                    <a:solidFill>
-                      <a:schemeClr val="bg1"/>
-                    </a:solidFill>
-                  </a:rPr>
-                  <a:t>호선</a:t>
-                </a:r>
-                <a:endParaRPr lang="en-US" altLang="ko-KR" sz="2000" b="1" dirty="0">
-                  <a:solidFill>
-                    <a:schemeClr val="bg1"/>
-                  </a:solidFill>
-                </a:endParaRPr>
-              </a:p>
-            </p:txBody>
-          </p:sp>
-        </p:grpSp>
-        <p:graphicFrame>
-          <p:nvGraphicFramePr>
-            <p:cNvPr id="43" name="차트 42"/>
-            <p:cNvGraphicFramePr/>
-            <p:nvPr>
-              <p:extLst>
-                <p:ext uri="{D42A27DB-BD31-4B8C-83A1-F6EECF244321}">
-                  <p14:modId xmlns:p14="http://schemas.microsoft.com/office/powerpoint/2010/main" val="1658780463"/>
-                </p:ext>
-              </p:extLst>
-            </p:nvPr>
-          </p:nvGraphicFramePr>
-          <p:xfrm>
-            <a:off x="1227014" y="5371042"/>
-            <a:ext cx="7341253" cy="1004367"/>
-          </p:xfrm>
-          <a:graphic>
-            <a:graphicData uri="http://schemas.openxmlformats.org/drawingml/2006/chart">
-              <c:chart xmlns:c="http://schemas.openxmlformats.org/drawingml/2006/chart" xmlns:r="http://schemas.openxmlformats.org/officeDocument/2006/relationships" r:id="rId4"/>
-            </a:graphicData>
-          </a:graphic>
-        </p:graphicFrame>
         <p:sp>
           <p:nvSpPr>
-            <p:cNvPr id="45" name="TextBox 44"/>
-            <p:cNvSpPr txBox="1"/>
+            <p:cNvPr id="20" name="직사각형 19"/>
+            <p:cNvSpPr/>
             <p:nvPr/>
           </p:nvSpPr>
           <p:spPr>
             <a:xfrm>
-              <a:off x="1154812" y="3429677"/>
-              <a:ext cx="4529059" cy="1754326"/>
+              <a:off x="923326" y="1318163"/>
+              <a:ext cx="1487908" cy="338554"/>
             </a:xfrm>
             <a:prstGeom prst="rect">
               <a:avLst/>
             </a:prstGeom>
-            <a:noFill/>
-            <a:ln w="28575">
-              <a:solidFill>
-                <a:srgbClr val="64C044"/>
-              </a:solidFill>
-            </a:ln>
           </p:spPr>
           <p:txBody>
-            <a:bodyPr wrap="square" rtlCol="0">
+            <a:bodyPr wrap="none">
               <a:spAutoFit/>
             </a:bodyPr>
             <a:lstStyle/>
             <a:p>
               <a:r>
-                <a:rPr lang="ko-KR" altLang="en-US" b="1" dirty="0" err="1"/>
-                <a:t>동대문역</a:t>
-              </a:r>
-              <a:endParaRPr lang="ko-KR" altLang="en-US" b="1" dirty="0"/>
-            </a:p>
-            <a:p>
-              <a:r>
-                <a:rPr lang="ko-KR" altLang="en-US" b="1" dirty="0" err="1"/>
-                <a:t>동대문역사문화공원역</a:t>
-              </a:r>
-              <a:endParaRPr lang="ko-KR" altLang="en-US" b="1" dirty="0"/>
-            </a:p>
-            <a:p>
-              <a:r>
-                <a:rPr lang="ko-KR" altLang="en-US" b="1" dirty="0" err="1"/>
-                <a:t>충무로역</a:t>
-              </a:r>
-              <a:endParaRPr lang="ko-KR" altLang="en-US" b="1" dirty="0"/>
-            </a:p>
-            <a:p>
-              <a:r>
-                <a:rPr lang="ko-KR" altLang="en-US" b="1" dirty="0" err="1"/>
-                <a:t>명동역</a:t>
-              </a:r>
-              <a:endParaRPr lang="ko-KR" altLang="en-US" b="1" dirty="0"/>
-            </a:p>
-            <a:p>
-              <a:r>
-                <a:rPr lang="ko-KR" altLang="en-US" b="1" dirty="0" err="1"/>
-                <a:t>회현역</a:t>
-              </a:r>
-              <a:endParaRPr lang="ko-KR" altLang="en-US" b="1" dirty="0"/>
-            </a:p>
-            <a:p>
-              <a:r>
-                <a:rPr lang="ko-KR" altLang="en-US" b="1" dirty="0"/>
-                <a:t>서울역</a:t>
-              </a:r>
-            </a:p>
-          </p:txBody>
-        </p:sp>
-        <p:grpSp>
-          <p:nvGrpSpPr>
-            <p:cNvPr id="46" name="그룹 45"/>
-            <p:cNvGrpSpPr/>
-            <p:nvPr/>
-          </p:nvGrpSpPr>
-          <p:grpSpPr>
-            <a:xfrm>
-              <a:off x="5370229" y="3494598"/>
-              <a:ext cx="224666" cy="1603267"/>
-              <a:chOff x="10569448" y="2626467"/>
-              <a:chExt cx="224666" cy="1603267"/>
-            </a:xfrm>
-          </p:grpSpPr>
-          <p:sp>
-            <p:nvSpPr>
-              <p:cNvPr id="47" name="직사각형 46"/>
-              <p:cNvSpPr/>
-              <p:nvPr/>
-            </p:nvSpPr>
-            <p:spPr>
-              <a:xfrm>
-                <a:off x="10569448" y="2626467"/>
-                <a:ext cx="224666" cy="1603267"/>
-              </a:xfrm>
-              <a:prstGeom prst="rect">
-                <a:avLst/>
-              </a:prstGeom>
-              <a:solidFill>
-                <a:schemeClr val="accent6">
-                  <a:lumMod val="20000"/>
-                  <a:lumOff val="80000"/>
-                </a:schemeClr>
-              </a:solidFill>
-              <a:ln w="19050">
-                <a:solidFill>
-                  <a:srgbClr val="64C044"/>
-                </a:solidFill>
-              </a:ln>
-            </p:spPr>
-            <p:style>
-              <a:lnRef idx="2">
-                <a:schemeClr val="accent1">
-                  <a:shade val="50000"/>
-                </a:schemeClr>
-              </a:lnRef>
-              <a:fillRef idx="1">
-                <a:schemeClr val="accent1"/>
-              </a:fillRef>
-              <a:effectRef idx="0">
-                <a:schemeClr val="accent1"/>
-              </a:effectRef>
-              <a:fontRef idx="minor">
-                <a:schemeClr val="lt1"/>
-              </a:fontRef>
-            </p:style>
-            <p:txBody>
-              <a:bodyPr rtlCol="0" anchor="ctr"/>
-              <a:lstStyle/>
-              <a:p>
-                <a:pPr algn="ctr"/>
-                <a:endParaRPr lang="ko-KR" altLang="en-US"/>
-              </a:p>
-            </p:txBody>
-          </p:sp>
-          <p:sp>
-            <p:nvSpPr>
-              <p:cNvPr id="48" name="직사각형 47"/>
-              <p:cNvSpPr/>
-              <p:nvPr/>
-            </p:nvSpPr>
-            <p:spPr>
-              <a:xfrm>
-                <a:off x="10614363" y="2731675"/>
-                <a:ext cx="134836" cy="89832"/>
-              </a:xfrm>
-              <a:prstGeom prst="rect">
-                <a:avLst/>
-              </a:prstGeom>
-              <a:solidFill>
-                <a:schemeClr val="accent6">
-                  <a:lumMod val="75000"/>
-                </a:schemeClr>
-              </a:solidFill>
-              <a:ln>
-                <a:noFill/>
-              </a:ln>
-            </p:spPr>
-            <p:style>
-              <a:lnRef idx="2">
-                <a:schemeClr val="accent1">
-                  <a:shade val="50000"/>
-                </a:schemeClr>
-              </a:lnRef>
-              <a:fillRef idx="1">
-                <a:schemeClr val="accent1"/>
-              </a:fillRef>
-              <a:effectRef idx="0">
-                <a:schemeClr val="accent1"/>
-              </a:effectRef>
-              <a:fontRef idx="minor">
-                <a:schemeClr val="lt1"/>
-              </a:fontRef>
-            </p:style>
-            <p:txBody>
-              <a:bodyPr rtlCol="0" anchor="ctr"/>
-              <a:lstStyle/>
-              <a:p>
-                <a:pPr algn="ctr"/>
-                <a:endParaRPr lang="ko-KR" altLang="en-US" sz="1400"/>
-              </a:p>
-            </p:txBody>
-          </p:sp>
-        </p:grpSp>
-        <p:pic>
-          <p:nvPicPr>
-            <p:cNvPr id="5123" name="Picture 3" descr="C:\Users\user\AppData\Local\Microsoft\Windows\INetCache\IE\AIXJ2YIJ\600px-Seoul_Metro_Line_4.svg[1].png"/>
-            <p:cNvPicPr>
-              <a:picLocks noChangeAspect="1" noChangeArrowheads="1"/>
-            </p:cNvPicPr>
-            <p:nvPr/>
-          </p:nvPicPr>
-          <p:blipFill>
-            <a:blip r:embed="rId5" cstate="print">
-              <a:extLst>
-                <a:ext uri="{28A0092B-C50C-407E-A947-70E740481C1C}">
-                  <a14:useLocalDpi xmlns:a14="http://schemas.microsoft.com/office/drawing/2010/main" val="0"/>
-                </a:ext>
-              </a:extLst>
-            </a:blip>
-            <a:srcRect/>
-            <a:stretch>
-              <a:fillRect/>
-            </a:stretch>
-          </p:blipFill>
-          <p:spPr bwMode="auto">
-            <a:xfrm>
-              <a:off x="10014618" y="2200573"/>
-              <a:ext cx="721869" cy="721869"/>
-            </a:xfrm>
-            <a:prstGeom prst="rect">
-              <a:avLst/>
-            </a:prstGeom>
-            <a:noFill/>
-            <a:extLst>
-              <a:ext uri="{909E8E84-426E-40DD-AFC4-6F175D3DCCD1}">
-                <a14:hiddenFill xmlns:a14="http://schemas.microsoft.com/office/drawing/2010/main">
-                  <a:solidFill>
-                    <a:srgbClr val="FFFFFF"/>
-                  </a:solidFill>
-                </a14:hiddenFill>
-              </a:ext>
-            </a:extLst>
-          </p:spPr>
-        </p:pic>
-        <p:sp>
-          <p:nvSpPr>
-            <p:cNvPr id="44" name="TextBox 43"/>
-            <p:cNvSpPr txBox="1"/>
-            <p:nvPr/>
-          </p:nvSpPr>
-          <p:spPr>
-            <a:xfrm>
-              <a:off x="1154811" y="3034244"/>
-              <a:ext cx="4528800" cy="369332"/>
-            </a:xfrm>
-            <a:prstGeom prst="rect">
-              <a:avLst/>
-            </a:prstGeom>
-            <a:solidFill>
-              <a:srgbClr val="64C044"/>
-            </a:solidFill>
-            <a:ln w="28575">
-              <a:solidFill>
-                <a:srgbClr val="64C044"/>
-              </a:solidFill>
-            </a:ln>
-          </p:spPr>
-          <p:txBody>
-            <a:bodyPr wrap="square" rtlCol="0">
-              <a:spAutoFit/>
-            </a:bodyPr>
-            <a:lstStyle/>
-            <a:p>
-              <a:r>
-                <a:rPr lang="en-US" altLang="ko-KR" b="1" dirty="0" smtClean="0"/>
-                <a:t>4</a:t>
+                <a:rPr lang="ko-KR" altLang="en-US" sz="1600" b="1" dirty="0" err="1"/>
+                <a:t>언제타</a:t>
               </a:r>
               <a:r>
-                <a:rPr lang="ko-KR" altLang="en-US" b="1" dirty="0" smtClean="0"/>
-                <a:t>호선 역 목록</a:t>
+                <a:rPr lang="ko-KR" altLang="en-US" sz="1600" b="1" dirty="0"/>
+                <a:t> 지하철</a:t>
               </a:r>
-              <a:endParaRPr lang="ko-KR" altLang="en-US" b="1" dirty="0"/>
-            </a:p>
-          </p:txBody>
-        </p:sp>
-        <p:sp>
-          <p:nvSpPr>
-            <p:cNvPr id="57" name="TextBox 56"/>
-            <p:cNvSpPr txBox="1"/>
-            <p:nvPr/>
-          </p:nvSpPr>
-          <p:spPr>
-            <a:xfrm>
-              <a:off x="5840223" y="3034244"/>
-              <a:ext cx="5090206" cy="369332"/>
-            </a:xfrm>
-            <a:prstGeom prst="rect">
-              <a:avLst/>
-            </a:prstGeom>
-            <a:solidFill>
-              <a:srgbClr val="64C044"/>
-            </a:solidFill>
-            <a:ln w="28575">
-              <a:solidFill>
-                <a:srgbClr val="64C044"/>
-              </a:solidFill>
-            </a:ln>
-          </p:spPr>
-          <p:txBody>
-            <a:bodyPr wrap="square" rtlCol="0">
-              <a:spAutoFit/>
-            </a:bodyPr>
-            <a:lstStyle/>
-            <a:p>
-              <a:r>
-                <a:rPr lang="ko-KR" altLang="en-US" b="1" dirty="0" err="1" smtClean="0"/>
-                <a:t>충무로역</a:t>
-              </a:r>
-              <a:r>
-                <a:rPr lang="ko-KR" altLang="en-US" b="1" dirty="0" smtClean="0"/>
-                <a:t> 열차 시간표</a:t>
-              </a:r>
-              <a:endParaRPr lang="ko-KR" altLang="en-US" b="1" dirty="0"/>
+              <a:endParaRPr lang="en-US" altLang="ko-KR" sz="1600" b="1" dirty="0"/>
             </a:p>
           </p:txBody>
         </p:sp>
@@ -12029,28 +13123,28 @@
       </p:grpSpPr>
       <p:grpSp>
         <p:nvGrpSpPr>
-          <p:cNvPr id="11" name="그룹 10"/>
+          <p:cNvPr id="2" name="그룹 1"/>
           <p:cNvGrpSpPr/>
           <p:nvPr/>
         </p:nvGrpSpPr>
         <p:grpSpPr>
           <a:xfrm>
-            <a:off x="0" y="2321472"/>
-            <a:ext cx="12192000" cy="2215055"/>
-            <a:chOff x="0" y="2321472"/>
-            <a:chExt cx="12192000" cy="2215055"/>
+            <a:off x="-36512" y="315310"/>
+            <a:ext cx="12228512" cy="956441"/>
+            <a:chOff x="-36512" y="315310"/>
+            <a:chExt cx="12228512" cy="956441"/>
           </a:xfrm>
         </p:grpSpPr>
         <p:sp>
           <p:nvSpPr>
-            <p:cNvPr id="2" name="직사각형 1"/>
+            <p:cNvPr id="3" name="직사각형 2"/>
             <p:cNvSpPr/>
             <p:nvPr/>
           </p:nvSpPr>
           <p:spPr>
             <a:xfrm>
-              <a:off x="0" y="3184634"/>
-              <a:ext cx="12192000" cy="620111"/>
+              <a:off x="-36512" y="655843"/>
+              <a:ext cx="12228512" cy="361374"/>
             </a:xfrm>
             <a:prstGeom prst="rect">
               <a:avLst/>
@@ -12083,20 +13177,22 @@
             <a:lstStyle/>
             <a:p>
               <a:pPr algn="ctr"/>
-              <a:endParaRPr lang="ko-KR" altLang="en-US"/>
+              <a:endParaRPr lang="ko-KR" altLang="en-US">
+                <a:latin typeface="+mj-lt"/>
+              </a:endParaRPr>
             </a:p>
           </p:txBody>
         </p:sp>
         <p:sp>
           <p:nvSpPr>
-            <p:cNvPr id="3" name="모서리가 둥근 직사각형 2"/>
+            <p:cNvPr id="4" name="모서리가 둥근 직사각형 3"/>
             <p:cNvSpPr/>
             <p:nvPr/>
           </p:nvSpPr>
           <p:spPr>
             <a:xfrm>
-              <a:off x="2261818" y="2321472"/>
-              <a:ext cx="7668363" cy="2215055"/>
+              <a:off x="472966" y="315310"/>
+              <a:ext cx="6379780" cy="956441"/>
             </a:xfrm>
             <a:prstGeom prst="roundRect">
               <a:avLst>
@@ -12131,23 +13227,22 @@
             <a:lstStyle/>
             <a:p>
               <a:pPr algn="ctr"/>
-              <a:endParaRPr lang="ko-KR" altLang="en-US">
-                <a:latin typeface="+mj-ea"/>
-                <a:ea typeface="+mj-ea"/>
+              <a:endParaRPr lang="ko-KR" altLang="en-US" sz="1000">
+                <a:latin typeface="+mj-lt"/>
               </a:endParaRPr>
             </a:p>
           </p:txBody>
         </p:sp>
         <p:sp>
           <p:nvSpPr>
-            <p:cNvPr id="4" name="모서리가 둥근 직사각형 3"/>
+            <p:cNvPr id="5" name="모서리가 둥근 직사각형 4"/>
             <p:cNvSpPr/>
             <p:nvPr/>
           </p:nvSpPr>
           <p:spPr>
             <a:xfrm>
-              <a:off x="2490953" y="2543877"/>
-              <a:ext cx="7220606" cy="1770246"/>
+              <a:off x="578070" y="409903"/>
+              <a:ext cx="6169571" cy="759377"/>
             </a:xfrm>
             <a:prstGeom prst="roundRect">
               <a:avLst>
@@ -12182,23 +13277,22 @@
             <a:lstStyle/>
             <a:p>
               <a:pPr algn="ctr"/>
-              <a:endParaRPr lang="ko-KR" altLang="en-US" dirty="0">
-                <a:latin typeface="+mj-ea"/>
-                <a:ea typeface="+mj-ea"/>
+              <a:endParaRPr lang="ko-KR" altLang="en-US" sz="1000">
+                <a:latin typeface="+mj-lt"/>
               </a:endParaRPr>
             </a:p>
           </p:txBody>
         </p:sp>
         <p:sp>
           <p:nvSpPr>
-            <p:cNvPr id="5" name="타원 4"/>
+            <p:cNvPr id="6" name="타원 5"/>
             <p:cNvSpPr/>
             <p:nvPr/>
           </p:nvSpPr>
           <p:spPr>
             <a:xfrm>
-              <a:off x="2785242" y="2766848"/>
-              <a:ext cx="1303282" cy="1303282"/>
+              <a:off x="761445" y="483070"/>
+              <a:ext cx="625920" cy="613041"/>
             </a:xfrm>
             <a:prstGeom prst="ellipse">
               <a:avLst/>
@@ -12231,60 +13325,22 @@
             <a:lstStyle/>
             <a:p>
               <a:pPr algn="ctr"/>
-              <a:endParaRPr lang="ko-KR" altLang="en-US">
-                <a:latin typeface="+mj-ea"/>
-                <a:ea typeface="+mj-ea"/>
+              <a:endParaRPr lang="ko-KR" altLang="en-US" sz="1000" dirty="0">
+                <a:latin typeface="+mj-lt"/>
               </a:endParaRPr>
             </a:p>
           </p:txBody>
         </p:sp>
         <p:sp>
           <p:nvSpPr>
-            <p:cNvPr id="6" name="TextBox 5"/>
+            <p:cNvPr id="7" name="TextBox 6"/>
             <p:cNvSpPr txBox="1"/>
             <p:nvPr/>
           </p:nvSpPr>
           <p:spPr>
             <a:xfrm>
-              <a:off x="4298609" y="2969164"/>
-              <a:ext cx="4597226" cy="1216664"/>
-            </a:xfrm>
-            <a:prstGeom prst="rect">
-              <a:avLst/>
-            </a:prstGeom>
-            <a:noFill/>
-          </p:spPr>
-          <p:txBody>
-            <a:bodyPr wrap="square" rtlCol="0">
-              <a:spAutoFit/>
-            </a:bodyPr>
-            <a:lstStyle/>
-            <a:p>
-              <a:pPr algn="dist"/>
-              <a:r>
-                <a:rPr lang="ko-KR" altLang="en-US" sz="4800" b="1" dirty="0" smtClean="0">
-                  <a:latin typeface="+mj-ea"/>
-                  <a:ea typeface="+mj-ea"/>
-                </a:rPr>
-                <a:t>감사합니다</a:t>
-              </a:r>
-              <a:endParaRPr lang="en-US" altLang="ko-KR" sz="4800" b="1" dirty="0" smtClean="0">
-                <a:latin typeface="+mj-ea"/>
-                <a:ea typeface="+mj-ea"/>
-              </a:endParaRPr>
-            </a:p>
-          </p:txBody>
-        </p:sp>
-        <p:sp>
-          <p:nvSpPr>
-            <p:cNvPr id="10" name="TextBox 9"/>
-            <p:cNvSpPr txBox="1"/>
-            <p:nvPr/>
-          </p:nvSpPr>
-          <p:spPr>
-            <a:xfrm>
-              <a:off x="2995455" y="3013501"/>
-              <a:ext cx="976470" cy="830997"/>
+              <a:off x="827833" y="466424"/>
+              <a:ext cx="493144" cy="646331"/>
             </a:xfrm>
             <a:prstGeom prst="rect">
               <a:avLst/>
@@ -12298,30 +13354,676 @@
             <a:lstStyle/>
             <a:p>
               <a:r>
-                <a:rPr lang="en-US" altLang="ko-KR" sz="4800" b="1" dirty="0" smtClean="0">
+                <a:rPr lang="en-US" altLang="ko-KR" sz="3600" b="1" dirty="0" smtClean="0">
                   <a:solidFill>
                     <a:schemeClr val="bg1"/>
                   </a:solidFill>
-                  <a:latin typeface="+mj-ea"/>
-                  <a:ea typeface="+mj-ea"/>
+                  <a:latin typeface="+mj-lt"/>
+                  <a:ea typeface="12롯데마트드림Bold" panose="02020603020101020101" pitchFamily="18" charset="-127"/>
                 </a:rPr>
-                <a:t>20</a:t>
+                <a:t>7</a:t>
               </a:r>
-              <a:endParaRPr lang="ko-KR" altLang="en-US" sz="4800" b="1" dirty="0">
+              <a:endParaRPr lang="ko-KR" altLang="en-US" sz="3600" b="1" dirty="0">
                 <a:solidFill>
                   <a:schemeClr val="bg1"/>
                 </a:solidFill>
-                <a:latin typeface="+mj-ea"/>
-                <a:ea typeface="+mj-ea"/>
+                <a:latin typeface="+mj-lt"/>
+                <a:ea typeface="12롯데마트드림Bold" panose="02020603020101020101" pitchFamily="18" charset="-127"/>
               </a:endParaRPr>
             </a:p>
           </p:txBody>
         </p:sp>
+        <p:sp>
+          <p:nvSpPr>
+            <p:cNvPr id="8" name="TextBox 7"/>
+            <p:cNvSpPr txBox="1"/>
+            <p:nvPr/>
+          </p:nvSpPr>
+          <p:spPr>
+            <a:xfrm>
+              <a:off x="1846757" y="493997"/>
+              <a:ext cx="3706317" cy="584775"/>
+            </a:xfrm>
+            <a:prstGeom prst="rect">
+              <a:avLst/>
+            </a:prstGeom>
+            <a:noFill/>
+          </p:spPr>
+          <p:txBody>
+            <a:bodyPr wrap="square" rtlCol="0">
+              <a:spAutoFit/>
+            </a:bodyPr>
+            <a:lstStyle/>
+            <a:p>
+              <a:r>
+                <a:rPr lang="ko-KR" altLang="en-US" sz="3200" b="1" dirty="0" smtClean="0"/>
+                <a:t>개발 계획</a:t>
+              </a:r>
+              <a:endParaRPr lang="en-US" altLang="ko-KR" sz="3200" b="1" dirty="0" smtClean="0"/>
+            </a:p>
+          </p:txBody>
+        </p:sp>
       </p:grpSp>
+      <p:graphicFrame>
+        <p:nvGraphicFramePr>
+          <p:cNvPr id="10" name="표 9"/>
+          <p:cNvGraphicFramePr>
+            <a:graphicFrameLocks noGrp="1"/>
+          </p:cNvGraphicFramePr>
+          <p:nvPr>
+            <p:extLst>
+              <p:ext uri="{D42A27DB-BD31-4B8C-83A1-F6EECF244321}">
+                <p14:modId xmlns:p14="http://schemas.microsoft.com/office/powerpoint/2010/main" val="2317975668"/>
+              </p:ext>
+            </p:extLst>
+          </p:nvPr>
+        </p:nvGraphicFramePr>
+        <p:xfrm>
+          <a:off x="827833" y="1638300"/>
+          <a:ext cx="10325942" cy="4899121"/>
+        </p:xfrm>
+        <a:graphic>
+          <a:graphicData uri="http://schemas.openxmlformats.org/drawingml/2006/table">
+            <a:tbl>
+              <a:tblPr firstRow="1" bandRow="1">
+                <a:tableStyleId>{93296810-A885-4BE3-A3E7-6D5BEEA58F35}</a:tableStyleId>
+              </a:tblPr>
+              <a:tblGrid>
+                <a:gridCol w="1486742"/>
+                <a:gridCol w="4457700"/>
+                <a:gridCol w="4381500"/>
+              </a:tblGrid>
+              <a:tr h="418561">
+                <a:tc>
+                  <a:txBody>
+                    <a:bodyPr/>
+                    <a:lstStyle/>
+                    <a:p>
+                      <a:pPr algn="ctr" latinLnBrk="1"/>
+                      <a:r>
+                        <a:rPr lang="ko-KR" altLang="en-US" dirty="0" smtClean="0"/>
+                        <a:t>주차</a:t>
+                      </a:r>
+                      <a:endParaRPr lang="ko-KR" altLang="en-US" dirty="0"/>
+                    </a:p>
+                  </a:txBody>
+                  <a:tcPr/>
+                </a:tc>
+                <a:tc>
+                  <a:txBody>
+                    <a:bodyPr/>
+                    <a:lstStyle/>
+                    <a:p>
+                      <a:pPr algn="ctr" latinLnBrk="1"/>
+                      <a:r>
+                        <a:rPr lang="ko-KR" altLang="en-US" dirty="0" smtClean="0"/>
+                        <a:t>내용</a:t>
+                      </a:r>
+                      <a:endParaRPr lang="ko-KR" altLang="en-US" dirty="0"/>
+                    </a:p>
+                  </a:txBody>
+                  <a:tcPr/>
+                </a:tc>
+                <a:tc>
+                  <a:txBody>
+                    <a:bodyPr/>
+                    <a:lstStyle/>
+                    <a:p>
+                      <a:pPr algn="ctr" latinLnBrk="1"/>
+                      <a:r>
+                        <a:rPr lang="ko-KR" altLang="en-US" dirty="0" smtClean="0"/>
+                        <a:t>비고</a:t>
+                      </a:r>
+                      <a:endParaRPr lang="ko-KR" altLang="en-US" dirty="0"/>
+                    </a:p>
+                  </a:txBody>
+                  <a:tcPr/>
+                </a:tc>
+              </a:tr>
+              <a:tr h="640080">
+                <a:tc>
+                  <a:txBody>
+                    <a:bodyPr/>
+                    <a:lstStyle/>
+                    <a:p>
+                      <a:pPr algn="ctr" latinLnBrk="1"/>
+                      <a:r>
+                        <a:rPr lang="en-US" altLang="ko-KR" dirty="0" smtClean="0"/>
+                        <a:t>1</a:t>
+                      </a:r>
+                      <a:r>
+                        <a:rPr lang="ko-KR" altLang="en-US" dirty="0" smtClean="0"/>
+                        <a:t>주차</a:t>
+                      </a:r>
+                      <a:endParaRPr lang="ko-KR" altLang="en-US" dirty="0"/>
+                    </a:p>
+                  </a:txBody>
+                  <a:tcPr anchor="ctr"/>
+                </a:tc>
+                <a:tc>
+                  <a:txBody>
+                    <a:bodyPr/>
+                    <a:lstStyle/>
+                    <a:p>
+                      <a:pPr latinLnBrk="1"/>
+                      <a:r>
+                        <a:rPr lang="ko-KR" altLang="en-US" dirty="0" smtClean="0"/>
+                        <a:t>주제선정</a:t>
+                      </a:r>
+                      <a:r>
+                        <a:rPr lang="en-US" altLang="ko-KR" dirty="0" smtClean="0"/>
+                        <a:t>, </a:t>
+                      </a:r>
+                      <a:r>
+                        <a:rPr lang="ko-KR" altLang="en-US" dirty="0" smtClean="0"/>
+                        <a:t>화면구상</a:t>
+                      </a:r>
+                      <a:endParaRPr lang="ko-KR" altLang="en-US" dirty="0"/>
+                    </a:p>
+                  </a:txBody>
+                  <a:tcPr anchor="ctr"/>
+                </a:tc>
+                <a:tc>
+                  <a:txBody>
+                    <a:bodyPr/>
+                    <a:lstStyle/>
+                    <a:p>
+                      <a:pPr latinLnBrk="1"/>
+                      <a:endParaRPr lang="ko-KR" altLang="en-US" dirty="0"/>
+                    </a:p>
+                  </a:txBody>
+                  <a:tcPr anchor="ctr"/>
+                </a:tc>
+              </a:tr>
+              <a:tr h="640080">
+                <a:tc>
+                  <a:txBody>
+                    <a:bodyPr/>
+                    <a:lstStyle/>
+                    <a:p>
+                      <a:pPr algn="ctr" latinLnBrk="1"/>
+                      <a:r>
+                        <a:rPr lang="en-US" altLang="ko-KR" dirty="0" smtClean="0"/>
+                        <a:t>2</a:t>
+                      </a:r>
+                      <a:r>
+                        <a:rPr lang="ko-KR" altLang="en-US" dirty="0" smtClean="0"/>
+                        <a:t>주차</a:t>
+                      </a:r>
+                      <a:endParaRPr lang="en-US" altLang="ko-KR" dirty="0" smtClean="0"/>
+                    </a:p>
+                  </a:txBody>
+                  <a:tcPr anchor="ctr"/>
+                </a:tc>
+                <a:tc>
+                  <a:txBody>
+                    <a:bodyPr/>
+                    <a:lstStyle/>
+                    <a:p>
+                      <a:pPr latinLnBrk="1"/>
+                      <a:r>
+                        <a:rPr lang="ko-KR" altLang="en-US" dirty="0" smtClean="0"/>
+                        <a:t>화면 구현</a:t>
+                      </a:r>
+                      <a:endParaRPr lang="en-US" altLang="ko-KR" dirty="0" smtClean="0"/>
+                    </a:p>
+                    <a:p>
+                      <a:pPr latinLnBrk="1"/>
+                      <a:r>
+                        <a:rPr lang="ko-KR" altLang="en-US" dirty="0" smtClean="0"/>
+                        <a:t>활용할 </a:t>
+                      </a:r>
+                      <a:r>
+                        <a:rPr lang="en-US" altLang="ko-KR" dirty="0" err="1" smtClean="0"/>
+                        <a:t>OpenAPI</a:t>
+                      </a:r>
+                      <a:r>
+                        <a:rPr lang="en-US" altLang="ko-KR" baseline="0" dirty="0" smtClean="0"/>
+                        <a:t> </a:t>
+                      </a:r>
+                      <a:r>
+                        <a:rPr lang="ko-KR" altLang="en-US" baseline="0" dirty="0" smtClean="0"/>
+                        <a:t>선정</a:t>
+                      </a:r>
+                      <a:endParaRPr lang="ko-KR" altLang="en-US" dirty="0"/>
+                    </a:p>
+                  </a:txBody>
+                  <a:tcPr anchor="ctr"/>
+                </a:tc>
+                <a:tc>
+                  <a:txBody>
+                    <a:bodyPr/>
+                    <a:lstStyle/>
+                    <a:p>
+                      <a:pPr latinLnBrk="1"/>
+                      <a:endParaRPr lang="ko-KR" altLang="en-US" dirty="0"/>
+                    </a:p>
+                  </a:txBody>
+                  <a:tcPr anchor="ctr"/>
+                </a:tc>
+              </a:tr>
+              <a:tr h="640080">
+                <a:tc>
+                  <a:txBody>
+                    <a:bodyPr/>
+                    <a:lstStyle/>
+                    <a:p>
+                      <a:pPr algn="ctr" latinLnBrk="1"/>
+                      <a:r>
+                        <a:rPr lang="en-US" altLang="ko-KR" dirty="0" smtClean="0"/>
+                        <a:t>3</a:t>
+                      </a:r>
+                      <a:r>
+                        <a:rPr lang="ko-KR" altLang="en-US" dirty="0" smtClean="0"/>
+                        <a:t>주차</a:t>
+                      </a:r>
+                      <a:endParaRPr lang="ko-KR" altLang="en-US" dirty="0"/>
+                    </a:p>
+                  </a:txBody>
+                  <a:tcPr anchor="ctr"/>
+                </a:tc>
+                <a:tc>
+                  <a:txBody>
+                    <a:bodyPr/>
+                    <a:lstStyle/>
+                    <a:p>
+                      <a:pPr marL="0" marR="0" indent="0" algn="l" defTabSz="914400" rtl="0" eaLnBrk="1" fontAlgn="auto" latinLnBrk="1" hangingPunct="1">
+                        <a:lnSpc>
+                          <a:spcPct val="100000"/>
+                        </a:lnSpc>
+                        <a:spcBef>
+                          <a:spcPts val="0"/>
+                        </a:spcBef>
+                        <a:spcAft>
+                          <a:spcPts val="0"/>
+                        </a:spcAft>
+                        <a:buClrTx/>
+                        <a:buSzTx/>
+                        <a:buFontTx/>
+                        <a:buNone/>
+                        <a:tabLst/>
+                        <a:defRPr/>
+                      </a:pPr>
+                      <a:r>
+                        <a:rPr lang="en-US" altLang="ko-KR" dirty="0" err="1" smtClean="0"/>
+                        <a:t>OpenAPI</a:t>
+                      </a:r>
+                      <a:r>
+                        <a:rPr lang="ko-KR" altLang="en-US" dirty="0" smtClean="0"/>
+                        <a:t>를 활용한 검색 기능 구현</a:t>
+                      </a:r>
+                      <a:endParaRPr lang="en-US" altLang="ko-KR" dirty="0" smtClean="0"/>
+                    </a:p>
+                    <a:p>
+                      <a:pPr marL="0" marR="0" indent="0" algn="l" defTabSz="914400" rtl="0" eaLnBrk="1" fontAlgn="auto" latinLnBrk="1" hangingPunct="1">
+                        <a:lnSpc>
+                          <a:spcPct val="100000"/>
+                        </a:lnSpc>
+                        <a:spcBef>
+                          <a:spcPts val="0"/>
+                        </a:spcBef>
+                        <a:spcAft>
+                          <a:spcPts val="0"/>
+                        </a:spcAft>
+                        <a:buClrTx/>
+                        <a:buSzTx/>
+                        <a:buFontTx/>
+                        <a:buNone/>
+                        <a:tabLst/>
+                        <a:defRPr/>
+                      </a:pPr>
+                      <a:r>
+                        <a:rPr lang="ko-KR" altLang="en-US" dirty="0" err="1" smtClean="0"/>
+                        <a:t>이메일</a:t>
+                      </a:r>
+                      <a:r>
+                        <a:rPr lang="ko-KR" altLang="en-US" dirty="0" smtClean="0"/>
+                        <a:t> 보내기 구현</a:t>
+                      </a:r>
+                      <a:r>
+                        <a:rPr lang="en-US" altLang="ko-KR" dirty="0" smtClean="0"/>
+                        <a:t> </a:t>
+                      </a:r>
+                    </a:p>
+                  </a:txBody>
+                  <a:tcPr anchor="ctr"/>
+                </a:tc>
+                <a:tc>
+                  <a:txBody>
+                    <a:bodyPr/>
+                    <a:lstStyle/>
+                    <a:p>
+                      <a:pPr marL="0" marR="0" indent="0" algn="l" defTabSz="914400" rtl="0" eaLnBrk="1" fontAlgn="auto" latinLnBrk="1" hangingPunct="1">
+                        <a:lnSpc>
+                          <a:spcPct val="100000"/>
+                        </a:lnSpc>
+                        <a:spcBef>
+                          <a:spcPts val="0"/>
+                        </a:spcBef>
+                        <a:spcAft>
+                          <a:spcPts val="0"/>
+                        </a:spcAft>
+                        <a:buClrTx/>
+                        <a:buSzTx/>
+                        <a:buFontTx/>
+                        <a:buNone/>
+                        <a:tabLst/>
+                        <a:defRPr/>
+                      </a:pPr>
+                      <a:r>
+                        <a:rPr lang="en-US" altLang="ko-KR" dirty="0" smtClean="0"/>
+                        <a:t>5/17 </a:t>
+                      </a:r>
+                      <a:r>
+                        <a:rPr lang="ko-KR" altLang="en-US" dirty="0" smtClean="0"/>
+                        <a:t>기획발표</a:t>
+                      </a:r>
+                      <a:endParaRPr lang="ko-KR" altLang="en-US" dirty="0"/>
+                    </a:p>
+                  </a:txBody>
+                  <a:tcPr anchor="ctr"/>
+                </a:tc>
+              </a:tr>
+              <a:tr h="640080">
+                <a:tc>
+                  <a:txBody>
+                    <a:bodyPr/>
+                    <a:lstStyle/>
+                    <a:p>
+                      <a:pPr algn="ctr" latinLnBrk="1"/>
+                      <a:r>
+                        <a:rPr lang="en-US" altLang="ko-KR" dirty="0" smtClean="0"/>
+                        <a:t>4</a:t>
+                      </a:r>
+                      <a:r>
+                        <a:rPr lang="ko-KR" altLang="en-US" dirty="0" smtClean="0"/>
+                        <a:t>주차</a:t>
+                      </a:r>
+                      <a:endParaRPr lang="ko-KR" altLang="en-US" dirty="0"/>
+                    </a:p>
+                  </a:txBody>
+                  <a:tcPr anchor="ctr"/>
+                </a:tc>
+                <a:tc>
+                  <a:txBody>
+                    <a:bodyPr/>
+                    <a:lstStyle/>
+                    <a:p>
+                      <a:pPr latinLnBrk="1"/>
+                      <a:r>
+                        <a:rPr lang="ko-KR" altLang="en-US" dirty="0" smtClean="0"/>
+                        <a:t>이미지</a:t>
+                      </a:r>
+                      <a:r>
+                        <a:rPr lang="en-US" altLang="ko-KR" dirty="0" smtClean="0"/>
+                        <a:t>, </a:t>
+                      </a:r>
+                      <a:r>
+                        <a:rPr lang="ko-KR" altLang="en-US" dirty="0" smtClean="0"/>
+                        <a:t>지도</a:t>
+                      </a:r>
+                      <a:r>
+                        <a:rPr lang="en-US" altLang="ko-KR" dirty="0" smtClean="0"/>
+                        <a:t>, </a:t>
+                      </a:r>
+                      <a:r>
+                        <a:rPr lang="ko-KR" altLang="en-US" dirty="0" smtClean="0"/>
+                        <a:t>그래프 구현</a:t>
+                      </a:r>
+                      <a:endParaRPr lang="ko-KR" altLang="en-US" dirty="0"/>
+                    </a:p>
+                  </a:txBody>
+                  <a:tcPr anchor="ctr"/>
+                </a:tc>
+                <a:tc>
+                  <a:txBody>
+                    <a:bodyPr/>
+                    <a:lstStyle/>
+                    <a:p>
+                      <a:pPr latinLnBrk="1"/>
+                      <a:endParaRPr lang="ko-KR" altLang="en-US" dirty="0"/>
+                    </a:p>
+                  </a:txBody>
+                  <a:tcPr anchor="ctr"/>
+                </a:tc>
+              </a:tr>
+              <a:tr h="640080">
+                <a:tc>
+                  <a:txBody>
+                    <a:bodyPr/>
+                    <a:lstStyle/>
+                    <a:p>
+                      <a:pPr algn="ctr" latinLnBrk="1"/>
+                      <a:r>
+                        <a:rPr lang="en-US" altLang="ko-KR" dirty="0" smtClean="0"/>
+                        <a:t>5</a:t>
+                      </a:r>
+                      <a:r>
+                        <a:rPr lang="ko-KR" altLang="en-US" dirty="0" smtClean="0"/>
+                        <a:t>주차</a:t>
+                      </a:r>
+                      <a:endParaRPr lang="ko-KR" altLang="en-US" dirty="0"/>
+                    </a:p>
+                  </a:txBody>
+                  <a:tcPr anchor="ctr"/>
+                </a:tc>
+                <a:tc>
+                  <a:txBody>
+                    <a:bodyPr/>
+                    <a:lstStyle/>
+                    <a:p>
+                      <a:pPr marL="0" marR="0" indent="0" algn="l" defTabSz="914400" rtl="0" eaLnBrk="1" fontAlgn="auto" latinLnBrk="1" hangingPunct="1">
+                        <a:lnSpc>
+                          <a:spcPct val="100000"/>
+                        </a:lnSpc>
+                        <a:spcBef>
+                          <a:spcPts val="0"/>
+                        </a:spcBef>
+                        <a:spcAft>
+                          <a:spcPts val="0"/>
+                        </a:spcAft>
+                        <a:buClrTx/>
+                        <a:buSzTx/>
+                        <a:buFontTx/>
+                        <a:buNone/>
+                        <a:tabLst/>
+                        <a:defRPr/>
+                      </a:pPr>
+                      <a:r>
+                        <a:rPr lang="en-US" altLang="ko-KR" dirty="0" smtClean="0"/>
+                        <a:t>C/C++</a:t>
+                      </a:r>
+                      <a:r>
+                        <a:rPr lang="ko-KR" altLang="en-US" dirty="0" smtClean="0"/>
+                        <a:t>연동</a:t>
+                      </a:r>
+                      <a:endParaRPr lang="en-US" altLang="ko-KR" dirty="0" smtClean="0"/>
+                    </a:p>
+                    <a:p>
+                      <a:pPr marL="0" marR="0" indent="0" algn="l" defTabSz="914400" rtl="0" eaLnBrk="1" fontAlgn="auto" latinLnBrk="1" hangingPunct="1">
+                        <a:lnSpc>
+                          <a:spcPct val="100000"/>
+                        </a:lnSpc>
+                        <a:spcBef>
+                          <a:spcPts val="0"/>
+                        </a:spcBef>
+                        <a:spcAft>
+                          <a:spcPts val="0"/>
+                        </a:spcAft>
+                        <a:buClrTx/>
+                        <a:buSzTx/>
+                        <a:buFontTx/>
+                        <a:buNone/>
+                        <a:tabLst/>
+                        <a:defRPr/>
+                      </a:pPr>
+                      <a:r>
+                        <a:rPr lang="en-US" altLang="ko-KR" dirty="0" err="1" smtClean="0"/>
+                        <a:t>distutils</a:t>
+                      </a:r>
+                      <a:r>
+                        <a:rPr lang="en-US" altLang="ko-KR" dirty="0" smtClean="0"/>
+                        <a:t> </a:t>
+                      </a:r>
+                      <a:r>
+                        <a:rPr lang="ko-KR" altLang="en-US" dirty="0" smtClean="0"/>
+                        <a:t>모듈 활용 배포파일 만들기</a:t>
+                      </a:r>
+                      <a:endParaRPr lang="ko-KR" altLang="en-US" dirty="0"/>
+                    </a:p>
+                  </a:txBody>
+                  <a:tcPr anchor="ctr"/>
+                </a:tc>
+                <a:tc>
+                  <a:txBody>
+                    <a:bodyPr/>
+                    <a:lstStyle/>
+                    <a:p>
+                      <a:pPr marL="0" marR="0" indent="0" algn="l" defTabSz="914400" rtl="0" eaLnBrk="1" fontAlgn="auto" latinLnBrk="1" hangingPunct="1">
+                        <a:lnSpc>
+                          <a:spcPct val="100000"/>
+                        </a:lnSpc>
+                        <a:spcBef>
+                          <a:spcPts val="0"/>
+                        </a:spcBef>
+                        <a:spcAft>
+                          <a:spcPts val="0"/>
+                        </a:spcAft>
+                        <a:buClrTx/>
+                        <a:buSzTx/>
+                        <a:buFontTx/>
+                        <a:buNone/>
+                        <a:tabLst/>
+                        <a:defRPr/>
+                      </a:pPr>
+                      <a:r>
+                        <a:rPr lang="en-US" altLang="ko-KR" dirty="0" smtClean="0"/>
+                        <a:t>5/31 </a:t>
+                      </a:r>
+                      <a:r>
+                        <a:rPr lang="ko-KR" altLang="en-US" dirty="0" smtClean="0"/>
+                        <a:t>중간 시연 발표</a:t>
+                      </a:r>
+                      <a:endParaRPr lang="ko-KR" altLang="en-US" dirty="0"/>
+                    </a:p>
+                  </a:txBody>
+                  <a:tcPr anchor="ctr"/>
+                </a:tc>
+              </a:tr>
+              <a:tr h="640080">
+                <a:tc>
+                  <a:txBody>
+                    <a:bodyPr/>
+                    <a:lstStyle/>
+                    <a:p>
+                      <a:pPr algn="ctr" latinLnBrk="1"/>
+                      <a:r>
+                        <a:rPr lang="en-US" altLang="ko-KR" dirty="0" smtClean="0"/>
+                        <a:t>6</a:t>
+                      </a:r>
+                      <a:r>
+                        <a:rPr lang="ko-KR" altLang="en-US" dirty="0" smtClean="0"/>
+                        <a:t>주차</a:t>
+                      </a:r>
+                      <a:endParaRPr lang="ko-KR" altLang="en-US" dirty="0"/>
+                    </a:p>
+                  </a:txBody>
+                  <a:tcPr anchor="ctr"/>
+                </a:tc>
+                <a:tc>
+                  <a:txBody>
+                    <a:bodyPr/>
+                    <a:lstStyle/>
+                    <a:p>
+                      <a:pPr latinLnBrk="1"/>
+                      <a:r>
+                        <a:rPr lang="ko-KR" altLang="en-US" dirty="0" err="1" smtClean="0"/>
+                        <a:t>텔레그램</a:t>
+                      </a:r>
+                      <a:r>
+                        <a:rPr lang="ko-KR" altLang="en-US" dirty="0" smtClean="0"/>
+                        <a:t> 연동 구현</a:t>
+                      </a:r>
+                      <a:endParaRPr lang="ko-KR" altLang="en-US" dirty="0"/>
+                    </a:p>
+                  </a:txBody>
+                  <a:tcPr anchor="ctr"/>
+                </a:tc>
+                <a:tc>
+                  <a:txBody>
+                    <a:bodyPr/>
+                    <a:lstStyle/>
+                    <a:p>
+                      <a:pPr latinLnBrk="1"/>
+                      <a:endParaRPr lang="ko-KR" altLang="en-US" dirty="0"/>
+                    </a:p>
+                  </a:txBody>
+                  <a:tcPr anchor="ctr"/>
+                </a:tc>
+              </a:tr>
+              <a:tr h="640080">
+                <a:tc>
+                  <a:txBody>
+                    <a:bodyPr/>
+                    <a:lstStyle/>
+                    <a:p>
+                      <a:pPr algn="ctr" latinLnBrk="1"/>
+                      <a:r>
+                        <a:rPr lang="en-US" altLang="ko-KR" dirty="0" smtClean="0"/>
+                        <a:t>7</a:t>
+                      </a:r>
+                      <a:r>
+                        <a:rPr lang="ko-KR" altLang="en-US" dirty="0" smtClean="0"/>
+                        <a:t>주차</a:t>
+                      </a:r>
+                      <a:endParaRPr lang="ko-KR" altLang="en-US" dirty="0"/>
+                    </a:p>
+                  </a:txBody>
+                  <a:tcPr anchor="ctr"/>
+                </a:tc>
+                <a:tc gridSpan="2">
+                  <a:txBody>
+                    <a:bodyPr/>
+                    <a:lstStyle/>
+                    <a:p>
+                      <a:pPr algn="ctr" latinLnBrk="1"/>
+                      <a:r>
+                        <a:rPr lang="en-US" altLang="ko-KR" dirty="0" smtClean="0"/>
+                        <a:t>6/14</a:t>
+                      </a:r>
+                      <a:r>
+                        <a:rPr lang="en-US" altLang="ko-KR" baseline="0" dirty="0" smtClean="0"/>
+                        <a:t> </a:t>
+                      </a:r>
+                      <a:r>
+                        <a:rPr lang="ko-KR" altLang="en-US" dirty="0" smtClean="0"/>
+                        <a:t>최종 구현 발표</a:t>
+                      </a:r>
+                      <a:endParaRPr lang="ko-KR" altLang="en-US" dirty="0"/>
+                    </a:p>
+                  </a:txBody>
+                  <a:tcPr anchor="ctr"/>
+                </a:tc>
+                <a:tc hMerge="1">
+                  <a:txBody>
+                    <a:bodyPr/>
+                    <a:lstStyle/>
+                    <a:p>
+                      <a:pPr latinLnBrk="1"/>
+                      <a:endParaRPr lang="ko-KR" altLang="en-US" dirty="0"/>
+                    </a:p>
+                  </a:txBody>
+                  <a:tcPr anchor="ctr"/>
+                </a:tc>
+              </a:tr>
+            </a:tbl>
+          </a:graphicData>
+        </a:graphic>
+      </p:graphicFrame>
     </p:spTree>
     <p:extLst>
       <p:ext uri="{BB962C8B-B14F-4D97-AF65-F5344CB8AC3E}">
-        <p14:creationId xmlns:p14="http://schemas.microsoft.com/office/powerpoint/2010/main" val="2912312662"/>
+        <p14:creationId xmlns:p14="http://schemas.microsoft.com/office/powerpoint/2010/main" val="2497622139"/>
       </p:ext>
     </p:extLst>
   </p:cSld>
@@ -12593,7 +14295,7 @@
   <a:extraClrSchemeLst/>
   <a:extLst>
     <a:ext uri="{05A4C25C-085E-4340-85A3-A5531E510DB2}">
-      <thm15:themeFamily xmlns="" xmlns:thm15="http://schemas.microsoft.com/office/thememl/2012/main" name="Office Theme" id="{62F939B6-93AF-4DB8-9C6B-D6C7DFDC589F}" vid="{4A3C46E8-61CC-4603-A589-7422A47A8E4A}"/>
+      <thm15:themeFamily xmlns:thm15="http://schemas.microsoft.com/office/thememl/2012/main" xmlns="" name="Office Theme" id="{62F939B6-93AF-4DB8-9C6B-D6C7DFDC589F}" vid="{4A3C46E8-61CC-4603-A589-7422A47A8E4A}"/>
     </a:ext>
   </a:extLst>
 </a:theme>

--- a/기획발표_최종.pptx
+++ b/기획발표_최종.pptx
@@ -13,15 +13,17 @@
     <p:sldId id="270" r:id="rId7"/>
     <p:sldId id="271" r:id="rId8"/>
     <p:sldId id="272" r:id="rId9"/>
-    <p:sldId id="265" r:id="rId10"/>
+    <p:sldId id="273" r:id="rId10"/>
+    <p:sldId id="274" r:id="rId11"/>
+    <p:sldId id="265" r:id="rId12"/>
   </p:sldIdLst>
   <p:sldSz cx="12192000" cy="6858000"/>
   <p:notesSz cx="6858000" cy="9144000"/>
   <p:embeddedFontLst>
     <p:embeddedFont>
       <p:font typeface="맑은 고딕" pitchFamily="50" charset="-127"/>
-      <p:regular r:id="rId11"/>
-      <p:bold r:id="rId12"/>
+      <p:regular r:id="rId13"/>
+      <p:bold r:id="rId14"/>
     </p:embeddedFont>
   </p:embeddedFontLst>
   <p:defaultTextStyle>
@@ -121,7 +123,7 @@
   </p:defaultTextStyle>
   <p:extLst>
     <p:ext uri="{EFAFB233-063F-42B5-8137-9DF3F51BA10A}">
-      <p15:sldGuideLst xmlns="" xmlns:p15="http://schemas.microsoft.com/office/powerpoint/2012/main">
+      <p15:sldGuideLst xmlns:p15="http://schemas.microsoft.com/office/powerpoint/2012/main" xmlns="">
         <p15:guide id="1" orient="horz" pos="2092" userDrawn="1">
           <p15:clr>
             <a:srgbClr val="A4A3A4"/>
@@ -231,11 +233,11 @@
         </c:dLbls>
         <c:marker val="1"/>
         <c:smooth val="0"/>
-        <c:axId val="50097152"/>
-        <c:axId val="50095616"/>
+        <c:axId val="139009024"/>
+        <c:axId val="139043584"/>
       </c:lineChart>
       <c:catAx>
-        <c:axId val="50097152"/>
+        <c:axId val="139009024"/>
         <c:scaling>
           <c:orientation val="minMax"/>
         </c:scaling>
@@ -254,7 +256,7 @@
             <a:endParaRPr lang="ko-KR"/>
           </a:p>
         </c:txPr>
-        <c:crossAx val="50095616"/>
+        <c:crossAx val="139043584"/>
         <c:crosses val="autoZero"/>
         <c:auto val="1"/>
         <c:lblAlgn val="ctr"/>
@@ -262,7 +264,7 @@
         <c:noMultiLvlLbl val="0"/>
       </c:catAx>
       <c:valAx>
-        <c:axId val="50095616"/>
+        <c:axId val="139043584"/>
         <c:scaling>
           <c:orientation val="minMax"/>
         </c:scaling>
@@ -273,7 +275,7 @@
         <c:majorTickMark val="out"/>
         <c:minorTickMark val="none"/>
         <c:tickLblPos val="nextTo"/>
-        <c:crossAx val="50097152"/>
+        <c:crossAx val="139009024"/>
         <c:crosses val="autoZero"/>
         <c:crossBetween val="between"/>
       </c:valAx>
@@ -398,11 +400,11 @@
         </c:dLbls>
         <c:marker val="1"/>
         <c:smooth val="0"/>
-        <c:axId val="175444352"/>
-        <c:axId val="175445888"/>
+        <c:axId val="166129664"/>
+        <c:axId val="166131200"/>
       </c:lineChart>
       <c:catAx>
-        <c:axId val="175444352"/>
+        <c:axId val="166129664"/>
         <c:scaling>
           <c:orientation val="minMax"/>
         </c:scaling>
@@ -421,7 +423,7 @@
             <a:endParaRPr lang="ko-KR"/>
           </a:p>
         </c:txPr>
-        <c:crossAx val="175445888"/>
+        <c:crossAx val="166131200"/>
         <c:crosses val="autoZero"/>
         <c:auto val="1"/>
         <c:lblAlgn val="ctr"/>
@@ -429,7 +431,7 @@
         <c:noMultiLvlLbl val="0"/>
       </c:catAx>
       <c:valAx>
-        <c:axId val="175445888"/>
+        <c:axId val="166131200"/>
         <c:scaling>
           <c:orientation val="minMax"/>
         </c:scaling>
@@ -440,7 +442,7 @@
         <c:majorTickMark val="out"/>
         <c:minorTickMark val="none"/>
         <c:tickLblPos val="nextTo"/>
-        <c:crossAx val="175444352"/>
+        <c:crossAx val="166129664"/>
         <c:crosses val="autoZero"/>
         <c:crossBetween val="between"/>
       </c:valAx>
@@ -603,7 +605,7 @@
           <a:p>
             <a:fld id="{7FDDE5EA-FC9D-44B5-B7E3-D54953EA9507}" type="datetimeFigureOut">
               <a:rPr lang="ko-KR" altLang="en-US" smtClean="0"/>
-              <a:t>2022-05-15</a:t>
+              <a:t>2022-05-16</a:t>
             </a:fld>
             <a:endParaRPr lang="ko-KR" altLang="en-US"/>
           </a:p>
@@ -773,7 +775,7 @@
           <a:p>
             <a:fld id="{7FDDE5EA-FC9D-44B5-B7E3-D54953EA9507}" type="datetimeFigureOut">
               <a:rPr lang="ko-KR" altLang="en-US" smtClean="0"/>
-              <a:t>2022-05-15</a:t>
+              <a:t>2022-05-16</a:t>
             </a:fld>
             <a:endParaRPr lang="ko-KR" altLang="en-US"/>
           </a:p>
@@ -953,7 +955,7 @@
           <a:p>
             <a:fld id="{7FDDE5EA-FC9D-44B5-B7E3-D54953EA9507}" type="datetimeFigureOut">
               <a:rPr lang="ko-KR" altLang="en-US" smtClean="0"/>
-              <a:t>2022-05-15</a:t>
+              <a:t>2022-05-16</a:t>
             </a:fld>
             <a:endParaRPr lang="ko-KR" altLang="en-US"/>
           </a:p>
@@ -1123,7 +1125,7 @@
           <a:p>
             <a:fld id="{7FDDE5EA-FC9D-44B5-B7E3-D54953EA9507}" type="datetimeFigureOut">
               <a:rPr lang="ko-KR" altLang="en-US" smtClean="0"/>
-              <a:t>2022-05-15</a:t>
+              <a:t>2022-05-16</a:t>
             </a:fld>
             <a:endParaRPr lang="ko-KR" altLang="en-US"/>
           </a:p>
@@ -1369,7 +1371,7 @@
           <a:p>
             <a:fld id="{7FDDE5EA-FC9D-44B5-B7E3-D54953EA9507}" type="datetimeFigureOut">
               <a:rPr lang="ko-KR" altLang="en-US" smtClean="0"/>
-              <a:t>2022-05-15</a:t>
+              <a:t>2022-05-16</a:t>
             </a:fld>
             <a:endParaRPr lang="ko-KR" altLang="en-US"/>
           </a:p>
@@ -1601,7 +1603,7 @@
           <a:p>
             <a:fld id="{7FDDE5EA-FC9D-44B5-B7E3-D54953EA9507}" type="datetimeFigureOut">
               <a:rPr lang="ko-KR" altLang="en-US" smtClean="0"/>
-              <a:t>2022-05-15</a:t>
+              <a:t>2022-05-16</a:t>
             </a:fld>
             <a:endParaRPr lang="ko-KR" altLang="en-US"/>
           </a:p>
@@ -1968,7 +1970,7 @@
           <a:p>
             <a:fld id="{7FDDE5EA-FC9D-44B5-B7E3-D54953EA9507}" type="datetimeFigureOut">
               <a:rPr lang="ko-KR" altLang="en-US" smtClean="0"/>
-              <a:t>2022-05-15</a:t>
+              <a:t>2022-05-16</a:t>
             </a:fld>
             <a:endParaRPr lang="ko-KR" altLang="en-US"/>
           </a:p>
@@ -2086,7 +2088,7 @@
           <a:p>
             <a:fld id="{7FDDE5EA-FC9D-44B5-B7E3-D54953EA9507}" type="datetimeFigureOut">
               <a:rPr lang="ko-KR" altLang="en-US" smtClean="0"/>
-              <a:t>2022-05-15</a:t>
+              <a:t>2022-05-16</a:t>
             </a:fld>
             <a:endParaRPr lang="ko-KR" altLang="en-US"/>
           </a:p>
@@ -2441,7 +2443,7 @@
           <a:p>
             <a:fld id="{7FDDE5EA-FC9D-44B5-B7E3-D54953EA9507}" type="datetimeFigureOut">
               <a:rPr lang="ko-KR" altLang="en-US" smtClean="0"/>
-              <a:t>2022-05-15</a:t>
+              <a:t>2022-05-16</a:t>
             </a:fld>
             <a:endParaRPr lang="ko-KR" altLang="en-US"/>
           </a:p>
@@ -2694,7 +2696,7 @@
           <a:p>
             <a:fld id="{7FDDE5EA-FC9D-44B5-B7E3-D54953EA9507}" type="datetimeFigureOut">
               <a:rPr lang="ko-KR" altLang="en-US" smtClean="0"/>
-              <a:t>2022-05-15</a:t>
+              <a:t>2022-05-16</a:t>
             </a:fld>
             <a:endParaRPr lang="ko-KR" altLang="en-US"/>
           </a:p>
@@ -2907,7 +2909,7 @@
           <a:p>
             <a:fld id="{7FDDE5EA-FC9D-44B5-B7E3-D54953EA9507}" type="datetimeFigureOut">
               <a:rPr lang="ko-KR" altLang="en-US" smtClean="0"/>
-              <a:t>2022-05-15</a:t>
+              <a:t>2022-05-16</a:t>
             </a:fld>
             <a:endParaRPr lang="ko-KR" altLang="en-US"/>
           </a:p>
@@ -3579,12 +3581,21 @@
             <a:p>
               <a:r>
                 <a:rPr lang="ko-KR" altLang="en-US" sz="4000" b="1" dirty="0" smtClean="0"/>
-                <a:t>지하철 시간표 </a:t>
+                <a:t> </a:t>
               </a:r>
               <a:r>
-                <a:rPr lang="en-US" altLang="ko-KR" sz="4000" b="1" dirty="0" smtClean="0"/>
-                <a:t>API</a:t>
+                <a:rPr lang="ko-KR" altLang="en-US" sz="4000" b="1" dirty="0" err="1" smtClean="0"/>
+                <a:t>언제타</a:t>
               </a:r>
+              <a:r>
+                <a:rPr lang="ko-KR" altLang="en-US" sz="4000" b="1" dirty="0" smtClean="0"/>
+                <a:t> </a:t>
+              </a:r>
+              <a:r>
+                <a:rPr lang="ko-KR" altLang="en-US" sz="4000" b="1" dirty="0"/>
+                <a:t>지하철</a:t>
+              </a:r>
+              <a:endParaRPr lang="en-US" altLang="ko-KR" sz="4000" b="1" dirty="0"/>
             </a:p>
             <a:p>
               <a:endParaRPr lang="ko-KR" altLang="en-US" sz="3600" b="1" dirty="0"/>
@@ -3658,7 +3669,7 @@
 </p:sld>
 </file>
 
-<file path=ppt/slides/slide2.xml><?xml version="1.0" encoding="utf-8"?>
+<file path=ppt/slides/slide10.xml><?xml version="1.0" encoding="utf-8"?>
 <p:sld xmlns:a="http://schemas.openxmlformats.org/drawingml/2006/main" xmlns:r="http://schemas.openxmlformats.org/officeDocument/2006/relationships" xmlns:p="http://schemas.openxmlformats.org/presentationml/2006/main">
   <p:cSld>
     <p:spTree>
@@ -3675,491 +3686,36 @@
           <a:chExt cx="0" cy="0"/>
         </a:xfrm>
       </p:grpSpPr>
-      <p:sp>
-        <p:nvSpPr>
-          <p:cNvPr id="23" name="타원 22"/>
-          <p:cNvSpPr/>
-          <p:nvPr/>
-        </p:nvSpPr>
-        <p:spPr>
-          <a:xfrm>
-            <a:off x="4739655" y="1715653"/>
-            <a:ext cx="445740" cy="445740"/>
-          </a:xfrm>
-          <a:prstGeom prst="ellipse">
-            <a:avLst/>
-          </a:prstGeom>
-          <a:solidFill>
-            <a:srgbClr val="64C044"/>
-          </a:solidFill>
-          <a:ln>
-            <a:noFill/>
-          </a:ln>
-        </p:spPr>
-        <p:style>
-          <a:lnRef idx="2">
-            <a:schemeClr val="accent1">
-              <a:shade val="50000"/>
-            </a:schemeClr>
-          </a:lnRef>
-          <a:fillRef idx="1">
-            <a:schemeClr val="accent1"/>
-          </a:fillRef>
-          <a:effectRef idx="0">
-            <a:schemeClr val="accent1"/>
-          </a:effectRef>
-          <a:fontRef idx="minor">
-            <a:schemeClr val="lt1"/>
-          </a:fontRef>
-        </p:style>
-        <p:txBody>
-          <a:bodyPr rtlCol="0" anchor="ctr"/>
-          <a:lstStyle/>
-          <a:p>
-            <a:pPr algn="ctr"/>
-            <a:r>
-              <a:rPr lang="en-US" altLang="ko-KR" sz="2400" b="1" dirty="0" smtClean="0">
-                <a:ea typeface="12롯데마트드림Bold" panose="02020603020101020101" pitchFamily="18" charset="-127"/>
-              </a:rPr>
-              <a:t>1</a:t>
-            </a:r>
-            <a:endParaRPr lang="ko-KR" altLang="en-US" sz="2400" b="1" dirty="0">
-              <a:ea typeface="12롯데마트드림Bold" panose="02020603020101020101" pitchFamily="18" charset="-127"/>
-            </a:endParaRPr>
-          </a:p>
-        </p:txBody>
-      </p:sp>
-      <p:sp>
-        <p:nvSpPr>
-          <p:cNvPr id="40" name="타원 39"/>
-          <p:cNvSpPr/>
-          <p:nvPr/>
-        </p:nvSpPr>
-        <p:spPr>
-          <a:xfrm>
-            <a:off x="4739655" y="2472097"/>
-            <a:ext cx="445740" cy="445740"/>
-          </a:xfrm>
-          <a:prstGeom prst="ellipse">
-            <a:avLst/>
-          </a:prstGeom>
-          <a:solidFill>
-            <a:srgbClr val="64C044"/>
-          </a:solidFill>
-          <a:ln>
-            <a:noFill/>
-          </a:ln>
-        </p:spPr>
-        <p:style>
-          <a:lnRef idx="2">
-            <a:schemeClr val="accent1">
-              <a:shade val="50000"/>
-            </a:schemeClr>
-          </a:lnRef>
-          <a:fillRef idx="1">
-            <a:schemeClr val="accent1"/>
-          </a:fillRef>
-          <a:effectRef idx="0">
-            <a:schemeClr val="accent1"/>
-          </a:effectRef>
-          <a:fontRef idx="minor">
-            <a:schemeClr val="lt1"/>
-          </a:fontRef>
-        </p:style>
-        <p:txBody>
-          <a:bodyPr rtlCol="0" anchor="ctr"/>
-          <a:lstStyle/>
-          <a:p>
-            <a:pPr algn="ctr"/>
-            <a:r>
-              <a:rPr lang="en-US" altLang="ko-KR" sz="2400" b="1" dirty="0" smtClean="0">
-                <a:ea typeface="12롯데마트드림Bold" panose="02020603020101020101" pitchFamily="18" charset="-127"/>
-              </a:rPr>
-              <a:t>2</a:t>
-            </a:r>
-            <a:endParaRPr lang="ko-KR" altLang="en-US" sz="2400" b="1" dirty="0">
-              <a:ea typeface="12롯데마트드림Bold" panose="02020603020101020101" pitchFamily="18" charset="-127"/>
-            </a:endParaRPr>
-          </a:p>
-        </p:txBody>
-      </p:sp>
-      <p:sp>
-        <p:nvSpPr>
-          <p:cNvPr id="41" name="타원 40"/>
-          <p:cNvSpPr/>
-          <p:nvPr/>
-        </p:nvSpPr>
-        <p:spPr>
-          <a:xfrm>
-            <a:off x="4739655" y="3256578"/>
-            <a:ext cx="445740" cy="445740"/>
-          </a:xfrm>
-          <a:prstGeom prst="ellipse">
-            <a:avLst/>
-          </a:prstGeom>
-          <a:solidFill>
-            <a:srgbClr val="64C044"/>
-          </a:solidFill>
-          <a:ln>
-            <a:noFill/>
-          </a:ln>
-        </p:spPr>
-        <p:style>
-          <a:lnRef idx="2">
-            <a:schemeClr val="accent1">
-              <a:shade val="50000"/>
-            </a:schemeClr>
-          </a:lnRef>
-          <a:fillRef idx="1">
-            <a:schemeClr val="accent1"/>
-          </a:fillRef>
-          <a:effectRef idx="0">
-            <a:schemeClr val="accent1"/>
-          </a:effectRef>
-          <a:fontRef idx="minor">
-            <a:schemeClr val="lt1"/>
-          </a:fontRef>
-        </p:style>
-        <p:txBody>
-          <a:bodyPr rtlCol="0" anchor="ctr"/>
-          <a:lstStyle/>
-          <a:p>
-            <a:pPr algn="ctr"/>
-            <a:r>
-              <a:rPr lang="en-US" altLang="ko-KR" sz="2400" b="1" dirty="0" smtClean="0">
-                <a:ea typeface="12롯데마트드림Bold" panose="02020603020101020101" pitchFamily="18" charset="-127"/>
-              </a:rPr>
-              <a:t>3</a:t>
-            </a:r>
-            <a:endParaRPr lang="ko-KR" altLang="en-US" sz="2400" b="1" dirty="0">
-              <a:ea typeface="12롯데마트드림Bold" panose="02020603020101020101" pitchFamily="18" charset="-127"/>
-            </a:endParaRPr>
-          </a:p>
-        </p:txBody>
-      </p:sp>
-      <p:sp>
-        <p:nvSpPr>
-          <p:cNvPr id="42" name="타원 41"/>
-          <p:cNvSpPr/>
-          <p:nvPr/>
-        </p:nvSpPr>
-        <p:spPr>
-          <a:xfrm>
-            <a:off x="4739655" y="3970710"/>
-            <a:ext cx="445740" cy="445740"/>
-          </a:xfrm>
-          <a:prstGeom prst="ellipse">
-            <a:avLst/>
-          </a:prstGeom>
-          <a:solidFill>
-            <a:srgbClr val="64C044"/>
-          </a:solidFill>
-          <a:ln>
-            <a:noFill/>
-          </a:ln>
-        </p:spPr>
-        <p:style>
-          <a:lnRef idx="2">
-            <a:schemeClr val="accent1">
-              <a:shade val="50000"/>
-            </a:schemeClr>
-          </a:lnRef>
-          <a:fillRef idx="1">
-            <a:schemeClr val="accent1"/>
-          </a:fillRef>
-          <a:effectRef idx="0">
-            <a:schemeClr val="accent1"/>
-          </a:effectRef>
-          <a:fontRef idx="minor">
-            <a:schemeClr val="lt1"/>
-          </a:fontRef>
-        </p:style>
-        <p:txBody>
-          <a:bodyPr rtlCol="0" anchor="ctr"/>
-          <a:lstStyle/>
-          <a:p>
-            <a:pPr algn="ctr"/>
-            <a:r>
-              <a:rPr lang="en-US" altLang="ko-KR" sz="2400" b="1" dirty="0" smtClean="0">
-                <a:ea typeface="12롯데마트드림Bold" panose="02020603020101020101" pitchFamily="18" charset="-127"/>
-              </a:rPr>
-              <a:t>4</a:t>
-            </a:r>
-            <a:endParaRPr lang="ko-KR" altLang="en-US" sz="2400" b="1" dirty="0">
-              <a:ea typeface="12롯데마트드림Bold" panose="02020603020101020101" pitchFamily="18" charset="-127"/>
-            </a:endParaRPr>
-          </a:p>
-        </p:txBody>
-      </p:sp>
-      <p:sp>
-        <p:nvSpPr>
-          <p:cNvPr id="2" name="TextBox 1"/>
-          <p:cNvSpPr txBox="1"/>
-          <p:nvPr/>
-        </p:nvSpPr>
-        <p:spPr>
-          <a:xfrm>
-            <a:off x="5485308" y="1676913"/>
-            <a:ext cx="1273086" cy="523220"/>
-          </a:xfrm>
-          <a:prstGeom prst="rect">
-            <a:avLst/>
-          </a:prstGeom>
-          <a:noFill/>
-        </p:spPr>
-        <p:txBody>
-          <a:bodyPr wrap="square" rtlCol="0">
-            <a:spAutoFit/>
-          </a:bodyPr>
-          <a:lstStyle/>
-          <a:p>
-            <a:r>
-              <a:rPr lang="ko-KR" altLang="en-US" sz="2800" b="1" dirty="0" smtClean="0"/>
-              <a:t>검색</a:t>
-            </a:r>
-            <a:endParaRPr lang="ko-KR" altLang="en-US" sz="2800" b="1" dirty="0"/>
-          </a:p>
-        </p:txBody>
-      </p:sp>
-      <p:sp>
-        <p:nvSpPr>
-          <p:cNvPr id="34" name="TextBox 33"/>
-          <p:cNvSpPr txBox="1"/>
-          <p:nvPr/>
-        </p:nvSpPr>
-        <p:spPr>
-          <a:xfrm>
-            <a:off x="5319905" y="774994"/>
-            <a:ext cx="1224372" cy="707886"/>
-          </a:xfrm>
-          <a:prstGeom prst="rect">
-            <a:avLst/>
-          </a:prstGeom>
-          <a:noFill/>
-        </p:spPr>
-        <p:txBody>
-          <a:bodyPr wrap="square" rtlCol="0">
-            <a:spAutoFit/>
-          </a:bodyPr>
-          <a:lstStyle/>
-          <a:p>
-            <a:r>
-              <a:rPr lang="ko-KR" altLang="en-US" sz="4000" b="1" dirty="0" smtClean="0"/>
-              <a:t>목차</a:t>
-            </a:r>
-            <a:endParaRPr lang="ko-KR" altLang="en-US" sz="4000" b="1" dirty="0"/>
-          </a:p>
-        </p:txBody>
-      </p:sp>
-      <p:sp>
-        <p:nvSpPr>
-          <p:cNvPr id="4" name="TextBox 3"/>
-          <p:cNvSpPr txBox="1"/>
-          <p:nvPr/>
-        </p:nvSpPr>
-        <p:spPr>
-          <a:xfrm>
-            <a:off x="5485308" y="2474904"/>
-            <a:ext cx="1684153" cy="523220"/>
-          </a:xfrm>
-          <a:prstGeom prst="rect">
-            <a:avLst/>
-          </a:prstGeom>
-          <a:noFill/>
-        </p:spPr>
-        <p:txBody>
-          <a:bodyPr wrap="square" rtlCol="0">
-            <a:spAutoFit/>
-          </a:bodyPr>
-          <a:lstStyle/>
-          <a:p>
-            <a:r>
-              <a:rPr lang="ko-KR" altLang="en-US" sz="2800" b="1" dirty="0" err="1" smtClean="0"/>
-              <a:t>이메일</a:t>
-            </a:r>
-            <a:endParaRPr lang="ko-KR" altLang="en-US" sz="2800" b="1" dirty="0"/>
-          </a:p>
-        </p:txBody>
-      </p:sp>
-      <p:sp>
-        <p:nvSpPr>
-          <p:cNvPr id="8" name="TextBox 7"/>
-          <p:cNvSpPr txBox="1"/>
-          <p:nvPr/>
-        </p:nvSpPr>
-        <p:spPr>
-          <a:xfrm>
-            <a:off x="5485308" y="3202912"/>
-            <a:ext cx="3543750" cy="954107"/>
-          </a:xfrm>
-          <a:prstGeom prst="rect">
-            <a:avLst/>
-          </a:prstGeom>
-          <a:noFill/>
-        </p:spPr>
-        <p:txBody>
-          <a:bodyPr wrap="square" rtlCol="0">
-            <a:spAutoFit/>
-          </a:bodyPr>
-          <a:lstStyle/>
-          <a:p>
-            <a:r>
-              <a:rPr lang="ko-KR" altLang="en-US" sz="2800" b="1" dirty="0" smtClean="0"/>
-              <a:t>이미지</a:t>
-            </a:r>
-            <a:r>
-              <a:rPr lang="en-US" altLang="ko-KR" sz="2800" b="1" dirty="0" smtClean="0"/>
-              <a:t>,</a:t>
-            </a:r>
-            <a:r>
-              <a:rPr lang="ko-KR" altLang="en-US" sz="2800" b="1" dirty="0"/>
-              <a:t> 그래프</a:t>
-            </a:r>
-          </a:p>
-          <a:p>
-            <a:endParaRPr lang="ko-KR" altLang="en-US" sz="2800" b="1" dirty="0"/>
-          </a:p>
-        </p:txBody>
-      </p:sp>
-      <p:sp>
-        <p:nvSpPr>
-          <p:cNvPr id="11" name="TextBox 10"/>
-          <p:cNvSpPr txBox="1"/>
-          <p:nvPr/>
-        </p:nvSpPr>
-        <p:spPr>
-          <a:xfrm>
-            <a:off x="5485308" y="3930628"/>
-            <a:ext cx="2117939" cy="523220"/>
-          </a:xfrm>
-          <a:prstGeom prst="rect">
-            <a:avLst/>
-          </a:prstGeom>
-          <a:noFill/>
-        </p:spPr>
-        <p:txBody>
-          <a:bodyPr wrap="square" rtlCol="0">
-            <a:spAutoFit/>
-          </a:bodyPr>
-          <a:lstStyle/>
-          <a:p>
-            <a:r>
-              <a:rPr lang="ko-KR" altLang="en-US" sz="2800" b="1" dirty="0"/>
-              <a:t>지도연동</a:t>
-            </a:r>
-          </a:p>
-        </p:txBody>
-      </p:sp>
-      <p:sp>
-        <p:nvSpPr>
-          <p:cNvPr id="13" name="TextBox 12"/>
-          <p:cNvSpPr txBox="1"/>
-          <p:nvPr/>
-        </p:nvSpPr>
-        <p:spPr>
-          <a:xfrm>
-            <a:off x="5485308" y="4644760"/>
-            <a:ext cx="2181137" cy="523220"/>
-          </a:xfrm>
-          <a:prstGeom prst="rect">
-            <a:avLst/>
-          </a:prstGeom>
-          <a:noFill/>
-        </p:spPr>
-        <p:txBody>
-          <a:bodyPr wrap="square" rtlCol="0">
-            <a:spAutoFit/>
-          </a:bodyPr>
-          <a:lstStyle/>
-          <a:p>
-            <a:r>
-              <a:rPr lang="ko-KR" altLang="en-US" sz="2800" b="1" dirty="0" err="1" smtClean="0"/>
-              <a:t>텔레그램</a:t>
-            </a:r>
-            <a:r>
-              <a:rPr lang="ko-KR" altLang="en-US" sz="2800" b="1" dirty="0" smtClean="0"/>
-              <a:t> </a:t>
-            </a:r>
-            <a:endParaRPr lang="ko-KR" altLang="en-US" sz="2800" b="1" dirty="0"/>
-          </a:p>
-        </p:txBody>
-      </p:sp>
-      <p:sp>
-        <p:nvSpPr>
-          <p:cNvPr id="99" name="직사각형 98"/>
-          <p:cNvSpPr/>
-          <p:nvPr/>
-        </p:nvSpPr>
-        <p:spPr>
-          <a:xfrm>
-            <a:off x="4025214" y="4998850"/>
-            <a:ext cx="128609" cy="712790"/>
-          </a:xfrm>
-          <a:prstGeom prst="rect">
-            <a:avLst/>
-          </a:prstGeom>
-          <a:solidFill>
-            <a:srgbClr val="64C044"/>
-          </a:solidFill>
-          <a:ln>
-            <a:noFill/>
-          </a:ln>
-        </p:spPr>
-        <p:style>
-          <a:lnRef idx="2">
-            <a:schemeClr val="accent1">
-              <a:shade val="50000"/>
-            </a:schemeClr>
-          </a:lnRef>
-          <a:fillRef idx="1">
-            <a:schemeClr val="accent1"/>
-          </a:fillRef>
-          <a:effectRef idx="0">
-            <a:schemeClr val="accent1"/>
-          </a:effectRef>
-          <a:fontRef idx="minor">
-            <a:schemeClr val="lt1"/>
-          </a:fontRef>
-        </p:style>
-        <p:txBody>
-          <a:bodyPr rtlCol="0" anchor="ctr"/>
-          <a:lstStyle/>
-          <a:p>
-            <a:pPr algn="ctr"/>
-            <a:endParaRPr lang="ko-KR" altLang="en-US" b="1"/>
-          </a:p>
-        </p:txBody>
-      </p:sp>
       <p:grpSp>
         <p:nvGrpSpPr>
-          <p:cNvPr id="100" name="그룹 99"/>
+          <p:cNvPr id="2" name="그룹 1"/>
           <p:cNvGrpSpPr/>
           <p:nvPr/>
         </p:nvGrpSpPr>
         <p:grpSpPr>
           <a:xfrm>
-            <a:off x="3862046" y="5517415"/>
-            <a:ext cx="439226" cy="439226"/>
-            <a:chOff x="2728749" y="1818290"/>
-            <a:chExt cx="719959" cy="719959"/>
+            <a:off x="-36512" y="315310"/>
+            <a:ext cx="12228512" cy="956441"/>
+            <a:chOff x="-36512" y="315310"/>
+            <a:chExt cx="12228512" cy="956441"/>
           </a:xfrm>
         </p:grpSpPr>
         <p:sp>
           <p:nvSpPr>
-            <p:cNvPr id="101" name="타원 100"/>
+            <p:cNvPr id="3" name="직사각형 2"/>
             <p:cNvSpPr/>
             <p:nvPr/>
           </p:nvSpPr>
           <p:spPr>
             <a:xfrm>
-              <a:off x="2768164" y="1818290"/>
-              <a:ext cx="641131" cy="641131"/>
+              <a:off x="-36512" y="655843"/>
+              <a:ext cx="12228512" cy="361374"/>
             </a:xfrm>
-            <a:prstGeom prst="ellipse">
+            <a:prstGeom prst="rect">
               <a:avLst/>
             </a:prstGeom>
             <a:solidFill>
-              <a:schemeClr val="bg1"/>
+              <a:srgbClr val="64C044"/>
             </a:solidFill>
             <a:ln>
               <a:noFill/>
@@ -4186,24 +3742,26 @@
             <a:lstStyle/>
             <a:p>
               <a:pPr algn="ctr"/>
-              <a:endParaRPr lang="ko-KR" altLang="en-US" b="1"/>
+              <a:endParaRPr lang="ko-KR" altLang="en-US">
+                <a:latin typeface="+mj-lt"/>
+              </a:endParaRPr>
             </a:p>
           </p:txBody>
         </p:sp>
         <p:sp>
           <p:nvSpPr>
-            <p:cNvPr id="102" name="도넛 101"/>
+            <p:cNvPr id="4" name="모서리가 둥근 직사각형 3"/>
             <p:cNvSpPr/>
             <p:nvPr/>
           </p:nvSpPr>
           <p:spPr>
             <a:xfrm>
-              <a:off x="2728749" y="1818290"/>
-              <a:ext cx="719959" cy="719959"/>
+              <a:off x="472966" y="315310"/>
+              <a:ext cx="6379780" cy="956441"/>
             </a:xfrm>
-            <a:prstGeom prst="donut">
+            <a:prstGeom prst="roundRect">
               <a:avLst>
-                <a:gd name="adj" fmla="val 17241"/>
+                <a:gd name="adj" fmla="val 50000"/>
               </a:avLst>
             </a:prstGeom>
             <a:solidFill>
@@ -4234,88 +3792,27 @@
             <a:lstStyle/>
             <a:p>
               <a:pPr algn="ctr"/>
-              <a:endParaRPr lang="ko-KR" altLang="en-US" b="1">
-                <a:solidFill>
-                  <a:schemeClr val="tx1"/>
-                </a:solidFill>
+              <a:endParaRPr lang="ko-KR" altLang="en-US" sz="1000">
+                <a:latin typeface="+mj-lt"/>
               </a:endParaRPr>
             </a:p>
           </p:txBody>
         </p:sp>
-      </p:grpSp>
-      <p:sp>
-        <p:nvSpPr>
-          <p:cNvPr id="89" name="직사각형 88"/>
-          <p:cNvSpPr/>
-          <p:nvPr/>
-        </p:nvSpPr>
-        <p:spPr>
-          <a:xfrm>
-            <a:off x="4025214" y="4239149"/>
-            <a:ext cx="128609" cy="712790"/>
-          </a:xfrm>
-          <a:prstGeom prst="rect">
-            <a:avLst/>
-          </a:prstGeom>
-          <a:solidFill>
-            <a:srgbClr val="64C044"/>
-          </a:solidFill>
-          <a:ln>
-            <a:noFill/>
-          </a:ln>
-        </p:spPr>
-        <p:style>
-          <a:lnRef idx="2">
-            <a:schemeClr val="accent1">
-              <a:shade val="50000"/>
-            </a:schemeClr>
-          </a:lnRef>
-          <a:fillRef idx="1">
-            <a:schemeClr val="accent1"/>
-          </a:fillRef>
-          <a:effectRef idx="0">
-            <a:schemeClr val="accent1"/>
-          </a:effectRef>
-          <a:fontRef idx="minor">
-            <a:schemeClr val="lt1"/>
-          </a:fontRef>
-        </p:style>
-        <p:txBody>
-          <a:bodyPr rtlCol="0" anchor="ctr"/>
-          <a:lstStyle/>
-          <a:p>
-            <a:pPr algn="ctr"/>
-            <a:endParaRPr lang="ko-KR" altLang="en-US" b="1"/>
-          </a:p>
-        </p:txBody>
-      </p:sp>
-      <p:grpSp>
-        <p:nvGrpSpPr>
-          <p:cNvPr id="90" name="그룹 89"/>
-          <p:cNvGrpSpPr/>
-          <p:nvPr/>
-        </p:nvGrpSpPr>
-        <p:grpSpPr>
-          <a:xfrm>
-            <a:off x="3862046" y="4757714"/>
-            <a:ext cx="439226" cy="439226"/>
-            <a:chOff x="2728749" y="1818290"/>
-            <a:chExt cx="719959" cy="719959"/>
-          </a:xfrm>
-        </p:grpSpPr>
         <p:sp>
           <p:nvSpPr>
-            <p:cNvPr id="91" name="타원 90"/>
+            <p:cNvPr id="5" name="모서리가 둥근 직사각형 4"/>
             <p:cNvSpPr/>
             <p:nvPr/>
           </p:nvSpPr>
           <p:spPr>
             <a:xfrm>
-              <a:off x="2768164" y="1818290"/>
-              <a:ext cx="641131" cy="641131"/>
+              <a:off x="578070" y="409903"/>
+              <a:ext cx="6169571" cy="759377"/>
             </a:xfrm>
-            <a:prstGeom prst="ellipse">
-              <a:avLst/>
+            <a:prstGeom prst="roundRect">
+              <a:avLst>
+                <a:gd name="adj" fmla="val 50000"/>
+              </a:avLst>
             </a:prstGeom>
             <a:solidFill>
               <a:schemeClr val="bg1"/>
@@ -4345,24 +3842,515 @@
             <a:lstStyle/>
             <a:p>
               <a:pPr algn="ctr"/>
-              <a:endParaRPr lang="ko-KR" altLang="en-US" b="1"/>
+              <a:endParaRPr lang="ko-KR" altLang="en-US" sz="1000">
+                <a:latin typeface="+mj-lt"/>
+              </a:endParaRPr>
             </a:p>
           </p:txBody>
         </p:sp>
         <p:sp>
           <p:nvSpPr>
-            <p:cNvPr id="92" name="도넛 91"/>
+            <p:cNvPr id="6" name="타원 5"/>
             <p:cNvSpPr/>
             <p:nvPr/>
           </p:nvSpPr>
           <p:spPr>
             <a:xfrm>
-              <a:off x="2728749" y="1818290"/>
-              <a:ext cx="719959" cy="719959"/>
+              <a:off x="761445" y="483070"/>
+              <a:ext cx="625920" cy="613041"/>
             </a:xfrm>
-            <a:prstGeom prst="donut">
+            <a:prstGeom prst="ellipse">
+              <a:avLst/>
+            </a:prstGeom>
+            <a:solidFill>
+              <a:srgbClr val="64C044"/>
+            </a:solidFill>
+            <a:ln>
+              <a:noFill/>
+            </a:ln>
+          </p:spPr>
+          <p:style>
+            <a:lnRef idx="2">
+              <a:schemeClr val="accent1">
+                <a:shade val="50000"/>
+              </a:schemeClr>
+            </a:lnRef>
+            <a:fillRef idx="1">
+              <a:schemeClr val="accent1"/>
+            </a:fillRef>
+            <a:effectRef idx="0">
+              <a:schemeClr val="accent1"/>
+            </a:effectRef>
+            <a:fontRef idx="minor">
+              <a:schemeClr val="lt1"/>
+            </a:fontRef>
+          </p:style>
+          <p:txBody>
+            <a:bodyPr rtlCol="0" anchor="ctr"/>
+            <a:lstStyle/>
+            <a:p>
+              <a:pPr algn="ctr"/>
+              <a:endParaRPr lang="ko-KR" altLang="en-US" sz="1000" dirty="0">
+                <a:latin typeface="+mj-lt"/>
+              </a:endParaRPr>
+            </a:p>
+          </p:txBody>
+        </p:sp>
+        <p:sp>
+          <p:nvSpPr>
+            <p:cNvPr id="7" name="TextBox 6"/>
+            <p:cNvSpPr txBox="1"/>
+            <p:nvPr/>
+          </p:nvSpPr>
+          <p:spPr>
+            <a:xfrm>
+              <a:off x="827833" y="466424"/>
+              <a:ext cx="493144" cy="646331"/>
+            </a:xfrm>
+            <a:prstGeom prst="rect">
+              <a:avLst/>
+            </a:prstGeom>
+            <a:noFill/>
+          </p:spPr>
+          <p:txBody>
+            <a:bodyPr wrap="square" rtlCol="0">
+              <a:spAutoFit/>
+            </a:bodyPr>
+            <a:lstStyle/>
+            <a:p>
+              <a:r>
+                <a:rPr lang="en-US" altLang="ko-KR" sz="3600" b="1" dirty="0" smtClean="0">
+                  <a:solidFill>
+                    <a:schemeClr val="bg1"/>
+                  </a:solidFill>
+                  <a:latin typeface="+mj-lt"/>
+                  <a:ea typeface="12롯데마트드림Bold" panose="02020603020101020101" pitchFamily="18" charset="-127"/>
+                </a:rPr>
+                <a:t>7</a:t>
+              </a:r>
+              <a:endParaRPr lang="ko-KR" altLang="en-US" sz="3600" b="1" dirty="0">
+                <a:solidFill>
+                  <a:schemeClr val="bg1"/>
+                </a:solidFill>
+                <a:latin typeface="+mj-lt"/>
+                <a:ea typeface="12롯데마트드림Bold" panose="02020603020101020101" pitchFamily="18" charset="-127"/>
+              </a:endParaRPr>
+            </a:p>
+          </p:txBody>
+        </p:sp>
+        <p:sp>
+          <p:nvSpPr>
+            <p:cNvPr id="8" name="TextBox 7"/>
+            <p:cNvSpPr txBox="1"/>
+            <p:nvPr/>
+          </p:nvSpPr>
+          <p:spPr>
+            <a:xfrm>
+              <a:off x="1846757" y="493997"/>
+              <a:ext cx="3706317" cy="584775"/>
+            </a:xfrm>
+            <a:prstGeom prst="rect">
+              <a:avLst/>
+            </a:prstGeom>
+            <a:noFill/>
+          </p:spPr>
+          <p:txBody>
+            <a:bodyPr wrap="square" rtlCol="0">
+              <a:spAutoFit/>
+            </a:bodyPr>
+            <a:lstStyle/>
+            <a:p>
+              <a:r>
+                <a:rPr lang="ko-KR" altLang="en-US" sz="3200" b="1" dirty="0" smtClean="0"/>
+                <a:t>개발 계획</a:t>
+              </a:r>
+              <a:endParaRPr lang="en-US" altLang="ko-KR" sz="3200" b="1" dirty="0" smtClean="0"/>
+            </a:p>
+          </p:txBody>
+        </p:sp>
+      </p:grpSp>
+      <p:sp>
+        <p:nvSpPr>
+          <p:cNvPr id="9" name="TextBox 8"/>
+          <p:cNvSpPr txBox="1"/>
+          <p:nvPr/>
+        </p:nvSpPr>
+        <p:spPr>
+          <a:xfrm>
+            <a:off x="472966" y="1457325"/>
+            <a:ext cx="11309459" cy="5447645"/>
+          </a:xfrm>
+          <a:prstGeom prst="rect">
+            <a:avLst/>
+          </a:prstGeom>
+          <a:noFill/>
+        </p:spPr>
+        <p:txBody>
+          <a:bodyPr wrap="square" rtlCol="0">
+            <a:spAutoFit/>
+          </a:bodyPr>
+          <a:lstStyle/>
+          <a:p>
+            <a:r>
+              <a:rPr lang="ko-KR" altLang="en-US" sz="2800" b="1" dirty="0" smtClean="0"/>
+              <a:t>활용할</a:t>
+            </a:r>
+            <a:r>
+              <a:rPr lang="en-US" altLang="ko-KR" sz="2800" b="1" dirty="0" smtClean="0"/>
+              <a:t> </a:t>
+            </a:r>
+            <a:r>
+              <a:rPr lang="en-US" altLang="ko-KR" sz="2800" b="1" dirty="0" smtClean="0"/>
+              <a:t>open API</a:t>
+            </a:r>
+            <a:r>
+              <a:rPr lang="ko-KR" altLang="en-US" sz="2800" b="1" dirty="0" smtClean="0"/>
+              <a:t>주소</a:t>
+            </a:r>
+            <a:r>
+              <a:rPr lang="ko-KR" altLang="en-US" sz="2800" b="1" dirty="0" smtClean="0"/>
+              <a:t>와 </a:t>
+            </a:r>
+            <a:r>
+              <a:rPr lang="en-US" altLang="ko-KR" sz="2800" b="1" dirty="0" err="1" smtClean="0"/>
+              <a:t>Git</a:t>
+            </a:r>
+            <a:r>
+              <a:rPr lang="en-US" altLang="ko-KR" sz="2800" b="1" dirty="0" smtClean="0"/>
+              <a:t> </a:t>
+            </a:r>
+            <a:r>
+              <a:rPr lang="ko-KR" altLang="en-US" sz="2800" b="1" dirty="0" smtClean="0"/>
+              <a:t>주소</a:t>
+            </a:r>
+            <a:r>
+              <a:rPr lang="en-US" altLang="ko-KR" sz="2800" b="1" dirty="0" smtClean="0"/>
+              <a:t>, </a:t>
+            </a:r>
+            <a:r>
+              <a:rPr lang="en-US" altLang="ko-KR" sz="2800" b="1" dirty="0" err="1" smtClean="0"/>
+              <a:t>Youtube</a:t>
+            </a:r>
+            <a:r>
+              <a:rPr lang="en-US" altLang="ko-KR" sz="2800" b="1" dirty="0" smtClean="0"/>
+              <a:t> </a:t>
+            </a:r>
+            <a:r>
+              <a:rPr lang="ko-KR" altLang="en-US" sz="2800" b="1" dirty="0" smtClean="0"/>
+              <a:t>주소</a:t>
+            </a:r>
+            <a:endParaRPr lang="en-US" altLang="ko-KR" sz="2800" b="1" dirty="0" smtClean="0"/>
+          </a:p>
+          <a:p>
+            <a:endParaRPr lang="en-US" altLang="ko-KR" sz="1400" b="1" dirty="0" smtClean="0"/>
+          </a:p>
+          <a:p>
+            <a:r>
+              <a:rPr lang="ko-KR" altLang="en-US" b="1" dirty="0" smtClean="0"/>
+              <a:t>서울교통공사</a:t>
+            </a:r>
+            <a:r>
+              <a:rPr lang="en-US" altLang="ko-KR" b="1" dirty="0"/>
+              <a:t>_</a:t>
+            </a:r>
+            <a:r>
+              <a:rPr lang="ko-KR" altLang="en-US" b="1" dirty="0" err="1"/>
+              <a:t>역코드로</a:t>
+            </a:r>
+            <a:r>
+              <a:rPr lang="ko-KR" altLang="en-US" b="1" dirty="0"/>
+              <a:t> 지하철 열차 시간표 검색</a:t>
+            </a:r>
+            <a:endParaRPr lang="en-US" altLang="ko-KR" dirty="0" smtClean="0"/>
+          </a:p>
+          <a:p>
+            <a:r>
+              <a:rPr lang="en-US" altLang="ko-KR" dirty="0">
+                <a:hlinkClick r:id="rId2"/>
+              </a:rPr>
+              <a:t>http://</a:t>
+            </a:r>
+            <a:r>
+              <a:rPr lang="en-US" altLang="ko-KR" dirty="0" smtClean="0">
+                <a:hlinkClick r:id="rId2"/>
+              </a:rPr>
+              <a:t>data.seoul.go.kr/dataList/OA-101/A/1/datasetView.do;jsessionid=3B856D22809653F8C07CE403D7EFCD20.new_portal-svr-21</a:t>
+            </a:r>
+            <a:endParaRPr lang="en-US" altLang="ko-KR" dirty="0" smtClean="0"/>
+          </a:p>
+          <a:p>
+            <a:endParaRPr lang="en-US" altLang="ko-KR" dirty="0"/>
+          </a:p>
+          <a:p>
+            <a:r>
+              <a:rPr lang="ko-KR" altLang="en-US" b="1" dirty="0"/>
+              <a:t>서울교통공사</a:t>
+            </a:r>
+            <a:r>
+              <a:rPr lang="en-US" altLang="ko-KR" b="1" dirty="0"/>
+              <a:t>_</a:t>
+            </a:r>
+            <a:r>
+              <a:rPr lang="ko-KR" altLang="en-US" b="1" dirty="0" err="1"/>
+              <a:t>역별</a:t>
+            </a:r>
+            <a:r>
+              <a:rPr lang="ko-KR" altLang="en-US" b="1" dirty="0"/>
+              <a:t> </a:t>
+            </a:r>
+            <a:r>
+              <a:rPr lang="ko-KR" altLang="en-US" b="1" dirty="0" err="1"/>
+              <a:t>요일별</a:t>
+            </a:r>
+            <a:r>
+              <a:rPr lang="ko-KR" altLang="en-US" b="1" dirty="0"/>
+              <a:t> </a:t>
+            </a:r>
+            <a:r>
+              <a:rPr lang="ko-KR" altLang="en-US" b="1" dirty="0" err="1" smtClean="0"/>
+              <a:t>환승인원</a:t>
+            </a:r>
+            <a:endParaRPr lang="en-US" altLang="ko-KR" b="1" dirty="0" smtClean="0"/>
+          </a:p>
+          <a:p>
+            <a:r>
+              <a:rPr lang="en-US" altLang="ko-KR" dirty="0">
+                <a:hlinkClick r:id="rId3"/>
+              </a:rPr>
+              <a:t>http://</a:t>
+            </a:r>
+            <a:r>
+              <a:rPr lang="en-US" altLang="ko-KR" dirty="0" smtClean="0">
+                <a:hlinkClick r:id="rId3"/>
+              </a:rPr>
+              <a:t>data.seoul.go.kr/dataList/datasetView.do?infId=OA-12033&amp;srvType=S&amp;serviceKind=1&amp;currentPageNo=1</a:t>
+            </a:r>
+            <a:endParaRPr lang="en-US" altLang="ko-KR" dirty="0" smtClean="0"/>
+          </a:p>
+          <a:p>
+            <a:endParaRPr lang="en-US" altLang="ko-KR" dirty="0"/>
+          </a:p>
+          <a:p>
+            <a:r>
+              <a:rPr lang="ko-KR" altLang="en-US" b="1" dirty="0" smtClean="0"/>
+              <a:t>카카오 지도 </a:t>
+            </a:r>
+            <a:r>
+              <a:rPr lang="en-US" altLang="ko-KR" b="1" dirty="0" smtClean="0"/>
+              <a:t>API</a:t>
+            </a:r>
+          </a:p>
+          <a:p>
+            <a:r>
+              <a:rPr lang="en-US" altLang="ko-KR" dirty="0" err="1">
+                <a:hlinkClick r:id="rId4"/>
+              </a:rPr>
+              <a:t>Kakao</a:t>
+            </a:r>
+            <a:r>
+              <a:rPr lang="en-US" altLang="ko-KR" dirty="0">
+                <a:hlinkClick r:id="rId4"/>
+              </a:rPr>
+              <a:t> </a:t>
+            </a:r>
+            <a:r>
+              <a:rPr lang="ko-KR" altLang="en-US" dirty="0">
+                <a:hlinkClick r:id="rId4"/>
+              </a:rPr>
+              <a:t>지도 </a:t>
+            </a:r>
+            <a:r>
+              <a:rPr lang="en-US" altLang="ko-KR" dirty="0">
+                <a:hlinkClick r:id="rId4"/>
+              </a:rPr>
+              <a:t>Web API</a:t>
+            </a:r>
+            <a:endParaRPr lang="en-US" altLang="ko-KR" dirty="0" smtClean="0"/>
+          </a:p>
+          <a:p>
+            <a:endParaRPr lang="en-US" altLang="ko-KR" dirty="0"/>
+          </a:p>
+          <a:p>
+            <a:r>
+              <a:rPr lang="en-US" altLang="ko-KR" b="1" dirty="0" err="1"/>
+              <a:t>Git</a:t>
+            </a:r>
+            <a:r>
+              <a:rPr lang="en-US" altLang="ko-KR" b="1" dirty="0"/>
+              <a:t> </a:t>
+            </a:r>
+            <a:r>
+              <a:rPr lang="ko-KR" altLang="en-US" b="1" dirty="0"/>
+              <a:t>주소</a:t>
+            </a:r>
+            <a:endParaRPr lang="en-US" altLang="ko-KR" b="1" dirty="0"/>
+          </a:p>
+          <a:p>
+            <a:r>
+              <a:rPr lang="en-US" altLang="ko-KR" dirty="0">
+                <a:hlinkClick r:id="rId5"/>
+              </a:rPr>
+              <a:t>https://</a:t>
+            </a:r>
+            <a:r>
+              <a:rPr lang="en-US" altLang="ko-KR" dirty="0" smtClean="0">
+                <a:hlinkClick r:id="rId5"/>
+              </a:rPr>
+              <a:t>github.com/devkkyu/scriptlang</a:t>
+            </a:r>
+            <a:endParaRPr lang="en-US" altLang="ko-KR" dirty="0"/>
+          </a:p>
+          <a:p>
+            <a:endParaRPr lang="en-US" altLang="ko-KR" dirty="0"/>
+          </a:p>
+          <a:p>
+            <a:r>
+              <a:rPr lang="en-US" altLang="ko-KR" b="1" dirty="0" smtClean="0"/>
+              <a:t>YouTube </a:t>
+            </a:r>
+            <a:r>
+              <a:rPr lang="ko-KR" altLang="en-US" b="1" dirty="0" smtClean="0"/>
+              <a:t>주소</a:t>
+            </a:r>
+            <a:endParaRPr lang="en-US" altLang="ko-KR" b="1" dirty="0"/>
+          </a:p>
+          <a:p>
+            <a:r>
+              <a:rPr lang="en-US" altLang="ko-KR" dirty="0" smtClean="0">
+                <a:hlinkClick r:id="rId6"/>
+              </a:rPr>
+              <a:t>https</a:t>
+            </a:r>
+            <a:r>
+              <a:rPr lang="en-US" altLang="ko-KR" dirty="0">
+                <a:hlinkClick r:id="rId6"/>
+              </a:rPr>
+              <a:t>://</a:t>
+            </a:r>
+            <a:r>
+              <a:rPr lang="en-US" altLang="ko-KR" dirty="0" smtClean="0">
+                <a:hlinkClick r:id="rId6"/>
+              </a:rPr>
+              <a:t>youtu.be/RCtfkOQsJ1Y</a:t>
+            </a:r>
+            <a:endParaRPr lang="en-US" altLang="ko-KR" dirty="0" smtClean="0"/>
+          </a:p>
+          <a:p>
+            <a:endParaRPr lang="ko-KR" altLang="en-US" dirty="0"/>
+          </a:p>
+        </p:txBody>
+      </p:sp>
+    </p:spTree>
+    <p:extLst>
+      <p:ext uri="{BB962C8B-B14F-4D97-AF65-F5344CB8AC3E}">
+        <p14:creationId xmlns:p14="http://schemas.microsoft.com/office/powerpoint/2010/main" val="39509299"/>
+      </p:ext>
+    </p:extLst>
+  </p:cSld>
+  <p:clrMapOvr>
+    <a:masterClrMapping/>
+  </p:clrMapOvr>
+  <p:timing>
+    <p:tnLst>
+      <p:par>
+        <p:cTn id="1" dur="indefinite" restart="never" nodeType="tmRoot"/>
+      </p:par>
+    </p:tnLst>
+  </p:timing>
+</p:sld>
+</file>
+
+<file path=ppt/slides/slide11.xml><?xml version="1.0" encoding="utf-8"?>
+<p:sld xmlns:a="http://schemas.openxmlformats.org/drawingml/2006/main" xmlns:r="http://schemas.openxmlformats.org/officeDocument/2006/relationships" xmlns:p="http://schemas.openxmlformats.org/presentationml/2006/main">
+  <p:cSld>
+    <p:spTree>
+      <p:nvGrpSpPr>
+        <p:cNvPr id="1" name=""/>
+        <p:cNvGrpSpPr/>
+        <p:nvPr/>
+      </p:nvGrpSpPr>
+      <p:grpSpPr>
+        <a:xfrm>
+          <a:off x="0" y="0"/>
+          <a:ext cx="0" cy="0"/>
+          <a:chOff x="0" y="0"/>
+          <a:chExt cx="0" cy="0"/>
+        </a:xfrm>
+      </p:grpSpPr>
+      <p:grpSp>
+        <p:nvGrpSpPr>
+          <p:cNvPr id="11" name="그룹 10"/>
+          <p:cNvGrpSpPr/>
+          <p:nvPr/>
+        </p:nvGrpSpPr>
+        <p:grpSpPr>
+          <a:xfrm>
+            <a:off x="0" y="2321472"/>
+            <a:ext cx="12192000" cy="2215055"/>
+            <a:chOff x="0" y="2321472"/>
+            <a:chExt cx="12192000" cy="2215055"/>
+          </a:xfrm>
+        </p:grpSpPr>
+        <p:sp>
+          <p:nvSpPr>
+            <p:cNvPr id="2" name="직사각형 1"/>
+            <p:cNvSpPr/>
+            <p:nvPr/>
+          </p:nvSpPr>
+          <p:spPr>
+            <a:xfrm>
+              <a:off x="0" y="3184634"/>
+              <a:ext cx="12192000" cy="620111"/>
+            </a:xfrm>
+            <a:prstGeom prst="rect">
+              <a:avLst/>
+            </a:prstGeom>
+            <a:solidFill>
+              <a:srgbClr val="64C044"/>
+            </a:solidFill>
+            <a:ln>
+              <a:noFill/>
+            </a:ln>
+          </p:spPr>
+          <p:style>
+            <a:lnRef idx="2">
+              <a:schemeClr val="accent1">
+                <a:shade val="50000"/>
+              </a:schemeClr>
+            </a:lnRef>
+            <a:fillRef idx="1">
+              <a:schemeClr val="accent1"/>
+            </a:fillRef>
+            <a:effectRef idx="0">
+              <a:schemeClr val="accent1"/>
+            </a:effectRef>
+            <a:fontRef idx="minor">
+              <a:schemeClr val="lt1"/>
+            </a:fontRef>
+          </p:style>
+          <p:txBody>
+            <a:bodyPr rtlCol="0" anchor="ctr"/>
+            <a:lstStyle/>
+            <a:p>
+              <a:pPr algn="ctr"/>
+              <a:endParaRPr lang="ko-KR" altLang="en-US"/>
+            </a:p>
+          </p:txBody>
+        </p:sp>
+        <p:sp>
+          <p:nvSpPr>
+            <p:cNvPr id="3" name="모서리가 둥근 직사각형 2"/>
+            <p:cNvSpPr/>
+            <p:nvPr/>
+          </p:nvSpPr>
+          <p:spPr>
+            <a:xfrm>
+              <a:off x="2261818" y="2321472"/>
+              <a:ext cx="7668363" cy="2215055"/>
+            </a:xfrm>
+            <a:prstGeom prst="roundRect">
               <a:avLst>
-                <a:gd name="adj" fmla="val 17241"/>
+                <a:gd name="adj" fmla="val 50000"/>
               </a:avLst>
             </a:prstGeom>
             <a:solidFill>
@@ -4393,88 +4381,28 @@
             <a:lstStyle/>
             <a:p>
               <a:pPr algn="ctr"/>
-              <a:endParaRPr lang="ko-KR" altLang="en-US" b="1">
-                <a:solidFill>
-                  <a:schemeClr val="tx1"/>
-                </a:solidFill>
+              <a:endParaRPr lang="ko-KR" altLang="en-US">
+                <a:latin typeface="+mj-ea"/>
+                <a:ea typeface="+mj-ea"/>
               </a:endParaRPr>
             </a:p>
           </p:txBody>
         </p:sp>
-      </p:grpSp>
-      <p:sp>
-        <p:nvSpPr>
-          <p:cNvPr id="84" name="직사각형 83"/>
-          <p:cNvSpPr/>
-          <p:nvPr/>
-        </p:nvSpPr>
-        <p:spPr>
-          <a:xfrm>
-            <a:off x="4025214" y="3479448"/>
-            <a:ext cx="128609" cy="712790"/>
-          </a:xfrm>
-          <a:prstGeom prst="rect">
-            <a:avLst/>
-          </a:prstGeom>
-          <a:solidFill>
-            <a:srgbClr val="64C044"/>
-          </a:solidFill>
-          <a:ln>
-            <a:noFill/>
-          </a:ln>
-        </p:spPr>
-        <p:style>
-          <a:lnRef idx="2">
-            <a:schemeClr val="accent1">
-              <a:shade val="50000"/>
-            </a:schemeClr>
-          </a:lnRef>
-          <a:fillRef idx="1">
-            <a:schemeClr val="accent1"/>
-          </a:fillRef>
-          <a:effectRef idx="0">
-            <a:schemeClr val="accent1"/>
-          </a:effectRef>
-          <a:fontRef idx="minor">
-            <a:schemeClr val="lt1"/>
-          </a:fontRef>
-        </p:style>
-        <p:txBody>
-          <a:bodyPr rtlCol="0" anchor="ctr"/>
-          <a:lstStyle/>
-          <a:p>
-            <a:pPr algn="ctr"/>
-            <a:endParaRPr lang="ko-KR" altLang="en-US" b="1"/>
-          </a:p>
-        </p:txBody>
-      </p:sp>
-      <p:grpSp>
-        <p:nvGrpSpPr>
-          <p:cNvPr id="85" name="그룹 84"/>
-          <p:cNvGrpSpPr/>
-          <p:nvPr/>
-        </p:nvGrpSpPr>
-        <p:grpSpPr>
-          <a:xfrm>
-            <a:off x="3862046" y="3998013"/>
-            <a:ext cx="439226" cy="439226"/>
-            <a:chOff x="2728749" y="1818290"/>
-            <a:chExt cx="719959" cy="719959"/>
-          </a:xfrm>
-        </p:grpSpPr>
         <p:sp>
           <p:nvSpPr>
-            <p:cNvPr id="86" name="타원 85"/>
+            <p:cNvPr id="4" name="모서리가 둥근 직사각형 3"/>
             <p:cNvSpPr/>
             <p:nvPr/>
           </p:nvSpPr>
           <p:spPr>
             <a:xfrm>
-              <a:off x="2768164" y="1818290"/>
-              <a:ext cx="641131" cy="641131"/>
+              <a:off x="2490953" y="2543877"/>
+              <a:ext cx="7220606" cy="1770246"/>
             </a:xfrm>
-            <a:prstGeom prst="ellipse">
-              <a:avLst/>
+            <a:prstGeom prst="roundRect">
+              <a:avLst>
+                <a:gd name="adj" fmla="val 50000"/>
+              </a:avLst>
             </a:prstGeom>
             <a:solidFill>
               <a:schemeClr val="bg1"/>
@@ -4504,25 +4432,26 @@
             <a:lstStyle/>
             <a:p>
               <a:pPr algn="ctr"/>
-              <a:endParaRPr lang="ko-KR" altLang="en-US" b="1"/>
+              <a:endParaRPr lang="ko-KR" altLang="en-US" dirty="0">
+                <a:latin typeface="+mj-ea"/>
+                <a:ea typeface="+mj-ea"/>
+              </a:endParaRPr>
             </a:p>
           </p:txBody>
         </p:sp>
         <p:sp>
           <p:nvSpPr>
-            <p:cNvPr id="87" name="도넛 86"/>
+            <p:cNvPr id="5" name="타원 4"/>
             <p:cNvSpPr/>
             <p:nvPr/>
           </p:nvSpPr>
           <p:spPr>
             <a:xfrm>
-              <a:off x="2728749" y="1818290"/>
-              <a:ext cx="719959" cy="719959"/>
+              <a:off x="2785242" y="2766848"/>
+              <a:ext cx="1303282" cy="1303282"/>
             </a:xfrm>
-            <a:prstGeom prst="donut">
-              <a:avLst>
-                <a:gd name="adj" fmla="val 17241"/>
-              </a:avLst>
+            <a:prstGeom prst="ellipse">
+              <a:avLst/>
             </a:prstGeom>
             <a:solidFill>
               <a:srgbClr val="64C044"/>
@@ -4552,571 +4481,156 @@
             <a:lstStyle/>
             <a:p>
               <a:pPr algn="ctr"/>
-              <a:endParaRPr lang="ko-KR" altLang="en-US" b="1">
+              <a:endParaRPr lang="ko-KR" altLang="en-US">
+                <a:latin typeface="+mj-ea"/>
+                <a:ea typeface="+mj-ea"/>
+              </a:endParaRPr>
+            </a:p>
+          </p:txBody>
+        </p:sp>
+        <p:sp>
+          <p:nvSpPr>
+            <p:cNvPr id="6" name="TextBox 5"/>
+            <p:cNvSpPr txBox="1"/>
+            <p:nvPr/>
+          </p:nvSpPr>
+          <p:spPr>
+            <a:xfrm>
+              <a:off x="4298609" y="2969164"/>
+              <a:ext cx="4597226" cy="1216664"/>
+            </a:xfrm>
+            <a:prstGeom prst="rect">
+              <a:avLst/>
+            </a:prstGeom>
+            <a:noFill/>
+          </p:spPr>
+          <p:txBody>
+            <a:bodyPr wrap="square" rtlCol="0">
+              <a:spAutoFit/>
+            </a:bodyPr>
+            <a:lstStyle/>
+            <a:p>
+              <a:pPr algn="dist"/>
+              <a:r>
+                <a:rPr lang="ko-KR" altLang="en-US" sz="4800" b="1" dirty="0" smtClean="0">
+                  <a:latin typeface="+mj-ea"/>
+                  <a:ea typeface="+mj-ea"/>
+                </a:rPr>
+                <a:t>감사합니다</a:t>
+              </a:r>
+              <a:endParaRPr lang="en-US" altLang="ko-KR" sz="4800" b="1" dirty="0" smtClean="0">
+                <a:latin typeface="+mj-ea"/>
+                <a:ea typeface="+mj-ea"/>
+              </a:endParaRPr>
+            </a:p>
+          </p:txBody>
+        </p:sp>
+        <p:sp>
+          <p:nvSpPr>
+            <p:cNvPr id="10" name="TextBox 9"/>
+            <p:cNvSpPr txBox="1"/>
+            <p:nvPr/>
+          </p:nvSpPr>
+          <p:spPr>
+            <a:xfrm>
+              <a:off x="2995455" y="3013501"/>
+              <a:ext cx="976470" cy="830997"/>
+            </a:xfrm>
+            <a:prstGeom prst="rect">
+              <a:avLst/>
+            </a:prstGeom>
+            <a:noFill/>
+          </p:spPr>
+          <p:txBody>
+            <a:bodyPr wrap="square" rtlCol="0">
+              <a:spAutoFit/>
+            </a:bodyPr>
+            <a:lstStyle/>
+            <a:p>
+              <a:r>
+                <a:rPr lang="en-US" altLang="ko-KR" sz="4800" b="1" dirty="0" smtClean="0">
+                  <a:solidFill>
+                    <a:schemeClr val="bg1"/>
+                  </a:solidFill>
+                  <a:latin typeface="+mj-ea"/>
+                  <a:ea typeface="+mj-ea"/>
+                </a:rPr>
+                <a:t>20</a:t>
+              </a:r>
+              <a:endParaRPr lang="ko-KR" altLang="en-US" sz="4800" b="1" dirty="0">
                 <a:solidFill>
-                  <a:schemeClr val="tx1"/>
+                  <a:schemeClr val="bg1"/>
                 </a:solidFill>
+                <a:latin typeface="+mj-ea"/>
+                <a:ea typeface="+mj-ea"/>
               </a:endParaRPr>
             </a:p>
           </p:txBody>
         </p:sp>
       </p:grpSp>
-      <p:sp>
-        <p:nvSpPr>
-          <p:cNvPr id="79" name="직사각형 78"/>
-          <p:cNvSpPr/>
-          <p:nvPr/>
-        </p:nvSpPr>
-        <p:spPr>
-          <a:xfrm>
-            <a:off x="4025214" y="2719747"/>
-            <a:ext cx="128609" cy="712790"/>
-          </a:xfrm>
-          <a:prstGeom prst="rect">
-            <a:avLst/>
-          </a:prstGeom>
-          <a:solidFill>
-            <a:srgbClr val="64C044"/>
-          </a:solidFill>
-          <a:ln>
-            <a:noFill/>
-          </a:ln>
-        </p:spPr>
-        <p:style>
-          <a:lnRef idx="2">
-            <a:schemeClr val="accent1">
-              <a:shade val="50000"/>
-            </a:schemeClr>
-          </a:lnRef>
-          <a:fillRef idx="1">
-            <a:schemeClr val="accent1"/>
-          </a:fillRef>
-          <a:effectRef idx="0">
-            <a:schemeClr val="accent1"/>
-          </a:effectRef>
-          <a:fontRef idx="minor">
-            <a:schemeClr val="lt1"/>
-          </a:fontRef>
-        </p:style>
-        <p:txBody>
-          <a:bodyPr rtlCol="0" anchor="ctr"/>
-          <a:lstStyle/>
-          <a:p>
-            <a:pPr algn="ctr"/>
-            <a:endParaRPr lang="ko-KR" altLang="en-US" b="1"/>
-          </a:p>
-        </p:txBody>
-      </p:sp>
+    </p:spTree>
+    <p:extLst>
+      <p:ext uri="{BB962C8B-B14F-4D97-AF65-F5344CB8AC3E}">
+        <p14:creationId xmlns:p14="http://schemas.microsoft.com/office/powerpoint/2010/main" val="2912312662"/>
+      </p:ext>
+    </p:extLst>
+  </p:cSld>
+  <p:clrMapOvr>
+    <a:masterClrMapping/>
+  </p:clrMapOvr>
+  <p:timing>
+    <p:tnLst>
+      <p:par>
+        <p:cTn id="1" dur="indefinite" restart="never" nodeType="tmRoot"/>
+      </p:par>
+    </p:tnLst>
+  </p:timing>
+</p:sld>
+</file>
+
+<file path=ppt/slides/slide2.xml><?xml version="1.0" encoding="utf-8"?>
+<p:sld xmlns:a="http://schemas.openxmlformats.org/drawingml/2006/main" xmlns:r="http://schemas.openxmlformats.org/officeDocument/2006/relationships" xmlns:p="http://schemas.openxmlformats.org/presentationml/2006/main">
+  <p:cSld>
+    <p:spTree>
+      <p:nvGrpSpPr>
+        <p:cNvPr id="1" name=""/>
+        <p:cNvGrpSpPr/>
+        <p:nvPr/>
+      </p:nvGrpSpPr>
+      <p:grpSpPr>
+        <a:xfrm>
+          <a:off x="0" y="0"/>
+          <a:ext cx="0" cy="0"/>
+          <a:chOff x="0" y="0"/>
+          <a:chExt cx="0" cy="0"/>
+        </a:xfrm>
+      </p:grpSpPr>
       <p:grpSp>
         <p:nvGrpSpPr>
-          <p:cNvPr id="80" name="그룹 79"/>
+          <p:cNvPr id="3" name="그룹 2"/>
           <p:cNvGrpSpPr/>
           <p:nvPr/>
         </p:nvGrpSpPr>
         <p:grpSpPr>
           <a:xfrm>
-            <a:off x="3862046" y="3238312"/>
-            <a:ext cx="439226" cy="439226"/>
-            <a:chOff x="2728749" y="1818290"/>
-            <a:chExt cx="719959" cy="719959"/>
+            <a:off x="3448705" y="546394"/>
+            <a:ext cx="5580353" cy="5901555"/>
+            <a:chOff x="3448705" y="774994"/>
+            <a:chExt cx="5580353" cy="5901555"/>
           </a:xfrm>
         </p:grpSpPr>
         <p:sp>
           <p:nvSpPr>
-            <p:cNvPr id="81" name="타원 80"/>
+            <p:cNvPr id="43" name="직사각형 42"/>
             <p:cNvSpPr/>
             <p:nvPr/>
           </p:nvSpPr>
           <p:spPr>
             <a:xfrm>
-              <a:off x="2768164" y="1818290"/>
-              <a:ext cx="641131" cy="641131"/>
+              <a:off x="4025214" y="5710964"/>
+              <a:ext cx="128609" cy="712790"/>
             </a:xfrm>
-            <a:prstGeom prst="ellipse">
-              <a:avLst/>
-            </a:prstGeom>
-            <a:solidFill>
-              <a:schemeClr val="bg1"/>
-            </a:solidFill>
-            <a:ln>
-              <a:noFill/>
-            </a:ln>
-          </p:spPr>
-          <p:style>
-            <a:lnRef idx="2">
-              <a:schemeClr val="accent1">
-                <a:shade val="50000"/>
-              </a:schemeClr>
-            </a:lnRef>
-            <a:fillRef idx="1">
-              <a:schemeClr val="accent1"/>
-            </a:fillRef>
-            <a:effectRef idx="0">
-              <a:schemeClr val="accent1"/>
-            </a:effectRef>
-            <a:fontRef idx="minor">
-              <a:schemeClr val="lt1"/>
-            </a:fontRef>
-          </p:style>
-          <p:txBody>
-            <a:bodyPr rtlCol="0" anchor="ctr"/>
-            <a:lstStyle/>
-            <a:p>
-              <a:pPr algn="ctr"/>
-              <a:endParaRPr lang="ko-KR" altLang="en-US" b="1"/>
-            </a:p>
-          </p:txBody>
-        </p:sp>
-        <p:sp>
-          <p:nvSpPr>
-            <p:cNvPr id="82" name="도넛 81"/>
-            <p:cNvSpPr/>
-            <p:nvPr/>
-          </p:nvSpPr>
-          <p:spPr>
-            <a:xfrm>
-              <a:off x="2728749" y="1818290"/>
-              <a:ext cx="719959" cy="719959"/>
-            </a:xfrm>
-            <a:prstGeom prst="donut">
-              <a:avLst>
-                <a:gd name="adj" fmla="val 17241"/>
-              </a:avLst>
-            </a:prstGeom>
-            <a:solidFill>
-              <a:srgbClr val="64C044"/>
-            </a:solidFill>
-            <a:ln>
-              <a:noFill/>
-            </a:ln>
-          </p:spPr>
-          <p:style>
-            <a:lnRef idx="2">
-              <a:schemeClr val="accent1">
-                <a:shade val="50000"/>
-              </a:schemeClr>
-            </a:lnRef>
-            <a:fillRef idx="1">
-              <a:schemeClr val="accent1"/>
-            </a:fillRef>
-            <a:effectRef idx="0">
-              <a:schemeClr val="accent1"/>
-            </a:effectRef>
-            <a:fontRef idx="minor">
-              <a:schemeClr val="lt1"/>
-            </a:fontRef>
-          </p:style>
-          <p:txBody>
-            <a:bodyPr rtlCol="0" anchor="ctr"/>
-            <a:lstStyle/>
-            <a:p>
-              <a:pPr algn="ctr"/>
-              <a:endParaRPr lang="ko-KR" altLang="en-US" b="1">
-                <a:solidFill>
-                  <a:schemeClr val="tx1"/>
-                </a:solidFill>
-              </a:endParaRPr>
-            </a:p>
-          </p:txBody>
-        </p:sp>
-      </p:grpSp>
-      <p:sp>
-        <p:nvSpPr>
-          <p:cNvPr id="74" name="직사각형 73"/>
-          <p:cNvSpPr/>
-          <p:nvPr/>
-        </p:nvSpPr>
-        <p:spPr>
-          <a:xfrm>
-            <a:off x="4025214" y="1960046"/>
-            <a:ext cx="128609" cy="712790"/>
-          </a:xfrm>
-          <a:prstGeom prst="rect">
-            <a:avLst/>
-          </a:prstGeom>
-          <a:solidFill>
-            <a:srgbClr val="64C044"/>
-          </a:solidFill>
-          <a:ln>
-            <a:noFill/>
-          </a:ln>
-        </p:spPr>
-        <p:style>
-          <a:lnRef idx="2">
-            <a:schemeClr val="accent1">
-              <a:shade val="50000"/>
-            </a:schemeClr>
-          </a:lnRef>
-          <a:fillRef idx="1">
-            <a:schemeClr val="accent1"/>
-          </a:fillRef>
-          <a:effectRef idx="0">
-            <a:schemeClr val="accent1"/>
-          </a:effectRef>
-          <a:fontRef idx="minor">
-            <a:schemeClr val="lt1"/>
-          </a:fontRef>
-        </p:style>
-        <p:txBody>
-          <a:bodyPr rtlCol="0" anchor="ctr"/>
-          <a:lstStyle/>
-          <a:p>
-            <a:pPr algn="ctr"/>
-            <a:endParaRPr lang="ko-KR" altLang="en-US" b="1"/>
-          </a:p>
-        </p:txBody>
-      </p:sp>
-      <p:grpSp>
-        <p:nvGrpSpPr>
-          <p:cNvPr id="75" name="그룹 74"/>
-          <p:cNvGrpSpPr/>
-          <p:nvPr/>
-        </p:nvGrpSpPr>
-        <p:grpSpPr>
-          <a:xfrm>
-            <a:off x="3862046" y="2478611"/>
-            <a:ext cx="439226" cy="439226"/>
-            <a:chOff x="2728749" y="1818290"/>
-            <a:chExt cx="719959" cy="719959"/>
-          </a:xfrm>
-        </p:grpSpPr>
-        <p:sp>
-          <p:nvSpPr>
-            <p:cNvPr id="76" name="타원 75"/>
-            <p:cNvSpPr/>
-            <p:nvPr/>
-          </p:nvSpPr>
-          <p:spPr>
-            <a:xfrm>
-              <a:off x="2768164" y="1818290"/>
-              <a:ext cx="641131" cy="641131"/>
-            </a:xfrm>
-            <a:prstGeom prst="ellipse">
-              <a:avLst/>
-            </a:prstGeom>
-            <a:solidFill>
-              <a:schemeClr val="bg1"/>
-            </a:solidFill>
-            <a:ln>
-              <a:noFill/>
-            </a:ln>
-          </p:spPr>
-          <p:style>
-            <a:lnRef idx="2">
-              <a:schemeClr val="accent1">
-                <a:shade val="50000"/>
-              </a:schemeClr>
-            </a:lnRef>
-            <a:fillRef idx="1">
-              <a:schemeClr val="accent1"/>
-            </a:fillRef>
-            <a:effectRef idx="0">
-              <a:schemeClr val="accent1"/>
-            </a:effectRef>
-            <a:fontRef idx="minor">
-              <a:schemeClr val="lt1"/>
-            </a:fontRef>
-          </p:style>
-          <p:txBody>
-            <a:bodyPr rtlCol="0" anchor="ctr"/>
-            <a:lstStyle/>
-            <a:p>
-              <a:pPr algn="ctr"/>
-              <a:endParaRPr lang="ko-KR" altLang="en-US" b="1"/>
-            </a:p>
-          </p:txBody>
-        </p:sp>
-        <p:sp>
-          <p:nvSpPr>
-            <p:cNvPr id="77" name="도넛 76"/>
-            <p:cNvSpPr/>
-            <p:nvPr/>
-          </p:nvSpPr>
-          <p:spPr>
-            <a:xfrm>
-              <a:off x="2728749" y="1818290"/>
-              <a:ext cx="719959" cy="719959"/>
-            </a:xfrm>
-            <a:prstGeom prst="donut">
-              <a:avLst>
-                <a:gd name="adj" fmla="val 17241"/>
-              </a:avLst>
-            </a:prstGeom>
-            <a:solidFill>
-              <a:srgbClr val="64C044"/>
-            </a:solidFill>
-            <a:ln>
-              <a:noFill/>
-            </a:ln>
-          </p:spPr>
-          <p:style>
-            <a:lnRef idx="2">
-              <a:schemeClr val="accent1">
-                <a:shade val="50000"/>
-              </a:schemeClr>
-            </a:lnRef>
-            <a:fillRef idx="1">
-              <a:schemeClr val="accent1"/>
-            </a:fillRef>
-            <a:effectRef idx="0">
-              <a:schemeClr val="accent1"/>
-            </a:effectRef>
-            <a:fontRef idx="minor">
-              <a:schemeClr val="lt1"/>
-            </a:fontRef>
-          </p:style>
-          <p:txBody>
-            <a:bodyPr rtlCol="0" anchor="ctr"/>
-            <a:lstStyle/>
-            <a:p>
-              <a:pPr algn="ctr"/>
-              <a:endParaRPr lang="ko-KR" altLang="en-US" b="1">
-                <a:solidFill>
-                  <a:schemeClr val="tx1"/>
-                </a:solidFill>
-              </a:endParaRPr>
-            </a:p>
-          </p:txBody>
-        </p:sp>
-      </p:grpSp>
-      <p:sp>
-        <p:nvSpPr>
-          <p:cNvPr id="21" name="직사각형 20"/>
-          <p:cNvSpPr/>
-          <p:nvPr/>
-        </p:nvSpPr>
-        <p:spPr>
-          <a:xfrm>
-            <a:off x="4025214" y="1200345"/>
-            <a:ext cx="128609" cy="712790"/>
-          </a:xfrm>
-          <a:prstGeom prst="rect">
-            <a:avLst/>
-          </a:prstGeom>
-          <a:solidFill>
-            <a:srgbClr val="64C044"/>
-          </a:solidFill>
-          <a:ln>
-            <a:noFill/>
-          </a:ln>
-        </p:spPr>
-        <p:style>
-          <a:lnRef idx="2">
-            <a:schemeClr val="accent1">
-              <a:shade val="50000"/>
-            </a:schemeClr>
-          </a:lnRef>
-          <a:fillRef idx="1">
-            <a:schemeClr val="accent1"/>
-          </a:fillRef>
-          <a:effectRef idx="0">
-            <a:schemeClr val="accent1"/>
-          </a:effectRef>
-          <a:fontRef idx="minor">
-            <a:schemeClr val="lt1"/>
-          </a:fontRef>
-        </p:style>
-        <p:txBody>
-          <a:bodyPr rtlCol="0" anchor="ctr"/>
-          <a:lstStyle/>
-          <a:p>
-            <a:pPr algn="ctr"/>
-            <a:endParaRPr lang="ko-KR" altLang="en-US" b="1"/>
-          </a:p>
-        </p:txBody>
-      </p:sp>
-      <p:grpSp>
-        <p:nvGrpSpPr>
-          <p:cNvPr id="24" name="그룹 23"/>
-          <p:cNvGrpSpPr/>
-          <p:nvPr/>
-        </p:nvGrpSpPr>
-        <p:grpSpPr>
-          <a:xfrm>
-            <a:off x="3862046" y="1718910"/>
-            <a:ext cx="439226" cy="439226"/>
-            <a:chOff x="2728749" y="1818290"/>
-            <a:chExt cx="719959" cy="719959"/>
-          </a:xfrm>
-        </p:grpSpPr>
-        <p:sp>
-          <p:nvSpPr>
-            <p:cNvPr id="5" name="타원 4"/>
-            <p:cNvSpPr/>
-            <p:nvPr/>
-          </p:nvSpPr>
-          <p:spPr>
-            <a:xfrm>
-              <a:off x="2768164" y="1818290"/>
-              <a:ext cx="641131" cy="641131"/>
-            </a:xfrm>
-            <a:prstGeom prst="ellipse">
-              <a:avLst/>
-            </a:prstGeom>
-            <a:solidFill>
-              <a:schemeClr val="bg1"/>
-            </a:solidFill>
-            <a:ln>
-              <a:noFill/>
-            </a:ln>
-          </p:spPr>
-          <p:style>
-            <a:lnRef idx="2">
-              <a:schemeClr val="accent1">
-                <a:shade val="50000"/>
-              </a:schemeClr>
-            </a:lnRef>
-            <a:fillRef idx="1">
-              <a:schemeClr val="accent1"/>
-            </a:fillRef>
-            <a:effectRef idx="0">
-              <a:schemeClr val="accent1"/>
-            </a:effectRef>
-            <a:fontRef idx="minor">
-              <a:schemeClr val="lt1"/>
-            </a:fontRef>
-          </p:style>
-          <p:txBody>
-            <a:bodyPr rtlCol="0" anchor="ctr"/>
-            <a:lstStyle/>
-            <a:p>
-              <a:pPr algn="ctr"/>
-              <a:endParaRPr lang="ko-KR" altLang="en-US" b="1"/>
-            </a:p>
-          </p:txBody>
-        </p:sp>
-        <p:sp>
-          <p:nvSpPr>
-            <p:cNvPr id="6" name="도넛 5"/>
-            <p:cNvSpPr/>
-            <p:nvPr/>
-          </p:nvSpPr>
-          <p:spPr>
-            <a:xfrm>
-              <a:off x="2728749" y="1818290"/>
-              <a:ext cx="719959" cy="719959"/>
-            </a:xfrm>
-            <a:prstGeom prst="donut">
-              <a:avLst>
-                <a:gd name="adj" fmla="val 17241"/>
-              </a:avLst>
-            </a:prstGeom>
-            <a:solidFill>
-              <a:srgbClr val="64C044"/>
-            </a:solidFill>
-            <a:ln>
-              <a:noFill/>
-            </a:ln>
-          </p:spPr>
-          <p:style>
-            <a:lnRef idx="2">
-              <a:schemeClr val="accent1">
-                <a:shade val="50000"/>
-              </a:schemeClr>
-            </a:lnRef>
-            <a:fillRef idx="1">
-              <a:schemeClr val="accent1"/>
-            </a:fillRef>
-            <a:effectRef idx="0">
-              <a:schemeClr val="accent1"/>
-            </a:effectRef>
-            <a:fontRef idx="minor">
-              <a:schemeClr val="lt1"/>
-            </a:fontRef>
-          </p:style>
-          <p:txBody>
-            <a:bodyPr rtlCol="0" anchor="ctr"/>
-            <a:lstStyle/>
-            <a:p>
-              <a:pPr algn="ctr"/>
-              <a:endParaRPr lang="ko-KR" altLang="en-US" b="1">
-                <a:solidFill>
-                  <a:schemeClr val="tx1"/>
-                </a:solidFill>
-              </a:endParaRPr>
-            </a:p>
-          </p:txBody>
-        </p:sp>
-      </p:grpSp>
-      <p:grpSp>
-        <p:nvGrpSpPr>
-          <p:cNvPr id="14" name="그룹 13"/>
-          <p:cNvGrpSpPr/>
-          <p:nvPr/>
-        </p:nvGrpSpPr>
-        <p:grpSpPr>
-          <a:xfrm>
-            <a:off x="3448705" y="846248"/>
-            <a:ext cx="1265908" cy="565381"/>
-            <a:chOff x="3448704" y="756745"/>
-            <a:chExt cx="1206065" cy="538654"/>
-          </a:xfrm>
-        </p:grpSpPr>
-        <p:sp>
-          <p:nvSpPr>
-            <p:cNvPr id="47" name="모서리가 둥근 직사각형 46"/>
-            <p:cNvSpPr/>
-            <p:nvPr/>
-          </p:nvSpPr>
-          <p:spPr>
-            <a:xfrm>
-              <a:off x="3448704" y="756745"/>
-              <a:ext cx="1206065" cy="538654"/>
-            </a:xfrm>
-            <a:prstGeom prst="roundRect">
-              <a:avLst>
-                <a:gd name="adj" fmla="val 50000"/>
-              </a:avLst>
-            </a:prstGeom>
-            <a:solidFill>
-              <a:schemeClr val="bg1"/>
-            </a:solidFill>
-            <a:ln w="57150">
-              <a:solidFill>
-                <a:schemeClr val="tx1">
-                  <a:lumMod val="50000"/>
-                  <a:lumOff val="50000"/>
-                </a:schemeClr>
-              </a:solidFill>
-            </a:ln>
-          </p:spPr>
-          <p:style>
-            <a:lnRef idx="2">
-              <a:schemeClr val="accent1">
-                <a:shade val="50000"/>
-              </a:schemeClr>
-            </a:lnRef>
-            <a:fillRef idx="1">
-              <a:schemeClr val="accent1"/>
-            </a:fillRef>
-            <a:effectRef idx="0">
-              <a:schemeClr val="accent1"/>
-            </a:effectRef>
-            <a:fontRef idx="minor">
-              <a:schemeClr val="lt1"/>
-            </a:fontRef>
-          </p:style>
-          <p:txBody>
-            <a:bodyPr rtlCol="0" anchor="ctr"/>
-            <a:lstStyle/>
-            <a:p>
-              <a:pPr algn="ctr"/>
-              <a:endParaRPr lang="ko-KR" altLang="en-US" b="1"/>
-            </a:p>
-          </p:txBody>
-        </p:sp>
-        <p:sp>
-          <p:nvSpPr>
-            <p:cNvPr id="48" name="타원 47"/>
-            <p:cNvSpPr/>
-            <p:nvPr/>
-          </p:nvSpPr>
-          <p:spPr>
-            <a:xfrm>
-              <a:off x="3626069" y="846740"/>
-              <a:ext cx="358663" cy="358663"/>
-            </a:xfrm>
-            <a:prstGeom prst="ellipse">
+            <a:prstGeom prst="rect">
               <a:avLst/>
             </a:prstGeom>
             <a:solidFill>
@@ -5153,20 +4667,429 @@
         </p:sp>
         <p:sp>
           <p:nvSpPr>
-            <p:cNvPr id="49" name="타원 48"/>
+            <p:cNvPr id="23" name="타원 22"/>
             <p:cNvSpPr/>
             <p:nvPr/>
           </p:nvSpPr>
           <p:spPr>
             <a:xfrm>
-              <a:off x="4108969" y="846740"/>
-              <a:ext cx="358663" cy="358663"/>
+              <a:off x="4739655" y="1715653"/>
+              <a:ext cx="445740" cy="445740"/>
             </a:xfrm>
             <a:prstGeom prst="ellipse">
               <a:avLst/>
             </a:prstGeom>
             <a:solidFill>
-              <a:srgbClr val="00B0F0"/>
+              <a:srgbClr val="64C044"/>
+            </a:solidFill>
+            <a:ln>
+              <a:noFill/>
+            </a:ln>
+          </p:spPr>
+          <p:style>
+            <a:lnRef idx="2">
+              <a:schemeClr val="accent1">
+                <a:shade val="50000"/>
+              </a:schemeClr>
+            </a:lnRef>
+            <a:fillRef idx="1">
+              <a:schemeClr val="accent1"/>
+            </a:fillRef>
+            <a:effectRef idx="0">
+              <a:schemeClr val="accent1"/>
+            </a:effectRef>
+            <a:fontRef idx="minor">
+              <a:schemeClr val="lt1"/>
+            </a:fontRef>
+          </p:style>
+          <p:txBody>
+            <a:bodyPr rtlCol="0" anchor="ctr"/>
+            <a:lstStyle/>
+            <a:p>
+              <a:pPr algn="ctr"/>
+              <a:r>
+                <a:rPr lang="en-US" altLang="ko-KR" sz="2400" b="1" dirty="0" smtClean="0">
+                  <a:ea typeface="12롯데마트드림Bold" panose="02020603020101020101" pitchFamily="18" charset="-127"/>
+                </a:rPr>
+                <a:t>1</a:t>
+              </a:r>
+              <a:endParaRPr lang="ko-KR" altLang="en-US" sz="2400" b="1" dirty="0">
+                <a:ea typeface="12롯데마트드림Bold" panose="02020603020101020101" pitchFamily="18" charset="-127"/>
+              </a:endParaRPr>
+            </a:p>
+          </p:txBody>
+        </p:sp>
+        <p:sp>
+          <p:nvSpPr>
+            <p:cNvPr id="40" name="타원 39"/>
+            <p:cNvSpPr/>
+            <p:nvPr/>
+          </p:nvSpPr>
+          <p:spPr>
+            <a:xfrm>
+              <a:off x="4739655" y="2472097"/>
+              <a:ext cx="445740" cy="445740"/>
+            </a:xfrm>
+            <a:prstGeom prst="ellipse">
+              <a:avLst/>
+            </a:prstGeom>
+            <a:solidFill>
+              <a:srgbClr val="64C044"/>
+            </a:solidFill>
+            <a:ln>
+              <a:noFill/>
+            </a:ln>
+          </p:spPr>
+          <p:style>
+            <a:lnRef idx="2">
+              <a:schemeClr val="accent1">
+                <a:shade val="50000"/>
+              </a:schemeClr>
+            </a:lnRef>
+            <a:fillRef idx="1">
+              <a:schemeClr val="accent1"/>
+            </a:fillRef>
+            <a:effectRef idx="0">
+              <a:schemeClr val="accent1"/>
+            </a:effectRef>
+            <a:fontRef idx="minor">
+              <a:schemeClr val="lt1"/>
+            </a:fontRef>
+          </p:style>
+          <p:txBody>
+            <a:bodyPr rtlCol="0" anchor="ctr"/>
+            <a:lstStyle/>
+            <a:p>
+              <a:pPr algn="ctr"/>
+              <a:r>
+                <a:rPr lang="en-US" altLang="ko-KR" sz="2400" b="1" dirty="0" smtClean="0">
+                  <a:ea typeface="12롯데마트드림Bold" panose="02020603020101020101" pitchFamily="18" charset="-127"/>
+                </a:rPr>
+                <a:t>2</a:t>
+              </a:r>
+              <a:endParaRPr lang="ko-KR" altLang="en-US" sz="2400" b="1" dirty="0">
+                <a:ea typeface="12롯데마트드림Bold" panose="02020603020101020101" pitchFamily="18" charset="-127"/>
+              </a:endParaRPr>
+            </a:p>
+          </p:txBody>
+        </p:sp>
+        <p:sp>
+          <p:nvSpPr>
+            <p:cNvPr id="41" name="타원 40"/>
+            <p:cNvSpPr/>
+            <p:nvPr/>
+          </p:nvSpPr>
+          <p:spPr>
+            <a:xfrm>
+              <a:off x="4739655" y="3256578"/>
+              <a:ext cx="445740" cy="445740"/>
+            </a:xfrm>
+            <a:prstGeom prst="ellipse">
+              <a:avLst/>
+            </a:prstGeom>
+            <a:solidFill>
+              <a:srgbClr val="64C044"/>
+            </a:solidFill>
+            <a:ln>
+              <a:noFill/>
+            </a:ln>
+          </p:spPr>
+          <p:style>
+            <a:lnRef idx="2">
+              <a:schemeClr val="accent1">
+                <a:shade val="50000"/>
+              </a:schemeClr>
+            </a:lnRef>
+            <a:fillRef idx="1">
+              <a:schemeClr val="accent1"/>
+            </a:fillRef>
+            <a:effectRef idx="0">
+              <a:schemeClr val="accent1"/>
+            </a:effectRef>
+            <a:fontRef idx="minor">
+              <a:schemeClr val="lt1"/>
+            </a:fontRef>
+          </p:style>
+          <p:txBody>
+            <a:bodyPr rtlCol="0" anchor="ctr"/>
+            <a:lstStyle/>
+            <a:p>
+              <a:pPr algn="ctr"/>
+              <a:r>
+                <a:rPr lang="en-US" altLang="ko-KR" sz="2400" b="1" dirty="0" smtClean="0">
+                  <a:ea typeface="12롯데마트드림Bold" panose="02020603020101020101" pitchFamily="18" charset="-127"/>
+                </a:rPr>
+                <a:t>3</a:t>
+              </a:r>
+              <a:endParaRPr lang="ko-KR" altLang="en-US" sz="2400" b="1" dirty="0">
+                <a:ea typeface="12롯데마트드림Bold" panose="02020603020101020101" pitchFamily="18" charset="-127"/>
+              </a:endParaRPr>
+            </a:p>
+          </p:txBody>
+        </p:sp>
+        <p:sp>
+          <p:nvSpPr>
+            <p:cNvPr id="42" name="타원 41"/>
+            <p:cNvSpPr/>
+            <p:nvPr/>
+          </p:nvSpPr>
+          <p:spPr>
+            <a:xfrm>
+              <a:off x="4739655" y="3970710"/>
+              <a:ext cx="445740" cy="445740"/>
+            </a:xfrm>
+            <a:prstGeom prst="ellipse">
+              <a:avLst/>
+            </a:prstGeom>
+            <a:solidFill>
+              <a:srgbClr val="64C044"/>
+            </a:solidFill>
+            <a:ln>
+              <a:noFill/>
+            </a:ln>
+          </p:spPr>
+          <p:style>
+            <a:lnRef idx="2">
+              <a:schemeClr val="accent1">
+                <a:shade val="50000"/>
+              </a:schemeClr>
+            </a:lnRef>
+            <a:fillRef idx="1">
+              <a:schemeClr val="accent1"/>
+            </a:fillRef>
+            <a:effectRef idx="0">
+              <a:schemeClr val="accent1"/>
+            </a:effectRef>
+            <a:fontRef idx="minor">
+              <a:schemeClr val="lt1"/>
+            </a:fontRef>
+          </p:style>
+          <p:txBody>
+            <a:bodyPr rtlCol="0" anchor="ctr"/>
+            <a:lstStyle/>
+            <a:p>
+              <a:pPr algn="ctr"/>
+              <a:r>
+                <a:rPr lang="en-US" altLang="ko-KR" sz="2400" b="1" dirty="0" smtClean="0">
+                  <a:ea typeface="12롯데마트드림Bold" panose="02020603020101020101" pitchFamily="18" charset="-127"/>
+                </a:rPr>
+                <a:t>4</a:t>
+              </a:r>
+              <a:endParaRPr lang="ko-KR" altLang="en-US" sz="2400" b="1" dirty="0">
+                <a:ea typeface="12롯데마트드림Bold" panose="02020603020101020101" pitchFamily="18" charset="-127"/>
+              </a:endParaRPr>
+            </a:p>
+          </p:txBody>
+        </p:sp>
+        <p:sp>
+          <p:nvSpPr>
+            <p:cNvPr id="2" name="TextBox 1"/>
+            <p:cNvSpPr txBox="1"/>
+            <p:nvPr/>
+          </p:nvSpPr>
+          <p:spPr>
+            <a:xfrm>
+              <a:off x="5485308" y="1676913"/>
+              <a:ext cx="1273086" cy="523220"/>
+            </a:xfrm>
+            <a:prstGeom prst="rect">
+              <a:avLst/>
+            </a:prstGeom>
+            <a:noFill/>
+          </p:spPr>
+          <p:txBody>
+            <a:bodyPr wrap="square" rtlCol="0">
+              <a:spAutoFit/>
+            </a:bodyPr>
+            <a:lstStyle/>
+            <a:p>
+              <a:r>
+                <a:rPr lang="ko-KR" altLang="en-US" sz="2800" b="1" dirty="0" smtClean="0"/>
+                <a:t>검색</a:t>
+              </a:r>
+              <a:endParaRPr lang="ko-KR" altLang="en-US" sz="2800" b="1" dirty="0"/>
+            </a:p>
+          </p:txBody>
+        </p:sp>
+        <p:sp>
+          <p:nvSpPr>
+            <p:cNvPr id="34" name="TextBox 33"/>
+            <p:cNvSpPr txBox="1"/>
+            <p:nvPr/>
+          </p:nvSpPr>
+          <p:spPr>
+            <a:xfrm>
+              <a:off x="5319905" y="774994"/>
+              <a:ext cx="1224372" cy="707886"/>
+            </a:xfrm>
+            <a:prstGeom prst="rect">
+              <a:avLst/>
+            </a:prstGeom>
+            <a:noFill/>
+          </p:spPr>
+          <p:txBody>
+            <a:bodyPr wrap="square" rtlCol="0">
+              <a:spAutoFit/>
+            </a:bodyPr>
+            <a:lstStyle/>
+            <a:p>
+              <a:r>
+                <a:rPr lang="ko-KR" altLang="en-US" sz="4000" b="1" dirty="0" smtClean="0"/>
+                <a:t>목차</a:t>
+              </a:r>
+              <a:endParaRPr lang="ko-KR" altLang="en-US" sz="4000" b="1" dirty="0"/>
+            </a:p>
+          </p:txBody>
+        </p:sp>
+        <p:sp>
+          <p:nvSpPr>
+            <p:cNvPr id="4" name="TextBox 3"/>
+            <p:cNvSpPr txBox="1"/>
+            <p:nvPr/>
+          </p:nvSpPr>
+          <p:spPr>
+            <a:xfrm>
+              <a:off x="5485308" y="2474904"/>
+              <a:ext cx="1684153" cy="523220"/>
+            </a:xfrm>
+            <a:prstGeom prst="rect">
+              <a:avLst/>
+            </a:prstGeom>
+            <a:noFill/>
+          </p:spPr>
+          <p:txBody>
+            <a:bodyPr wrap="square" rtlCol="0">
+              <a:spAutoFit/>
+            </a:bodyPr>
+            <a:lstStyle/>
+            <a:p>
+              <a:r>
+                <a:rPr lang="ko-KR" altLang="en-US" sz="2800" b="1" dirty="0" err="1" smtClean="0"/>
+                <a:t>이메일</a:t>
+              </a:r>
+              <a:endParaRPr lang="ko-KR" altLang="en-US" sz="2800" b="1" dirty="0"/>
+            </a:p>
+          </p:txBody>
+        </p:sp>
+        <p:sp>
+          <p:nvSpPr>
+            <p:cNvPr id="8" name="TextBox 7"/>
+            <p:cNvSpPr txBox="1"/>
+            <p:nvPr/>
+          </p:nvSpPr>
+          <p:spPr>
+            <a:xfrm>
+              <a:off x="5485308" y="3202912"/>
+              <a:ext cx="3543750" cy="954107"/>
+            </a:xfrm>
+            <a:prstGeom prst="rect">
+              <a:avLst/>
+            </a:prstGeom>
+            <a:noFill/>
+          </p:spPr>
+          <p:txBody>
+            <a:bodyPr wrap="square" rtlCol="0">
+              <a:spAutoFit/>
+            </a:bodyPr>
+            <a:lstStyle/>
+            <a:p>
+              <a:r>
+                <a:rPr lang="ko-KR" altLang="en-US" sz="2800" b="1" dirty="0" smtClean="0"/>
+                <a:t>이미지</a:t>
+              </a:r>
+              <a:r>
+                <a:rPr lang="en-US" altLang="ko-KR" sz="2800" b="1" dirty="0" smtClean="0"/>
+                <a:t>,</a:t>
+              </a:r>
+              <a:r>
+                <a:rPr lang="ko-KR" altLang="en-US" sz="2800" b="1" dirty="0"/>
+                <a:t> 그래프</a:t>
+              </a:r>
+            </a:p>
+            <a:p>
+              <a:endParaRPr lang="ko-KR" altLang="en-US" sz="2800" b="1" dirty="0"/>
+            </a:p>
+          </p:txBody>
+        </p:sp>
+        <p:sp>
+          <p:nvSpPr>
+            <p:cNvPr id="11" name="TextBox 10"/>
+            <p:cNvSpPr txBox="1"/>
+            <p:nvPr/>
+          </p:nvSpPr>
+          <p:spPr>
+            <a:xfrm>
+              <a:off x="5485308" y="3930628"/>
+              <a:ext cx="2117939" cy="523220"/>
+            </a:xfrm>
+            <a:prstGeom prst="rect">
+              <a:avLst/>
+            </a:prstGeom>
+            <a:noFill/>
+          </p:spPr>
+          <p:txBody>
+            <a:bodyPr wrap="square" rtlCol="0">
+              <a:spAutoFit/>
+            </a:bodyPr>
+            <a:lstStyle/>
+            <a:p>
+              <a:r>
+                <a:rPr lang="ko-KR" altLang="en-US" sz="2800" b="1" dirty="0"/>
+                <a:t>지도연동</a:t>
+              </a:r>
+            </a:p>
+          </p:txBody>
+        </p:sp>
+        <p:sp>
+          <p:nvSpPr>
+            <p:cNvPr id="13" name="TextBox 12"/>
+            <p:cNvSpPr txBox="1"/>
+            <p:nvPr/>
+          </p:nvSpPr>
+          <p:spPr>
+            <a:xfrm>
+              <a:off x="5485308" y="4644760"/>
+              <a:ext cx="2181137" cy="523220"/>
+            </a:xfrm>
+            <a:prstGeom prst="rect">
+              <a:avLst/>
+            </a:prstGeom>
+            <a:noFill/>
+          </p:spPr>
+          <p:txBody>
+            <a:bodyPr wrap="square" rtlCol="0">
+              <a:spAutoFit/>
+            </a:bodyPr>
+            <a:lstStyle/>
+            <a:p>
+              <a:r>
+                <a:rPr lang="ko-KR" altLang="en-US" sz="2800" b="1" dirty="0" err="1" smtClean="0"/>
+                <a:t>텔레그램</a:t>
+              </a:r>
+              <a:r>
+                <a:rPr lang="ko-KR" altLang="en-US" sz="2800" b="1" dirty="0" smtClean="0"/>
+                <a:t> </a:t>
+              </a:r>
+              <a:endParaRPr lang="ko-KR" altLang="en-US" sz="2800" b="1" dirty="0"/>
+            </a:p>
+          </p:txBody>
+        </p:sp>
+        <p:sp>
+          <p:nvSpPr>
+            <p:cNvPr id="99" name="직사각형 98"/>
+            <p:cNvSpPr/>
+            <p:nvPr/>
+          </p:nvSpPr>
+          <p:spPr>
+            <a:xfrm>
+              <a:off x="4025214" y="4998850"/>
+              <a:ext cx="128609" cy="712790"/>
+            </a:xfrm>
+            <a:prstGeom prst="rect">
+              <a:avLst/>
+            </a:prstGeom>
+            <a:solidFill>
+              <a:srgbClr val="64C044"/>
             </a:solidFill>
             <a:ln>
               <a:noFill/>
@@ -5197,145 +5120,1418 @@
             </a:p>
           </p:txBody>
         </p:sp>
+        <p:grpSp>
+          <p:nvGrpSpPr>
+            <p:cNvPr id="100" name="그룹 99"/>
+            <p:cNvGrpSpPr/>
+            <p:nvPr/>
+          </p:nvGrpSpPr>
+          <p:grpSpPr>
+            <a:xfrm>
+              <a:off x="3862046" y="5517415"/>
+              <a:ext cx="439226" cy="439226"/>
+              <a:chOff x="2728749" y="1818290"/>
+              <a:chExt cx="719959" cy="719959"/>
+            </a:xfrm>
+          </p:grpSpPr>
+          <p:sp>
+            <p:nvSpPr>
+              <p:cNvPr id="101" name="타원 100"/>
+              <p:cNvSpPr/>
+              <p:nvPr/>
+            </p:nvSpPr>
+            <p:spPr>
+              <a:xfrm>
+                <a:off x="2768164" y="1818290"/>
+                <a:ext cx="641131" cy="641131"/>
+              </a:xfrm>
+              <a:prstGeom prst="ellipse">
+                <a:avLst/>
+              </a:prstGeom>
+              <a:solidFill>
+                <a:schemeClr val="bg1"/>
+              </a:solidFill>
+              <a:ln>
+                <a:noFill/>
+              </a:ln>
+            </p:spPr>
+            <p:style>
+              <a:lnRef idx="2">
+                <a:schemeClr val="accent1">
+                  <a:shade val="50000"/>
+                </a:schemeClr>
+              </a:lnRef>
+              <a:fillRef idx="1">
+                <a:schemeClr val="accent1"/>
+              </a:fillRef>
+              <a:effectRef idx="0">
+                <a:schemeClr val="accent1"/>
+              </a:effectRef>
+              <a:fontRef idx="minor">
+                <a:schemeClr val="lt1"/>
+              </a:fontRef>
+            </p:style>
+            <p:txBody>
+              <a:bodyPr rtlCol="0" anchor="ctr"/>
+              <a:lstStyle/>
+              <a:p>
+                <a:pPr algn="ctr"/>
+                <a:endParaRPr lang="ko-KR" altLang="en-US" b="1"/>
+              </a:p>
+            </p:txBody>
+          </p:sp>
+          <p:sp>
+            <p:nvSpPr>
+              <p:cNvPr id="102" name="도넛 101"/>
+              <p:cNvSpPr/>
+              <p:nvPr/>
+            </p:nvSpPr>
+            <p:spPr>
+              <a:xfrm>
+                <a:off x="2728749" y="1818290"/>
+                <a:ext cx="719959" cy="719959"/>
+              </a:xfrm>
+              <a:prstGeom prst="donut">
+                <a:avLst>
+                  <a:gd name="adj" fmla="val 17241"/>
+                </a:avLst>
+              </a:prstGeom>
+              <a:solidFill>
+                <a:srgbClr val="64C044"/>
+              </a:solidFill>
+              <a:ln>
+                <a:noFill/>
+              </a:ln>
+            </p:spPr>
+            <p:style>
+              <a:lnRef idx="2">
+                <a:schemeClr val="accent1">
+                  <a:shade val="50000"/>
+                </a:schemeClr>
+              </a:lnRef>
+              <a:fillRef idx="1">
+                <a:schemeClr val="accent1"/>
+              </a:fillRef>
+              <a:effectRef idx="0">
+                <a:schemeClr val="accent1"/>
+              </a:effectRef>
+              <a:fontRef idx="minor">
+                <a:schemeClr val="lt1"/>
+              </a:fontRef>
+            </p:style>
+            <p:txBody>
+              <a:bodyPr rtlCol="0" anchor="ctr"/>
+              <a:lstStyle/>
+              <a:p>
+                <a:pPr algn="ctr"/>
+                <a:endParaRPr lang="ko-KR" altLang="en-US" b="1">
+                  <a:solidFill>
+                    <a:schemeClr val="tx1"/>
+                  </a:solidFill>
+                </a:endParaRPr>
+              </a:p>
+            </p:txBody>
+          </p:sp>
+        </p:grpSp>
+        <p:sp>
+          <p:nvSpPr>
+            <p:cNvPr id="89" name="직사각형 88"/>
+            <p:cNvSpPr/>
+            <p:nvPr/>
+          </p:nvSpPr>
+          <p:spPr>
+            <a:xfrm>
+              <a:off x="4025214" y="4239149"/>
+              <a:ext cx="128609" cy="712790"/>
+            </a:xfrm>
+            <a:prstGeom prst="rect">
+              <a:avLst/>
+            </a:prstGeom>
+            <a:solidFill>
+              <a:srgbClr val="64C044"/>
+            </a:solidFill>
+            <a:ln>
+              <a:noFill/>
+            </a:ln>
+          </p:spPr>
+          <p:style>
+            <a:lnRef idx="2">
+              <a:schemeClr val="accent1">
+                <a:shade val="50000"/>
+              </a:schemeClr>
+            </a:lnRef>
+            <a:fillRef idx="1">
+              <a:schemeClr val="accent1"/>
+            </a:fillRef>
+            <a:effectRef idx="0">
+              <a:schemeClr val="accent1"/>
+            </a:effectRef>
+            <a:fontRef idx="minor">
+              <a:schemeClr val="lt1"/>
+            </a:fontRef>
+          </p:style>
+          <p:txBody>
+            <a:bodyPr rtlCol="0" anchor="ctr"/>
+            <a:lstStyle/>
+            <a:p>
+              <a:pPr algn="ctr"/>
+              <a:endParaRPr lang="ko-KR" altLang="en-US" b="1"/>
+            </a:p>
+          </p:txBody>
+        </p:sp>
+        <p:grpSp>
+          <p:nvGrpSpPr>
+            <p:cNvPr id="90" name="그룹 89"/>
+            <p:cNvGrpSpPr/>
+            <p:nvPr/>
+          </p:nvGrpSpPr>
+          <p:grpSpPr>
+            <a:xfrm>
+              <a:off x="3862046" y="4757714"/>
+              <a:ext cx="439226" cy="439226"/>
+              <a:chOff x="2728749" y="1818290"/>
+              <a:chExt cx="719959" cy="719959"/>
+            </a:xfrm>
+          </p:grpSpPr>
+          <p:sp>
+            <p:nvSpPr>
+              <p:cNvPr id="91" name="타원 90"/>
+              <p:cNvSpPr/>
+              <p:nvPr/>
+            </p:nvSpPr>
+            <p:spPr>
+              <a:xfrm>
+                <a:off x="2768164" y="1818290"/>
+                <a:ext cx="641131" cy="641131"/>
+              </a:xfrm>
+              <a:prstGeom prst="ellipse">
+                <a:avLst/>
+              </a:prstGeom>
+              <a:solidFill>
+                <a:schemeClr val="bg1"/>
+              </a:solidFill>
+              <a:ln>
+                <a:noFill/>
+              </a:ln>
+            </p:spPr>
+            <p:style>
+              <a:lnRef idx="2">
+                <a:schemeClr val="accent1">
+                  <a:shade val="50000"/>
+                </a:schemeClr>
+              </a:lnRef>
+              <a:fillRef idx="1">
+                <a:schemeClr val="accent1"/>
+              </a:fillRef>
+              <a:effectRef idx="0">
+                <a:schemeClr val="accent1"/>
+              </a:effectRef>
+              <a:fontRef idx="minor">
+                <a:schemeClr val="lt1"/>
+              </a:fontRef>
+            </p:style>
+            <p:txBody>
+              <a:bodyPr rtlCol="0" anchor="ctr"/>
+              <a:lstStyle/>
+              <a:p>
+                <a:pPr algn="ctr"/>
+                <a:endParaRPr lang="ko-KR" altLang="en-US" b="1"/>
+              </a:p>
+            </p:txBody>
+          </p:sp>
+          <p:sp>
+            <p:nvSpPr>
+              <p:cNvPr id="92" name="도넛 91"/>
+              <p:cNvSpPr/>
+              <p:nvPr/>
+            </p:nvSpPr>
+            <p:spPr>
+              <a:xfrm>
+                <a:off x="2728749" y="1818290"/>
+                <a:ext cx="719959" cy="719959"/>
+              </a:xfrm>
+              <a:prstGeom prst="donut">
+                <a:avLst>
+                  <a:gd name="adj" fmla="val 17241"/>
+                </a:avLst>
+              </a:prstGeom>
+              <a:solidFill>
+                <a:srgbClr val="64C044"/>
+              </a:solidFill>
+              <a:ln>
+                <a:noFill/>
+              </a:ln>
+            </p:spPr>
+            <p:style>
+              <a:lnRef idx="2">
+                <a:schemeClr val="accent1">
+                  <a:shade val="50000"/>
+                </a:schemeClr>
+              </a:lnRef>
+              <a:fillRef idx="1">
+                <a:schemeClr val="accent1"/>
+              </a:fillRef>
+              <a:effectRef idx="0">
+                <a:schemeClr val="accent1"/>
+              </a:effectRef>
+              <a:fontRef idx="minor">
+                <a:schemeClr val="lt1"/>
+              </a:fontRef>
+            </p:style>
+            <p:txBody>
+              <a:bodyPr rtlCol="0" anchor="ctr"/>
+              <a:lstStyle/>
+              <a:p>
+                <a:pPr algn="ctr"/>
+                <a:endParaRPr lang="ko-KR" altLang="en-US" b="1">
+                  <a:solidFill>
+                    <a:schemeClr val="tx1"/>
+                  </a:solidFill>
+                </a:endParaRPr>
+              </a:p>
+            </p:txBody>
+          </p:sp>
+        </p:grpSp>
+        <p:sp>
+          <p:nvSpPr>
+            <p:cNvPr id="84" name="직사각형 83"/>
+            <p:cNvSpPr/>
+            <p:nvPr/>
+          </p:nvSpPr>
+          <p:spPr>
+            <a:xfrm>
+              <a:off x="4025214" y="3479448"/>
+              <a:ext cx="128609" cy="712790"/>
+            </a:xfrm>
+            <a:prstGeom prst="rect">
+              <a:avLst/>
+            </a:prstGeom>
+            <a:solidFill>
+              <a:srgbClr val="64C044"/>
+            </a:solidFill>
+            <a:ln>
+              <a:noFill/>
+            </a:ln>
+          </p:spPr>
+          <p:style>
+            <a:lnRef idx="2">
+              <a:schemeClr val="accent1">
+                <a:shade val="50000"/>
+              </a:schemeClr>
+            </a:lnRef>
+            <a:fillRef idx="1">
+              <a:schemeClr val="accent1"/>
+            </a:fillRef>
+            <a:effectRef idx="0">
+              <a:schemeClr val="accent1"/>
+            </a:effectRef>
+            <a:fontRef idx="minor">
+              <a:schemeClr val="lt1"/>
+            </a:fontRef>
+          </p:style>
+          <p:txBody>
+            <a:bodyPr rtlCol="0" anchor="ctr"/>
+            <a:lstStyle/>
+            <a:p>
+              <a:pPr algn="ctr"/>
+              <a:endParaRPr lang="ko-KR" altLang="en-US" b="1"/>
+            </a:p>
+          </p:txBody>
+        </p:sp>
+        <p:grpSp>
+          <p:nvGrpSpPr>
+            <p:cNvPr id="85" name="그룹 84"/>
+            <p:cNvGrpSpPr/>
+            <p:nvPr/>
+          </p:nvGrpSpPr>
+          <p:grpSpPr>
+            <a:xfrm>
+              <a:off x="3862046" y="3998013"/>
+              <a:ext cx="439226" cy="439226"/>
+              <a:chOff x="2728749" y="1818290"/>
+              <a:chExt cx="719959" cy="719959"/>
+            </a:xfrm>
+          </p:grpSpPr>
+          <p:sp>
+            <p:nvSpPr>
+              <p:cNvPr id="86" name="타원 85"/>
+              <p:cNvSpPr/>
+              <p:nvPr/>
+            </p:nvSpPr>
+            <p:spPr>
+              <a:xfrm>
+                <a:off x="2768164" y="1818290"/>
+                <a:ext cx="641131" cy="641131"/>
+              </a:xfrm>
+              <a:prstGeom prst="ellipse">
+                <a:avLst/>
+              </a:prstGeom>
+              <a:solidFill>
+                <a:schemeClr val="bg1"/>
+              </a:solidFill>
+              <a:ln>
+                <a:noFill/>
+              </a:ln>
+            </p:spPr>
+            <p:style>
+              <a:lnRef idx="2">
+                <a:schemeClr val="accent1">
+                  <a:shade val="50000"/>
+                </a:schemeClr>
+              </a:lnRef>
+              <a:fillRef idx="1">
+                <a:schemeClr val="accent1"/>
+              </a:fillRef>
+              <a:effectRef idx="0">
+                <a:schemeClr val="accent1"/>
+              </a:effectRef>
+              <a:fontRef idx="minor">
+                <a:schemeClr val="lt1"/>
+              </a:fontRef>
+            </p:style>
+            <p:txBody>
+              <a:bodyPr rtlCol="0" anchor="ctr"/>
+              <a:lstStyle/>
+              <a:p>
+                <a:pPr algn="ctr"/>
+                <a:endParaRPr lang="ko-KR" altLang="en-US" b="1"/>
+              </a:p>
+            </p:txBody>
+          </p:sp>
+          <p:sp>
+            <p:nvSpPr>
+              <p:cNvPr id="87" name="도넛 86"/>
+              <p:cNvSpPr/>
+              <p:nvPr/>
+            </p:nvSpPr>
+            <p:spPr>
+              <a:xfrm>
+                <a:off x="2728749" y="1818290"/>
+                <a:ext cx="719959" cy="719959"/>
+              </a:xfrm>
+              <a:prstGeom prst="donut">
+                <a:avLst>
+                  <a:gd name="adj" fmla="val 17241"/>
+                </a:avLst>
+              </a:prstGeom>
+              <a:solidFill>
+                <a:srgbClr val="64C044"/>
+              </a:solidFill>
+              <a:ln>
+                <a:noFill/>
+              </a:ln>
+            </p:spPr>
+            <p:style>
+              <a:lnRef idx="2">
+                <a:schemeClr val="accent1">
+                  <a:shade val="50000"/>
+                </a:schemeClr>
+              </a:lnRef>
+              <a:fillRef idx="1">
+                <a:schemeClr val="accent1"/>
+              </a:fillRef>
+              <a:effectRef idx="0">
+                <a:schemeClr val="accent1"/>
+              </a:effectRef>
+              <a:fontRef idx="minor">
+                <a:schemeClr val="lt1"/>
+              </a:fontRef>
+            </p:style>
+            <p:txBody>
+              <a:bodyPr rtlCol="0" anchor="ctr"/>
+              <a:lstStyle/>
+              <a:p>
+                <a:pPr algn="ctr"/>
+                <a:endParaRPr lang="ko-KR" altLang="en-US" b="1">
+                  <a:solidFill>
+                    <a:schemeClr val="tx1"/>
+                  </a:solidFill>
+                </a:endParaRPr>
+              </a:p>
+            </p:txBody>
+          </p:sp>
+        </p:grpSp>
+        <p:sp>
+          <p:nvSpPr>
+            <p:cNvPr id="79" name="직사각형 78"/>
+            <p:cNvSpPr/>
+            <p:nvPr/>
+          </p:nvSpPr>
+          <p:spPr>
+            <a:xfrm>
+              <a:off x="4025214" y="2719747"/>
+              <a:ext cx="128609" cy="712790"/>
+            </a:xfrm>
+            <a:prstGeom prst="rect">
+              <a:avLst/>
+            </a:prstGeom>
+            <a:solidFill>
+              <a:srgbClr val="64C044"/>
+            </a:solidFill>
+            <a:ln>
+              <a:noFill/>
+            </a:ln>
+          </p:spPr>
+          <p:style>
+            <a:lnRef idx="2">
+              <a:schemeClr val="accent1">
+                <a:shade val="50000"/>
+              </a:schemeClr>
+            </a:lnRef>
+            <a:fillRef idx="1">
+              <a:schemeClr val="accent1"/>
+            </a:fillRef>
+            <a:effectRef idx="0">
+              <a:schemeClr val="accent1"/>
+            </a:effectRef>
+            <a:fontRef idx="minor">
+              <a:schemeClr val="lt1"/>
+            </a:fontRef>
+          </p:style>
+          <p:txBody>
+            <a:bodyPr rtlCol="0" anchor="ctr"/>
+            <a:lstStyle/>
+            <a:p>
+              <a:pPr algn="ctr"/>
+              <a:endParaRPr lang="ko-KR" altLang="en-US" b="1"/>
+            </a:p>
+          </p:txBody>
+        </p:sp>
+        <p:grpSp>
+          <p:nvGrpSpPr>
+            <p:cNvPr id="80" name="그룹 79"/>
+            <p:cNvGrpSpPr/>
+            <p:nvPr/>
+          </p:nvGrpSpPr>
+          <p:grpSpPr>
+            <a:xfrm>
+              <a:off x="3862046" y="3238312"/>
+              <a:ext cx="439226" cy="439226"/>
+              <a:chOff x="2728749" y="1818290"/>
+              <a:chExt cx="719959" cy="719959"/>
+            </a:xfrm>
+          </p:grpSpPr>
+          <p:sp>
+            <p:nvSpPr>
+              <p:cNvPr id="81" name="타원 80"/>
+              <p:cNvSpPr/>
+              <p:nvPr/>
+            </p:nvSpPr>
+            <p:spPr>
+              <a:xfrm>
+                <a:off x="2768164" y="1818290"/>
+                <a:ext cx="641131" cy="641131"/>
+              </a:xfrm>
+              <a:prstGeom prst="ellipse">
+                <a:avLst/>
+              </a:prstGeom>
+              <a:solidFill>
+                <a:schemeClr val="bg1"/>
+              </a:solidFill>
+              <a:ln>
+                <a:noFill/>
+              </a:ln>
+            </p:spPr>
+            <p:style>
+              <a:lnRef idx="2">
+                <a:schemeClr val="accent1">
+                  <a:shade val="50000"/>
+                </a:schemeClr>
+              </a:lnRef>
+              <a:fillRef idx="1">
+                <a:schemeClr val="accent1"/>
+              </a:fillRef>
+              <a:effectRef idx="0">
+                <a:schemeClr val="accent1"/>
+              </a:effectRef>
+              <a:fontRef idx="minor">
+                <a:schemeClr val="lt1"/>
+              </a:fontRef>
+            </p:style>
+            <p:txBody>
+              <a:bodyPr rtlCol="0" anchor="ctr"/>
+              <a:lstStyle/>
+              <a:p>
+                <a:pPr algn="ctr"/>
+                <a:endParaRPr lang="ko-KR" altLang="en-US" b="1"/>
+              </a:p>
+            </p:txBody>
+          </p:sp>
+          <p:sp>
+            <p:nvSpPr>
+              <p:cNvPr id="82" name="도넛 81"/>
+              <p:cNvSpPr/>
+              <p:nvPr/>
+            </p:nvSpPr>
+            <p:spPr>
+              <a:xfrm>
+                <a:off x="2728749" y="1818290"/>
+                <a:ext cx="719959" cy="719959"/>
+              </a:xfrm>
+              <a:prstGeom prst="donut">
+                <a:avLst>
+                  <a:gd name="adj" fmla="val 17241"/>
+                </a:avLst>
+              </a:prstGeom>
+              <a:solidFill>
+                <a:srgbClr val="64C044"/>
+              </a:solidFill>
+              <a:ln>
+                <a:noFill/>
+              </a:ln>
+            </p:spPr>
+            <p:style>
+              <a:lnRef idx="2">
+                <a:schemeClr val="accent1">
+                  <a:shade val="50000"/>
+                </a:schemeClr>
+              </a:lnRef>
+              <a:fillRef idx="1">
+                <a:schemeClr val="accent1"/>
+              </a:fillRef>
+              <a:effectRef idx="0">
+                <a:schemeClr val="accent1"/>
+              </a:effectRef>
+              <a:fontRef idx="minor">
+                <a:schemeClr val="lt1"/>
+              </a:fontRef>
+            </p:style>
+            <p:txBody>
+              <a:bodyPr rtlCol="0" anchor="ctr"/>
+              <a:lstStyle/>
+              <a:p>
+                <a:pPr algn="ctr"/>
+                <a:endParaRPr lang="ko-KR" altLang="en-US" b="1">
+                  <a:solidFill>
+                    <a:schemeClr val="tx1"/>
+                  </a:solidFill>
+                </a:endParaRPr>
+              </a:p>
+            </p:txBody>
+          </p:sp>
+        </p:grpSp>
+        <p:sp>
+          <p:nvSpPr>
+            <p:cNvPr id="74" name="직사각형 73"/>
+            <p:cNvSpPr/>
+            <p:nvPr/>
+          </p:nvSpPr>
+          <p:spPr>
+            <a:xfrm>
+              <a:off x="4025214" y="1960046"/>
+              <a:ext cx="128609" cy="712790"/>
+            </a:xfrm>
+            <a:prstGeom prst="rect">
+              <a:avLst/>
+            </a:prstGeom>
+            <a:solidFill>
+              <a:srgbClr val="64C044"/>
+            </a:solidFill>
+            <a:ln>
+              <a:noFill/>
+            </a:ln>
+          </p:spPr>
+          <p:style>
+            <a:lnRef idx="2">
+              <a:schemeClr val="accent1">
+                <a:shade val="50000"/>
+              </a:schemeClr>
+            </a:lnRef>
+            <a:fillRef idx="1">
+              <a:schemeClr val="accent1"/>
+            </a:fillRef>
+            <a:effectRef idx="0">
+              <a:schemeClr val="accent1"/>
+            </a:effectRef>
+            <a:fontRef idx="minor">
+              <a:schemeClr val="lt1"/>
+            </a:fontRef>
+          </p:style>
+          <p:txBody>
+            <a:bodyPr rtlCol="0" anchor="ctr"/>
+            <a:lstStyle/>
+            <a:p>
+              <a:pPr algn="ctr"/>
+              <a:endParaRPr lang="ko-KR" altLang="en-US" b="1"/>
+            </a:p>
+          </p:txBody>
+        </p:sp>
+        <p:grpSp>
+          <p:nvGrpSpPr>
+            <p:cNvPr id="75" name="그룹 74"/>
+            <p:cNvGrpSpPr/>
+            <p:nvPr/>
+          </p:nvGrpSpPr>
+          <p:grpSpPr>
+            <a:xfrm>
+              <a:off x="3862046" y="2478611"/>
+              <a:ext cx="439226" cy="439226"/>
+              <a:chOff x="2728749" y="1818290"/>
+              <a:chExt cx="719959" cy="719959"/>
+            </a:xfrm>
+          </p:grpSpPr>
+          <p:sp>
+            <p:nvSpPr>
+              <p:cNvPr id="76" name="타원 75"/>
+              <p:cNvSpPr/>
+              <p:nvPr/>
+            </p:nvSpPr>
+            <p:spPr>
+              <a:xfrm>
+                <a:off x="2768164" y="1818290"/>
+                <a:ext cx="641131" cy="641131"/>
+              </a:xfrm>
+              <a:prstGeom prst="ellipse">
+                <a:avLst/>
+              </a:prstGeom>
+              <a:solidFill>
+                <a:schemeClr val="bg1"/>
+              </a:solidFill>
+              <a:ln>
+                <a:noFill/>
+              </a:ln>
+            </p:spPr>
+            <p:style>
+              <a:lnRef idx="2">
+                <a:schemeClr val="accent1">
+                  <a:shade val="50000"/>
+                </a:schemeClr>
+              </a:lnRef>
+              <a:fillRef idx="1">
+                <a:schemeClr val="accent1"/>
+              </a:fillRef>
+              <a:effectRef idx="0">
+                <a:schemeClr val="accent1"/>
+              </a:effectRef>
+              <a:fontRef idx="minor">
+                <a:schemeClr val="lt1"/>
+              </a:fontRef>
+            </p:style>
+            <p:txBody>
+              <a:bodyPr rtlCol="0" anchor="ctr"/>
+              <a:lstStyle/>
+              <a:p>
+                <a:pPr algn="ctr"/>
+                <a:endParaRPr lang="ko-KR" altLang="en-US" b="1"/>
+              </a:p>
+            </p:txBody>
+          </p:sp>
+          <p:sp>
+            <p:nvSpPr>
+              <p:cNvPr id="77" name="도넛 76"/>
+              <p:cNvSpPr/>
+              <p:nvPr/>
+            </p:nvSpPr>
+            <p:spPr>
+              <a:xfrm>
+                <a:off x="2728749" y="1818290"/>
+                <a:ext cx="719959" cy="719959"/>
+              </a:xfrm>
+              <a:prstGeom prst="donut">
+                <a:avLst>
+                  <a:gd name="adj" fmla="val 17241"/>
+                </a:avLst>
+              </a:prstGeom>
+              <a:solidFill>
+                <a:srgbClr val="64C044"/>
+              </a:solidFill>
+              <a:ln>
+                <a:noFill/>
+              </a:ln>
+            </p:spPr>
+            <p:style>
+              <a:lnRef idx="2">
+                <a:schemeClr val="accent1">
+                  <a:shade val="50000"/>
+                </a:schemeClr>
+              </a:lnRef>
+              <a:fillRef idx="1">
+                <a:schemeClr val="accent1"/>
+              </a:fillRef>
+              <a:effectRef idx="0">
+                <a:schemeClr val="accent1"/>
+              </a:effectRef>
+              <a:fontRef idx="minor">
+                <a:schemeClr val="lt1"/>
+              </a:fontRef>
+            </p:style>
+            <p:txBody>
+              <a:bodyPr rtlCol="0" anchor="ctr"/>
+              <a:lstStyle/>
+              <a:p>
+                <a:pPr algn="ctr"/>
+                <a:endParaRPr lang="ko-KR" altLang="en-US" b="1">
+                  <a:solidFill>
+                    <a:schemeClr val="tx1"/>
+                  </a:solidFill>
+                </a:endParaRPr>
+              </a:p>
+            </p:txBody>
+          </p:sp>
+        </p:grpSp>
+        <p:sp>
+          <p:nvSpPr>
+            <p:cNvPr id="21" name="직사각형 20"/>
+            <p:cNvSpPr/>
+            <p:nvPr/>
+          </p:nvSpPr>
+          <p:spPr>
+            <a:xfrm>
+              <a:off x="4025214" y="1200345"/>
+              <a:ext cx="128609" cy="712790"/>
+            </a:xfrm>
+            <a:prstGeom prst="rect">
+              <a:avLst/>
+            </a:prstGeom>
+            <a:solidFill>
+              <a:srgbClr val="64C044"/>
+            </a:solidFill>
+            <a:ln>
+              <a:noFill/>
+            </a:ln>
+          </p:spPr>
+          <p:style>
+            <a:lnRef idx="2">
+              <a:schemeClr val="accent1">
+                <a:shade val="50000"/>
+              </a:schemeClr>
+            </a:lnRef>
+            <a:fillRef idx="1">
+              <a:schemeClr val="accent1"/>
+            </a:fillRef>
+            <a:effectRef idx="0">
+              <a:schemeClr val="accent1"/>
+            </a:effectRef>
+            <a:fontRef idx="minor">
+              <a:schemeClr val="lt1"/>
+            </a:fontRef>
+          </p:style>
+          <p:txBody>
+            <a:bodyPr rtlCol="0" anchor="ctr"/>
+            <a:lstStyle/>
+            <a:p>
+              <a:pPr algn="ctr"/>
+              <a:endParaRPr lang="ko-KR" altLang="en-US" b="1"/>
+            </a:p>
+          </p:txBody>
+        </p:sp>
+        <p:grpSp>
+          <p:nvGrpSpPr>
+            <p:cNvPr id="24" name="그룹 23"/>
+            <p:cNvGrpSpPr/>
+            <p:nvPr/>
+          </p:nvGrpSpPr>
+          <p:grpSpPr>
+            <a:xfrm>
+              <a:off x="3862046" y="1718910"/>
+              <a:ext cx="439226" cy="439226"/>
+              <a:chOff x="2728749" y="1818290"/>
+              <a:chExt cx="719959" cy="719959"/>
+            </a:xfrm>
+          </p:grpSpPr>
+          <p:sp>
+            <p:nvSpPr>
+              <p:cNvPr id="5" name="타원 4"/>
+              <p:cNvSpPr/>
+              <p:nvPr/>
+            </p:nvSpPr>
+            <p:spPr>
+              <a:xfrm>
+                <a:off x="2768164" y="1818290"/>
+                <a:ext cx="641131" cy="641131"/>
+              </a:xfrm>
+              <a:prstGeom prst="ellipse">
+                <a:avLst/>
+              </a:prstGeom>
+              <a:solidFill>
+                <a:schemeClr val="bg1"/>
+              </a:solidFill>
+              <a:ln>
+                <a:noFill/>
+              </a:ln>
+            </p:spPr>
+            <p:style>
+              <a:lnRef idx="2">
+                <a:schemeClr val="accent1">
+                  <a:shade val="50000"/>
+                </a:schemeClr>
+              </a:lnRef>
+              <a:fillRef idx="1">
+                <a:schemeClr val="accent1"/>
+              </a:fillRef>
+              <a:effectRef idx="0">
+                <a:schemeClr val="accent1"/>
+              </a:effectRef>
+              <a:fontRef idx="minor">
+                <a:schemeClr val="lt1"/>
+              </a:fontRef>
+            </p:style>
+            <p:txBody>
+              <a:bodyPr rtlCol="0" anchor="ctr"/>
+              <a:lstStyle/>
+              <a:p>
+                <a:pPr algn="ctr"/>
+                <a:endParaRPr lang="ko-KR" altLang="en-US" b="1"/>
+              </a:p>
+            </p:txBody>
+          </p:sp>
+          <p:sp>
+            <p:nvSpPr>
+              <p:cNvPr id="6" name="도넛 5"/>
+              <p:cNvSpPr/>
+              <p:nvPr/>
+            </p:nvSpPr>
+            <p:spPr>
+              <a:xfrm>
+                <a:off x="2728749" y="1818290"/>
+                <a:ext cx="719959" cy="719959"/>
+              </a:xfrm>
+              <a:prstGeom prst="donut">
+                <a:avLst>
+                  <a:gd name="adj" fmla="val 17241"/>
+                </a:avLst>
+              </a:prstGeom>
+              <a:solidFill>
+                <a:srgbClr val="64C044"/>
+              </a:solidFill>
+              <a:ln>
+                <a:noFill/>
+              </a:ln>
+            </p:spPr>
+            <p:style>
+              <a:lnRef idx="2">
+                <a:schemeClr val="accent1">
+                  <a:shade val="50000"/>
+                </a:schemeClr>
+              </a:lnRef>
+              <a:fillRef idx="1">
+                <a:schemeClr val="accent1"/>
+              </a:fillRef>
+              <a:effectRef idx="0">
+                <a:schemeClr val="accent1"/>
+              </a:effectRef>
+              <a:fontRef idx="minor">
+                <a:schemeClr val="lt1"/>
+              </a:fontRef>
+            </p:style>
+            <p:txBody>
+              <a:bodyPr rtlCol="0" anchor="ctr"/>
+              <a:lstStyle/>
+              <a:p>
+                <a:pPr algn="ctr"/>
+                <a:endParaRPr lang="ko-KR" altLang="en-US" b="1">
+                  <a:solidFill>
+                    <a:schemeClr val="tx1"/>
+                  </a:solidFill>
+                </a:endParaRPr>
+              </a:p>
+            </p:txBody>
+          </p:sp>
+        </p:grpSp>
+        <p:grpSp>
+          <p:nvGrpSpPr>
+            <p:cNvPr id="14" name="그룹 13"/>
+            <p:cNvGrpSpPr/>
+            <p:nvPr/>
+          </p:nvGrpSpPr>
+          <p:grpSpPr>
+            <a:xfrm>
+              <a:off x="3448705" y="846248"/>
+              <a:ext cx="1265908" cy="565381"/>
+              <a:chOff x="3448704" y="756745"/>
+              <a:chExt cx="1206065" cy="538654"/>
+            </a:xfrm>
+          </p:grpSpPr>
+          <p:sp>
+            <p:nvSpPr>
+              <p:cNvPr id="47" name="모서리가 둥근 직사각형 46"/>
+              <p:cNvSpPr/>
+              <p:nvPr/>
+            </p:nvSpPr>
+            <p:spPr>
+              <a:xfrm>
+                <a:off x="3448704" y="756745"/>
+                <a:ext cx="1206065" cy="538654"/>
+              </a:xfrm>
+              <a:prstGeom prst="roundRect">
+                <a:avLst>
+                  <a:gd name="adj" fmla="val 50000"/>
+                </a:avLst>
+              </a:prstGeom>
+              <a:solidFill>
+                <a:schemeClr val="bg1"/>
+              </a:solidFill>
+              <a:ln w="57150">
+                <a:solidFill>
+                  <a:schemeClr val="tx1">
+                    <a:lumMod val="50000"/>
+                    <a:lumOff val="50000"/>
+                  </a:schemeClr>
+                </a:solidFill>
+              </a:ln>
+            </p:spPr>
+            <p:style>
+              <a:lnRef idx="2">
+                <a:schemeClr val="accent1">
+                  <a:shade val="50000"/>
+                </a:schemeClr>
+              </a:lnRef>
+              <a:fillRef idx="1">
+                <a:schemeClr val="accent1"/>
+              </a:fillRef>
+              <a:effectRef idx="0">
+                <a:schemeClr val="accent1"/>
+              </a:effectRef>
+              <a:fontRef idx="minor">
+                <a:schemeClr val="lt1"/>
+              </a:fontRef>
+            </p:style>
+            <p:txBody>
+              <a:bodyPr rtlCol="0" anchor="ctr"/>
+              <a:lstStyle/>
+              <a:p>
+                <a:pPr algn="ctr"/>
+                <a:endParaRPr lang="ko-KR" altLang="en-US" b="1"/>
+              </a:p>
+            </p:txBody>
+          </p:sp>
+          <p:sp>
+            <p:nvSpPr>
+              <p:cNvPr id="48" name="타원 47"/>
+              <p:cNvSpPr/>
+              <p:nvPr/>
+            </p:nvSpPr>
+            <p:spPr>
+              <a:xfrm>
+                <a:off x="3626069" y="846740"/>
+                <a:ext cx="358663" cy="358663"/>
+              </a:xfrm>
+              <a:prstGeom prst="ellipse">
+                <a:avLst/>
+              </a:prstGeom>
+              <a:solidFill>
+                <a:srgbClr val="64C044"/>
+              </a:solidFill>
+              <a:ln>
+                <a:noFill/>
+              </a:ln>
+            </p:spPr>
+            <p:style>
+              <a:lnRef idx="2">
+                <a:schemeClr val="accent1">
+                  <a:shade val="50000"/>
+                </a:schemeClr>
+              </a:lnRef>
+              <a:fillRef idx="1">
+                <a:schemeClr val="accent1"/>
+              </a:fillRef>
+              <a:effectRef idx="0">
+                <a:schemeClr val="accent1"/>
+              </a:effectRef>
+              <a:fontRef idx="minor">
+                <a:schemeClr val="lt1"/>
+              </a:fontRef>
+            </p:style>
+            <p:txBody>
+              <a:bodyPr rtlCol="0" anchor="ctr"/>
+              <a:lstStyle/>
+              <a:p>
+                <a:pPr algn="ctr"/>
+                <a:endParaRPr lang="ko-KR" altLang="en-US" b="1"/>
+              </a:p>
+            </p:txBody>
+          </p:sp>
+          <p:sp>
+            <p:nvSpPr>
+              <p:cNvPr id="49" name="타원 48"/>
+              <p:cNvSpPr/>
+              <p:nvPr/>
+            </p:nvSpPr>
+            <p:spPr>
+              <a:xfrm>
+                <a:off x="4108969" y="846740"/>
+                <a:ext cx="358663" cy="358663"/>
+              </a:xfrm>
+              <a:prstGeom prst="ellipse">
+                <a:avLst/>
+              </a:prstGeom>
+              <a:solidFill>
+                <a:srgbClr val="00B0F0"/>
+              </a:solidFill>
+              <a:ln>
+                <a:noFill/>
+              </a:ln>
+            </p:spPr>
+            <p:style>
+              <a:lnRef idx="2">
+                <a:schemeClr val="accent1">
+                  <a:shade val="50000"/>
+                </a:schemeClr>
+              </a:lnRef>
+              <a:fillRef idx="1">
+                <a:schemeClr val="accent1"/>
+              </a:fillRef>
+              <a:effectRef idx="0">
+                <a:schemeClr val="accent1"/>
+              </a:effectRef>
+              <a:fontRef idx="minor">
+                <a:schemeClr val="lt1"/>
+              </a:fontRef>
+            </p:style>
+            <p:txBody>
+              <a:bodyPr rtlCol="0" anchor="ctr"/>
+              <a:lstStyle/>
+              <a:p>
+                <a:pPr algn="ctr"/>
+                <a:endParaRPr lang="ko-KR" altLang="en-US" b="1"/>
+              </a:p>
+            </p:txBody>
+          </p:sp>
+        </p:grpSp>
+        <p:sp>
+          <p:nvSpPr>
+            <p:cNvPr id="103" name="타원 102"/>
+            <p:cNvSpPr/>
+            <p:nvPr/>
+          </p:nvSpPr>
+          <p:spPr>
+            <a:xfrm>
+              <a:off x="4739655" y="4775980"/>
+              <a:ext cx="445740" cy="445740"/>
+            </a:xfrm>
+            <a:prstGeom prst="ellipse">
+              <a:avLst/>
+            </a:prstGeom>
+            <a:solidFill>
+              <a:srgbClr val="64C044"/>
+            </a:solidFill>
+            <a:ln>
+              <a:noFill/>
+            </a:ln>
+          </p:spPr>
+          <p:style>
+            <a:lnRef idx="2">
+              <a:schemeClr val="accent1">
+                <a:shade val="50000"/>
+              </a:schemeClr>
+            </a:lnRef>
+            <a:fillRef idx="1">
+              <a:schemeClr val="accent1"/>
+            </a:fillRef>
+            <a:effectRef idx="0">
+              <a:schemeClr val="accent1"/>
+            </a:effectRef>
+            <a:fontRef idx="minor">
+              <a:schemeClr val="lt1"/>
+            </a:fontRef>
+          </p:style>
+          <p:txBody>
+            <a:bodyPr rtlCol="0" anchor="ctr"/>
+            <a:lstStyle/>
+            <a:p>
+              <a:pPr algn="ctr"/>
+              <a:r>
+                <a:rPr lang="en-US" altLang="ko-KR" sz="2400" b="1" dirty="0">
+                  <a:ea typeface="12롯데마트드림Bold" panose="02020603020101020101" pitchFamily="18" charset="-127"/>
+                </a:rPr>
+                <a:t>5</a:t>
+              </a:r>
+              <a:endParaRPr lang="ko-KR" altLang="en-US" sz="2400" b="1" dirty="0">
+                <a:ea typeface="12롯데마트드림Bold" panose="02020603020101020101" pitchFamily="18" charset="-127"/>
+              </a:endParaRPr>
+            </a:p>
+          </p:txBody>
+        </p:sp>
+        <p:sp>
+          <p:nvSpPr>
+            <p:cNvPr id="104" name="타원 103"/>
+            <p:cNvSpPr/>
+            <p:nvPr/>
+          </p:nvSpPr>
+          <p:spPr>
+            <a:xfrm>
+              <a:off x="4739655" y="5490112"/>
+              <a:ext cx="445740" cy="445740"/>
+            </a:xfrm>
+            <a:prstGeom prst="ellipse">
+              <a:avLst/>
+            </a:prstGeom>
+            <a:solidFill>
+              <a:srgbClr val="64C044"/>
+            </a:solidFill>
+            <a:ln>
+              <a:noFill/>
+            </a:ln>
+          </p:spPr>
+          <p:style>
+            <a:lnRef idx="2">
+              <a:schemeClr val="accent1">
+                <a:shade val="50000"/>
+              </a:schemeClr>
+            </a:lnRef>
+            <a:fillRef idx="1">
+              <a:schemeClr val="accent1"/>
+            </a:fillRef>
+            <a:effectRef idx="0">
+              <a:schemeClr val="accent1"/>
+            </a:effectRef>
+            <a:fontRef idx="minor">
+              <a:schemeClr val="lt1"/>
+            </a:fontRef>
+          </p:style>
+          <p:txBody>
+            <a:bodyPr rtlCol="0" anchor="ctr"/>
+            <a:lstStyle/>
+            <a:p>
+              <a:pPr algn="ctr"/>
+              <a:r>
+                <a:rPr lang="en-US" altLang="ko-KR" sz="2400" b="1" dirty="0">
+                  <a:ea typeface="12롯데마트드림Bold" panose="02020603020101020101" pitchFamily="18" charset="-127"/>
+                </a:rPr>
+                <a:t>6</a:t>
+              </a:r>
+              <a:endParaRPr lang="ko-KR" altLang="en-US" sz="2400" b="1" dirty="0">
+                <a:ea typeface="12롯데마트드림Bold" panose="02020603020101020101" pitchFamily="18" charset="-127"/>
+              </a:endParaRPr>
+            </a:p>
+          </p:txBody>
+        </p:sp>
+        <p:sp>
+          <p:nvSpPr>
+            <p:cNvPr id="18" name="TextBox 17"/>
+            <p:cNvSpPr txBox="1"/>
+            <p:nvPr/>
+          </p:nvSpPr>
+          <p:spPr>
+            <a:xfrm>
+              <a:off x="5485308" y="5386699"/>
+              <a:ext cx="3543750" cy="523220"/>
+            </a:xfrm>
+            <a:prstGeom prst="rect">
+              <a:avLst/>
+            </a:prstGeom>
+            <a:noFill/>
+          </p:spPr>
+          <p:txBody>
+            <a:bodyPr wrap="square" rtlCol="0">
+              <a:spAutoFit/>
+            </a:bodyPr>
+            <a:lstStyle/>
+            <a:p>
+              <a:r>
+                <a:rPr lang="ko-KR" altLang="en-US" sz="2800" b="1" dirty="0" smtClean="0"/>
+                <a:t>최종 </a:t>
+              </a:r>
+              <a:r>
+                <a:rPr lang="en-US" altLang="ko-KR" sz="2800" b="1" dirty="0" smtClean="0"/>
+                <a:t>UI</a:t>
+              </a:r>
+              <a:r>
+                <a:rPr lang="ko-KR" altLang="en-US" sz="2800" b="1" dirty="0" smtClean="0"/>
+                <a:t> 디자인</a:t>
+              </a:r>
+              <a:endParaRPr lang="ko-KR" altLang="en-US" sz="2800" b="1" dirty="0"/>
+            </a:p>
+          </p:txBody>
+        </p:sp>
+        <p:grpSp>
+          <p:nvGrpSpPr>
+            <p:cNvPr id="44" name="그룹 43"/>
+            <p:cNvGrpSpPr/>
+            <p:nvPr/>
+          </p:nvGrpSpPr>
+          <p:grpSpPr>
+            <a:xfrm>
+              <a:off x="3862046" y="6229529"/>
+              <a:ext cx="439226" cy="439226"/>
+              <a:chOff x="2728749" y="1818290"/>
+              <a:chExt cx="719959" cy="719959"/>
+            </a:xfrm>
+          </p:grpSpPr>
+          <p:sp>
+            <p:nvSpPr>
+              <p:cNvPr id="45" name="타원 44"/>
+              <p:cNvSpPr/>
+              <p:nvPr/>
+            </p:nvSpPr>
+            <p:spPr>
+              <a:xfrm>
+                <a:off x="2768164" y="1818290"/>
+                <a:ext cx="641131" cy="641131"/>
+              </a:xfrm>
+              <a:prstGeom prst="ellipse">
+                <a:avLst/>
+              </a:prstGeom>
+              <a:solidFill>
+                <a:schemeClr val="bg1"/>
+              </a:solidFill>
+              <a:ln>
+                <a:noFill/>
+              </a:ln>
+            </p:spPr>
+            <p:style>
+              <a:lnRef idx="2">
+                <a:schemeClr val="accent1">
+                  <a:shade val="50000"/>
+                </a:schemeClr>
+              </a:lnRef>
+              <a:fillRef idx="1">
+                <a:schemeClr val="accent1"/>
+              </a:fillRef>
+              <a:effectRef idx="0">
+                <a:schemeClr val="accent1"/>
+              </a:effectRef>
+              <a:fontRef idx="minor">
+                <a:schemeClr val="lt1"/>
+              </a:fontRef>
+            </p:style>
+            <p:txBody>
+              <a:bodyPr rtlCol="0" anchor="ctr"/>
+              <a:lstStyle/>
+              <a:p>
+                <a:pPr algn="ctr"/>
+                <a:endParaRPr lang="ko-KR" altLang="en-US" b="1"/>
+              </a:p>
+            </p:txBody>
+          </p:sp>
+          <p:sp>
+            <p:nvSpPr>
+              <p:cNvPr id="46" name="도넛 45"/>
+              <p:cNvSpPr/>
+              <p:nvPr/>
+            </p:nvSpPr>
+            <p:spPr>
+              <a:xfrm>
+                <a:off x="2728749" y="1818290"/>
+                <a:ext cx="719959" cy="719959"/>
+              </a:xfrm>
+              <a:prstGeom prst="donut">
+                <a:avLst>
+                  <a:gd name="adj" fmla="val 17241"/>
+                </a:avLst>
+              </a:prstGeom>
+              <a:solidFill>
+                <a:srgbClr val="64C044"/>
+              </a:solidFill>
+              <a:ln>
+                <a:noFill/>
+              </a:ln>
+            </p:spPr>
+            <p:style>
+              <a:lnRef idx="2">
+                <a:schemeClr val="accent1">
+                  <a:shade val="50000"/>
+                </a:schemeClr>
+              </a:lnRef>
+              <a:fillRef idx="1">
+                <a:schemeClr val="accent1"/>
+              </a:fillRef>
+              <a:effectRef idx="0">
+                <a:schemeClr val="accent1"/>
+              </a:effectRef>
+              <a:fontRef idx="minor">
+                <a:schemeClr val="lt1"/>
+              </a:fontRef>
+            </p:style>
+            <p:txBody>
+              <a:bodyPr rtlCol="0" anchor="ctr"/>
+              <a:lstStyle/>
+              <a:p>
+                <a:pPr algn="ctr"/>
+                <a:endParaRPr lang="ko-KR" altLang="en-US" b="1">
+                  <a:solidFill>
+                    <a:schemeClr val="tx1"/>
+                  </a:solidFill>
+                </a:endParaRPr>
+              </a:p>
+            </p:txBody>
+          </p:sp>
+        </p:grpSp>
+        <p:sp>
+          <p:nvSpPr>
+            <p:cNvPr id="50" name="타원 49"/>
+            <p:cNvSpPr/>
+            <p:nvPr/>
+          </p:nvSpPr>
+          <p:spPr>
+            <a:xfrm>
+              <a:off x="4739655" y="6202226"/>
+              <a:ext cx="445740" cy="445740"/>
+            </a:xfrm>
+            <a:prstGeom prst="ellipse">
+              <a:avLst/>
+            </a:prstGeom>
+            <a:solidFill>
+              <a:srgbClr val="64C044"/>
+            </a:solidFill>
+            <a:ln>
+              <a:noFill/>
+            </a:ln>
+          </p:spPr>
+          <p:style>
+            <a:lnRef idx="2">
+              <a:schemeClr val="accent1">
+                <a:shade val="50000"/>
+              </a:schemeClr>
+            </a:lnRef>
+            <a:fillRef idx="1">
+              <a:schemeClr val="accent1"/>
+            </a:fillRef>
+            <a:effectRef idx="0">
+              <a:schemeClr val="accent1"/>
+            </a:effectRef>
+            <a:fontRef idx="minor">
+              <a:schemeClr val="lt1"/>
+            </a:fontRef>
+          </p:style>
+          <p:txBody>
+            <a:bodyPr rtlCol="0" anchor="ctr"/>
+            <a:lstStyle/>
+            <a:p>
+              <a:pPr algn="ctr"/>
+              <a:r>
+                <a:rPr lang="en-US" altLang="ko-KR" sz="2400" b="1" dirty="0">
+                  <a:ea typeface="12롯데마트드림Bold" panose="02020603020101020101" pitchFamily="18" charset="-127"/>
+                </a:rPr>
+                <a:t>7</a:t>
+              </a:r>
+              <a:endParaRPr lang="ko-KR" altLang="en-US" sz="2400" b="1" dirty="0">
+                <a:ea typeface="12롯데마트드림Bold" panose="02020603020101020101" pitchFamily="18" charset="-127"/>
+              </a:endParaRPr>
+            </a:p>
+          </p:txBody>
+        </p:sp>
+        <p:sp>
+          <p:nvSpPr>
+            <p:cNvPr id="51" name="TextBox 50"/>
+            <p:cNvSpPr txBox="1"/>
+            <p:nvPr/>
+          </p:nvSpPr>
+          <p:spPr>
+            <a:xfrm>
+              <a:off x="5485308" y="6153329"/>
+              <a:ext cx="3543750" cy="523220"/>
+            </a:xfrm>
+            <a:prstGeom prst="rect">
+              <a:avLst/>
+            </a:prstGeom>
+            <a:noFill/>
+          </p:spPr>
+          <p:txBody>
+            <a:bodyPr wrap="square" rtlCol="0">
+              <a:spAutoFit/>
+            </a:bodyPr>
+            <a:lstStyle/>
+            <a:p>
+              <a:r>
+                <a:rPr lang="ko-KR" altLang="en-US" sz="2800" b="1" dirty="0" smtClean="0"/>
+                <a:t>개발 계획</a:t>
+              </a:r>
+              <a:endParaRPr lang="ko-KR" altLang="en-US" sz="2800" b="1" dirty="0"/>
+            </a:p>
+          </p:txBody>
+        </p:sp>
       </p:grpSp>
-      <p:sp>
-        <p:nvSpPr>
-          <p:cNvPr id="103" name="타원 102"/>
-          <p:cNvSpPr/>
-          <p:nvPr/>
-        </p:nvSpPr>
-        <p:spPr>
-          <a:xfrm>
-            <a:off x="4739655" y="4775980"/>
-            <a:ext cx="445740" cy="445740"/>
-          </a:xfrm>
-          <a:prstGeom prst="ellipse">
-            <a:avLst/>
-          </a:prstGeom>
-          <a:solidFill>
-            <a:srgbClr val="64C044"/>
-          </a:solidFill>
-          <a:ln>
-            <a:noFill/>
-          </a:ln>
-        </p:spPr>
-        <p:style>
-          <a:lnRef idx="2">
-            <a:schemeClr val="accent1">
-              <a:shade val="50000"/>
-            </a:schemeClr>
-          </a:lnRef>
-          <a:fillRef idx="1">
-            <a:schemeClr val="accent1"/>
-          </a:fillRef>
-          <a:effectRef idx="0">
-            <a:schemeClr val="accent1"/>
-          </a:effectRef>
-          <a:fontRef idx="minor">
-            <a:schemeClr val="lt1"/>
-          </a:fontRef>
-        </p:style>
-        <p:txBody>
-          <a:bodyPr rtlCol="0" anchor="ctr"/>
-          <a:lstStyle/>
-          <a:p>
-            <a:pPr algn="ctr"/>
-            <a:r>
-              <a:rPr lang="en-US" altLang="ko-KR" sz="2400" b="1" dirty="0">
-                <a:ea typeface="12롯데마트드림Bold" panose="02020603020101020101" pitchFamily="18" charset="-127"/>
-              </a:rPr>
-              <a:t>5</a:t>
-            </a:r>
-            <a:endParaRPr lang="ko-KR" altLang="en-US" sz="2400" b="1" dirty="0">
-              <a:ea typeface="12롯데마트드림Bold" panose="02020603020101020101" pitchFamily="18" charset="-127"/>
-            </a:endParaRPr>
-          </a:p>
-        </p:txBody>
-      </p:sp>
-      <p:sp>
-        <p:nvSpPr>
-          <p:cNvPr id="104" name="타원 103"/>
-          <p:cNvSpPr/>
-          <p:nvPr/>
-        </p:nvSpPr>
-        <p:spPr>
-          <a:xfrm>
-            <a:off x="4739655" y="5490112"/>
-            <a:ext cx="445740" cy="445740"/>
-          </a:xfrm>
-          <a:prstGeom prst="ellipse">
-            <a:avLst/>
-          </a:prstGeom>
-          <a:solidFill>
-            <a:srgbClr val="64C044"/>
-          </a:solidFill>
-          <a:ln>
-            <a:noFill/>
-          </a:ln>
-        </p:spPr>
-        <p:style>
-          <a:lnRef idx="2">
-            <a:schemeClr val="accent1">
-              <a:shade val="50000"/>
-            </a:schemeClr>
-          </a:lnRef>
-          <a:fillRef idx="1">
-            <a:schemeClr val="accent1"/>
-          </a:fillRef>
-          <a:effectRef idx="0">
-            <a:schemeClr val="accent1"/>
-          </a:effectRef>
-          <a:fontRef idx="minor">
-            <a:schemeClr val="lt1"/>
-          </a:fontRef>
-        </p:style>
-        <p:txBody>
-          <a:bodyPr rtlCol="0" anchor="ctr"/>
-          <a:lstStyle/>
-          <a:p>
-            <a:pPr algn="ctr"/>
-            <a:r>
-              <a:rPr lang="en-US" altLang="ko-KR" sz="2400" b="1" dirty="0">
-                <a:ea typeface="12롯데마트드림Bold" panose="02020603020101020101" pitchFamily="18" charset="-127"/>
-              </a:rPr>
-              <a:t>6</a:t>
-            </a:r>
-            <a:endParaRPr lang="ko-KR" altLang="en-US" sz="2400" b="1" dirty="0">
-              <a:ea typeface="12롯데마트드림Bold" panose="02020603020101020101" pitchFamily="18" charset="-127"/>
-            </a:endParaRPr>
-          </a:p>
-        </p:txBody>
-      </p:sp>
-      <p:sp>
-        <p:nvSpPr>
-          <p:cNvPr id="18" name="TextBox 17"/>
-          <p:cNvSpPr txBox="1"/>
-          <p:nvPr/>
-        </p:nvSpPr>
-        <p:spPr>
-          <a:xfrm>
-            <a:off x="5485308" y="5386699"/>
-            <a:ext cx="3543750" cy="523220"/>
-          </a:xfrm>
-          <a:prstGeom prst="rect">
-            <a:avLst/>
-          </a:prstGeom>
-          <a:noFill/>
-        </p:spPr>
-        <p:txBody>
-          <a:bodyPr wrap="square" rtlCol="0">
-            <a:spAutoFit/>
-          </a:bodyPr>
-          <a:lstStyle/>
-          <a:p>
-            <a:r>
-              <a:rPr lang="ko-KR" altLang="en-US" sz="2800" b="1" dirty="0" smtClean="0"/>
-              <a:t>최종 구성 디자인</a:t>
-            </a:r>
-            <a:endParaRPr lang="ko-KR" altLang="en-US" sz="2800" b="1" dirty="0"/>
-          </a:p>
-        </p:txBody>
-      </p:sp>
     </p:spTree>
     <p:extLst>
       <p:ext uri="{BB962C8B-B14F-4D97-AF65-F5344CB8AC3E}">
@@ -5674,7 +6870,7 @@
         </p:nvSpPr>
         <p:spPr>
           <a:xfrm>
-            <a:off x="827833" y="1714500"/>
+            <a:off x="218233" y="1714500"/>
             <a:ext cx="8306642" cy="3108543"/>
           </a:xfrm>
           <a:prstGeom prst="rect">
@@ -5741,7 +6937,7 @@
         </p:nvGrpSpPr>
         <p:grpSpPr>
           <a:xfrm>
-            <a:off x="1841504" y="3525946"/>
+            <a:off x="1231904" y="3525946"/>
             <a:ext cx="5493956" cy="2783741"/>
             <a:chOff x="1841504" y="3525946"/>
             <a:chExt cx="5493956" cy="2783741"/>
@@ -5991,6 +7187,376 @@
           </p:txBody>
         </p:sp>
       </p:grpSp>
+      <p:grpSp>
+        <p:nvGrpSpPr>
+          <p:cNvPr id="6" name="그룹 5"/>
+          <p:cNvGrpSpPr/>
+          <p:nvPr/>
+        </p:nvGrpSpPr>
+        <p:grpSpPr>
+          <a:xfrm>
+            <a:off x="6955342" y="1424149"/>
+            <a:ext cx="695362" cy="5220000"/>
+            <a:chOff x="7564942" y="1424149"/>
+            <a:chExt cx="695362" cy="5220000"/>
+          </a:xfrm>
+        </p:grpSpPr>
+        <p:sp>
+          <p:nvSpPr>
+            <p:cNvPr id="15" name="직사각형 14"/>
+            <p:cNvSpPr/>
+            <p:nvPr/>
+          </p:nvSpPr>
+          <p:spPr>
+            <a:xfrm>
+              <a:off x="7822623" y="1424149"/>
+              <a:ext cx="180000" cy="5220000"/>
+            </a:xfrm>
+            <a:prstGeom prst="rect">
+              <a:avLst/>
+            </a:prstGeom>
+            <a:solidFill>
+              <a:srgbClr val="64C044"/>
+            </a:solidFill>
+            <a:ln>
+              <a:noFill/>
+            </a:ln>
+          </p:spPr>
+          <p:style>
+            <a:lnRef idx="2">
+              <a:schemeClr val="accent1">
+                <a:shade val="50000"/>
+              </a:schemeClr>
+            </a:lnRef>
+            <a:fillRef idx="1">
+              <a:schemeClr val="accent1"/>
+            </a:fillRef>
+            <a:effectRef idx="0">
+              <a:schemeClr val="accent1"/>
+            </a:effectRef>
+            <a:fontRef idx="minor">
+              <a:schemeClr val="lt1"/>
+            </a:fontRef>
+          </p:style>
+          <p:txBody>
+            <a:bodyPr rtlCol="0" anchor="ctr"/>
+            <a:lstStyle/>
+            <a:p>
+              <a:pPr algn="ctr"/>
+              <a:endParaRPr lang="ko-KR" altLang="en-US" dirty="0"/>
+            </a:p>
+          </p:txBody>
+        </p:sp>
+        <p:sp>
+          <p:nvSpPr>
+            <p:cNvPr id="18" name="타원 17"/>
+            <p:cNvSpPr/>
+            <p:nvPr/>
+          </p:nvSpPr>
+          <p:spPr>
+            <a:xfrm>
+              <a:off x="7614971" y="2861905"/>
+              <a:ext cx="619227" cy="619227"/>
+            </a:xfrm>
+            <a:prstGeom prst="ellipse">
+              <a:avLst/>
+            </a:prstGeom>
+            <a:solidFill>
+              <a:schemeClr val="bg1"/>
+            </a:solidFill>
+            <a:ln>
+              <a:noFill/>
+            </a:ln>
+          </p:spPr>
+          <p:style>
+            <a:lnRef idx="2">
+              <a:schemeClr val="accent1">
+                <a:shade val="50000"/>
+              </a:schemeClr>
+            </a:lnRef>
+            <a:fillRef idx="1">
+              <a:schemeClr val="accent1"/>
+            </a:fillRef>
+            <a:effectRef idx="0">
+              <a:schemeClr val="accent1"/>
+            </a:effectRef>
+            <a:fontRef idx="minor">
+              <a:schemeClr val="lt1"/>
+            </a:fontRef>
+          </p:style>
+          <p:txBody>
+            <a:bodyPr rtlCol="0" anchor="ctr"/>
+            <a:lstStyle/>
+            <a:p>
+              <a:pPr algn="ctr"/>
+              <a:endParaRPr lang="ko-KR" altLang="en-US"/>
+            </a:p>
+          </p:txBody>
+        </p:sp>
+        <p:sp>
+          <p:nvSpPr>
+            <p:cNvPr id="19" name="도넛 18"/>
+            <p:cNvSpPr/>
+            <p:nvPr/>
+          </p:nvSpPr>
+          <p:spPr>
+            <a:xfrm>
+              <a:off x="7564942" y="2861905"/>
+              <a:ext cx="695362" cy="695362"/>
+            </a:xfrm>
+            <a:prstGeom prst="donut">
+              <a:avLst>
+                <a:gd name="adj" fmla="val 17241"/>
+              </a:avLst>
+            </a:prstGeom>
+            <a:solidFill>
+              <a:srgbClr val="64C044"/>
+            </a:solidFill>
+            <a:ln>
+              <a:noFill/>
+            </a:ln>
+          </p:spPr>
+          <p:style>
+            <a:lnRef idx="2">
+              <a:schemeClr val="accent1">
+                <a:shade val="50000"/>
+              </a:schemeClr>
+            </a:lnRef>
+            <a:fillRef idx="1">
+              <a:schemeClr val="accent1"/>
+            </a:fillRef>
+            <a:effectRef idx="0">
+              <a:schemeClr val="accent1"/>
+            </a:effectRef>
+            <a:fontRef idx="minor">
+              <a:schemeClr val="lt1"/>
+            </a:fontRef>
+          </p:style>
+          <p:txBody>
+            <a:bodyPr rtlCol="0" anchor="ctr"/>
+            <a:lstStyle/>
+            <a:p>
+              <a:pPr algn="ctr"/>
+              <a:endParaRPr lang="ko-KR" altLang="en-US">
+                <a:solidFill>
+                  <a:schemeClr val="tx1"/>
+                </a:solidFill>
+              </a:endParaRPr>
+            </a:p>
+          </p:txBody>
+        </p:sp>
+      </p:grpSp>
+      <p:sp>
+        <p:nvSpPr>
+          <p:cNvPr id="7" name="TextBox 6"/>
+          <p:cNvSpPr txBox="1"/>
+          <p:nvPr/>
+        </p:nvSpPr>
+        <p:spPr>
+          <a:xfrm>
+            <a:off x="7650704" y="1647825"/>
+            <a:ext cx="4636546" cy="1661993"/>
+          </a:xfrm>
+          <a:prstGeom prst="rect">
+            <a:avLst/>
+          </a:prstGeom>
+          <a:noFill/>
+        </p:spPr>
+        <p:txBody>
+          <a:bodyPr wrap="square" rtlCol="0">
+            <a:spAutoFit/>
+          </a:bodyPr>
+          <a:lstStyle/>
+          <a:p>
+            <a:r>
+              <a:rPr lang="ko-KR" altLang="en-US" sz="2800" b="1" dirty="0" smtClean="0"/>
+              <a:t>공공 데이터 포탈의 </a:t>
+            </a:r>
+            <a:endParaRPr lang="en-US" altLang="ko-KR" sz="2800" b="1" dirty="0" smtClean="0"/>
+          </a:p>
+          <a:p>
+            <a:endParaRPr lang="en-US" altLang="ko-KR" sz="2800" b="1" dirty="0"/>
+          </a:p>
+          <a:p>
+            <a:r>
+              <a:rPr lang="ko-KR" altLang="en-US" sz="2800" b="1" dirty="0" smtClean="0"/>
+              <a:t>지하철 시간표 </a:t>
+            </a:r>
+            <a:r>
+              <a:rPr lang="en-US" altLang="ko-KR" sz="2800" b="1" dirty="0" smtClean="0"/>
+              <a:t>API</a:t>
+            </a:r>
+            <a:r>
+              <a:rPr lang="ko-KR" altLang="en-US" sz="2800" b="1" dirty="0" smtClean="0"/>
+              <a:t>를 활용</a:t>
+            </a:r>
+            <a:endParaRPr lang="en-US" altLang="ko-KR" dirty="0"/>
+          </a:p>
+          <a:p>
+            <a:endParaRPr lang="ko-KR" altLang="en-US" dirty="0"/>
+          </a:p>
+        </p:txBody>
+      </p:sp>
+      <p:pic>
+        <p:nvPicPr>
+          <p:cNvPr id="1027" name="Picture 3"/>
+          <p:cNvPicPr>
+            <a:picLocks noChangeAspect="1" noChangeArrowheads="1"/>
+          </p:cNvPicPr>
+          <p:nvPr/>
+        </p:nvPicPr>
+        <p:blipFill rotWithShape="1">
+          <a:blip r:embed="rId2" cstate="print">
+            <a:extLst>
+              <a:ext uri="{28A0092B-C50C-407E-A947-70E740481C1C}">
+                <a14:useLocalDpi xmlns:a14="http://schemas.microsoft.com/office/drawing/2010/main" val="0"/>
+              </a:ext>
+            </a:extLst>
+          </a:blip>
+          <a:srcRect l="1797" t="11467" r="3203" b="6805"/>
+          <a:stretch/>
+        </p:blipFill>
+        <p:spPr bwMode="auto">
+          <a:xfrm>
+            <a:off x="7724775" y="3711070"/>
+            <a:ext cx="4257675" cy="2060351"/>
+          </a:xfrm>
+          <a:prstGeom prst="rect">
+            <a:avLst/>
+          </a:prstGeom>
+          <a:noFill/>
+          <a:ln>
+            <a:noFill/>
+          </a:ln>
+          <a:effectLst/>
+          <a:extLst>
+            <a:ext uri="{909E8E84-426E-40DD-AFC4-6F175D3DCCD1}">
+              <a14:hiddenFill xmlns:a14="http://schemas.microsoft.com/office/drawing/2010/main">
+                <a:solidFill>
+                  <a:schemeClr val="accent1"/>
+                </a:solidFill>
+              </a14:hiddenFill>
+            </a:ext>
+            <a:ext uri="{91240B29-F687-4F45-9708-019B960494DF}">
+              <a14:hiddenLine xmlns:a14="http://schemas.microsoft.com/office/drawing/2010/main" w="9525">
+                <a:solidFill>
+                  <a:schemeClr val="tx1"/>
+                </a:solidFill>
+                <a:miter lim="800000"/>
+                <a:headEnd/>
+                <a:tailEnd/>
+              </a14:hiddenLine>
+            </a:ext>
+            <a:ext uri="{AF507438-7753-43E0-B8FC-AC1667EBCBE1}">
+              <a14:hiddenEffects xmlns:a14="http://schemas.microsoft.com/office/drawing/2010/main">
+                <a:effectLst>
+                  <a:outerShdw dist="35921" dir="2700000" algn="ctr" rotWithShape="0">
+                    <a:schemeClr val="bg2"/>
+                  </a:outerShdw>
+                </a:effectLst>
+              </a14:hiddenEffects>
+            </a:ext>
+          </a:extLst>
+        </p:spPr>
+      </p:pic>
+      <p:cxnSp>
+        <p:nvCxnSpPr>
+          <p:cNvPr id="23" name="직선 화살표 연결선 22"/>
+          <p:cNvCxnSpPr/>
+          <p:nvPr/>
+        </p:nvCxnSpPr>
+        <p:spPr>
+          <a:xfrm>
+            <a:off x="9601200" y="3095625"/>
+            <a:ext cx="0" cy="615445"/>
+          </a:xfrm>
+          <a:prstGeom prst="straightConnector1">
+            <a:avLst/>
+          </a:prstGeom>
+          <a:ln w="57150">
+            <a:solidFill>
+              <a:srgbClr val="64C044"/>
+            </a:solidFill>
+            <a:tailEnd type="arrow"/>
+          </a:ln>
+        </p:spPr>
+        <p:style>
+          <a:lnRef idx="1">
+            <a:schemeClr val="accent1"/>
+          </a:lnRef>
+          <a:fillRef idx="0">
+            <a:schemeClr val="accent1"/>
+          </a:fillRef>
+          <a:effectRef idx="0">
+            <a:schemeClr val="accent1"/>
+          </a:effectRef>
+          <a:fontRef idx="minor">
+            <a:schemeClr val="tx1"/>
+          </a:fontRef>
+        </p:style>
+      </p:cxnSp>
+      <p:pic>
+        <p:nvPicPr>
+          <p:cNvPr id="24" name="Picture 3"/>
+          <p:cNvPicPr>
+            <a:picLocks noChangeAspect="1" noChangeArrowheads="1"/>
+          </p:cNvPicPr>
+          <p:nvPr/>
+        </p:nvPicPr>
+        <p:blipFill rotWithShape="1">
+          <a:blip r:embed="rId2" cstate="print">
+            <a:extLst>
+              <a:ext uri="{28A0092B-C50C-407E-A947-70E740481C1C}">
+                <a14:useLocalDpi xmlns:a14="http://schemas.microsoft.com/office/drawing/2010/main" val="0"/>
+              </a:ext>
+            </a:extLst>
+          </a:blip>
+          <a:srcRect l="1797" t="11467" r="3203" b="6805"/>
+          <a:stretch/>
+        </p:blipFill>
+        <p:spPr bwMode="auto">
+          <a:xfrm>
+            <a:off x="578070" y="1393639"/>
+            <a:ext cx="10537934" cy="5099460"/>
+          </a:xfrm>
+          <a:prstGeom prst="rect">
+            <a:avLst/>
+          </a:prstGeom>
+          <a:noFill/>
+          <a:ln>
+            <a:noFill/>
+          </a:ln>
+          <a:effectLst/>
+          <a:extLst>
+            <a:ext uri="{909E8E84-426E-40DD-AFC4-6F175D3DCCD1}">
+              <a14:hiddenFill xmlns:a14="http://schemas.microsoft.com/office/drawing/2010/main">
+                <a:solidFill>
+                  <a:schemeClr val="accent1"/>
+                </a:solidFill>
+              </a14:hiddenFill>
+            </a:ext>
+            <a:ext uri="{91240B29-F687-4F45-9708-019B960494DF}">
+              <a14:hiddenLine xmlns:a14="http://schemas.microsoft.com/office/drawing/2010/main" w="9525">
+                <a:solidFill>
+                  <a:schemeClr val="tx1"/>
+                </a:solidFill>
+                <a:miter lim="800000"/>
+                <a:headEnd/>
+                <a:tailEnd/>
+              </a14:hiddenLine>
+            </a:ext>
+            <a:ext uri="{AF507438-7753-43E0-B8FC-AC1667EBCBE1}">
+              <a14:hiddenEffects xmlns:a14="http://schemas.microsoft.com/office/drawing/2010/main">
+                <a:effectLst>
+                  <a:outerShdw dist="35921" dir="2700000" algn="ctr" rotWithShape="0">
+                    <a:schemeClr val="bg2"/>
+                  </a:outerShdw>
+                </a:effectLst>
+              </a14:hiddenEffects>
+            </a:ext>
+          </a:extLst>
+        </p:spPr>
+      </p:pic>
     </p:spTree>
     <p:extLst>
       <p:ext uri="{BB962C8B-B14F-4D97-AF65-F5344CB8AC3E}">
@@ -6004,7 +7570,129 @@
   <p:timing>
     <p:tnLst>
       <p:par>
-        <p:cTn id="1" dur="indefinite" restart="never" nodeType="tmRoot"/>
+        <p:cTn id="1" dur="indefinite" restart="never" nodeType="tmRoot">
+          <p:childTnLst>
+            <p:seq concurrent="1" nextAc="seek">
+              <p:cTn id="2" dur="indefinite" nodeType="mainSeq">
+                <p:childTnLst>
+                  <p:par>
+                    <p:cTn id="3" fill="hold">
+                      <p:stCondLst>
+                        <p:cond delay="indefinite"/>
+                      </p:stCondLst>
+                      <p:childTnLst>
+                        <p:par>
+                          <p:cTn id="4" fill="hold">
+                            <p:stCondLst>
+                              <p:cond delay="0"/>
+                            </p:stCondLst>
+                            <p:childTnLst>
+                              <p:par>
+                                <p:cTn id="5" presetID="42" presetClass="entr" presetSubtype="0" fill="hold" nodeType="clickEffect">
+                                  <p:stCondLst>
+                                    <p:cond delay="0"/>
+                                  </p:stCondLst>
+                                  <p:childTnLst>
+                                    <p:set>
+                                      <p:cBhvr>
+                                        <p:cTn id="6" dur="1" fill="hold">
+                                          <p:stCondLst>
+                                            <p:cond delay="0"/>
+                                          </p:stCondLst>
+                                        </p:cTn>
+                                        <p:tgtEl>
+                                          <p:spTgt spid="24"/>
+                                        </p:tgtEl>
+                                        <p:attrNameLst>
+                                          <p:attrName>style.visibility</p:attrName>
+                                        </p:attrNameLst>
+                                      </p:cBhvr>
+                                      <p:to>
+                                        <p:strVal val="visible"/>
+                                      </p:to>
+                                    </p:set>
+                                    <p:animEffect transition="in" filter="fade">
+                                      <p:cBhvr>
+                                        <p:cTn id="7" dur="1000"/>
+                                        <p:tgtEl>
+                                          <p:spTgt spid="24"/>
+                                        </p:tgtEl>
+                                      </p:cBhvr>
+                                    </p:animEffect>
+                                    <p:anim calcmode="lin" valueType="num">
+                                      <p:cBhvr>
+                                        <p:cTn id="8" dur="1000" fill="hold"/>
+                                        <p:tgtEl>
+                                          <p:spTgt spid="24"/>
+                                        </p:tgtEl>
+                                        <p:attrNameLst>
+                                          <p:attrName>ppt_x</p:attrName>
+                                        </p:attrNameLst>
+                                      </p:cBhvr>
+                                      <p:tavLst>
+                                        <p:tav tm="0">
+                                          <p:val>
+                                            <p:strVal val="#ppt_x"/>
+                                          </p:val>
+                                        </p:tav>
+                                        <p:tav tm="100000">
+                                          <p:val>
+                                            <p:strVal val="#ppt_x"/>
+                                          </p:val>
+                                        </p:tav>
+                                      </p:tavLst>
+                                    </p:anim>
+                                    <p:anim calcmode="lin" valueType="num">
+                                      <p:cBhvr>
+                                        <p:cTn id="9" dur="1000" fill="hold"/>
+                                        <p:tgtEl>
+                                          <p:spTgt spid="24"/>
+                                        </p:tgtEl>
+                                        <p:attrNameLst>
+                                          <p:attrName>ppt_y</p:attrName>
+                                        </p:attrNameLst>
+                                      </p:cBhvr>
+                                      <p:tavLst>
+                                        <p:tav tm="0">
+                                          <p:val>
+                                            <p:strVal val="#ppt_y+.1"/>
+                                          </p:val>
+                                        </p:tav>
+                                        <p:tav tm="100000">
+                                          <p:val>
+                                            <p:strVal val="#ppt_y"/>
+                                          </p:val>
+                                        </p:tav>
+                                      </p:tavLst>
+                                    </p:anim>
+                                  </p:childTnLst>
+                                </p:cTn>
+                              </p:par>
+                            </p:childTnLst>
+                          </p:cTn>
+                        </p:par>
+                      </p:childTnLst>
+                    </p:cTn>
+                  </p:par>
+                </p:childTnLst>
+              </p:cTn>
+              <p:prevCondLst>
+                <p:cond evt="onPrev" delay="0">
+                  <p:tgtEl>
+                    <p:sldTgt/>
+                  </p:tgtEl>
+                </p:cond>
+              </p:prevCondLst>
+              <p:nextCondLst>
+                <p:cond evt="onNext" delay="0">
+                  <p:tgtEl>
+                    <p:sldTgt/>
+                  </p:tgtEl>
+                </p:cond>
+              </p:nextCondLst>
+            </p:seq>
+          </p:childTnLst>
+        </p:cTn>
       </p:par>
     </p:tnLst>
   </p:timing>
@@ -7874,6 +9562,68 @@
           </a:graphicData>
         </a:graphic>
       </p:graphicFrame>
+      <p:pic>
+        <p:nvPicPr>
+          <p:cNvPr id="1026" name="Picture 2"/>
+          <p:cNvPicPr>
+            <a:picLocks noChangeAspect="1" noChangeArrowheads="1"/>
+          </p:cNvPicPr>
+          <p:nvPr/>
+        </p:nvPicPr>
+        <p:blipFill rotWithShape="1">
+          <a:blip r:embed="rId4">
+            <a:extLst>
+              <a:ext uri="{28A0092B-C50C-407E-A947-70E740481C1C}">
+                <a14:useLocalDpi xmlns:a14="http://schemas.microsoft.com/office/drawing/2010/main" val="0"/>
+              </a:ext>
+            </a:extLst>
+          </a:blip>
+          <a:srcRect l="625" t="9563" r="2578" b="6051"/>
+          <a:stretch/>
+        </p:blipFill>
+        <p:spPr bwMode="auto">
+          <a:xfrm>
+            <a:off x="1074405" y="1569010"/>
+            <a:ext cx="9686925" cy="4750278"/>
+          </a:xfrm>
+          <a:prstGeom prst="rect">
+            <a:avLst/>
+          </a:prstGeom>
+          <a:noFill/>
+          <a:ln>
+            <a:noFill/>
+          </a:ln>
+          <a:effectLst/>
+          <a:extLst>
+            <a:ext uri="{909E8E84-426E-40DD-AFC4-6F175D3DCCD1}">
+              <a14:hiddenFill xmlns:a14="http://schemas.microsoft.com/office/drawing/2010/main">
+                <a:solidFill>
+                  <a:schemeClr val="accent1"/>
+                </a:solidFill>
+              </a14:hiddenFill>
+            </a:ext>
+            <a:ext uri="{91240B29-F687-4F45-9708-019B960494DF}">
+              <a14:hiddenLine xmlns:a14="http://schemas.microsoft.com/office/drawing/2010/main" w="9525">
+                <a:solidFill>
+                  <a:schemeClr val="tx1"/>
+                </a:solidFill>
+                <a:miter lim="800000"/>
+                <a:headEnd/>
+                <a:tailEnd/>
+              </a14:hiddenLine>
+            </a:ext>
+            <a:ext uri="{AF507438-7753-43E0-B8FC-AC1667EBCBE1}">
+              <a14:hiddenEffects xmlns:a14="http://schemas.microsoft.com/office/drawing/2010/main">
+                <a:effectLst>
+                  <a:outerShdw dist="35921" dir="2700000" algn="ctr" rotWithShape="0">
+                    <a:schemeClr val="bg2"/>
+                  </a:outerShdw>
+                </a:effectLst>
+              </a14:hiddenEffects>
+            </a:ext>
+          </a:extLst>
+        </p:spPr>
+      </p:pic>
     </p:spTree>
     <p:extLst>
       <p:ext uri="{BB962C8B-B14F-4D97-AF65-F5344CB8AC3E}">
@@ -7887,7 +9637,129 @@
   <p:timing>
     <p:tnLst>
       <p:par>
-        <p:cTn id="1" dur="indefinite" restart="never" nodeType="tmRoot"/>
+        <p:cTn id="1" dur="indefinite" restart="never" nodeType="tmRoot">
+          <p:childTnLst>
+            <p:seq concurrent="1" nextAc="seek">
+              <p:cTn id="2" dur="indefinite" nodeType="mainSeq">
+                <p:childTnLst>
+                  <p:par>
+                    <p:cTn id="3" fill="hold">
+                      <p:stCondLst>
+                        <p:cond delay="indefinite"/>
+                      </p:stCondLst>
+                      <p:childTnLst>
+                        <p:par>
+                          <p:cTn id="4" fill="hold">
+                            <p:stCondLst>
+                              <p:cond delay="0"/>
+                            </p:stCondLst>
+                            <p:childTnLst>
+                              <p:par>
+                                <p:cTn id="5" presetID="42" presetClass="entr" presetSubtype="0" fill="hold" nodeType="clickEffect">
+                                  <p:stCondLst>
+                                    <p:cond delay="0"/>
+                                  </p:stCondLst>
+                                  <p:childTnLst>
+                                    <p:set>
+                                      <p:cBhvr>
+                                        <p:cTn id="6" dur="1" fill="hold">
+                                          <p:stCondLst>
+                                            <p:cond delay="0"/>
+                                          </p:stCondLst>
+                                        </p:cTn>
+                                        <p:tgtEl>
+                                          <p:spTgt spid="1026"/>
+                                        </p:tgtEl>
+                                        <p:attrNameLst>
+                                          <p:attrName>style.visibility</p:attrName>
+                                        </p:attrNameLst>
+                                      </p:cBhvr>
+                                      <p:to>
+                                        <p:strVal val="visible"/>
+                                      </p:to>
+                                    </p:set>
+                                    <p:animEffect transition="in" filter="fade">
+                                      <p:cBhvr>
+                                        <p:cTn id="7" dur="1000"/>
+                                        <p:tgtEl>
+                                          <p:spTgt spid="1026"/>
+                                        </p:tgtEl>
+                                      </p:cBhvr>
+                                    </p:animEffect>
+                                    <p:anim calcmode="lin" valueType="num">
+                                      <p:cBhvr>
+                                        <p:cTn id="8" dur="1000" fill="hold"/>
+                                        <p:tgtEl>
+                                          <p:spTgt spid="1026"/>
+                                        </p:tgtEl>
+                                        <p:attrNameLst>
+                                          <p:attrName>ppt_x</p:attrName>
+                                        </p:attrNameLst>
+                                      </p:cBhvr>
+                                      <p:tavLst>
+                                        <p:tav tm="0">
+                                          <p:val>
+                                            <p:strVal val="#ppt_x"/>
+                                          </p:val>
+                                        </p:tav>
+                                        <p:tav tm="100000">
+                                          <p:val>
+                                            <p:strVal val="#ppt_x"/>
+                                          </p:val>
+                                        </p:tav>
+                                      </p:tavLst>
+                                    </p:anim>
+                                    <p:anim calcmode="lin" valueType="num">
+                                      <p:cBhvr>
+                                        <p:cTn id="9" dur="1000" fill="hold"/>
+                                        <p:tgtEl>
+                                          <p:spTgt spid="1026"/>
+                                        </p:tgtEl>
+                                        <p:attrNameLst>
+                                          <p:attrName>ppt_y</p:attrName>
+                                        </p:attrNameLst>
+                                      </p:cBhvr>
+                                      <p:tavLst>
+                                        <p:tav tm="0">
+                                          <p:val>
+                                            <p:strVal val="#ppt_y+.1"/>
+                                          </p:val>
+                                        </p:tav>
+                                        <p:tav tm="100000">
+                                          <p:val>
+                                            <p:strVal val="#ppt_y"/>
+                                          </p:val>
+                                        </p:tav>
+                                      </p:tavLst>
+                                    </p:anim>
+                                  </p:childTnLst>
+                                </p:cTn>
+                              </p:par>
+                            </p:childTnLst>
+                          </p:cTn>
+                        </p:par>
+                      </p:childTnLst>
+                    </p:cTn>
+                  </p:par>
+                </p:childTnLst>
+              </p:cTn>
+              <p:prevCondLst>
+                <p:cond evt="onPrev" delay="0">
+                  <p:tgtEl>
+                    <p:sldTgt/>
+                  </p:tgtEl>
+                </p:cond>
+              </p:prevCondLst>
+              <p:nextCondLst>
+                <p:cond evt="onNext" delay="0">
+                  <p:tgtEl>
+                    <p:sldTgt/>
+                  </p:tgtEl>
+                </p:cond>
+              </p:nextCondLst>
+            </p:seq>
+          </p:childTnLst>
+        </p:cTn>
       </p:par>
     </p:tnLst>
   </p:timing>
@@ -8701,6 +10573,68 @@
           </p:spPr>
         </p:pic>
       </p:grpSp>
+      <p:pic>
+        <p:nvPicPr>
+          <p:cNvPr id="2050" name="Picture 2"/>
+          <p:cNvPicPr>
+            <a:picLocks noChangeAspect="1" noChangeArrowheads="1"/>
+          </p:cNvPicPr>
+          <p:nvPr/>
+        </p:nvPicPr>
+        <p:blipFill rotWithShape="1">
+          <a:blip r:embed="rId6">
+            <a:extLst>
+              <a:ext uri="{28A0092B-C50C-407E-A947-70E740481C1C}">
+                <a14:useLocalDpi xmlns:a14="http://schemas.microsoft.com/office/drawing/2010/main" val="0"/>
+              </a:ext>
+            </a:extLst>
+          </a:blip>
+          <a:srcRect t="11467" r="2187" b="7202"/>
+          <a:stretch/>
+        </p:blipFill>
+        <p:spPr bwMode="auto">
+          <a:xfrm>
+            <a:off x="761445" y="1472457"/>
+            <a:ext cx="10458450" cy="4891611"/>
+          </a:xfrm>
+          <a:prstGeom prst="rect">
+            <a:avLst/>
+          </a:prstGeom>
+          <a:noFill/>
+          <a:ln>
+            <a:noFill/>
+          </a:ln>
+          <a:effectLst/>
+          <a:extLst>
+            <a:ext uri="{909E8E84-426E-40DD-AFC4-6F175D3DCCD1}">
+              <a14:hiddenFill xmlns:a14="http://schemas.microsoft.com/office/drawing/2010/main">
+                <a:solidFill>
+                  <a:schemeClr val="accent1"/>
+                </a:solidFill>
+              </a14:hiddenFill>
+            </a:ext>
+            <a:ext uri="{91240B29-F687-4F45-9708-019B960494DF}">
+              <a14:hiddenLine xmlns:a14="http://schemas.microsoft.com/office/drawing/2010/main" w="9525">
+                <a:solidFill>
+                  <a:schemeClr val="tx1"/>
+                </a:solidFill>
+                <a:miter lim="800000"/>
+                <a:headEnd/>
+                <a:tailEnd/>
+              </a14:hiddenLine>
+            </a:ext>
+            <a:ext uri="{AF507438-7753-43E0-B8FC-AC1667EBCBE1}">
+              <a14:hiddenEffects xmlns:a14="http://schemas.microsoft.com/office/drawing/2010/main">
+                <a:effectLst>
+                  <a:outerShdw dist="35921" dir="2700000" algn="ctr" rotWithShape="0">
+                    <a:schemeClr val="bg2"/>
+                  </a:outerShdw>
+                </a:effectLst>
+              </a14:hiddenEffects>
+            </a:ext>
+          </a:extLst>
+        </p:spPr>
+      </p:pic>
     </p:spTree>
     <p:extLst>
       <p:ext uri="{BB962C8B-B14F-4D97-AF65-F5344CB8AC3E}">
@@ -8714,7 +10648,129 @@
   <p:timing>
     <p:tnLst>
       <p:par>
-        <p:cTn id="1" dur="indefinite" restart="never" nodeType="tmRoot"/>
+        <p:cTn id="1" dur="indefinite" restart="never" nodeType="tmRoot">
+          <p:childTnLst>
+            <p:seq concurrent="1" nextAc="seek">
+              <p:cTn id="2" dur="indefinite" nodeType="mainSeq">
+                <p:childTnLst>
+                  <p:par>
+                    <p:cTn id="3" fill="hold">
+                      <p:stCondLst>
+                        <p:cond delay="indefinite"/>
+                      </p:stCondLst>
+                      <p:childTnLst>
+                        <p:par>
+                          <p:cTn id="4" fill="hold">
+                            <p:stCondLst>
+                              <p:cond delay="0"/>
+                            </p:stCondLst>
+                            <p:childTnLst>
+                              <p:par>
+                                <p:cTn id="5" presetID="42" presetClass="entr" presetSubtype="0" fill="hold" nodeType="clickEffect">
+                                  <p:stCondLst>
+                                    <p:cond delay="0"/>
+                                  </p:stCondLst>
+                                  <p:childTnLst>
+                                    <p:set>
+                                      <p:cBhvr>
+                                        <p:cTn id="6" dur="1" fill="hold">
+                                          <p:stCondLst>
+                                            <p:cond delay="0"/>
+                                          </p:stCondLst>
+                                        </p:cTn>
+                                        <p:tgtEl>
+                                          <p:spTgt spid="2050"/>
+                                        </p:tgtEl>
+                                        <p:attrNameLst>
+                                          <p:attrName>style.visibility</p:attrName>
+                                        </p:attrNameLst>
+                                      </p:cBhvr>
+                                      <p:to>
+                                        <p:strVal val="visible"/>
+                                      </p:to>
+                                    </p:set>
+                                    <p:animEffect transition="in" filter="fade">
+                                      <p:cBhvr>
+                                        <p:cTn id="7" dur="1000"/>
+                                        <p:tgtEl>
+                                          <p:spTgt spid="2050"/>
+                                        </p:tgtEl>
+                                      </p:cBhvr>
+                                    </p:animEffect>
+                                    <p:anim calcmode="lin" valueType="num">
+                                      <p:cBhvr>
+                                        <p:cTn id="8" dur="1000" fill="hold"/>
+                                        <p:tgtEl>
+                                          <p:spTgt spid="2050"/>
+                                        </p:tgtEl>
+                                        <p:attrNameLst>
+                                          <p:attrName>ppt_x</p:attrName>
+                                        </p:attrNameLst>
+                                      </p:cBhvr>
+                                      <p:tavLst>
+                                        <p:tav tm="0">
+                                          <p:val>
+                                            <p:strVal val="#ppt_x"/>
+                                          </p:val>
+                                        </p:tav>
+                                        <p:tav tm="100000">
+                                          <p:val>
+                                            <p:strVal val="#ppt_x"/>
+                                          </p:val>
+                                        </p:tav>
+                                      </p:tavLst>
+                                    </p:anim>
+                                    <p:anim calcmode="lin" valueType="num">
+                                      <p:cBhvr>
+                                        <p:cTn id="9" dur="1000" fill="hold"/>
+                                        <p:tgtEl>
+                                          <p:spTgt spid="2050"/>
+                                        </p:tgtEl>
+                                        <p:attrNameLst>
+                                          <p:attrName>ppt_y</p:attrName>
+                                        </p:attrNameLst>
+                                      </p:cBhvr>
+                                      <p:tavLst>
+                                        <p:tav tm="0">
+                                          <p:val>
+                                            <p:strVal val="#ppt_y+.1"/>
+                                          </p:val>
+                                        </p:tav>
+                                        <p:tav tm="100000">
+                                          <p:val>
+                                            <p:strVal val="#ppt_y"/>
+                                          </p:val>
+                                        </p:tav>
+                                      </p:tavLst>
+                                    </p:anim>
+                                  </p:childTnLst>
+                                </p:cTn>
+                              </p:par>
+                            </p:childTnLst>
+                          </p:cTn>
+                        </p:par>
+                      </p:childTnLst>
+                    </p:cTn>
+                  </p:par>
+                </p:childTnLst>
+              </p:cTn>
+              <p:prevCondLst>
+                <p:cond evt="onPrev" delay="0">
+                  <p:tgtEl>
+                    <p:sldTgt/>
+                  </p:tgtEl>
+                </p:cond>
+              </p:prevCondLst>
+              <p:nextCondLst>
+                <p:cond evt="onNext" delay="0">
+                  <p:tgtEl>
+                    <p:sldTgt/>
+                  </p:tgtEl>
+                </p:cond>
+              </p:nextCondLst>
+            </p:seq>
+          </p:childTnLst>
+        </p:cTn>
       </p:par>
     </p:tnLst>
   </p:timing>
@@ -10291,15 +12347,23 @@
             </a:r>
             <a:r>
               <a:rPr lang="ko-KR" altLang="en-US" sz="2800" b="1" dirty="0"/>
-              <a:t> 역명을 보내면 실시간 시간표 </a:t>
+              <a:t> 역명을 보내면 실시간 </a:t>
             </a:r>
             <a:r>
-              <a:rPr lang="en-US" altLang="ko-KR" sz="2800" b="1" dirty="0"/>
+              <a:rPr lang="ko-KR" altLang="en-US" sz="2800" b="1" dirty="0" smtClean="0"/>
+              <a:t>도착정보 </a:t>
+            </a:r>
+            <a:r>
+              <a:rPr lang="en-US" altLang="ko-KR" sz="2800" b="1" dirty="0" smtClean="0"/>
               <a:t>5</a:t>
             </a:r>
             <a:r>
+              <a:rPr lang="ko-KR" altLang="en-US" sz="2800" b="1" dirty="0" smtClean="0"/>
+              <a:t>개를 </a:t>
+            </a:r>
+            <a:r>
               <a:rPr lang="ko-KR" altLang="en-US" sz="2800" b="1" dirty="0"/>
-              <a:t>개의 정보를 답장</a:t>
+              <a:t>답장</a:t>
             </a:r>
             <a:endParaRPr lang="en-US" altLang="ko-KR" sz="2800" b="1" dirty="0"/>
           </a:p>
@@ -10618,7 +12682,19 @@
             <a:p>
               <a:r>
                 <a:rPr lang="ko-KR" altLang="en-US" sz="3200" b="1" dirty="0"/>
-                <a:t>최종 구성 디자인</a:t>
+                <a:t>최종 </a:t>
+              </a:r>
+              <a:r>
+                <a:rPr lang="en-US" altLang="ko-KR" sz="3200" b="1" dirty="0" smtClean="0"/>
+                <a:t>UI</a:t>
+              </a:r>
+              <a:r>
+                <a:rPr lang="ko-KR" altLang="en-US" sz="3200" b="1" dirty="0" smtClean="0"/>
+                <a:t> </a:t>
+              </a:r>
+              <a:r>
+                <a:rPr lang="ko-KR" altLang="en-US" sz="3200" b="1" dirty="0"/>
+                <a:t>디자인</a:t>
               </a:r>
             </a:p>
           </p:txBody>
@@ -10626,499 +12702,52 @@
       </p:grpSp>
       <p:grpSp>
         <p:nvGrpSpPr>
-          <p:cNvPr id="49" name="그룹 48"/>
+          <p:cNvPr id="30" name="그룹 29"/>
           <p:cNvGrpSpPr/>
           <p:nvPr/>
         </p:nvGrpSpPr>
         <p:grpSpPr>
           <a:xfrm>
-            <a:off x="952937" y="1430860"/>
-            <a:ext cx="10134163" cy="5122340"/>
-            <a:chOff x="952937" y="1430860"/>
-            <a:chExt cx="10134163" cy="5122340"/>
+            <a:off x="923326" y="1318163"/>
+            <a:ext cx="10163774" cy="5435062"/>
+            <a:chOff x="923326" y="1318163"/>
+            <a:chExt cx="10163774" cy="5435062"/>
           </a:xfrm>
         </p:grpSpPr>
-        <p:sp>
-          <p:nvSpPr>
-            <p:cNvPr id="11" name="직사각형 10"/>
-            <p:cNvSpPr/>
-            <p:nvPr/>
-          </p:nvSpPr>
-          <p:spPr>
-            <a:xfrm>
-              <a:off x="952937" y="1430860"/>
-              <a:ext cx="10134163" cy="5122340"/>
-            </a:xfrm>
-            <a:prstGeom prst="rect">
-              <a:avLst/>
-            </a:prstGeom>
-            <a:noFill/>
-            <a:ln w="57150">
-              <a:solidFill>
-                <a:srgbClr val="00B050"/>
-              </a:solidFill>
-            </a:ln>
-          </p:spPr>
-          <p:style>
-            <a:lnRef idx="2">
-              <a:schemeClr val="accent1">
-                <a:shade val="50000"/>
-              </a:schemeClr>
-            </a:lnRef>
-            <a:fillRef idx="1">
-              <a:schemeClr val="accent1"/>
-            </a:fillRef>
-            <a:effectRef idx="0">
-              <a:schemeClr val="accent1"/>
-            </a:effectRef>
-            <a:fontRef idx="minor">
-              <a:schemeClr val="lt1"/>
-            </a:fontRef>
-          </p:style>
-          <p:txBody>
-            <a:bodyPr rtlCol="0" anchor="ctr"/>
-            <a:lstStyle/>
-            <a:p>
-              <a:pPr algn="ctr"/>
-              <a:endParaRPr lang="ko-KR" altLang="en-US"/>
-            </a:p>
-          </p:txBody>
-        </p:sp>
         <p:grpSp>
           <p:nvGrpSpPr>
-            <p:cNvPr id="35" name="그룹 34"/>
+            <p:cNvPr id="10" name="그룹 9"/>
             <p:cNvGrpSpPr/>
             <p:nvPr/>
           </p:nvGrpSpPr>
           <p:grpSpPr>
             <a:xfrm>
-              <a:off x="5840223" y="1582693"/>
-              <a:ext cx="5068604" cy="523220"/>
-              <a:chOff x="5840223" y="1752033"/>
-              <a:chExt cx="5068604" cy="523220"/>
+              <a:off x="952937" y="1333497"/>
+              <a:ext cx="10134163" cy="5419728"/>
+              <a:chOff x="952937" y="1333497"/>
+              <a:chExt cx="10134163" cy="5419728"/>
             </a:xfrm>
           </p:grpSpPr>
           <p:sp>
             <p:nvSpPr>
-              <p:cNvPr id="13" name="TextBox 12"/>
-              <p:cNvSpPr txBox="1"/>
+              <p:cNvPr id="39" name="직사각형 38"/>
+              <p:cNvSpPr/>
               <p:nvPr/>
             </p:nvSpPr>
             <p:spPr>
               <a:xfrm>
-                <a:off x="9918227" y="1752033"/>
-                <a:ext cx="990600" cy="523220"/>
+                <a:off x="952937" y="1333497"/>
+                <a:ext cx="10134163" cy="288000"/>
               </a:xfrm>
               <a:prstGeom prst="rect">
                 <a:avLst/>
               </a:prstGeom>
               <a:solidFill>
-                <a:srgbClr val="92D050"/>
-              </a:solidFill>
-            </p:spPr>
-            <p:txBody>
-              <a:bodyPr wrap="square" rtlCol="0">
-                <a:spAutoFit/>
-              </a:bodyPr>
-              <a:lstStyle/>
-              <a:p>
-                <a:r>
-                  <a:rPr lang="ko-KR" altLang="en-US" sz="2800" b="1" dirty="0" smtClean="0"/>
-                  <a:t>검색</a:t>
-                </a:r>
-                <a:endParaRPr lang="en-US" altLang="ko-KR" sz="2800" b="1" dirty="0"/>
-              </a:p>
-            </p:txBody>
-          </p:sp>
-          <p:sp>
-            <p:nvSpPr>
-              <p:cNvPr id="14" name="TextBox 13"/>
-              <p:cNvSpPr txBox="1"/>
-              <p:nvPr/>
-            </p:nvSpPr>
-            <p:spPr>
-              <a:xfrm>
-                <a:off x="5840223" y="1752033"/>
-                <a:ext cx="3989879" cy="523220"/>
-              </a:xfrm>
-              <a:prstGeom prst="rect">
-                <a:avLst/>
-              </a:prstGeom>
-              <a:noFill/>
-              <a:ln w="28575">
-                <a:solidFill>
-                  <a:srgbClr val="64C044"/>
-                </a:solidFill>
-              </a:ln>
-            </p:spPr>
-            <p:txBody>
-              <a:bodyPr wrap="square" rtlCol="0">
-                <a:spAutoFit/>
-              </a:bodyPr>
-              <a:lstStyle/>
-              <a:p>
-                <a:r>
-                  <a:rPr lang="ko-KR" altLang="en-US" sz="2800" b="1" dirty="0" err="1" smtClean="0"/>
-                  <a:t>충무로역</a:t>
-                </a:r>
-                <a:endParaRPr lang="en-US" altLang="ko-KR" sz="2800" b="1" dirty="0"/>
-              </a:p>
-            </p:txBody>
-          </p:sp>
-        </p:grpSp>
-        <p:pic>
-          <p:nvPicPr>
-            <p:cNvPr id="15" name="Picture 6" descr="C:\Users\user\AppData\Local\Microsoft\Windows\INetCache\IE\SCXF6NYW\mail-1454732_960_720[1].png"/>
-            <p:cNvPicPr>
-              <a:picLocks noChangeAspect="1" noChangeArrowheads="1"/>
-            </p:cNvPicPr>
-            <p:nvPr/>
-          </p:nvPicPr>
-          <p:blipFill>
-            <a:blip r:embed="rId2" cstate="print">
-              <a:extLst>
-                <a:ext uri="{28A0092B-C50C-407E-A947-70E740481C1C}">
-                  <a14:useLocalDpi xmlns:a14="http://schemas.microsoft.com/office/drawing/2010/main" val="0"/>
-                </a:ext>
-              </a:extLst>
-            </a:blip>
-            <a:srcRect/>
-            <a:stretch>
-              <a:fillRect/>
-            </a:stretch>
-          </p:blipFill>
-          <p:spPr bwMode="auto">
-            <a:xfrm>
-              <a:off x="8682773" y="5309298"/>
-              <a:ext cx="1062360" cy="1062360"/>
-            </a:xfrm>
-            <a:prstGeom prst="rect">
-              <a:avLst/>
-            </a:prstGeom>
-            <a:noFill/>
-            <a:extLst>
-              <a:ext uri="{909E8E84-426E-40DD-AFC4-6F175D3DCCD1}">
-                <a14:hiddenFill xmlns:a14="http://schemas.microsoft.com/office/drawing/2010/main">
-                  <a:solidFill>
-                    <a:srgbClr val="FFFFFF"/>
-                  </a:solidFill>
-                </a14:hiddenFill>
-              </a:ext>
-            </a:extLst>
-          </p:spPr>
-        </p:pic>
-        <p:pic>
-          <p:nvPicPr>
-            <p:cNvPr id="16" name="Picture 6" descr="C:\Users\user\AppData\Local\Microsoft\Windows\INetCache\IE\SCXF6NYW\google-maps-1797882_960_720[1].png"/>
-            <p:cNvPicPr>
-              <a:picLocks noChangeAspect="1" noChangeArrowheads="1"/>
-            </p:cNvPicPr>
-            <p:nvPr/>
-          </p:nvPicPr>
-          <p:blipFill rotWithShape="1">
-            <a:blip r:embed="rId3" cstate="print">
-              <a:extLst>
-                <a:ext uri="{28A0092B-C50C-407E-A947-70E740481C1C}">
-                  <a14:useLocalDpi xmlns:a14="http://schemas.microsoft.com/office/drawing/2010/main" val="0"/>
-                </a:ext>
-              </a:extLst>
-            </a:blip>
-            <a:srcRect l="18280" t="14318" r="10573" b="14546"/>
-            <a:stretch/>
-          </p:blipFill>
-          <p:spPr bwMode="auto">
-            <a:xfrm>
-              <a:off x="9918227" y="5371042"/>
-              <a:ext cx="959868" cy="938872"/>
-            </a:xfrm>
-            <a:prstGeom prst="rect">
-              <a:avLst/>
-            </a:prstGeom>
-            <a:noFill/>
-            <a:extLst>
-              <a:ext uri="{909E8E84-426E-40DD-AFC4-6F175D3DCCD1}">
-                <a14:hiddenFill xmlns:a14="http://schemas.microsoft.com/office/drawing/2010/main">
-                  <a:solidFill>
-                    <a:srgbClr val="FFFFFF"/>
-                  </a:solidFill>
-                </a14:hiddenFill>
-              </a:ext>
-            </a:extLst>
-          </p:spPr>
-        </p:pic>
-        <p:sp>
-          <p:nvSpPr>
-            <p:cNvPr id="18" name="TextBox 17"/>
-            <p:cNvSpPr txBox="1"/>
-            <p:nvPr/>
-          </p:nvSpPr>
-          <p:spPr>
-            <a:xfrm>
-              <a:off x="1093975" y="1582693"/>
-              <a:ext cx="4589896" cy="707886"/>
-            </a:xfrm>
-            <a:prstGeom prst="rect">
-              <a:avLst/>
-            </a:prstGeom>
-            <a:noFill/>
-            <a:ln w="28575">
-              <a:noFill/>
-            </a:ln>
-          </p:spPr>
-          <p:txBody>
-            <a:bodyPr wrap="square" rtlCol="0">
-              <a:spAutoFit/>
-            </a:bodyPr>
-            <a:lstStyle/>
-            <a:p>
-              <a:r>
-                <a:rPr lang="ko-KR" altLang="en-US" sz="4000" b="1" dirty="0"/>
-                <a:t>지하철 시간표 </a:t>
-              </a:r>
-              <a:r>
-                <a:rPr lang="en-US" altLang="ko-KR" sz="4000" b="1" dirty="0"/>
-                <a:t>API</a:t>
-              </a:r>
-            </a:p>
-          </p:txBody>
-        </p:sp>
-        <p:sp>
-          <p:nvSpPr>
-            <p:cNvPr id="12" name="TextBox 11"/>
-            <p:cNvSpPr txBox="1"/>
-            <p:nvPr/>
-          </p:nvSpPr>
-          <p:spPr>
-            <a:xfrm>
-              <a:off x="5840223" y="3419069"/>
-              <a:ext cx="5090206" cy="1754326"/>
-            </a:xfrm>
-            <a:prstGeom prst="rect">
-              <a:avLst/>
-            </a:prstGeom>
-            <a:noFill/>
-            <a:ln w="28575">
-              <a:solidFill>
                 <a:srgbClr val="64C044"/>
               </a:solidFill>
-            </a:ln>
-          </p:spPr>
-          <p:txBody>
-            <a:bodyPr wrap="square" rtlCol="0">
-              <a:spAutoFit/>
-            </a:bodyPr>
-            <a:lstStyle/>
-            <a:p>
-              <a:r>
-                <a:rPr lang="ko-KR" altLang="en-US" b="1" dirty="0" smtClean="0"/>
-                <a:t> </a:t>
-              </a:r>
-              <a:r>
-                <a:rPr lang="ko-KR" altLang="en-US" b="1" dirty="0" err="1" smtClean="0"/>
-                <a:t>당고개행</a:t>
-              </a:r>
-              <a:r>
-                <a:rPr lang="ko-KR" altLang="en-US" b="1" dirty="0" smtClean="0"/>
-                <a:t> </a:t>
-              </a:r>
-              <a:r>
-                <a:rPr lang="en-US" altLang="ko-KR" b="1" dirty="0" smtClean="0"/>
-                <a:t>14:45  </a:t>
-              </a:r>
-              <a:r>
-                <a:rPr lang="ko-KR" altLang="en-US" b="1" dirty="0" err="1" smtClean="0"/>
-                <a:t>오이도행</a:t>
-              </a:r>
-              <a:r>
-                <a:rPr lang="ko-KR" altLang="en-US" b="1" dirty="0" smtClean="0"/>
-                <a:t> </a:t>
-              </a:r>
-              <a:r>
-                <a:rPr lang="en-US" altLang="ko-KR" b="1" dirty="0" smtClean="0"/>
-                <a:t>14:40</a:t>
-              </a:r>
-              <a:endParaRPr lang="ko-KR" altLang="en-US" b="1" dirty="0"/>
-            </a:p>
-            <a:p>
-              <a:r>
-                <a:rPr lang="ko-KR" altLang="en-US" b="1" dirty="0" smtClean="0"/>
-                <a:t> </a:t>
-              </a:r>
-              <a:r>
-                <a:rPr lang="ko-KR" altLang="en-US" b="1" dirty="0" err="1" smtClean="0"/>
-                <a:t>당고개행</a:t>
-              </a:r>
-              <a:r>
-                <a:rPr lang="ko-KR" altLang="en-US" b="1" dirty="0" smtClean="0"/>
-                <a:t> </a:t>
-              </a:r>
-              <a:r>
-                <a:rPr lang="en-US" altLang="ko-KR" b="1" dirty="0" smtClean="0"/>
-                <a:t>14:52  </a:t>
-              </a:r>
-              <a:r>
-                <a:rPr lang="ko-KR" altLang="en-US" b="1" dirty="0" smtClean="0"/>
-                <a:t>인천행 </a:t>
-              </a:r>
-              <a:r>
-                <a:rPr lang="en-US" altLang="ko-KR" b="1" dirty="0"/>
-                <a:t>14:46</a:t>
-              </a:r>
-            </a:p>
-            <a:p>
-              <a:r>
-                <a:rPr lang="ko-KR" altLang="en-US" b="1" dirty="0" smtClean="0"/>
-                <a:t> </a:t>
-              </a:r>
-              <a:r>
-                <a:rPr lang="ko-KR" altLang="en-US" b="1" dirty="0" err="1" smtClean="0"/>
-                <a:t>당고개행</a:t>
-              </a:r>
-              <a:r>
-                <a:rPr lang="ko-KR" altLang="en-US" b="1" dirty="0" smtClean="0"/>
-                <a:t> </a:t>
-              </a:r>
-              <a:r>
-                <a:rPr lang="en-US" altLang="ko-KR" b="1" dirty="0"/>
-                <a:t>14:58  </a:t>
-              </a:r>
-              <a:r>
-                <a:rPr lang="ko-KR" altLang="en-US" b="1" dirty="0" smtClean="0"/>
-                <a:t>인천행 </a:t>
-              </a:r>
-              <a:r>
-                <a:rPr lang="en-US" altLang="ko-KR" b="1" dirty="0"/>
-                <a:t>14:55</a:t>
-              </a:r>
-              <a:endParaRPr lang="ko-KR" altLang="en-US" b="1" dirty="0"/>
-            </a:p>
-            <a:p>
-              <a:r>
-                <a:rPr lang="ko-KR" altLang="en-US" b="1" dirty="0" smtClean="0"/>
-                <a:t> </a:t>
-              </a:r>
-              <a:r>
-                <a:rPr lang="ko-KR" altLang="en-US" b="1" dirty="0" err="1" smtClean="0"/>
-                <a:t>진접행</a:t>
-              </a:r>
-              <a:r>
-                <a:rPr lang="ko-KR" altLang="en-US" b="1" dirty="0" smtClean="0"/>
-                <a:t>    </a:t>
-              </a:r>
-              <a:r>
-                <a:rPr lang="en-US" altLang="ko-KR" b="1" dirty="0" smtClean="0"/>
-                <a:t>15:06  </a:t>
-              </a:r>
-              <a:r>
-                <a:rPr lang="ko-KR" altLang="en-US" b="1" dirty="0" smtClean="0"/>
-                <a:t>인천행 </a:t>
-              </a:r>
-              <a:r>
-                <a:rPr lang="en-US" altLang="ko-KR" b="1" dirty="0" smtClean="0"/>
-                <a:t>14:59</a:t>
-              </a:r>
-            </a:p>
-            <a:p>
-              <a:r>
-                <a:rPr lang="ko-KR" altLang="en-US" b="1" dirty="0" smtClean="0"/>
-                <a:t> </a:t>
-              </a:r>
-              <a:r>
-                <a:rPr lang="ko-KR" altLang="en-US" b="1" dirty="0" err="1" smtClean="0"/>
-                <a:t>당고개행</a:t>
-              </a:r>
-              <a:r>
-                <a:rPr lang="ko-KR" altLang="en-US" b="1" dirty="0" smtClean="0"/>
-                <a:t> </a:t>
-              </a:r>
-              <a:r>
-                <a:rPr lang="en-US" altLang="ko-KR" b="1" dirty="0"/>
-                <a:t>14:58  </a:t>
-              </a:r>
-              <a:r>
-                <a:rPr lang="ko-KR" altLang="en-US" b="1" dirty="0" err="1" smtClean="0"/>
-                <a:t>오이도행</a:t>
-              </a:r>
-              <a:r>
-                <a:rPr lang="ko-KR" altLang="en-US" b="1" dirty="0" smtClean="0"/>
-                <a:t> </a:t>
-              </a:r>
-              <a:r>
-                <a:rPr lang="en-US" altLang="ko-KR" b="1" dirty="0"/>
-                <a:t>14:55</a:t>
-              </a:r>
-              <a:endParaRPr lang="ko-KR" altLang="en-US" b="1" dirty="0"/>
-            </a:p>
-            <a:p>
-              <a:r>
-                <a:rPr lang="ko-KR" altLang="en-US" b="1" dirty="0" smtClean="0"/>
-                <a:t> </a:t>
-              </a:r>
-              <a:r>
-                <a:rPr lang="ko-KR" altLang="en-US" b="1" dirty="0" err="1" smtClean="0"/>
-                <a:t>당고개행</a:t>
-              </a:r>
-              <a:r>
-                <a:rPr lang="ko-KR" altLang="en-US" b="1" dirty="0" smtClean="0"/>
-                <a:t> </a:t>
-              </a:r>
-              <a:r>
-                <a:rPr lang="en-US" altLang="ko-KR" b="1" dirty="0"/>
-                <a:t>15:06  </a:t>
-              </a:r>
-              <a:r>
-                <a:rPr lang="ko-KR" altLang="en-US" b="1" dirty="0" err="1" smtClean="0"/>
-                <a:t>오이도행</a:t>
-              </a:r>
-              <a:r>
-                <a:rPr lang="ko-KR" altLang="en-US" b="1" dirty="0" smtClean="0"/>
-                <a:t> </a:t>
-              </a:r>
-              <a:r>
-                <a:rPr lang="en-US" altLang="ko-KR" b="1" dirty="0" smtClean="0"/>
-                <a:t>14:59</a:t>
-              </a:r>
-              <a:endParaRPr lang="ko-KR" altLang="en-US" b="1" dirty="0"/>
-            </a:p>
-          </p:txBody>
-        </p:sp>
-        <p:grpSp>
-          <p:nvGrpSpPr>
-            <p:cNvPr id="28" name="그룹 27"/>
-            <p:cNvGrpSpPr/>
-            <p:nvPr/>
-          </p:nvGrpSpPr>
-          <p:grpSpPr>
-            <a:xfrm>
-              <a:off x="10619628" y="3497961"/>
-              <a:ext cx="224666" cy="1603267"/>
-              <a:chOff x="10569448" y="2626467"/>
-              <a:chExt cx="224666" cy="1603267"/>
-            </a:xfrm>
-          </p:grpSpPr>
-          <p:sp>
-            <p:nvSpPr>
-              <p:cNvPr id="17" name="직사각형 16"/>
-              <p:cNvSpPr/>
-              <p:nvPr/>
-            </p:nvSpPr>
-            <p:spPr>
-              <a:xfrm>
-                <a:off x="10569448" y="2626467"/>
-                <a:ext cx="224666" cy="1603267"/>
-              </a:xfrm>
-              <a:prstGeom prst="rect">
-                <a:avLst/>
-              </a:prstGeom>
-              <a:solidFill>
-                <a:schemeClr val="accent6">
-                  <a:lumMod val="20000"/>
-                  <a:lumOff val="80000"/>
-                </a:schemeClr>
-              </a:solidFill>
-              <a:ln w="19050">
+              <a:ln w="57150">
                 <a:solidFill>
-                  <a:srgbClr val="64C044"/>
+                  <a:srgbClr val="00B050"/>
                 </a:solidFill>
               </a:ln>
             </p:spPr>
@@ -11147,24 +12776,1389 @@
               </a:p>
             </p:txBody>
           </p:sp>
+          <p:grpSp>
+            <p:nvGrpSpPr>
+              <p:cNvPr id="49" name="그룹 48"/>
+              <p:cNvGrpSpPr/>
+              <p:nvPr/>
+            </p:nvGrpSpPr>
+            <p:grpSpPr>
+              <a:xfrm>
+                <a:off x="952937" y="1630885"/>
+                <a:ext cx="10134163" cy="5122340"/>
+                <a:chOff x="952937" y="1430860"/>
+                <a:chExt cx="10134163" cy="5122340"/>
+              </a:xfrm>
+            </p:grpSpPr>
+            <p:sp>
+              <p:nvSpPr>
+                <p:cNvPr id="11" name="직사각형 10"/>
+                <p:cNvSpPr/>
+                <p:nvPr/>
+              </p:nvSpPr>
+              <p:spPr>
+                <a:xfrm>
+                  <a:off x="952937" y="1430860"/>
+                  <a:ext cx="10134163" cy="5122340"/>
+                </a:xfrm>
+                <a:prstGeom prst="rect">
+                  <a:avLst/>
+                </a:prstGeom>
+                <a:noFill/>
+                <a:ln w="57150">
+                  <a:solidFill>
+                    <a:srgbClr val="00B050"/>
+                  </a:solidFill>
+                </a:ln>
+              </p:spPr>
+              <p:style>
+                <a:lnRef idx="2">
+                  <a:schemeClr val="accent1">
+                    <a:shade val="50000"/>
+                  </a:schemeClr>
+                </a:lnRef>
+                <a:fillRef idx="1">
+                  <a:schemeClr val="accent1"/>
+                </a:fillRef>
+                <a:effectRef idx="0">
+                  <a:schemeClr val="accent1"/>
+                </a:effectRef>
+                <a:fontRef idx="minor">
+                  <a:schemeClr val="lt1"/>
+                </a:fontRef>
+              </p:style>
+              <p:txBody>
+                <a:bodyPr rtlCol="0" anchor="ctr"/>
+                <a:lstStyle/>
+                <a:p>
+                  <a:pPr algn="ctr"/>
+                  <a:endParaRPr lang="ko-KR" altLang="en-US"/>
+                </a:p>
+              </p:txBody>
+            </p:sp>
+            <p:grpSp>
+              <p:nvGrpSpPr>
+                <p:cNvPr id="35" name="그룹 34"/>
+                <p:cNvGrpSpPr/>
+                <p:nvPr/>
+              </p:nvGrpSpPr>
+              <p:grpSpPr>
+                <a:xfrm>
+                  <a:off x="5840223" y="1582693"/>
+                  <a:ext cx="5068604" cy="523220"/>
+                  <a:chOff x="5840223" y="1752033"/>
+                  <a:chExt cx="5068604" cy="523220"/>
+                </a:xfrm>
+              </p:grpSpPr>
+              <p:sp>
+                <p:nvSpPr>
+                  <p:cNvPr id="13" name="TextBox 12"/>
+                  <p:cNvSpPr txBox="1"/>
+                  <p:nvPr/>
+                </p:nvSpPr>
+                <p:spPr>
+                  <a:xfrm>
+                    <a:off x="9918227" y="1752033"/>
+                    <a:ext cx="990600" cy="523220"/>
+                  </a:xfrm>
+                  <a:prstGeom prst="rect">
+                    <a:avLst/>
+                  </a:prstGeom>
+                  <a:solidFill>
+                    <a:srgbClr val="92D050"/>
+                  </a:solidFill>
+                </p:spPr>
+                <p:txBody>
+                  <a:bodyPr wrap="square" rtlCol="0">
+                    <a:spAutoFit/>
+                  </a:bodyPr>
+                  <a:lstStyle/>
+                  <a:p>
+                    <a:r>
+                      <a:rPr lang="ko-KR" altLang="en-US" sz="2800" b="1" dirty="0" smtClean="0"/>
+                      <a:t>검색</a:t>
+                    </a:r>
+                    <a:endParaRPr lang="en-US" altLang="ko-KR" sz="2800" b="1" dirty="0"/>
+                  </a:p>
+                </p:txBody>
+              </p:sp>
+              <p:sp>
+                <p:nvSpPr>
+                  <p:cNvPr id="14" name="TextBox 13"/>
+                  <p:cNvSpPr txBox="1"/>
+                  <p:nvPr/>
+                </p:nvSpPr>
+                <p:spPr>
+                  <a:xfrm>
+                    <a:off x="5840223" y="1752033"/>
+                    <a:ext cx="3989879" cy="523220"/>
+                  </a:xfrm>
+                  <a:prstGeom prst="rect">
+                    <a:avLst/>
+                  </a:prstGeom>
+                  <a:noFill/>
+                  <a:ln w="28575">
+                    <a:solidFill>
+                      <a:srgbClr val="64C044"/>
+                    </a:solidFill>
+                  </a:ln>
+                </p:spPr>
+                <p:txBody>
+                  <a:bodyPr wrap="square" rtlCol="0">
+                    <a:spAutoFit/>
+                  </a:bodyPr>
+                  <a:lstStyle/>
+                  <a:p>
+                    <a:r>
+                      <a:rPr lang="ko-KR" altLang="en-US" sz="2800" b="1" dirty="0" err="1" smtClean="0"/>
+                      <a:t>충무로역</a:t>
+                    </a:r>
+                    <a:endParaRPr lang="en-US" altLang="ko-KR" sz="2800" b="1" dirty="0"/>
+                  </a:p>
+                </p:txBody>
+              </p:sp>
+            </p:grpSp>
+            <p:pic>
+              <p:nvPicPr>
+                <p:cNvPr id="15" name="Picture 6" descr="C:\Users\user\AppData\Local\Microsoft\Windows\INetCache\IE\SCXF6NYW\mail-1454732_960_720[1].png"/>
+                <p:cNvPicPr>
+                  <a:picLocks noChangeAspect="1" noChangeArrowheads="1"/>
+                </p:cNvPicPr>
+                <p:nvPr/>
+              </p:nvPicPr>
+              <p:blipFill>
+                <a:blip r:embed="rId2" cstate="print">
+                  <a:extLst>
+                    <a:ext uri="{28A0092B-C50C-407E-A947-70E740481C1C}">
+                      <a14:useLocalDpi xmlns:a14="http://schemas.microsoft.com/office/drawing/2010/main" val="0"/>
+                    </a:ext>
+                  </a:extLst>
+                </a:blip>
+                <a:srcRect/>
+                <a:stretch>
+                  <a:fillRect/>
+                </a:stretch>
+              </p:blipFill>
+              <p:spPr bwMode="auto">
+                <a:xfrm>
+                  <a:off x="8682773" y="5309298"/>
+                  <a:ext cx="1062360" cy="1062360"/>
+                </a:xfrm>
+                <a:prstGeom prst="rect">
+                  <a:avLst/>
+                </a:prstGeom>
+                <a:noFill/>
+                <a:extLst>
+                  <a:ext uri="{909E8E84-426E-40DD-AFC4-6F175D3DCCD1}">
+                    <a14:hiddenFill xmlns:a14="http://schemas.microsoft.com/office/drawing/2010/main">
+                      <a:solidFill>
+                        <a:srgbClr val="FFFFFF"/>
+                      </a:solidFill>
+                    </a14:hiddenFill>
+                  </a:ext>
+                </a:extLst>
+              </p:spPr>
+            </p:pic>
+            <p:pic>
+              <p:nvPicPr>
+                <p:cNvPr id="16" name="Picture 6" descr="C:\Users\user\AppData\Local\Microsoft\Windows\INetCache\IE\SCXF6NYW\google-maps-1797882_960_720[1].png"/>
+                <p:cNvPicPr>
+                  <a:picLocks noChangeAspect="1" noChangeArrowheads="1"/>
+                </p:cNvPicPr>
+                <p:nvPr/>
+              </p:nvPicPr>
+              <p:blipFill rotWithShape="1">
+                <a:blip r:embed="rId3" cstate="print">
+                  <a:extLst>
+                    <a:ext uri="{28A0092B-C50C-407E-A947-70E740481C1C}">
+                      <a14:useLocalDpi xmlns:a14="http://schemas.microsoft.com/office/drawing/2010/main" val="0"/>
+                    </a:ext>
+                  </a:extLst>
+                </a:blip>
+                <a:srcRect l="18280" t="14318" r="10573" b="14546"/>
+                <a:stretch/>
+              </p:blipFill>
+              <p:spPr bwMode="auto">
+                <a:xfrm>
+                  <a:off x="9918227" y="5371042"/>
+                  <a:ext cx="959868" cy="938872"/>
+                </a:xfrm>
+                <a:prstGeom prst="rect">
+                  <a:avLst/>
+                </a:prstGeom>
+                <a:noFill/>
+                <a:extLst>
+                  <a:ext uri="{909E8E84-426E-40DD-AFC4-6F175D3DCCD1}">
+                    <a14:hiddenFill xmlns:a14="http://schemas.microsoft.com/office/drawing/2010/main">
+                      <a:solidFill>
+                        <a:srgbClr val="FFFFFF"/>
+                      </a:solidFill>
+                    </a14:hiddenFill>
+                  </a:ext>
+                </a:extLst>
+              </p:spPr>
+            </p:pic>
+            <p:sp>
+              <p:nvSpPr>
+                <p:cNvPr id="18" name="TextBox 17"/>
+                <p:cNvSpPr txBox="1"/>
+                <p:nvPr/>
+              </p:nvSpPr>
+              <p:spPr>
+                <a:xfrm>
+                  <a:off x="1093975" y="1582693"/>
+                  <a:ext cx="4589896" cy="707886"/>
+                </a:xfrm>
+                <a:prstGeom prst="rect">
+                  <a:avLst/>
+                </a:prstGeom>
+                <a:noFill/>
+                <a:ln w="28575">
+                  <a:noFill/>
+                </a:ln>
+              </p:spPr>
+              <p:txBody>
+                <a:bodyPr wrap="square" rtlCol="0">
+                  <a:spAutoFit/>
+                </a:bodyPr>
+                <a:lstStyle/>
+                <a:p>
+                  <a:r>
+                    <a:rPr lang="ko-KR" altLang="en-US" sz="4000" b="1" dirty="0" err="1" smtClean="0"/>
+                    <a:t>언제타</a:t>
+                  </a:r>
+                  <a:r>
+                    <a:rPr lang="ko-KR" altLang="en-US" sz="4000" b="1" dirty="0" smtClean="0"/>
+                    <a:t> 지하철</a:t>
+                  </a:r>
+                  <a:endParaRPr lang="en-US" altLang="ko-KR" sz="4000" b="1" dirty="0"/>
+                </a:p>
+              </p:txBody>
+            </p:sp>
+            <p:sp>
+              <p:nvSpPr>
+                <p:cNvPr id="12" name="TextBox 11"/>
+                <p:cNvSpPr txBox="1"/>
+                <p:nvPr/>
+              </p:nvSpPr>
+              <p:spPr>
+                <a:xfrm>
+                  <a:off x="5840223" y="3419069"/>
+                  <a:ext cx="5090206" cy="1754326"/>
+                </a:xfrm>
+                <a:prstGeom prst="rect">
+                  <a:avLst/>
+                </a:prstGeom>
+                <a:noFill/>
+                <a:ln w="28575">
+                  <a:solidFill>
+                    <a:srgbClr val="64C044"/>
+                  </a:solidFill>
+                </a:ln>
+              </p:spPr>
+              <p:txBody>
+                <a:bodyPr wrap="square" rtlCol="0">
+                  <a:spAutoFit/>
+                </a:bodyPr>
+                <a:lstStyle/>
+                <a:p>
+                  <a:r>
+                    <a:rPr lang="ko-KR" altLang="en-US" b="1" dirty="0" smtClean="0"/>
+                    <a:t> </a:t>
+                  </a:r>
+                  <a:r>
+                    <a:rPr lang="ko-KR" altLang="en-US" b="1" dirty="0" err="1" smtClean="0"/>
+                    <a:t>당고개행</a:t>
+                  </a:r>
+                  <a:r>
+                    <a:rPr lang="ko-KR" altLang="en-US" b="1" dirty="0" smtClean="0"/>
+                    <a:t> </a:t>
+                  </a:r>
+                  <a:r>
+                    <a:rPr lang="en-US" altLang="ko-KR" b="1" dirty="0" smtClean="0"/>
+                    <a:t>14:45  </a:t>
+                  </a:r>
+                  <a:r>
+                    <a:rPr lang="ko-KR" altLang="en-US" b="1" dirty="0" err="1" smtClean="0"/>
+                    <a:t>오이도행</a:t>
+                  </a:r>
+                  <a:r>
+                    <a:rPr lang="ko-KR" altLang="en-US" b="1" dirty="0" smtClean="0"/>
+                    <a:t> </a:t>
+                  </a:r>
+                  <a:r>
+                    <a:rPr lang="en-US" altLang="ko-KR" b="1" dirty="0" smtClean="0"/>
+                    <a:t>14:40</a:t>
+                  </a:r>
+                  <a:endParaRPr lang="ko-KR" altLang="en-US" b="1" dirty="0"/>
+                </a:p>
+                <a:p>
+                  <a:r>
+                    <a:rPr lang="ko-KR" altLang="en-US" b="1" dirty="0" smtClean="0"/>
+                    <a:t> </a:t>
+                  </a:r>
+                  <a:r>
+                    <a:rPr lang="ko-KR" altLang="en-US" b="1" dirty="0" err="1" smtClean="0"/>
+                    <a:t>당고개행</a:t>
+                  </a:r>
+                  <a:r>
+                    <a:rPr lang="ko-KR" altLang="en-US" b="1" dirty="0" smtClean="0"/>
+                    <a:t> </a:t>
+                  </a:r>
+                  <a:r>
+                    <a:rPr lang="en-US" altLang="ko-KR" b="1" dirty="0" smtClean="0"/>
+                    <a:t>14:52  </a:t>
+                  </a:r>
+                  <a:r>
+                    <a:rPr lang="ko-KR" altLang="en-US" b="1" dirty="0" smtClean="0"/>
+                    <a:t>인천행 </a:t>
+                  </a:r>
+                  <a:r>
+                    <a:rPr lang="en-US" altLang="ko-KR" b="1" dirty="0"/>
+                    <a:t>14:46</a:t>
+                  </a:r>
+                </a:p>
+                <a:p>
+                  <a:r>
+                    <a:rPr lang="ko-KR" altLang="en-US" b="1" dirty="0" smtClean="0"/>
+                    <a:t> </a:t>
+                  </a:r>
+                  <a:r>
+                    <a:rPr lang="ko-KR" altLang="en-US" b="1" dirty="0" err="1" smtClean="0"/>
+                    <a:t>당고개행</a:t>
+                  </a:r>
+                  <a:r>
+                    <a:rPr lang="ko-KR" altLang="en-US" b="1" dirty="0" smtClean="0"/>
+                    <a:t> </a:t>
+                  </a:r>
+                  <a:r>
+                    <a:rPr lang="en-US" altLang="ko-KR" b="1" dirty="0"/>
+                    <a:t>14:58  </a:t>
+                  </a:r>
+                  <a:r>
+                    <a:rPr lang="ko-KR" altLang="en-US" b="1" dirty="0" smtClean="0"/>
+                    <a:t>인천행 </a:t>
+                  </a:r>
+                  <a:r>
+                    <a:rPr lang="en-US" altLang="ko-KR" b="1" dirty="0"/>
+                    <a:t>14:55</a:t>
+                  </a:r>
+                  <a:endParaRPr lang="ko-KR" altLang="en-US" b="1" dirty="0"/>
+                </a:p>
+                <a:p>
+                  <a:r>
+                    <a:rPr lang="ko-KR" altLang="en-US" b="1" dirty="0" smtClean="0"/>
+                    <a:t> </a:t>
+                  </a:r>
+                  <a:r>
+                    <a:rPr lang="ko-KR" altLang="en-US" b="1" dirty="0" err="1" smtClean="0"/>
+                    <a:t>진접행</a:t>
+                  </a:r>
+                  <a:r>
+                    <a:rPr lang="ko-KR" altLang="en-US" b="1" dirty="0" smtClean="0"/>
+                    <a:t>    </a:t>
+                  </a:r>
+                  <a:r>
+                    <a:rPr lang="en-US" altLang="ko-KR" b="1" dirty="0" smtClean="0"/>
+                    <a:t>15:06  </a:t>
+                  </a:r>
+                  <a:r>
+                    <a:rPr lang="ko-KR" altLang="en-US" b="1" dirty="0" smtClean="0"/>
+                    <a:t>인천행 </a:t>
+                  </a:r>
+                  <a:r>
+                    <a:rPr lang="en-US" altLang="ko-KR" b="1" dirty="0" smtClean="0"/>
+                    <a:t>14:59</a:t>
+                  </a:r>
+                </a:p>
+                <a:p>
+                  <a:r>
+                    <a:rPr lang="ko-KR" altLang="en-US" b="1" dirty="0" smtClean="0"/>
+                    <a:t> </a:t>
+                  </a:r>
+                  <a:r>
+                    <a:rPr lang="ko-KR" altLang="en-US" b="1" dirty="0" err="1" smtClean="0"/>
+                    <a:t>당고개행</a:t>
+                  </a:r>
+                  <a:r>
+                    <a:rPr lang="ko-KR" altLang="en-US" b="1" dirty="0" smtClean="0"/>
+                    <a:t> </a:t>
+                  </a:r>
+                  <a:r>
+                    <a:rPr lang="en-US" altLang="ko-KR" b="1" dirty="0"/>
+                    <a:t>14:58  </a:t>
+                  </a:r>
+                  <a:r>
+                    <a:rPr lang="ko-KR" altLang="en-US" b="1" dirty="0" err="1" smtClean="0"/>
+                    <a:t>오이도행</a:t>
+                  </a:r>
+                  <a:r>
+                    <a:rPr lang="ko-KR" altLang="en-US" b="1" dirty="0" smtClean="0"/>
+                    <a:t> </a:t>
+                  </a:r>
+                  <a:r>
+                    <a:rPr lang="en-US" altLang="ko-KR" b="1" dirty="0"/>
+                    <a:t>14:55</a:t>
+                  </a:r>
+                  <a:endParaRPr lang="ko-KR" altLang="en-US" b="1" dirty="0"/>
+                </a:p>
+                <a:p>
+                  <a:r>
+                    <a:rPr lang="ko-KR" altLang="en-US" b="1" dirty="0" smtClean="0"/>
+                    <a:t> </a:t>
+                  </a:r>
+                  <a:r>
+                    <a:rPr lang="ko-KR" altLang="en-US" b="1" dirty="0" err="1" smtClean="0"/>
+                    <a:t>당고개행</a:t>
+                  </a:r>
+                  <a:r>
+                    <a:rPr lang="ko-KR" altLang="en-US" b="1" dirty="0" smtClean="0"/>
+                    <a:t> </a:t>
+                  </a:r>
+                  <a:r>
+                    <a:rPr lang="en-US" altLang="ko-KR" b="1" dirty="0"/>
+                    <a:t>15:06  </a:t>
+                  </a:r>
+                  <a:r>
+                    <a:rPr lang="ko-KR" altLang="en-US" b="1" dirty="0" err="1" smtClean="0"/>
+                    <a:t>오이도행</a:t>
+                  </a:r>
+                  <a:r>
+                    <a:rPr lang="ko-KR" altLang="en-US" b="1" dirty="0" smtClean="0"/>
+                    <a:t> </a:t>
+                  </a:r>
+                  <a:r>
+                    <a:rPr lang="en-US" altLang="ko-KR" b="1" dirty="0" smtClean="0"/>
+                    <a:t>14:59</a:t>
+                  </a:r>
+                  <a:endParaRPr lang="ko-KR" altLang="en-US" b="1" dirty="0"/>
+                </a:p>
+              </p:txBody>
+            </p:sp>
+            <p:grpSp>
+              <p:nvGrpSpPr>
+                <p:cNvPr id="28" name="그룹 27"/>
+                <p:cNvGrpSpPr/>
+                <p:nvPr/>
+              </p:nvGrpSpPr>
+              <p:grpSpPr>
+                <a:xfrm>
+                  <a:off x="10619628" y="3497961"/>
+                  <a:ext cx="224666" cy="1603267"/>
+                  <a:chOff x="10569448" y="2626467"/>
+                  <a:chExt cx="224666" cy="1603267"/>
+                </a:xfrm>
+              </p:grpSpPr>
+              <p:sp>
+                <p:nvSpPr>
+                  <p:cNvPr id="17" name="직사각형 16"/>
+                  <p:cNvSpPr/>
+                  <p:nvPr/>
+                </p:nvSpPr>
+                <p:spPr>
+                  <a:xfrm>
+                    <a:off x="10569448" y="2626467"/>
+                    <a:ext cx="224666" cy="1603267"/>
+                  </a:xfrm>
+                  <a:prstGeom prst="rect">
+                    <a:avLst/>
+                  </a:prstGeom>
+                  <a:solidFill>
+                    <a:schemeClr val="accent6">
+                      <a:lumMod val="20000"/>
+                      <a:lumOff val="80000"/>
+                    </a:schemeClr>
+                  </a:solidFill>
+                  <a:ln w="19050">
+                    <a:solidFill>
+                      <a:srgbClr val="64C044"/>
+                    </a:solidFill>
+                  </a:ln>
+                </p:spPr>
+                <p:style>
+                  <a:lnRef idx="2">
+                    <a:schemeClr val="accent1">
+                      <a:shade val="50000"/>
+                    </a:schemeClr>
+                  </a:lnRef>
+                  <a:fillRef idx="1">
+                    <a:schemeClr val="accent1"/>
+                  </a:fillRef>
+                  <a:effectRef idx="0">
+                    <a:schemeClr val="accent1"/>
+                  </a:effectRef>
+                  <a:fontRef idx="minor">
+                    <a:schemeClr val="lt1"/>
+                  </a:fontRef>
+                </p:style>
+                <p:txBody>
+                  <a:bodyPr rtlCol="0" anchor="ctr"/>
+                  <a:lstStyle/>
+                  <a:p>
+                    <a:pPr algn="ctr"/>
+                    <a:endParaRPr lang="ko-KR" altLang="en-US"/>
+                  </a:p>
+                </p:txBody>
+              </p:sp>
+              <p:sp>
+                <p:nvSpPr>
+                  <p:cNvPr id="29" name="직사각형 28"/>
+                  <p:cNvSpPr/>
+                  <p:nvPr/>
+                </p:nvSpPr>
+                <p:spPr>
+                  <a:xfrm>
+                    <a:off x="10618889" y="3188875"/>
+                    <a:ext cx="134836" cy="89832"/>
+                  </a:xfrm>
+                  <a:prstGeom prst="rect">
+                    <a:avLst/>
+                  </a:prstGeom>
+                  <a:solidFill>
+                    <a:schemeClr val="accent6">
+                      <a:lumMod val="75000"/>
+                    </a:schemeClr>
+                  </a:solidFill>
+                  <a:ln>
+                    <a:noFill/>
+                  </a:ln>
+                </p:spPr>
+                <p:style>
+                  <a:lnRef idx="2">
+                    <a:schemeClr val="accent1">
+                      <a:shade val="50000"/>
+                    </a:schemeClr>
+                  </a:lnRef>
+                  <a:fillRef idx="1">
+                    <a:schemeClr val="accent1"/>
+                  </a:fillRef>
+                  <a:effectRef idx="0">
+                    <a:schemeClr val="accent1"/>
+                  </a:effectRef>
+                  <a:fontRef idx="minor">
+                    <a:schemeClr val="lt1"/>
+                  </a:fontRef>
+                </p:style>
+                <p:txBody>
+                  <a:bodyPr rtlCol="0" anchor="ctr"/>
+                  <a:lstStyle/>
+                  <a:p>
+                    <a:pPr algn="ctr"/>
+                    <a:endParaRPr lang="ko-KR" altLang="en-US" sz="1400"/>
+                  </a:p>
+                </p:txBody>
+              </p:sp>
+            </p:grpSp>
+            <p:grpSp>
+              <p:nvGrpSpPr>
+                <p:cNvPr id="34" name="그룹 33"/>
+                <p:cNvGrpSpPr/>
+                <p:nvPr/>
+              </p:nvGrpSpPr>
+              <p:grpSpPr>
+                <a:xfrm>
+                  <a:off x="1190785" y="2361453"/>
+                  <a:ext cx="8393030" cy="429918"/>
+                  <a:chOff x="1190785" y="2530793"/>
+                  <a:chExt cx="8393030" cy="429918"/>
+                </a:xfrm>
+              </p:grpSpPr>
+              <p:sp>
+                <p:nvSpPr>
+                  <p:cNvPr id="21" name="TextBox 20"/>
+                  <p:cNvSpPr txBox="1"/>
+                  <p:nvPr/>
+                </p:nvSpPr>
+                <p:spPr>
+                  <a:xfrm>
+                    <a:off x="6819780" y="2560601"/>
+                    <a:ext cx="869329" cy="400110"/>
+                  </a:xfrm>
+                  <a:prstGeom prst="rect">
+                    <a:avLst/>
+                  </a:prstGeom>
+                  <a:solidFill>
+                    <a:srgbClr val="92D050"/>
+                  </a:solidFill>
+                </p:spPr>
+                <p:txBody>
+                  <a:bodyPr wrap="square" rtlCol="0">
+                    <a:spAutoFit/>
+                  </a:bodyPr>
+                  <a:lstStyle/>
+                  <a:p>
+                    <a:pPr algn="ctr"/>
+                    <a:r>
+                      <a:rPr lang="en-US" altLang="ko-KR" sz="2000" b="1" dirty="0" smtClean="0">
+                        <a:solidFill>
+                          <a:schemeClr val="bg1"/>
+                        </a:solidFill>
+                      </a:rPr>
+                      <a:t>7</a:t>
+                    </a:r>
+                    <a:r>
+                      <a:rPr lang="ko-KR" altLang="en-US" sz="2000" b="1" dirty="0" smtClean="0">
+                        <a:solidFill>
+                          <a:schemeClr val="bg1"/>
+                        </a:solidFill>
+                      </a:rPr>
+                      <a:t>호선</a:t>
+                    </a:r>
+                    <a:endParaRPr lang="en-US" altLang="ko-KR" sz="2000" b="1" dirty="0">
+                      <a:solidFill>
+                        <a:schemeClr val="bg1"/>
+                      </a:solidFill>
+                    </a:endParaRPr>
+                  </a:p>
+                </p:txBody>
+              </p:sp>
+              <p:sp>
+                <p:nvSpPr>
+                  <p:cNvPr id="22" name="TextBox 21"/>
+                  <p:cNvSpPr txBox="1"/>
+                  <p:nvPr/>
+                </p:nvSpPr>
+                <p:spPr>
+                  <a:xfrm>
+                    <a:off x="5878312" y="2548115"/>
+                    <a:ext cx="869329" cy="400110"/>
+                  </a:xfrm>
+                  <a:prstGeom prst="rect">
+                    <a:avLst/>
+                  </a:prstGeom>
+                  <a:solidFill>
+                    <a:srgbClr val="92D050"/>
+                  </a:solidFill>
+                </p:spPr>
+                <p:txBody>
+                  <a:bodyPr wrap="square" rtlCol="0">
+                    <a:spAutoFit/>
+                  </a:bodyPr>
+                  <a:lstStyle/>
+                  <a:p>
+                    <a:pPr algn="ctr"/>
+                    <a:r>
+                      <a:rPr lang="en-US" altLang="ko-KR" sz="2000" b="1" dirty="0">
+                        <a:solidFill>
+                          <a:schemeClr val="bg1"/>
+                        </a:solidFill>
+                      </a:rPr>
+                      <a:t>6</a:t>
+                    </a:r>
+                    <a:r>
+                      <a:rPr lang="ko-KR" altLang="en-US" sz="2000" b="1" dirty="0" smtClean="0">
+                        <a:solidFill>
+                          <a:schemeClr val="bg1"/>
+                        </a:solidFill>
+                      </a:rPr>
+                      <a:t>호선</a:t>
+                    </a:r>
+                    <a:endParaRPr lang="en-US" altLang="ko-KR" sz="2000" b="1" dirty="0">
+                      <a:solidFill>
+                        <a:schemeClr val="bg1"/>
+                      </a:solidFill>
+                    </a:endParaRPr>
+                  </a:p>
+                </p:txBody>
+              </p:sp>
+              <p:sp>
+                <p:nvSpPr>
+                  <p:cNvPr id="23" name="TextBox 22"/>
+                  <p:cNvSpPr txBox="1"/>
+                  <p:nvPr/>
+                </p:nvSpPr>
+                <p:spPr>
+                  <a:xfrm>
+                    <a:off x="4935565" y="2548115"/>
+                    <a:ext cx="869329" cy="400110"/>
+                  </a:xfrm>
+                  <a:prstGeom prst="rect">
+                    <a:avLst/>
+                  </a:prstGeom>
+                  <a:solidFill>
+                    <a:srgbClr val="92D050"/>
+                  </a:solidFill>
+                </p:spPr>
+                <p:txBody>
+                  <a:bodyPr wrap="square" rtlCol="0">
+                    <a:spAutoFit/>
+                  </a:bodyPr>
+                  <a:lstStyle/>
+                  <a:p>
+                    <a:pPr algn="ctr"/>
+                    <a:r>
+                      <a:rPr lang="en-US" altLang="ko-KR" sz="2000" b="1" dirty="0">
+                        <a:solidFill>
+                          <a:schemeClr val="bg1"/>
+                        </a:solidFill>
+                      </a:rPr>
+                      <a:t>5</a:t>
+                    </a:r>
+                    <a:r>
+                      <a:rPr lang="ko-KR" altLang="en-US" sz="2000" b="1" dirty="0" smtClean="0">
+                        <a:solidFill>
+                          <a:schemeClr val="bg1"/>
+                        </a:solidFill>
+                      </a:rPr>
+                      <a:t>호선</a:t>
+                    </a:r>
+                    <a:endParaRPr lang="en-US" altLang="ko-KR" sz="2000" b="1" dirty="0">
+                      <a:solidFill>
+                        <a:schemeClr val="bg1"/>
+                      </a:solidFill>
+                    </a:endParaRPr>
+                  </a:p>
+                </p:txBody>
+              </p:sp>
+              <p:sp>
+                <p:nvSpPr>
+                  <p:cNvPr id="24" name="TextBox 23"/>
+                  <p:cNvSpPr txBox="1"/>
+                  <p:nvPr/>
+                </p:nvSpPr>
+                <p:spPr>
+                  <a:xfrm>
+                    <a:off x="4011786" y="2548115"/>
+                    <a:ext cx="869329" cy="400110"/>
+                  </a:xfrm>
+                  <a:prstGeom prst="rect">
+                    <a:avLst/>
+                  </a:prstGeom>
+                  <a:solidFill>
+                    <a:schemeClr val="accent6">
+                      <a:lumMod val="75000"/>
+                    </a:schemeClr>
+                  </a:solidFill>
+                  <a:ln>
+                    <a:solidFill>
+                      <a:schemeClr val="accent6">
+                        <a:lumMod val="50000"/>
+                      </a:schemeClr>
+                    </a:solidFill>
+                  </a:ln>
+                </p:spPr>
+                <p:txBody>
+                  <a:bodyPr wrap="square" rtlCol="0">
+                    <a:spAutoFit/>
+                  </a:bodyPr>
+                  <a:lstStyle/>
+                  <a:p>
+                    <a:pPr algn="ctr"/>
+                    <a:r>
+                      <a:rPr lang="en-US" altLang="ko-KR" sz="2000" b="1" dirty="0">
+                        <a:solidFill>
+                          <a:schemeClr val="bg1"/>
+                        </a:solidFill>
+                      </a:rPr>
+                      <a:t>4</a:t>
+                    </a:r>
+                    <a:r>
+                      <a:rPr lang="ko-KR" altLang="en-US" sz="2000" b="1" dirty="0" smtClean="0">
+                        <a:solidFill>
+                          <a:schemeClr val="bg1"/>
+                        </a:solidFill>
+                      </a:rPr>
+                      <a:t>호선</a:t>
+                    </a:r>
+                    <a:endParaRPr lang="en-US" altLang="ko-KR" sz="2000" b="1" dirty="0">
+                      <a:solidFill>
+                        <a:schemeClr val="bg1"/>
+                      </a:solidFill>
+                    </a:endParaRPr>
+                  </a:p>
+                </p:txBody>
+              </p:sp>
+              <p:sp>
+                <p:nvSpPr>
+                  <p:cNvPr id="25" name="TextBox 24"/>
+                  <p:cNvSpPr txBox="1"/>
+                  <p:nvPr/>
+                </p:nvSpPr>
+                <p:spPr>
+                  <a:xfrm>
+                    <a:off x="2140076" y="2530793"/>
+                    <a:ext cx="869329" cy="400110"/>
+                  </a:xfrm>
+                  <a:prstGeom prst="rect">
+                    <a:avLst/>
+                  </a:prstGeom>
+                  <a:solidFill>
+                    <a:srgbClr val="92D050"/>
+                  </a:solidFill>
+                </p:spPr>
+                <p:txBody>
+                  <a:bodyPr wrap="square" rtlCol="0">
+                    <a:spAutoFit/>
+                  </a:bodyPr>
+                  <a:lstStyle/>
+                  <a:p>
+                    <a:pPr algn="ctr"/>
+                    <a:r>
+                      <a:rPr lang="en-US" altLang="ko-KR" sz="2000" b="1" dirty="0">
+                        <a:solidFill>
+                          <a:schemeClr val="bg1"/>
+                        </a:solidFill>
+                      </a:rPr>
+                      <a:t>2</a:t>
+                    </a:r>
+                    <a:r>
+                      <a:rPr lang="ko-KR" altLang="en-US" sz="2000" b="1" dirty="0" smtClean="0">
+                        <a:solidFill>
+                          <a:schemeClr val="bg1"/>
+                        </a:solidFill>
+                      </a:rPr>
+                      <a:t>호선</a:t>
+                    </a:r>
+                    <a:endParaRPr lang="en-US" altLang="ko-KR" sz="2000" b="1" dirty="0">
+                      <a:solidFill>
+                        <a:schemeClr val="bg1"/>
+                      </a:solidFill>
+                    </a:endParaRPr>
+                  </a:p>
+                </p:txBody>
+              </p:sp>
+              <p:sp>
+                <p:nvSpPr>
+                  <p:cNvPr id="26" name="TextBox 25"/>
+                  <p:cNvSpPr txBox="1"/>
+                  <p:nvPr/>
+                </p:nvSpPr>
+                <p:spPr>
+                  <a:xfrm>
+                    <a:off x="1190785" y="2530793"/>
+                    <a:ext cx="869329" cy="400110"/>
+                  </a:xfrm>
+                  <a:prstGeom prst="rect">
+                    <a:avLst/>
+                  </a:prstGeom>
+                  <a:solidFill>
+                    <a:srgbClr val="92D050"/>
+                  </a:solidFill>
+                </p:spPr>
+                <p:txBody>
+                  <a:bodyPr wrap="square" rtlCol="0">
+                    <a:spAutoFit/>
+                  </a:bodyPr>
+                  <a:lstStyle/>
+                  <a:p>
+                    <a:pPr algn="ctr"/>
+                    <a:r>
+                      <a:rPr lang="en-US" altLang="ko-KR" sz="2000" b="1" dirty="0" smtClean="0">
+                        <a:solidFill>
+                          <a:schemeClr val="bg1"/>
+                        </a:solidFill>
+                      </a:rPr>
+                      <a:t>1</a:t>
+                    </a:r>
+                    <a:r>
+                      <a:rPr lang="ko-KR" altLang="en-US" sz="2000" b="1" dirty="0" smtClean="0">
+                        <a:solidFill>
+                          <a:schemeClr val="bg1"/>
+                        </a:solidFill>
+                      </a:rPr>
+                      <a:t>호선</a:t>
+                    </a:r>
+                    <a:endParaRPr lang="en-US" altLang="ko-KR" sz="2000" b="1" dirty="0">
+                      <a:solidFill>
+                        <a:schemeClr val="bg1"/>
+                      </a:solidFill>
+                    </a:endParaRPr>
+                  </a:p>
+                </p:txBody>
+              </p:sp>
+              <p:sp>
+                <p:nvSpPr>
+                  <p:cNvPr id="27" name="TextBox 26"/>
+                  <p:cNvSpPr txBox="1"/>
+                  <p:nvPr/>
+                </p:nvSpPr>
+                <p:spPr>
+                  <a:xfrm>
+                    <a:off x="3079743" y="2530793"/>
+                    <a:ext cx="869329" cy="400110"/>
+                  </a:xfrm>
+                  <a:prstGeom prst="rect">
+                    <a:avLst/>
+                  </a:prstGeom>
+                  <a:solidFill>
+                    <a:srgbClr val="92D050"/>
+                  </a:solidFill>
+                </p:spPr>
+                <p:txBody>
+                  <a:bodyPr wrap="square" rtlCol="0">
+                    <a:spAutoFit/>
+                  </a:bodyPr>
+                  <a:lstStyle/>
+                  <a:p>
+                    <a:pPr algn="ctr"/>
+                    <a:r>
+                      <a:rPr lang="en-US" altLang="ko-KR" sz="2000" b="1" dirty="0" smtClean="0">
+                        <a:solidFill>
+                          <a:schemeClr val="bg1"/>
+                        </a:solidFill>
+                      </a:rPr>
+                      <a:t>3</a:t>
+                    </a:r>
+                    <a:r>
+                      <a:rPr lang="ko-KR" altLang="en-US" sz="2000" b="1" dirty="0" smtClean="0">
+                        <a:solidFill>
+                          <a:schemeClr val="bg1"/>
+                        </a:solidFill>
+                      </a:rPr>
+                      <a:t>호선</a:t>
+                    </a:r>
+                    <a:endParaRPr lang="en-US" altLang="ko-KR" sz="2000" b="1" dirty="0">
+                      <a:solidFill>
+                        <a:schemeClr val="bg1"/>
+                      </a:solidFill>
+                    </a:endParaRPr>
+                  </a:p>
+                </p:txBody>
+              </p:sp>
+              <p:sp>
+                <p:nvSpPr>
+                  <p:cNvPr id="31" name="TextBox 30"/>
+                  <p:cNvSpPr txBox="1"/>
+                  <p:nvPr/>
+                </p:nvSpPr>
+                <p:spPr>
+                  <a:xfrm>
+                    <a:off x="8714486" y="2560601"/>
+                    <a:ext cx="869329" cy="400110"/>
+                  </a:xfrm>
+                  <a:prstGeom prst="rect">
+                    <a:avLst/>
+                  </a:prstGeom>
+                  <a:solidFill>
+                    <a:srgbClr val="92D050"/>
+                  </a:solidFill>
+                </p:spPr>
+                <p:txBody>
+                  <a:bodyPr wrap="square" rtlCol="0">
+                    <a:spAutoFit/>
+                  </a:bodyPr>
+                  <a:lstStyle/>
+                  <a:p>
+                    <a:pPr algn="ctr"/>
+                    <a:r>
+                      <a:rPr lang="en-US" altLang="ko-KR" sz="2000" b="1" dirty="0">
+                        <a:solidFill>
+                          <a:schemeClr val="bg1"/>
+                        </a:solidFill>
+                      </a:rPr>
+                      <a:t>9</a:t>
+                    </a:r>
+                    <a:r>
+                      <a:rPr lang="ko-KR" altLang="en-US" sz="2000" b="1" dirty="0" smtClean="0">
+                        <a:solidFill>
+                          <a:schemeClr val="bg1"/>
+                        </a:solidFill>
+                      </a:rPr>
+                      <a:t>호선</a:t>
+                    </a:r>
+                    <a:endParaRPr lang="en-US" altLang="ko-KR" sz="2000" b="1" dirty="0">
+                      <a:solidFill>
+                        <a:schemeClr val="bg1"/>
+                      </a:solidFill>
+                    </a:endParaRPr>
+                  </a:p>
+                </p:txBody>
+              </p:sp>
+              <p:sp>
+                <p:nvSpPr>
+                  <p:cNvPr id="32" name="TextBox 31"/>
+                  <p:cNvSpPr txBox="1"/>
+                  <p:nvPr/>
+                </p:nvSpPr>
+                <p:spPr>
+                  <a:xfrm>
+                    <a:off x="7769629" y="2560601"/>
+                    <a:ext cx="869329" cy="400110"/>
+                  </a:xfrm>
+                  <a:prstGeom prst="rect">
+                    <a:avLst/>
+                  </a:prstGeom>
+                  <a:solidFill>
+                    <a:srgbClr val="92D050"/>
+                  </a:solidFill>
+                </p:spPr>
+                <p:txBody>
+                  <a:bodyPr wrap="square" rtlCol="0">
+                    <a:spAutoFit/>
+                  </a:bodyPr>
+                  <a:lstStyle/>
+                  <a:p>
+                    <a:pPr algn="ctr"/>
+                    <a:r>
+                      <a:rPr lang="en-US" altLang="ko-KR" sz="2000" b="1" dirty="0">
+                        <a:solidFill>
+                          <a:schemeClr val="bg1"/>
+                        </a:solidFill>
+                      </a:rPr>
+                      <a:t>8</a:t>
+                    </a:r>
+                    <a:r>
+                      <a:rPr lang="ko-KR" altLang="en-US" sz="2000" b="1" dirty="0" smtClean="0">
+                        <a:solidFill>
+                          <a:schemeClr val="bg1"/>
+                        </a:solidFill>
+                      </a:rPr>
+                      <a:t>호선</a:t>
+                    </a:r>
+                    <a:endParaRPr lang="en-US" altLang="ko-KR" sz="2000" b="1" dirty="0">
+                      <a:solidFill>
+                        <a:schemeClr val="bg1"/>
+                      </a:solidFill>
+                    </a:endParaRPr>
+                  </a:p>
+                </p:txBody>
+              </p:sp>
+            </p:grpSp>
+            <p:graphicFrame>
+              <p:nvGraphicFramePr>
+                <p:cNvPr id="43" name="차트 42"/>
+                <p:cNvGraphicFramePr/>
+                <p:nvPr>
+                  <p:extLst>
+                    <p:ext uri="{D42A27DB-BD31-4B8C-83A1-F6EECF244321}">
+                      <p14:modId xmlns:p14="http://schemas.microsoft.com/office/powerpoint/2010/main" val="1658780463"/>
+                    </p:ext>
+                  </p:extLst>
+                </p:nvPr>
+              </p:nvGraphicFramePr>
+              <p:xfrm>
+                <a:off x="1227014" y="5371042"/>
+                <a:ext cx="7341253" cy="1004367"/>
+              </p:xfrm>
+              <a:graphic>
+                <a:graphicData uri="http://schemas.openxmlformats.org/drawingml/2006/chart">
+                  <c:chart xmlns:c="http://schemas.openxmlformats.org/drawingml/2006/chart" xmlns:r="http://schemas.openxmlformats.org/officeDocument/2006/relationships" r:id="rId4"/>
+                </a:graphicData>
+              </a:graphic>
+            </p:graphicFrame>
+            <p:sp>
+              <p:nvSpPr>
+                <p:cNvPr id="45" name="TextBox 44"/>
+                <p:cNvSpPr txBox="1"/>
+                <p:nvPr/>
+              </p:nvSpPr>
+              <p:spPr>
+                <a:xfrm>
+                  <a:off x="1154812" y="3429677"/>
+                  <a:ext cx="4529059" cy="1754326"/>
+                </a:xfrm>
+                <a:prstGeom prst="rect">
+                  <a:avLst/>
+                </a:prstGeom>
+                <a:noFill/>
+                <a:ln w="28575">
+                  <a:solidFill>
+                    <a:srgbClr val="64C044"/>
+                  </a:solidFill>
+                </a:ln>
+              </p:spPr>
+              <p:txBody>
+                <a:bodyPr wrap="square" rtlCol="0">
+                  <a:spAutoFit/>
+                </a:bodyPr>
+                <a:lstStyle/>
+                <a:p>
+                  <a:r>
+                    <a:rPr lang="ko-KR" altLang="en-US" b="1" dirty="0" err="1"/>
+                    <a:t>동대문역</a:t>
+                  </a:r>
+                  <a:endParaRPr lang="ko-KR" altLang="en-US" b="1" dirty="0"/>
+                </a:p>
+                <a:p>
+                  <a:r>
+                    <a:rPr lang="ko-KR" altLang="en-US" b="1" dirty="0" err="1"/>
+                    <a:t>동대문역사문화공원역</a:t>
+                  </a:r>
+                  <a:endParaRPr lang="ko-KR" altLang="en-US" b="1" dirty="0"/>
+                </a:p>
+                <a:p>
+                  <a:r>
+                    <a:rPr lang="ko-KR" altLang="en-US" b="1" dirty="0" err="1"/>
+                    <a:t>충무로역</a:t>
+                  </a:r>
+                  <a:endParaRPr lang="ko-KR" altLang="en-US" b="1" dirty="0"/>
+                </a:p>
+                <a:p>
+                  <a:r>
+                    <a:rPr lang="ko-KR" altLang="en-US" b="1" dirty="0" err="1"/>
+                    <a:t>명동역</a:t>
+                  </a:r>
+                  <a:endParaRPr lang="ko-KR" altLang="en-US" b="1" dirty="0"/>
+                </a:p>
+                <a:p>
+                  <a:r>
+                    <a:rPr lang="ko-KR" altLang="en-US" b="1" dirty="0" err="1"/>
+                    <a:t>회현역</a:t>
+                  </a:r>
+                  <a:endParaRPr lang="ko-KR" altLang="en-US" b="1" dirty="0"/>
+                </a:p>
+                <a:p>
+                  <a:r>
+                    <a:rPr lang="ko-KR" altLang="en-US" b="1" dirty="0"/>
+                    <a:t>서울역</a:t>
+                  </a:r>
+                </a:p>
+              </p:txBody>
+            </p:sp>
+            <p:grpSp>
+              <p:nvGrpSpPr>
+                <p:cNvPr id="46" name="그룹 45"/>
+                <p:cNvGrpSpPr/>
+                <p:nvPr/>
+              </p:nvGrpSpPr>
+              <p:grpSpPr>
+                <a:xfrm>
+                  <a:off x="5370229" y="3494598"/>
+                  <a:ext cx="224666" cy="1603267"/>
+                  <a:chOff x="10569448" y="2626467"/>
+                  <a:chExt cx="224666" cy="1603267"/>
+                </a:xfrm>
+              </p:grpSpPr>
+              <p:sp>
+                <p:nvSpPr>
+                  <p:cNvPr id="47" name="직사각형 46"/>
+                  <p:cNvSpPr/>
+                  <p:nvPr/>
+                </p:nvSpPr>
+                <p:spPr>
+                  <a:xfrm>
+                    <a:off x="10569448" y="2626467"/>
+                    <a:ext cx="224666" cy="1603267"/>
+                  </a:xfrm>
+                  <a:prstGeom prst="rect">
+                    <a:avLst/>
+                  </a:prstGeom>
+                  <a:solidFill>
+                    <a:schemeClr val="accent6">
+                      <a:lumMod val="20000"/>
+                      <a:lumOff val="80000"/>
+                    </a:schemeClr>
+                  </a:solidFill>
+                  <a:ln w="19050">
+                    <a:solidFill>
+                      <a:srgbClr val="64C044"/>
+                    </a:solidFill>
+                  </a:ln>
+                </p:spPr>
+                <p:style>
+                  <a:lnRef idx="2">
+                    <a:schemeClr val="accent1">
+                      <a:shade val="50000"/>
+                    </a:schemeClr>
+                  </a:lnRef>
+                  <a:fillRef idx="1">
+                    <a:schemeClr val="accent1"/>
+                  </a:fillRef>
+                  <a:effectRef idx="0">
+                    <a:schemeClr val="accent1"/>
+                  </a:effectRef>
+                  <a:fontRef idx="minor">
+                    <a:schemeClr val="lt1"/>
+                  </a:fontRef>
+                </p:style>
+                <p:txBody>
+                  <a:bodyPr rtlCol="0" anchor="ctr"/>
+                  <a:lstStyle/>
+                  <a:p>
+                    <a:pPr algn="ctr"/>
+                    <a:endParaRPr lang="ko-KR" altLang="en-US"/>
+                  </a:p>
+                </p:txBody>
+              </p:sp>
+              <p:sp>
+                <p:nvSpPr>
+                  <p:cNvPr id="48" name="직사각형 47"/>
+                  <p:cNvSpPr/>
+                  <p:nvPr/>
+                </p:nvSpPr>
+                <p:spPr>
+                  <a:xfrm>
+                    <a:off x="10614363" y="2731675"/>
+                    <a:ext cx="134836" cy="89832"/>
+                  </a:xfrm>
+                  <a:prstGeom prst="rect">
+                    <a:avLst/>
+                  </a:prstGeom>
+                  <a:solidFill>
+                    <a:schemeClr val="accent6">
+                      <a:lumMod val="75000"/>
+                    </a:schemeClr>
+                  </a:solidFill>
+                  <a:ln>
+                    <a:noFill/>
+                  </a:ln>
+                </p:spPr>
+                <p:style>
+                  <a:lnRef idx="2">
+                    <a:schemeClr val="accent1">
+                      <a:shade val="50000"/>
+                    </a:schemeClr>
+                  </a:lnRef>
+                  <a:fillRef idx="1">
+                    <a:schemeClr val="accent1"/>
+                  </a:fillRef>
+                  <a:effectRef idx="0">
+                    <a:schemeClr val="accent1"/>
+                  </a:effectRef>
+                  <a:fontRef idx="minor">
+                    <a:schemeClr val="lt1"/>
+                  </a:fontRef>
+                </p:style>
+                <p:txBody>
+                  <a:bodyPr rtlCol="0" anchor="ctr"/>
+                  <a:lstStyle/>
+                  <a:p>
+                    <a:pPr algn="ctr"/>
+                    <a:endParaRPr lang="ko-KR" altLang="en-US" sz="1400"/>
+                  </a:p>
+                </p:txBody>
+              </p:sp>
+            </p:grpSp>
+            <p:pic>
+              <p:nvPicPr>
+                <p:cNvPr id="5123" name="Picture 3" descr="C:\Users\user\AppData\Local\Microsoft\Windows\INetCache\IE\AIXJ2YIJ\600px-Seoul_Metro_Line_4.svg[1].png"/>
+                <p:cNvPicPr>
+                  <a:picLocks noChangeAspect="1" noChangeArrowheads="1"/>
+                </p:cNvPicPr>
+                <p:nvPr/>
+              </p:nvPicPr>
+              <p:blipFill>
+                <a:blip r:embed="rId5" cstate="print">
+                  <a:extLst>
+                    <a:ext uri="{28A0092B-C50C-407E-A947-70E740481C1C}">
+                      <a14:useLocalDpi xmlns:a14="http://schemas.microsoft.com/office/drawing/2010/main" val="0"/>
+                    </a:ext>
+                  </a:extLst>
+                </a:blip>
+                <a:srcRect/>
+                <a:stretch>
+                  <a:fillRect/>
+                </a:stretch>
+              </p:blipFill>
+              <p:spPr bwMode="auto">
+                <a:xfrm>
+                  <a:off x="10014618" y="2200573"/>
+                  <a:ext cx="721869" cy="721869"/>
+                </a:xfrm>
+                <a:prstGeom prst="rect">
+                  <a:avLst/>
+                </a:prstGeom>
+                <a:noFill/>
+                <a:extLst>
+                  <a:ext uri="{909E8E84-426E-40DD-AFC4-6F175D3DCCD1}">
+                    <a14:hiddenFill xmlns:a14="http://schemas.microsoft.com/office/drawing/2010/main">
+                      <a:solidFill>
+                        <a:srgbClr val="FFFFFF"/>
+                      </a:solidFill>
+                    </a14:hiddenFill>
+                  </a:ext>
+                </a:extLst>
+              </p:spPr>
+            </p:pic>
+            <p:sp>
+              <p:nvSpPr>
+                <p:cNvPr id="44" name="TextBox 43"/>
+                <p:cNvSpPr txBox="1"/>
+                <p:nvPr/>
+              </p:nvSpPr>
+              <p:spPr>
+                <a:xfrm>
+                  <a:off x="1154811" y="3034244"/>
+                  <a:ext cx="4528800" cy="369332"/>
+                </a:xfrm>
+                <a:prstGeom prst="rect">
+                  <a:avLst/>
+                </a:prstGeom>
+                <a:solidFill>
+                  <a:srgbClr val="64C044"/>
+                </a:solidFill>
+                <a:ln w="28575">
+                  <a:solidFill>
+                    <a:srgbClr val="64C044"/>
+                  </a:solidFill>
+                </a:ln>
+              </p:spPr>
+              <p:txBody>
+                <a:bodyPr wrap="square" rtlCol="0">
+                  <a:spAutoFit/>
+                </a:bodyPr>
+                <a:lstStyle/>
+                <a:p>
+                  <a:r>
+                    <a:rPr lang="en-US" altLang="ko-KR" b="1" dirty="0" smtClean="0"/>
+                    <a:t>4</a:t>
+                  </a:r>
+                  <a:r>
+                    <a:rPr lang="ko-KR" altLang="en-US" b="1" dirty="0" smtClean="0"/>
+                    <a:t>호선 역 목록</a:t>
+                  </a:r>
+                  <a:endParaRPr lang="ko-KR" altLang="en-US" b="1" dirty="0"/>
+                </a:p>
+              </p:txBody>
+            </p:sp>
+            <p:sp>
+              <p:nvSpPr>
+                <p:cNvPr id="57" name="TextBox 56"/>
+                <p:cNvSpPr txBox="1"/>
+                <p:nvPr/>
+              </p:nvSpPr>
+              <p:spPr>
+                <a:xfrm>
+                  <a:off x="5840223" y="3034244"/>
+                  <a:ext cx="5090206" cy="369332"/>
+                </a:xfrm>
+                <a:prstGeom prst="rect">
+                  <a:avLst/>
+                </a:prstGeom>
+                <a:solidFill>
+                  <a:srgbClr val="64C044"/>
+                </a:solidFill>
+                <a:ln w="28575">
+                  <a:solidFill>
+                    <a:srgbClr val="64C044"/>
+                  </a:solidFill>
+                </a:ln>
+              </p:spPr>
+              <p:txBody>
+                <a:bodyPr wrap="square" rtlCol="0">
+                  <a:spAutoFit/>
+                </a:bodyPr>
+                <a:lstStyle/>
+                <a:p>
+                  <a:r>
+                    <a:rPr lang="ko-KR" altLang="en-US" b="1" dirty="0" err="1" smtClean="0"/>
+                    <a:t>충무로역</a:t>
+                  </a:r>
+                  <a:r>
+                    <a:rPr lang="ko-KR" altLang="en-US" b="1" dirty="0" smtClean="0"/>
+                    <a:t> 열차 시간표</a:t>
+                  </a:r>
+                  <a:endParaRPr lang="ko-KR" altLang="en-US" b="1" dirty="0"/>
+                </a:p>
+              </p:txBody>
+            </p:sp>
+          </p:grpSp>
           <p:sp>
             <p:nvSpPr>
-              <p:cNvPr id="29" name="직사각형 28"/>
+              <p:cNvPr id="9" name="직사각형 8"/>
               <p:cNvSpPr/>
               <p:nvPr/>
             </p:nvSpPr>
             <p:spPr>
               <a:xfrm>
-                <a:off x="10618889" y="3188875"/>
-                <a:ext cx="134836" cy="89832"/>
+                <a:off x="10813430" y="1381125"/>
+                <a:ext cx="206995" cy="211797"/>
               </a:xfrm>
               <a:prstGeom prst="rect">
                 <a:avLst/>
               </a:prstGeom>
               <a:solidFill>
-                <a:schemeClr val="accent6">
-                  <a:lumMod val="75000"/>
-                </a:schemeClr>
+                <a:srgbClr val="92D050"/>
               </a:solidFill>
               <a:ln>
                 <a:noFill/>
@@ -11191,801 +14185,45 @@
               <a:lstStyle/>
               <a:p>
                 <a:pPr algn="ctr"/>
-                <a:endParaRPr lang="ko-KR" altLang="en-US" sz="1400"/>
+                <a:r>
+                  <a:rPr lang="en-US" altLang="ko-KR" dirty="0" smtClean="0"/>
+                  <a:t>X</a:t>
+                </a:r>
+                <a:endParaRPr lang="ko-KR" altLang="en-US" dirty="0"/>
               </a:p>
             </p:txBody>
           </p:sp>
         </p:grpSp>
-        <p:grpSp>
-          <p:nvGrpSpPr>
-            <p:cNvPr id="34" name="그룹 33"/>
-            <p:cNvGrpSpPr/>
-            <p:nvPr/>
-          </p:nvGrpSpPr>
-          <p:grpSpPr>
-            <a:xfrm>
-              <a:off x="1190785" y="2361453"/>
-              <a:ext cx="8393030" cy="429918"/>
-              <a:chOff x="1190785" y="2530793"/>
-              <a:chExt cx="8393030" cy="429918"/>
-            </a:xfrm>
-          </p:grpSpPr>
-          <p:sp>
-            <p:nvSpPr>
-              <p:cNvPr id="21" name="TextBox 20"/>
-              <p:cNvSpPr txBox="1"/>
-              <p:nvPr/>
-            </p:nvSpPr>
-            <p:spPr>
-              <a:xfrm>
-                <a:off x="6819780" y="2560601"/>
-                <a:ext cx="869329" cy="400110"/>
-              </a:xfrm>
-              <a:prstGeom prst="rect">
-                <a:avLst/>
-              </a:prstGeom>
-              <a:solidFill>
-                <a:srgbClr val="92D050"/>
-              </a:solidFill>
-            </p:spPr>
-            <p:txBody>
-              <a:bodyPr wrap="square" rtlCol="0">
-                <a:spAutoFit/>
-              </a:bodyPr>
-              <a:lstStyle/>
-              <a:p>
-                <a:pPr algn="ctr"/>
-                <a:r>
-                  <a:rPr lang="en-US" altLang="ko-KR" sz="2000" b="1" dirty="0" smtClean="0">
-                    <a:solidFill>
-                      <a:schemeClr val="bg1"/>
-                    </a:solidFill>
-                  </a:rPr>
-                  <a:t>7</a:t>
-                </a:r>
-                <a:r>
-                  <a:rPr lang="ko-KR" altLang="en-US" sz="2000" b="1" dirty="0" smtClean="0">
-                    <a:solidFill>
-                      <a:schemeClr val="bg1"/>
-                    </a:solidFill>
-                  </a:rPr>
-                  <a:t>호선</a:t>
-                </a:r>
-                <a:endParaRPr lang="en-US" altLang="ko-KR" sz="2000" b="1" dirty="0">
-                  <a:solidFill>
-                    <a:schemeClr val="bg1"/>
-                  </a:solidFill>
-                </a:endParaRPr>
-              </a:p>
-            </p:txBody>
-          </p:sp>
-          <p:sp>
-            <p:nvSpPr>
-              <p:cNvPr id="22" name="TextBox 21"/>
-              <p:cNvSpPr txBox="1"/>
-              <p:nvPr/>
-            </p:nvSpPr>
-            <p:spPr>
-              <a:xfrm>
-                <a:off x="5878312" y="2548115"/>
-                <a:ext cx="869329" cy="400110"/>
-              </a:xfrm>
-              <a:prstGeom prst="rect">
-                <a:avLst/>
-              </a:prstGeom>
-              <a:solidFill>
-                <a:srgbClr val="92D050"/>
-              </a:solidFill>
-            </p:spPr>
-            <p:txBody>
-              <a:bodyPr wrap="square" rtlCol="0">
-                <a:spAutoFit/>
-              </a:bodyPr>
-              <a:lstStyle/>
-              <a:p>
-                <a:pPr algn="ctr"/>
-                <a:r>
-                  <a:rPr lang="en-US" altLang="ko-KR" sz="2000" b="1" dirty="0">
-                    <a:solidFill>
-                      <a:schemeClr val="bg1"/>
-                    </a:solidFill>
-                  </a:rPr>
-                  <a:t>6</a:t>
-                </a:r>
-                <a:r>
-                  <a:rPr lang="ko-KR" altLang="en-US" sz="2000" b="1" dirty="0" smtClean="0">
-                    <a:solidFill>
-                      <a:schemeClr val="bg1"/>
-                    </a:solidFill>
-                  </a:rPr>
-                  <a:t>호선</a:t>
-                </a:r>
-                <a:endParaRPr lang="en-US" altLang="ko-KR" sz="2000" b="1" dirty="0">
-                  <a:solidFill>
-                    <a:schemeClr val="bg1"/>
-                  </a:solidFill>
-                </a:endParaRPr>
-              </a:p>
-            </p:txBody>
-          </p:sp>
-          <p:sp>
-            <p:nvSpPr>
-              <p:cNvPr id="23" name="TextBox 22"/>
-              <p:cNvSpPr txBox="1"/>
-              <p:nvPr/>
-            </p:nvSpPr>
-            <p:spPr>
-              <a:xfrm>
-                <a:off x="4935565" y="2548115"/>
-                <a:ext cx="869329" cy="400110"/>
-              </a:xfrm>
-              <a:prstGeom prst="rect">
-                <a:avLst/>
-              </a:prstGeom>
-              <a:solidFill>
-                <a:srgbClr val="92D050"/>
-              </a:solidFill>
-            </p:spPr>
-            <p:txBody>
-              <a:bodyPr wrap="square" rtlCol="0">
-                <a:spAutoFit/>
-              </a:bodyPr>
-              <a:lstStyle/>
-              <a:p>
-                <a:pPr algn="ctr"/>
-                <a:r>
-                  <a:rPr lang="en-US" altLang="ko-KR" sz="2000" b="1" dirty="0">
-                    <a:solidFill>
-                      <a:schemeClr val="bg1"/>
-                    </a:solidFill>
-                  </a:rPr>
-                  <a:t>5</a:t>
-                </a:r>
-                <a:r>
-                  <a:rPr lang="ko-KR" altLang="en-US" sz="2000" b="1" dirty="0" smtClean="0">
-                    <a:solidFill>
-                      <a:schemeClr val="bg1"/>
-                    </a:solidFill>
-                  </a:rPr>
-                  <a:t>호선</a:t>
-                </a:r>
-                <a:endParaRPr lang="en-US" altLang="ko-KR" sz="2000" b="1" dirty="0">
-                  <a:solidFill>
-                    <a:schemeClr val="bg1"/>
-                  </a:solidFill>
-                </a:endParaRPr>
-              </a:p>
-            </p:txBody>
-          </p:sp>
-          <p:sp>
-            <p:nvSpPr>
-              <p:cNvPr id="24" name="TextBox 23"/>
-              <p:cNvSpPr txBox="1"/>
-              <p:nvPr/>
-            </p:nvSpPr>
-            <p:spPr>
-              <a:xfrm>
-                <a:off x="4011786" y="2548115"/>
-                <a:ext cx="869329" cy="400110"/>
-              </a:xfrm>
-              <a:prstGeom prst="rect">
-                <a:avLst/>
-              </a:prstGeom>
-              <a:solidFill>
-                <a:schemeClr val="accent6">
-                  <a:lumMod val="75000"/>
-                </a:schemeClr>
-              </a:solidFill>
-              <a:ln>
-                <a:solidFill>
-                  <a:schemeClr val="accent6">
-                    <a:lumMod val="50000"/>
-                  </a:schemeClr>
-                </a:solidFill>
-              </a:ln>
-            </p:spPr>
-            <p:txBody>
-              <a:bodyPr wrap="square" rtlCol="0">
-                <a:spAutoFit/>
-              </a:bodyPr>
-              <a:lstStyle/>
-              <a:p>
-                <a:pPr algn="ctr"/>
-                <a:r>
-                  <a:rPr lang="en-US" altLang="ko-KR" sz="2000" b="1" dirty="0">
-                    <a:solidFill>
-                      <a:schemeClr val="bg1"/>
-                    </a:solidFill>
-                  </a:rPr>
-                  <a:t>4</a:t>
-                </a:r>
-                <a:r>
-                  <a:rPr lang="ko-KR" altLang="en-US" sz="2000" b="1" dirty="0" smtClean="0">
-                    <a:solidFill>
-                      <a:schemeClr val="bg1"/>
-                    </a:solidFill>
-                  </a:rPr>
-                  <a:t>호선</a:t>
-                </a:r>
-                <a:endParaRPr lang="en-US" altLang="ko-KR" sz="2000" b="1" dirty="0">
-                  <a:solidFill>
-                    <a:schemeClr val="bg1"/>
-                  </a:solidFill>
-                </a:endParaRPr>
-              </a:p>
-            </p:txBody>
-          </p:sp>
-          <p:sp>
-            <p:nvSpPr>
-              <p:cNvPr id="25" name="TextBox 24"/>
-              <p:cNvSpPr txBox="1"/>
-              <p:nvPr/>
-            </p:nvSpPr>
-            <p:spPr>
-              <a:xfrm>
-                <a:off x="2140076" y="2530793"/>
-                <a:ext cx="869329" cy="400110"/>
-              </a:xfrm>
-              <a:prstGeom prst="rect">
-                <a:avLst/>
-              </a:prstGeom>
-              <a:solidFill>
-                <a:srgbClr val="92D050"/>
-              </a:solidFill>
-            </p:spPr>
-            <p:txBody>
-              <a:bodyPr wrap="square" rtlCol="0">
-                <a:spAutoFit/>
-              </a:bodyPr>
-              <a:lstStyle/>
-              <a:p>
-                <a:pPr algn="ctr"/>
-                <a:r>
-                  <a:rPr lang="en-US" altLang="ko-KR" sz="2000" b="1" dirty="0">
-                    <a:solidFill>
-                      <a:schemeClr val="bg1"/>
-                    </a:solidFill>
-                  </a:rPr>
-                  <a:t>2</a:t>
-                </a:r>
-                <a:r>
-                  <a:rPr lang="ko-KR" altLang="en-US" sz="2000" b="1" dirty="0" smtClean="0">
-                    <a:solidFill>
-                      <a:schemeClr val="bg1"/>
-                    </a:solidFill>
-                  </a:rPr>
-                  <a:t>호선</a:t>
-                </a:r>
-                <a:endParaRPr lang="en-US" altLang="ko-KR" sz="2000" b="1" dirty="0">
-                  <a:solidFill>
-                    <a:schemeClr val="bg1"/>
-                  </a:solidFill>
-                </a:endParaRPr>
-              </a:p>
-            </p:txBody>
-          </p:sp>
-          <p:sp>
-            <p:nvSpPr>
-              <p:cNvPr id="26" name="TextBox 25"/>
-              <p:cNvSpPr txBox="1"/>
-              <p:nvPr/>
-            </p:nvSpPr>
-            <p:spPr>
-              <a:xfrm>
-                <a:off x="1190785" y="2530793"/>
-                <a:ext cx="869329" cy="400110"/>
-              </a:xfrm>
-              <a:prstGeom prst="rect">
-                <a:avLst/>
-              </a:prstGeom>
-              <a:solidFill>
-                <a:srgbClr val="92D050"/>
-              </a:solidFill>
-            </p:spPr>
-            <p:txBody>
-              <a:bodyPr wrap="square" rtlCol="0">
-                <a:spAutoFit/>
-              </a:bodyPr>
-              <a:lstStyle/>
-              <a:p>
-                <a:pPr algn="ctr"/>
-                <a:r>
-                  <a:rPr lang="en-US" altLang="ko-KR" sz="2000" b="1" dirty="0" smtClean="0">
-                    <a:solidFill>
-                      <a:schemeClr val="bg1"/>
-                    </a:solidFill>
-                  </a:rPr>
-                  <a:t>1</a:t>
-                </a:r>
-                <a:r>
-                  <a:rPr lang="ko-KR" altLang="en-US" sz="2000" b="1" dirty="0" smtClean="0">
-                    <a:solidFill>
-                      <a:schemeClr val="bg1"/>
-                    </a:solidFill>
-                  </a:rPr>
-                  <a:t>호선</a:t>
-                </a:r>
-                <a:endParaRPr lang="en-US" altLang="ko-KR" sz="2000" b="1" dirty="0">
-                  <a:solidFill>
-                    <a:schemeClr val="bg1"/>
-                  </a:solidFill>
-                </a:endParaRPr>
-              </a:p>
-            </p:txBody>
-          </p:sp>
-          <p:sp>
-            <p:nvSpPr>
-              <p:cNvPr id="27" name="TextBox 26"/>
-              <p:cNvSpPr txBox="1"/>
-              <p:nvPr/>
-            </p:nvSpPr>
-            <p:spPr>
-              <a:xfrm>
-                <a:off x="3079743" y="2530793"/>
-                <a:ext cx="869329" cy="400110"/>
-              </a:xfrm>
-              <a:prstGeom prst="rect">
-                <a:avLst/>
-              </a:prstGeom>
-              <a:solidFill>
-                <a:srgbClr val="92D050"/>
-              </a:solidFill>
-            </p:spPr>
-            <p:txBody>
-              <a:bodyPr wrap="square" rtlCol="0">
-                <a:spAutoFit/>
-              </a:bodyPr>
-              <a:lstStyle/>
-              <a:p>
-                <a:pPr algn="ctr"/>
-                <a:r>
-                  <a:rPr lang="en-US" altLang="ko-KR" sz="2000" b="1" dirty="0" smtClean="0">
-                    <a:solidFill>
-                      <a:schemeClr val="bg1"/>
-                    </a:solidFill>
-                  </a:rPr>
-                  <a:t>3</a:t>
-                </a:r>
-                <a:r>
-                  <a:rPr lang="ko-KR" altLang="en-US" sz="2000" b="1" dirty="0" smtClean="0">
-                    <a:solidFill>
-                      <a:schemeClr val="bg1"/>
-                    </a:solidFill>
-                  </a:rPr>
-                  <a:t>호선</a:t>
-                </a:r>
-                <a:endParaRPr lang="en-US" altLang="ko-KR" sz="2000" b="1" dirty="0">
-                  <a:solidFill>
-                    <a:schemeClr val="bg1"/>
-                  </a:solidFill>
-                </a:endParaRPr>
-              </a:p>
-            </p:txBody>
-          </p:sp>
-          <p:sp>
-            <p:nvSpPr>
-              <p:cNvPr id="31" name="TextBox 30"/>
-              <p:cNvSpPr txBox="1"/>
-              <p:nvPr/>
-            </p:nvSpPr>
-            <p:spPr>
-              <a:xfrm>
-                <a:off x="8714486" y="2560601"/>
-                <a:ext cx="869329" cy="400110"/>
-              </a:xfrm>
-              <a:prstGeom prst="rect">
-                <a:avLst/>
-              </a:prstGeom>
-              <a:solidFill>
-                <a:srgbClr val="92D050"/>
-              </a:solidFill>
-            </p:spPr>
-            <p:txBody>
-              <a:bodyPr wrap="square" rtlCol="0">
-                <a:spAutoFit/>
-              </a:bodyPr>
-              <a:lstStyle/>
-              <a:p>
-                <a:pPr algn="ctr"/>
-                <a:r>
-                  <a:rPr lang="en-US" altLang="ko-KR" sz="2000" b="1" dirty="0">
-                    <a:solidFill>
-                      <a:schemeClr val="bg1"/>
-                    </a:solidFill>
-                  </a:rPr>
-                  <a:t>9</a:t>
-                </a:r>
-                <a:r>
-                  <a:rPr lang="ko-KR" altLang="en-US" sz="2000" b="1" dirty="0" smtClean="0">
-                    <a:solidFill>
-                      <a:schemeClr val="bg1"/>
-                    </a:solidFill>
-                  </a:rPr>
-                  <a:t>호선</a:t>
-                </a:r>
-                <a:endParaRPr lang="en-US" altLang="ko-KR" sz="2000" b="1" dirty="0">
-                  <a:solidFill>
-                    <a:schemeClr val="bg1"/>
-                  </a:solidFill>
-                </a:endParaRPr>
-              </a:p>
-            </p:txBody>
-          </p:sp>
-          <p:sp>
-            <p:nvSpPr>
-              <p:cNvPr id="32" name="TextBox 31"/>
-              <p:cNvSpPr txBox="1"/>
-              <p:nvPr/>
-            </p:nvSpPr>
-            <p:spPr>
-              <a:xfrm>
-                <a:off x="7769629" y="2560601"/>
-                <a:ext cx="869329" cy="400110"/>
-              </a:xfrm>
-              <a:prstGeom prst="rect">
-                <a:avLst/>
-              </a:prstGeom>
-              <a:solidFill>
-                <a:srgbClr val="92D050"/>
-              </a:solidFill>
-            </p:spPr>
-            <p:txBody>
-              <a:bodyPr wrap="square" rtlCol="0">
-                <a:spAutoFit/>
-              </a:bodyPr>
-              <a:lstStyle/>
-              <a:p>
-                <a:pPr algn="ctr"/>
-                <a:r>
-                  <a:rPr lang="en-US" altLang="ko-KR" sz="2000" b="1" dirty="0">
-                    <a:solidFill>
-                      <a:schemeClr val="bg1"/>
-                    </a:solidFill>
-                  </a:rPr>
-                  <a:t>8</a:t>
-                </a:r>
-                <a:r>
-                  <a:rPr lang="ko-KR" altLang="en-US" sz="2000" b="1" dirty="0" smtClean="0">
-                    <a:solidFill>
-                      <a:schemeClr val="bg1"/>
-                    </a:solidFill>
-                  </a:rPr>
-                  <a:t>호선</a:t>
-                </a:r>
-                <a:endParaRPr lang="en-US" altLang="ko-KR" sz="2000" b="1" dirty="0">
-                  <a:solidFill>
-                    <a:schemeClr val="bg1"/>
-                  </a:solidFill>
-                </a:endParaRPr>
-              </a:p>
-            </p:txBody>
-          </p:sp>
-        </p:grpSp>
-        <p:graphicFrame>
-          <p:nvGraphicFramePr>
-            <p:cNvPr id="43" name="차트 42"/>
-            <p:cNvGraphicFramePr/>
-            <p:nvPr>
-              <p:extLst>
-                <p:ext uri="{D42A27DB-BD31-4B8C-83A1-F6EECF244321}">
-                  <p14:modId xmlns:p14="http://schemas.microsoft.com/office/powerpoint/2010/main" val="1658780463"/>
-                </p:ext>
-              </p:extLst>
-            </p:nvPr>
-          </p:nvGraphicFramePr>
-          <p:xfrm>
-            <a:off x="1227014" y="5371042"/>
-            <a:ext cx="7341253" cy="1004367"/>
-          </p:xfrm>
-          <a:graphic>
-            <a:graphicData uri="http://schemas.openxmlformats.org/drawingml/2006/chart">
-              <c:chart xmlns:c="http://schemas.openxmlformats.org/drawingml/2006/chart" xmlns:r="http://schemas.openxmlformats.org/officeDocument/2006/relationships" r:id="rId4"/>
-            </a:graphicData>
-          </a:graphic>
-        </p:graphicFrame>
         <p:sp>
           <p:nvSpPr>
-            <p:cNvPr id="45" name="TextBox 44"/>
-            <p:cNvSpPr txBox="1"/>
+            <p:cNvPr id="20" name="직사각형 19"/>
+            <p:cNvSpPr/>
             <p:nvPr/>
           </p:nvSpPr>
           <p:spPr>
             <a:xfrm>
-              <a:off x="1154812" y="3429677"/>
-              <a:ext cx="4529059" cy="1754326"/>
+              <a:off x="923326" y="1318163"/>
+              <a:ext cx="1487908" cy="338554"/>
             </a:xfrm>
             <a:prstGeom prst="rect">
               <a:avLst/>
             </a:prstGeom>
-            <a:noFill/>
-            <a:ln w="28575">
-              <a:solidFill>
-                <a:srgbClr val="64C044"/>
-              </a:solidFill>
-            </a:ln>
           </p:spPr>
           <p:txBody>
-            <a:bodyPr wrap="square" rtlCol="0">
+            <a:bodyPr wrap="none">
               <a:spAutoFit/>
             </a:bodyPr>
             <a:lstStyle/>
             <a:p>
               <a:r>
-                <a:rPr lang="ko-KR" altLang="en-US" b="1" dirty="0" err="1"/>
-                <a:t>동대문역</a:t>
-              </a:r>
-              <a:endParaRPr lang="ko-KR" altLang="en-US" b="1" dirty="0"/>
-            </a:p>
-            <a:p>
-              <a:r>
-                <a:rPr lang="ko-KR" altLang="en-US" b="1" dirty="0" err="1"/>
-                <a:t>동대문역사문화공원역</a:t>
-              </a:r>
-              <a:endParaRPr lang="ko-KR" altLang="en-US" b="1" dirty="0"/>
-            </a:p>
-            <a:p>
-              <a:r>
-                <a:rPr lang="ko-KR" altLang="en-US" b="1" dirty="0" err="1"/>
-                <a:t>충무로역</a:t>
-              </a:r>
-              <a:endParaRPr lang="ko-KR" altLang="en-US" b="1" dirty="0"/>
-            </a:p>
-            <a:p>
-              <a:r>
-                <a:rPr lang="ko-KR" altLang="en-US" b="1" dirty="0" err="1"/>
-                <a:t>명동역</a:t>
-              </a:r>
-              <a:endParaRPr lang="ko-KR" altLang="en-US" b="1" dirty="0"/>
-            </a:p>
-            <a:p>
-              <a:r>
-                <a:rPr lang="ko-KR" altLang="en-US" b="1" dirty="0" err="1"/>
-                <a:t>회현역</a:t>
-              </a:r>
-              <a:endParaRPr lang="ko-KR" altLang="en-US" b="1" dirty="0"/>
-            </a:p>
-            <a:p>
-              <a:r>
-                <a:rPr lang="ko-KR" altLang="en-US" b="1" dirty="0"/>
-                <a:t>서울역</a:t>
-              </a:r>
-            </a:p>
-          </p:txBody>
-        </p:sp>
-        <p:grpSp>
-          <p:nvGrpSpPr>
-            <p:cNvPr id="46" name="그룹 45"/>
-            <p:cNvGrpSpPr/>
-            <p:nvPr/>
-          </p:nvGrpSpPr>
-          <p:grpSpPr>
-            <a:xfrm>
-              <a:off x="5370229" y="3494598"/>
-              <a:ext cx="224666" cy="1603267"/>
-              <a:chOff x="10569448" y="2626467"/>
-              <a:chExt cx="224666" cy="1603267"/>
-            </a:xfrm>
-          </p:grpSpPr>
-          <p:sp>
-            <p:nvSpPr>
-              <p:cNvPr id="47" name="직사각형 46"/>
-              <p:cNvSpPr/>
-              <p:nvPr/>
-            </p:nvSpPr>
-            <p:spPr>
-              <a:xfrm>
-                <a:off x="10569448" y="2626467"/>
-                <a:ext cx="224666" cy="1603267"/>
-              </a:xfrm>
-              <a:prstGeom prst="rect">
-                <a:avLst/>
-              </a:prstGeom>
-              <a:solidFill>
-                <a:schemeClr val="accent6">
-                  <a:lumMod val="20000"/>
-                  <a:lumOff val="80000"/>
-                </a:schemeClr>
-              </a:solidFill>
-              <a:ln w="19050">
-                <a:solidFill>
-                  <a:srgbClr val="64C044"/>
-                </a:solidFill>
-              </a:ln>
-            </p:spPr>
-            <p:style>
-              <a:lnRef idx="2">
-                <a:schemeClr val="accent1">
-                  <a:shade val="50000"/>
-                </a:schemeClr>
-              </a:lnRef>
-              <a:fillRef idx="1">
-                <a:schemeClr val="accent1"/>
-              </a:fillRef>
-              <a:effectRef idx="0">
-                <a:schemeClr val="accent1"/>
-              </a:effectRef>
-              <a:fontRef idx="minor">
-                <a:schemeClr val="lt1"/>
-              </a:fontRef>
-            </p:style>
-            <p:txBody>
-              <a:bodyPr rtlCol="0" anchor="ctr"/>
-              <a:lstStyle/>
-              <a:p>
-                <a:pPr algn="ctr"/>
-                <a:endParaRPr lang="ko-KR" altLang="en-US"/>
-              </a:p>
-            </p:txBody>
-          </p:sp>
-          <p:sp>
-            <p:nvSpPr>
-              <p:cNvPr id="48" name="직사각형 47"/>
-              <p:cNvSpPr/>
-              <p:nvPr/>
-            </p:nvSpPr>
-            <p:spPr>
-              <a:xfrm>
-                <a:off x="10614363" y="2731675"/>
-                <a:ext cx="134836" cy="89832"/>
-              </a:xfrm>
-              <a:prstGeom prst="rect">
-                <a:avLst/>
-              </a:prstGeom>
-              <a:solidFill>
-                <a:schemeClr val="accent6">
-                  <a:lumMod val="75000"/>
-                </a:schemeClr>
-              </a:solidFill>
-              <a:ln>
-                <a:noFill/>
-              </a:ln>
-            </p:spPr>
-            <p:style>
-              <a:lnRef idx="2">
-                <a:schemeClr val="accent1">
-                  <a:shade val="50000"/>
-                </a:schemeClr>
-              </a:lnRef>
-              <a:fillRef idx="1">
-                <a:schemeClr val="accent1"/>
-              </a:fillRef>
-              <a:effectRef idx="0">
-                <a:schemeClr val="accent1"/>
-              </a:effectRef>
-              <a:fontRef idx="minor">
-                <a:schemeClr val="lt1"/>
-              </a:fontRef>
-            </p:style>
-            <p:txBody>
-              <a:bodyPr rtlCol="0" anchor="ctr"/>
-              <a:lstStyle/>
-              <a:p>
-                <a:pPr algn="ctr"/>
-                <a:endParaRPr lang="ko-KR" altLang="en-US" sz="1400"/>
-              </a:p>
-            </p:txBody>
-          </p:sp>
-        </p:grpSp>
-        <p:pic>
-          <p:nvPicPr>
-            <p:cNvPr id="5123" name="Picture 3" descr="C:\Users\user\AppData\Local\Microsoft\Windows\INetCache\IE\AIXJ2YIJ\600px-Seoul_Metro_Line_4.svg[1].png"/>
-            <p:cNvPicPr>
-              <a:picLocks noChangeAspect="1" noChangeArrowheads="1"/>
-            </p:cNvPicPr>
-            <p:nvPr/>
-          </p:nvPicPr>
-          <p:blipFill>
-            <a:blip r:embed="rId5" cstate="print">
-              <a:extLst>
-                <a:ext uri="{28A0092B-C50C-407E-A947-70E740481C1C}">
-                  <a14:useLocalDpi xmlns:a14="http://schemas.microsoft.com/office/drawing/2010/main" val="0"/>
-                </a:ext>
-              </a:extLst>
-            </a:blip>
-            <a:srcRect/>
-            <a:stretch>
-              <a:fillRect/>
-            </a:stretch>
-          </p:blipFill>
-          <p:spPr bwMode="auto">
-            <a:xfrm>
-              <a:off x="10014618" y="2200573"/>
-              <a:ext cx="721869" cy="721869"/>
-            </a:xfrm>
-            <a:prstGeom prst="rect">
-              <a:avLst/>
-            </a:prstGeom>
-            <a:noFill/>
-            <a:extLst>
-              <a:ext uri="{909E8E84-426E-40DD-AFC4-6F175D3DCCD1}">
-                <a14:hiddenFill xmlns:a14="http://schemas.microsoft.com/office/drawing/2010/main">
-                  <a:solidFill>
-                    <a:srgbClr val="FFFFFF"/>
-                  </a:solidFill>
-                </a14:hiddenFill>
-              </a:ext>
-            </a:extLst>
-          </p:spPr>
-        </p:pic>
-        <p:sp>
-          <p:nvSpPr>
-            <p:cNvPr id="44" name="TextBox 43"/>
-            <p:cNvSpPr txBox="1"/>
-            <p:nvPr/>
-          </p:nvSpPr>
-          <p:spPr>
-            <a:xfrm>
-              <a:off x="1154811" y="3034244"/>
-              <a:ext cx="4528800" cy="369332"/>
-            </a:xfrm>
-            <a:prstGeom prst="rect">
-              <a:avLst/>
-            </a:prstGeom>
-            <a:solidFill>
-              <a:srgbClr val="64C044"/>
-            </a:solidFill>
-            <a:ln w="28575">
-              <a:solidFill>
-                <a:srgbClr val="64C044"/>
-              </a:solidFill>
-            </a:ln>
-          </p:spPr>
-          <p:txBody>
-            <a:bodyPr wrap="square" rtlCol="0">
-              <a:spAutoFit/>
-            </a:bodyPr>
-            <a:lstStyle/>
-            <a:p>
-              <a:r>
-                <a:rPr lang="en-US" altLang="ko-KR" b="1" dirty="0" smtClean="0"/>
-                <a:t>4</a:t>
+                <a:rPr lang="ko-KR" altLang="en-US" sz="1600" b="1" dirty="0" err="1"/>
+                <a:t>언제타</a:t>
               </a:r>
               <a:r>
-                <a:rPr lang="ko-KR" altLang="en-US" b="1" dirty="0" smtClean="0"/>
-                <a:t>호선 역 목록</a:t>
+                <a:rPr lang="ko-KR" altLang="en-US" sz="1600" b="1" dirty="0"/>
+                <a:t> 지하철</a:t>
               </a:r>
-              <a:endParaRPr lang="ko-KR" altLang="en-US" b="1" dirty="0"/>
-            </a:p>
-          </p:txBody>
-        </p:sp>
-        <p:sp>
-          <p:nvSpPr>
-            <p:cNvPr id="57" name="TextBox 56"/>
-            <p:cNvSpPr txBox="1"/>
-            <p:nvPr/>
-          </p:nvSpPr>
-          <p:spPr>
-            <a:xfrm>
-              <a:off x="5840223" y="3034244"/>
-              <a:ext cx="5090206" cy="369332"/>
-            </a:xfrm>
-            <a:prstGeom prst="rect">
-              <a:avLst/>
-            </a:prstGeom>
-            <a:solidFill>
-              <a:srgbClr val="64C044"/>
-            </a:solidFill>
-            <a:ln w="28575">
-              <a:solidFill>
-                <a:srgbClr val="64C044"/>
-              </a:solidFill>
-            </a:ln>
-          </p:spPr>
-          <p:txBody>
-            <a:bodyPr wrap="square" rtlCol="0">
-              <a:spAutoFit/>
-            </a:bodyPr>
-            <a:lstStyle/>
-            <a:p>
-              <a:r>
-                <a:rPr lang="ko-KR" altLang="en-US" b="1" dirty="0" err="1" smtClean="0"/>
-                <a:t>충무로역</a:t>
-              </a:r>
-              <a:r>
-                <a:rPr lang="ko-KR" altLang="en-US" b="1" dirty="0" smtClean="0"/>
-                <a:t> 열차 시간표</a:t>
-              </a:r>
-              <a:endParaRPr lang="ko-KR" altLang="en-US" b="1" dirty="0"/>
+              <a:endParaRPr lang="en-US" altLang="ko-KR" sz="1600" b="1" dirty="0"/>
             </a:p>
           </p:txBody>
         </p:sp>
@@ -12029,28 +14267,28 @@
       </p:grpSpPr>
       <p:grpSp>
         <p:nvGrpSpPr>
-          <p:cNvPr id="11" name="그룹 10"/>
+          <p:cNvPr id="2" name="그룹 1"/>
           <p:cNvGrpSpPr/>
           <p:nvPr/>
         </p:nvGrpSpPr>
         <p:grpSpPr>
           <a:xfrm>
-            <a:off x="0" y="2321472"/>
-            <a:ext cx="12192000" cy="2215055"/>
-            <a:chOff x="0" y="2321472"/>
-            <a:chExt cx="12192000" cy="2215055"/>
+            <a:off x="-36512" y="315310"/>
+            <a:ext cx="12228512" cy="956441"/>
+            <a:chOff x="-36512" y="315310"/>
+            <a:chExt cx="12228512" cy="956441"/>
           </a:xfrm>
         </p:grpSpPr>
         <p:sp>
           <p:nvSpPr>
-            <p:cNvPr id="2" name="직사각형 1"/>
+            <p:cNvPr id="3" name="직사각형 2"/>
             <p:cNvSpPr/>
             <p:nvPr/>
           </p:nvSpPr>
           <p:spPr>
             <a:xfrm>
-              <a:off x="0" y="3184634"/>
-              <a:ext cx="12192000" cy="620111"/>
+              <a:off x="-36512" y="655843"/>
+              <a:ext cx="12228512" cy="361374"/>
             </a:xfrm>
             <a:prstGeom prst="rect">
               <a:avLst/>
@@ -12083,20 +14321,22 @@
             <a:lstStyle/>
             <a:p>
               <a:pPr algn="ctr"/>
-              <a:endParaRPr lang="ko-KR" altLang="en-US"/>
+              <a:endParaRPr lang="ko-KR" altLang="en-US">
+                <a:latin typeface="+mj-lt"/>
+              </a:endParaRPr>
             </a:p>
           </p:txBody>
         </p:sp>
         <p:sp>
           <p:nvSpPr>
-            <p:cNvPr id="3" name="모서리가 둥근 직사각형 2"/>
+            <p:cNvPr id="4" name="모서리가 둥근 직사각형 3"/>
             <p:cNvSpPr/>
             <p:nvPr/>
           </p:nvSpPr>
           <p:spPr>
             <a:xfrm>
-              <a:off x="2261818" y="2321472"/>
-              <a:ext cx="7668363" cy="2215055"/>
+              <a:off x="472966" y="315310"/>
+              <a:ext cx="6379780" cy="956441"/>
             </a:xfrm>
             <a:prstGeom prst="roundRect">
               <a:avLst>
@@ -12131,23 +14371,22 @@
             <a:lstStyle/>
             <a:p>
               <a:pPr algn="ctr"/>
-              <a:endParaRPr lang="ko-KR" altLang="en-US">
-                <a:latin typeface="+mj-ea"/>
-                <a:ea typeface="+mj-ea"/>
+              <a:endParaRPr lang="ko-KR" altLang="en-US" sz="1000">
+                <a:latin typeface="+mj-lt"/>
               </a:endParaRPr>
             </a:p>
           </p:txBody>
         </p:sp>
         <p:sp>
           <p:nvSpPr>
-            <p:cNvPr id="4" name="모서리가 둥근 직사각형 3"/>
+            <p:cNvPr id="5" name="모서리가 둥근 직사각형 4"/>
             <p:cNvSpPr/>
             <p:nvPr/>
           </p:nvSpPr>
           <p:spPr>
             <a:xfrm>
-              <a:off x="2490953" y="2543877"/>
-              <a:ext cx="7220606" cy="1770246"/>
+              <a:off x="578070" y="409903"/>
+              <a:ext cx="6169571" cy="759377"/>
             </a:xfrm>
             <a:prstGeom prst="roundRect">
               <a:avLst>
@@ -12182,23 +14421,22 @@
             <a:lstStyle/>
             <a:p>
               <a:pPr algn="ctr"/>
-              <a:endParaRPr lang="ko-KR" altLang="en-US" dirty="0">
-                <a:latin typeface="+mj-ea"/>
-                <a:ea typeface="+mj-ea"/>
+              <a:endParaRPr lang="ko-KR" altLang="en-US" sz="1000">
+                <a:latin typeface="+mj-lt"/>
               </a:endParaRPr>
             </a:p>
           </p:txBody>
         </p:sp>
         <p:sp>
           <p:nvSpPr>
-            <p:cNvPr id="5" name="타원 4"/>
+            <p:cNvPr id="6" name="타원 5"/>
             <p:cNvSpPr/>
             <p:nvPr/>
           </p:nvSpPr>
           <p:spPr>
             <a:xfrm>
-              <a:off x="2785242" y="2766848"/>
-              <a:ext cx="1303282" cy="1303282"/>
+              <a:off x="761445" y="483070"/>
+              <a:ext cx="625920" cy="613041"/>
             </a:xfrm>
             <a:prstGeom prst="ellipse">
               <a:avLst/>
@@ -12231,60 +14469,22 @@
             <a:lstStyle/>
             <a:p>
               <a:pPr algn="ctr"/>
-              <a:endParaRPr lang="ko-KR" altLang="en-US">
-                <a:latin typeface="+mj-ea"/>
-                <a:ea typeface="+mj-ea"/>
+              <a:endParaRPr lang="ko-KR" altLang="en-US" sz="1000" dirty="0">
+                <a:latin typeface="+mj-lt"/>
               </a:endParaRPr>
             </a:p>
           </p:txBody>
         </p:sp>
         <p:sp>
           <p:nvSpPr>
-            <p:cNvPr id="6" name="TextBox 5"/>
+            <p:cNvPr id="7" name="TextBox 6"/>
             <p:cNvSpPr txBox="1"/>
             <p:nvPr/>
           </p:nvSpPr>
           <p:spPr>
             <a:xfrm>
-              <a:off x="4298609" y="2969164"/>
-              <a:ext cx="4597226" cy="1216664"/>
-            </a:xfrm>
-            <a:prstGeom prst="rect">
-              <a:avLst/>
-            </a:prstGeom>
-            <a:noFill/>
-          </p:spPr>
-          <p:txBody>
-            <a:bodyPr wrap="square" rtlCol="0">
-              <a:spAutoFit/>
-            </a:bodyPr>
-            <a:lstStyle/>
-            <a:p>
-              <a:pPr algn="dist"/>
-              <a:r>
-                <a:rPr lang="ko-KR" altLang="en-US" sz="4800" b="1" dirty="0" smtClean="0">
-                  <a:latin typeface="+mj-ea"/>
-                  <a:ea typeface="+mj-ea"/>
-                </a:rPr>
-                <a:t>감사합니다</a:t>
-              </a:r>
-              <a:endParaRPr lang="en-US" altLang="ko-KR" sz="4800" b="1" dirty="0" smtClean="0">
-                <a:latin typeface="+mj-ea"/>
-                <a:ea typeface="+mj-ea"/>
-              </a:endParaRPr>
-            </a:p>
-          </p:txBody>
-        </p:sp>
-        <p:sp>
-          <p:nvSpPr>
-            <p:cNvPr id="10" name="TextBox 9"/>
-            <p:cNvSpPr txBox="1"/>
-            <p:nvPr/>
-          </p:nvSpPr>
-          <p:spPr>
-            <a:xfrm>
-              <a:off x="2995455" y="3013501"/>
-              <a:ext cx="976470" cy="830997"/>
+              <a:off x="827833" y="466424"/>
+              <a:ext cx="493144" cy="646331"/>
             </a:xfrm>
             <a:prstGeom prst="rect">
               <a:avLst/>
@@ -12298,30 +14498,825 @@
             <a:lstStyle/>
             <a:p>
               <a:r>
-                <a:rPr lang="en-US" altLang="ko-KR" sz="4800" b="1" dirty="0" smtClean="0">
+                <a:rPr lang="en-US" altLang="ko-KR" sz="3600" b="1" dirty="0" smtClean="0">
                   <a:solidFill>
                     <a:schemeClr val="bg1"/>
                   </a:solidFill>
-                  <a:latin typeface="+mj-ea"/>
-                  <a:ea typeface="+mj-ea"/>
+                  <a:latin typeface="+mj-lt"/>
+                  <a:ea typeface="12롯데마트드림Bold" panose="02020603020101020101" pitchFamily="18" charset="-127"/>
                 </a:rPr>
-                <a:t>20</a:t>
+                <a:t>7</a:t>
               </a:r>
-              <a:endParaRPr lang="ko-KR" altLang="en-US" sz="4800" b="1" dirty="0">
+              <a:endParaRPr lang="ko-KR" altLang="en-US" sz="3600" b="1" dirty="0">
                 <a:solidFill>
                   <a:schemeClr val="bg1"/>
                 </a:solidFill>
-                <a:latin typeface="+mj-ea"/>
-                <a:ea typeface="+mj-ea"/>
+                <a:latin typeface="+mj-lt"/>
+                <a:ea typeface="12롯데마트드림Bold" panose="02020603020101020101" pitchFamily="18" charset="-127"/>
               </a:endParaRPr>
             </a:p>
           </p:txBody>
         </p:sp>
+        <p:sp>
+          <p:nvSpPr>
+            <p:cNvPr id="8" name="TextBox 7"/>
+            <p:cNvSpPr txBox="1"/>
+            <p:nvPr/>
+          </p:nvSpPr>
+          <p:spPr>
+            <a:xfrm>
+              <a:off x="1846757" y="493997"/>
+              <a:ext cx="3706317" cy="584775"/>
+            </a:xfrm>
+            <a:prstGeom prst="rect">
+              <a:avLst/>
+            </a:prstGeom>
+            <a:noFill/>
+          </p:spPr>
+          <p:txBody>
+            <a:bodyPr wrap="square" rtlCol="0">
+              <a:spAutoFit/>
+            </a:bodyPr>
+            <a:lstStyle/>
+            <a:p>
+              <a:r>
+                <a:rPr lang="ko-KR" altLang="en-US" sz="3200" b="1" dirty="0" smtClean="0"/>
+                <a:t>개발 계획</a:t>
+              </a:r>
+              <a:endParaRPr lang="en-US" altLang="ko-KR" sz="3200" b="1" dirty="0" smtClean="0"/>
+            </a:p>
+          </p:txBody>
+        </p:sp>
       </p:grpSp>
+      <p:graphicFrame>
+        <p:nvGraphicFramePr>
+          <p:cNvPr id="10" name="표 9"/>
+          <p:cNvGraphicFramePr>
+            <a:graphicFrameLocks noGrp="1"/>
+          </p:cNvGraphicFramePr>
+          <p:nvPr>
+            <p:extLst>
+              <p:ext uri="{D42A27DB-BD31-4B8C-83A1-F6EECF244321}">
+                <p14:modId xmlns:p14="http://schemas.microsoft.com/office/powerpoint/2010/main" val="2466414540"/>
+              </p:ext>
+            </p:extLst>
+          </p:nvPr>
+        </p:nvGraphicFramePr>
+        <p:xfrm>
+          <a:off x="827833" y="1447800"/>
+          <a:ext cx="10325943" cy="5188639"/>
+        </p:xfrm>
+        <a:graphic>
+          <a:graphicData uri="http://schemas.openxmlformats.org/drawingml/2006/table">
+            <a:tbl>
+              <a:tblPr firstRow="1" bandRow="1">
+                <a:tableStyleId>{93296810-A885-4BE3-A3E7-6D5BEEA58F35}</a:tableStyleId>
+              </a:tblPr>
+              <a:tblGrid>
+                <a:gridCol w="1043826"/>
+                <a:gridCol w="3900491"/>
+                <a:gridCol w="2524125"/>
+                <a:gridCol w="2857501"/>
+              </a:tblGrid>
+              <a:tr h="384017">
+                <a:tc>
+                  <a:txBody>
+                    <a:bodyPr/>
+                    <a:lstStyle/>
+                    <a:p>
+                      <a:pPr algn="ctr" latinLnBrk="1"/>
+                      <a:r>
+                        <a:rPr lang="ko-KR" altLang="en-US" dirty="0" smtClean="0"/>
+                        <a:t>주차</a:t>
+                      </a:r>
+                      <a:endParaRPr lang="ko-KR" altLang="en-US" dirty="0"/>
+                    </a:p>
+                  </a:txBody>
+                  <a:tcPr/>
+                </a:tc>
+                <a:tc>
+                  <a:txBody>
+                    <a:bodyPr/>
+                    <a:lstStyle/>
+                    <a:p>
+                      <a:pPr algn="ctr" latinLnBrk="1"/>
+                      <a:r>
+                        <a:rPr lang="ko-KR" altLang="en-US" dirty="0" smtClean="0"/>
+                        <a:t>내용</a:t>
+                      </a:r>
+                      <a:endParaRPr lang="ko-KR" altLang="en-US" dirty="0"/>
+                    </a:p>
+                  </a:txBody>
+                  <a:tcPr/>
+                </a:tc>
+                <a:tc>
+                  <a:txBody>
+                    <a:bodyPr/>
+                    <a:lstStyle/>
+                    <a:p>
+                      <a:pPr algn="ctr" latinLnBrk="1"/>
+                      <a:r>
+                        <a:rPr lang="ko-KR" altLang="en-US" dirty="0" smtClean="0"/>
+                        <a:t>진행 상황</a:t>
+                      </a:r>
+                      <a:endParaRPr lang="ko-KR" altLang="en-US" dirty="0"/>
+                    </a:p>
+                  </a:txBody>
+                  <a:tcPr/>
+                </a:tc>
+                <a:tc>
+                  <a:txBody>
+                    <a:bodyPr/>
+                    <a:lstStyle/>
+                    <a:p>
+                      <a:pPr algn="ctr" latinLnBrk="1"/>
+                      <a:r>
+                        <a:rPr lang="ko-KR" altLang="en-US" dirty="0" smtClean="0"/>
+                        <a:t>비고</a:t>
+                      </a:r>
+                      <a:endParaRPr lang="ko-KR" altLang="en-US" dirty="0"/>
+                    </a:p>
+                  </a:txBody>
+                  <a:tcPr/>
+                </a:tc>
+              </a:tr>
+              <a:tr h="587251">
+                <a:tc>
+                  <a:txBody>
+                    <a:bodyPr/>
+                    <a:lstStyle/>
+                    <a:p>
+                      <a:pPr algn="ctr" latinLnBrk="1"/>
+                      <a:r>
+                        <a:rPr lang="en-US" altLang="ko-KR" dirty="0" smtClean="0"/>
+                        <a:t>1</a:t>
+                      </a:r>
+                      <a:r>
+                        <a:rPr lang="ko-KR" altLang="en-US" dirty="0" smtClean="0"/>
+                        <a:t>주차</a:t>
+                      </a:r>
+                      <a:endParaRPr lang="ko-KR" altLang="en-US" dirty="0"/>
+                    </a:p>
+                  </a:txBody>
+                  <a:tcPr anchor="ctr"/>
+                </a:tc>
+                <a:tc>
+                  <a:txBody>
+                    <a:bodyPr/>
+                    <a:lstStyle/>
+                    <a:p>
+                      <a:pPr latinLnBrk="1"/>
+                      <a:r>
+                        <a:rPr lang="ko-KR" altLang="en-US" dirty="0" smtClean="0"/>
+                        <a:t>주제선정</a:t>
+                      </a:r>
+                      <a:r>
+                        <a:rPr lang="en-US" altLang="ko-KR" dirty="0" smtClean="0"/>
+                        <a:t>, </a:t>
+                      </a:r>
+                      <a:r>
+                        <a:rPr lang="ko-KR" altLang="en-US" dirty="0" smtClean="0"/>
+                        <a:t>화면구상</a:t>
+                      </a:r>
+                      <a:endParaRPr lang="ko-KR" altLang="en-US" dirty="0"/>
+                    </a:p>
+                  </a:txBody>
+                  <a:tcPr anchor="ctr"/>
+                </a:tc>
+                <a:tc>
+                  <a:txBody>
+                    <a:bodyPr/>
+                    <a:lstStyle/>
+                    <a:p>
+                      <a:pPr algn="ctr" latinLnBrk="1"/>
+                      <a:r>
+                        <a:rPr lang="en-US" altLang="ko-KR" dirty="0" smtClean="0"/>
+                        <a:t>Done</a:t>
+                      </a:r>
+                      <a:endParaRPr lang="ko-KR" altLang="en-US" dirty="0"/>
+                    </a:p>
+                  </a:txBody>
+                  <a:tcPr anchor="ctr"/>
+                </a:tc>
+                <a:tc>
+                  <a:txBody>
+                    <a:bodyPr/>
+                    <a:lstStyle/>
+                    <a:p>
+                      <a:pPr latinLnBrk="1"/>
+                      <a:endParaRPr lang="ko-KR" altLang="en-US" dirty="0"/>
+                    </a:p>
+                  </a:txBody>
+                  <a:tcPr anchor="ctr"/>
+                </a:tc>
+              </a:tr>
+              <a:tr h="635439">
+                <a:tc>
+                  <a:txBody>
+                    <a:bodyPr/>
+                    <a:lstStyle/>
+                    <a:p>
+                      <a:pPr algn="ctr" latinLnBrk="1"/>
+                      <a:r>
+                        <a:rPr lang="en-US" altLang="ko-KR" dirty="0" smtClean="0"/>
+                        <a:t>2</a:t>
+                      </a:r>
+                      <a:r>
+                        <a:rPr lang="ko-KR" altLang="en-US" dirty="0" smtClean="0"/>
+                        <a:t>주차</a:t>
+                      </a:r>
+                      <a:endParaRPr lang="en-US" altLang="ko-KR" dirty="0" smtClean="0"/>
+                    </a:p>
+                  </a:txBody>
+                  <a:tcPr anchor="ctr"/>
+                </a:tc>
+                <a:tc>
+                  <a:txBody>
+                    <a:bodyPr/>
+                    <a:lstStyle/>
+                    <a:p>
+                      <a:pPr latinLnBrk="1"/>
+                      <a:r>
+                        <a:rPr lang="ko-KR" altLang="en-US" dirty="0" smtClean="0"/>
+                        <a:t>화면 구현</a:t>
+                      </a:r>
+                      <a:endParaRPr lang="en-US" altLang="ko-KR" dirty="0" smtClean="0"/>
+                    </a:p>
+                    <a:p>
+                      <a:pPr latinLnBrk="1"/>
+                      <a:r>
+                        <a:rPr lang="ko-KR" altLang="en-US" dirty="0" smtClean="0"/>
+                        <a:t>활용할 </a:t>
+                      </a:r>
+                      <a:r>
+                        <a:rPr lang="en-US" altLang="ko-KR" dirty="0" err="1" smtClean="0"/>
+                        <a:t>OpenAPI</a:t>
+                      </a:r>
+                      <a:r>
+                        <a:rPr lang="en-US" altLang="ko-KR" baseline="0" dirty="0" smtClean="0"/>
+                        <a:t> </a:t>
+                      </a:r>
+                      <a:r>
+                        <a:rPr lang="ko-KR" altLang="en-US" baseline="0" dirty="0" smtClean="0"/>
+                        <a:t>선정</a:t>
+                      </a:r>
+                      <a:endParaRPr lang="ko-KR" altLang="en-US" dirty="0"/>
+                    </a:p>
+                  </a:txBody>
+                  <a:tcPr anchor="ctr"/>
+                </a:tc>
+                <a:tc>
+                  <a:txBody>
+                    <a:bodyPr/>
+                    <a:lstStyle/>
+                    <a:p>
+                      <a:pPr marL="0" marR="0" indent="0" algn="ctr" defTabSz="914400" rtl="0" eaLnBrk="1" fontAlgn="auto" latinLnBrk="1" hangingPunct="1">
+                        <a:lnSpc>
+                          <a:spcPct val="100000"/>
+                        </a:lnSpc>
+                        <a:spcBef>
+                          <a:spcPts val="0"/>
+                        </a:spcBef>
+                        <a:spcAft>
+                          <a:spcPts val="0"/>
+                        </a:spcAft>
+                        <a:buClrTx/>
+                        <a:buSzTx/>
+                        <a:buFontTx/>
+                        <a:buNone/>
+                        <a:tabLst/>
+                        <a:defRPr/>
+                      </a:pPr>
+                      <a:r>
+                        <a:rPr lang="en-US" altLang="ko-KR" dirty="0" smtClean="0"/>
+                        <a:t>Done</a:t>
+                      </a:r>
+                      <a:endParaRPr lang="ko-KR" altLang="en-US" dirty="0" smtClean="0"/>
+                    </a:p>
+                  </a:txBody>
+                  <a:tcPr anchor="ctr"/>
+                </a:tc>
+                <a:tc>
+                  <a:txBody>
+                    <a:bodyPr/>
+                    <a:lstStyle/>
+                    <a:p>
+                      <a:pPr latinLnBrk="1"/>
+                      <a:endParaRPr lang="ko-KR" altLang="en-US" dirty="0"/>
+                    </a:p>
+                  </a:txBody>
+                  <a:tcPr anchor="ctr"/>
+                </a:tc>
+              </a:tr>
+              <a:tr h="907769">
+                <a:tc>
+                  <a:txBody>
+                    <a:bodyPr/>
+                    <a:lstStyle/>
+                    <a:p>
+                      <a:pPr algn="ctr" latinLnBrk="1"/>
+                      <a:r>
+                        <a:rPr lang="en-US" altLang="ko-KR" dirty="0" smtClean="0"/>
+                        <a:t>3</a:t>
+                      </a:r>
+                      <a:r>
+                        <a:rPr lang="ko-KR" altLang="en-US" dirty="0" smtClean="0"/>
+                        <a:t>주차</a:t>
+                      </a:r>
+                      <a:endParaRPr lang="ko-KR" altLang="en-US" dirty="0"/>
+                    </a:p>
+                  </a:txBody>
+                  <a:tcPr anchor="ctr"/>
+                </a:tc>
+                <a:tc>
+                  <a:txBody>
+                    <a:bodyPr/>
+                    <a:lstStyle/>
+                    <a:p>
+                      <a:pPr marL="0" marR="0" indent="0" algn="l" defTabSz="914400" rtl="0" eaLnBrk="1" fontAlgn="auto" latinLnBrk="1" hangingPunct="1">
+                        <a:lnSpc>
+                          <a:spcPct val="100000"/>
+                        </a:lnSpc>
+                        <a:spcBef>
+                          <a:spcPts val="0"/>
+                        </a:spcBef>
+                        <a:spcAft>
+                          <a:spcPts val="0"/>
+                        </a:spcAft>
+                        <a:buClrTx/>
+                        <a:buSzTx/>
+                        <a:buFontTx/>
+                        <a:buNone/>
+                        <a:tabLst/>
+                        <a:defRPr/>
+                      </a:pPr>
+                      <a:r>
+                        <a:rPr lang="en-US" altLang="ko-KR" dirty="0" err="1" smtClean="0"/>
+                        <a:t>OpenAPI</a:t>
+                      </a:r>
+                      <a:r>
+                        <a:rPr lang="ko-KR" altLang="en-US" dirty="0" smtClean="0"/>
+                        <a:t>를 활용한 검색 기능 구현</a:t>
+                      </a:r>
+                      <a:endParaRPr lang="en-US" altLang="ko-KR" dirty="0" smtClean="0"/>
+                    </a:p>
+                    <a:p>
+                      <a:pPr marL="0" marR="0" indent="0" algn="l" defTabSz="914400" rtl="0" eaLnBrk="1" fontAlgn="auto" latinLnBrk="1" hangingPunct="1">
+                        <a:lnSpc>
+                          <a:spcPct val="100000"/>
+                        </a:lnSpc>
+                        <a:spcBef>
+                          <a:spcPts val="0"/>
+                        </a:spcBef>
+                        <a:spcAft>
+                          <a:spcPts val="0"/>
+                        </a:spcAft>
+                        <a:buClrTx/>
+                        <a:buSzTx/>
+                        <a:buFontTx/>
+                        <a:buNone/>
+                        <a:tabLst/>
+                        <a:defRPr/>
+                      </a:pPr>
+                      <a:r>
+                        <a:rPr lang="ko-KR" altLang="en-US" dirty="0" err="1" smtClean="0"/>
+                        <a:t>이메일</a:t>
+                      </a:r>
+                      <a:r>
+                        <a:rPr lang="ko-KR" altLang="en-US" dirty="0" smtClean="0"/>
+                        <a:t> 보내기 구현</a:t>
+                      </a:r>
+                      <a:r>
+                        <a:rPr lang="en-US" altLang="ko-KR" dirty="0" smtClean="0"/>
+                        <a:t> </a:t>
+                      </a:r>
+                    </a:p>
+                  </a:txBody>
+                  <a:tcPr anchor="ctr"/>
+                </a:tc>
+                <a:tc>
+                  <a:txBody>
+                    <a:bodyPr/>
+                    <a:lstStyle/>
+                    <a:p>
+                      <a:pPr marL="0" marR="0" indent="0" algn="ctr" defTabSz="914400" rtl="0" eaLnBrk="1" fontAlgn="auto" latinLnBrk="1" hangingPunct="1">
+                        <a:lnSpc>
+                          <a:spcPct val="100000"/>
+                        </a:lnSpc>
+                        <a:spcBef>
+                          <a:spcPts val="0"/>
+                        </a:spcBef>
+                        <a:spcAft>
+                          <a:spcPts val="0"/>
+                        </a:spcAft>
+                        <a:buClrTx/>
+                        <a:buSzTx/>
+                        <a:buFontTx/>
+                        <a:buNone/>
+                        <a:tabLst/>
+                        <a:defRPr/>
+                      </a:pPr>
+                      <a:endParaRPr lang="ko-KR" altLang="en-US" dirty="0"/>
+                    </a:p>
+                  </a:txBody>
+                  <a:tcPr anchor="ctr"/>
+                </a:tc>
+                <a:tc>
+                  <a:txBody>
+                    <a:bodyPr/>
+                    <a:lstStyle/>
+                    <a:p>
+                      <a:pPr marL="0" marR="0" indent="0" algn="l" defTabSz="914400" rtl="0" eaLnBrk="1" fontAlgn="auto" latinLnBrk="1" hangingPunct="1">
+                        <a:lnSpc>
+                          <a:spcPct val="100000"/>
+                        </a:lnSpc>
+                        <a:spcBef>
+                          <a:spcPts val="0"/>
+                        </a:spcBef>
+                        <a:spcAft>
+                          <a:spcPts val="0"/>
+                        </a:spcAft>
+                        <a:buClrTx/>
+                        <a:buSzTx/>
+                        <a:buFontTx/>
+                        <a:buNone/>
+                        <a:tabLst/>
+                        <a:defRPr/>
+                      </a:pPr>
+                      <a:r>
+                        <a:rPr lang="en-US" altLang="ko-KR" dirty="0" smtClean="0"/>
+                        <a:t>5/17 </a:t>
+                      </a:r>
+                      <a:r>
+                        <a:rPr lang="ko-KR" altLang="en-US" dirty="0" smtClean="0"/>
+                        <a:t>기획발표</a:t>
+                      </a:r>
+                      <a:endParaRPr lang="ko-KR" altLang="en-US" dirty="0"/>
+                    </a:p>
+                  </a:txBody>
+                  <a:tcPr anchor="ctr"/>
+                </a:tc>
+              </a:tr>
+              <a:tr h="587251">
+                <a:tc>
+                  <a:txBody>
+                    <a:bodyPr/>
+                    <a:lstStyle/>
+                    <a:p>
+                      <a:pPr algn="ctr" latinLnBrk="1"/>
+                      <a:r>
+                        <a:rPr lang="en-US" altLang="ko-KR" dirty="0" smtClean="0"/>
+                        <a:t>4</a:t>
+                      </a:r>
+                      <a:r>
+                        <a:rPr lang="ko-KR" altLang="en-US" dirty="0" smtClean="0"/>
+                        <a:t>주차</a:t>
+                      </a:r>
+                      <a:endParaRPr lang="ko-KR" altLang="en-US" dirty="0"/>
+                    </a:p>
+                  </a:txBody>
+                  <a:tcPr anchor="ctr"/>
+                </a:tc>
+                <a:tc>
+                  <a:txBody>
+                    <a:bodyPr/>
+                    <a:lstStyle/>
+                    <a:p>
+                      <a:pPr latinLnBrk="1"/>
+                      <a:r>
+                        <a:rPr lang="ko-KR" altLang="en-US" dirty="0" smtClean="0"/>
+                        <a:t>이미지</a:t>
+                      </a:r>
+                      <a:r>
+                        <a:rPr lang="en-US" altLang="ko-KR" dirty="0" smtClean="0"/>
+                        <a:t>, </a:t>
+                      </a:r>
+                      <a:r>
+                        <a:rPr lang="ko-KR" altLang="en-US" dirty="0" smtClean="0"/>
+                        <a:t>지도</a:t>
+                      </a:r>
+                      <a:r>
+                        <a:rPr lang="en-US" altLang="ko-KR" dirty="0" smtClean="0"/>
+                        <a:t>, </a:t>
+                      </a:r>
+                      <a:r>
+                        <a:rPr lang="ko-KR" altLang="en-US" dirty="0" smtClean="0"/>
+                        <a:t>그래프 구현</a:t>
+                      </a:r>
+                      <a:endParaRPr lang="ko-KR" altLang="en-US" dirty="0"/>
+                    </a:p>
+                  </a:txBody>
+                  <a:tcPr anchor="ctr"/>
+                </a:tc>
+                <a:tc>
+                  <a:txBody>
+                    <a:bodyPr/>
+                    <a:lstStyle/>
+                    <a:p>
+                      <a:pPr algn="ctr" latinLnBrk="1"/>
+                      <a:endParaRPr lang="ko-KR" altLang="en-US" dirty="0"/>
+                    </a:p>
+                  </a:txBody>
+                  <a:tcPr anchor="ctr"/>
+                </a:tc>
+                <a:tc>
+                  <a:txBody>
+                    <a:bodyPr/>
+                    <a:lstStyle/>
+                    <a:p>
+                      <a:pPr latinLnBrk="1"/>
+                      <a:endParaRPr lang="ko-KR" altLang="en-US" dirty="0"/>
+                    </a:p>
+                  </a:txBody>
+                  <a:tcPr anchor="ctr"/>
+                </a:tc>
+              </a:tr>
+              <a:tr h="907769">
+                <a:tc>
+                  <a:txBody>
+                    <a:bodyPr/>
+                    <a:lstStyle/>
+                    <a:p>
+                      <a:pPr algn="ctr" latinLnBrk="1"/>
+                      <a:r>
+                        <a:rPr lang="en-US" altLang="ko-KR" dirty="0" smtClean="0"/>
+                        <a:t>5</a:t>
+                      </a:r>
+                      <a:r>
+                        <a:rPr lang="ko-KR" altLang="en-US" dirty="0" smtClean="0"/>
+                        <a:t>주차</a:t>
+                      </a:r>
+                      <a:endParaRPr lang="ko-KR" altLang="en-US" dirty="0"/>
+                    </a:p>
+                  </a:txBody>
+                  <a:tcPr anchor="ctr"/>
+                </a:tc>
+                <a:tc>
+                  <a:txBody>
+                    <a:bodyPr/>
+                    <a:lstStyle/>
+                    <a:p>
+                      <a:pPr marL="0" marR="0" indent="0" algn="l" defTabSz="914400" rtl="0" eaLnBrk="1" fontAlgn="auto" latinLnBrk="1" hangingPunct="1">
+                        <a:lnSpc>
+                          <a:spcPct val="100000"/>
+                        </a:lnSpc>
+                        <a:spcBef>
+                          <a:spcPts val="0"/>
+                        </a:spcBef>
+                        <a:spcAft>
+                          <a:spcPts val="0"/>
+                        </a:spcAft>
+                        <a:buClrTx/>
+                        <a:buSzTx/>
+                        <a:buFontTx/>
+                        <a:buNone/>
+                        <a:tabLst/>
+                        <a:defRPr/>
+                      </a:pPr>
+                      <a:r>
+                        <a:rPr lang="en-US" altLang="ko-KR" dirty="0" smtClean="0"/>
+                        <a:t>C/C++</a:t>
+                      </a:r>
+                      <a:r>
+                        <a:rPr lang="ko-KR" altLang="en-US" dirty="0" smtClean="0"/>
+                        <a:t>연동</a:t>
+                      </a:r>
+                      <a:endParaRPr lang="en-US" altLang="ko-KR" dirty="0" smtClean="0"/>
+                    </a:p>
+                    <a:p>
+                      <a:pPr marL="0" marR="0" indent="0" algn="l" defTabSz="914400" rtl="0" eaLnBrk="1" fontAlgn="auto" latinLnBrk="1" hangingPunct="1">
+                        <a:lnSpc>
+                          <a:spcPct val="100000"/>
+                        </a:lnSpc>
+                        <a:spcBef>
+                          <a:spcPts val="0"/>
+                        </a:spcBef>
+                        <a:spcAft>
+                          <a:spcPts val="0"/>
+                        </a:spcAft>
+                        <a:buClrTx/>
+                        <a:buSzTx/>
+                        <a:buFontTx/>
+                        <a:buNone/>
+                        <a:tabLst/>
+                        <a:defRPr/>
+                      </a:pPr>
+                      <a:r>
+                        <a:rPr lang="en-US" altLang="ko-KR" dirty="0" err="1" smtClean="0"/>
+                        <a:t>distutils</a:t>
+                      </a:r>
+                      <a:r>
+                        <a:rPr lang="en-US" altLang="ko-KR" dirty="0" smtClean="0"/>
+                        <a:t> </a:t>
+                      </a:r>
+                      <a:r>
+                        <a:rPr lang="ko-KR" altLang="en-US" dirty="0" smtClean="0"/>
+                        <a:t>모듈 활용 배포파일 만들기</a:t>
+                      </a:r>
+                      <a:endParaRPr lang="ko-KR" altLang="en-US" dirty="0"/>
+                    </a:p>
+                  </a:txBody>
+                  <a:tcPr anchor="ctr"/>
+                </a:tc>
+                <a:tc>
+                  <a:txBody>
+                    <a:bodyPr/>
+                    <a:lstStyle/>
+                    <a:p>
+                      <a:pPr marL="0" marR="0" indent="0" algn="ctr" defTabSz="914400" rtl="0" eaLnBrk="1" fontAlgn="auto" latinLnBrk="1" hangingPunct="1">
+                        <a:lnSpc>
+                          <a:spcPct val="100000"/>
+                        </a:lnSpc>
+                        <a:spcBef>
+                          <a:spcPts val="0"/>
+                        </a:spcBef>
+                        <a:spcAft>
+                          <a:spcPts val="0"/>
+                        </a:spcAft>
+                        <a:buClrTx/>
+                        <a:buSzTx/>
+                        <a:buFontTx/>
+                        <a:buNone/>
+                        <a:tabLst/>
+                        <a:defRPr/>
+                      </a:pPr>
+                      <a:endParaRPr lang="ko-KR" altLang="en-US" dirty="0"/>
+                    </a:p>
+                  </a:txBody>
+                  <a:tcPr anchor="ctr"/>
+                </a:tc>
+                <a:tc>
+                  <a:txBody>
+                    <a:bodyPr/>
+                    <a:lstStyle/>
+                    <a:p>
+                      <a:pPr marL="0" marR="0" indent="0" algn="l" defTabSz="914400" rtl="0" eaLnBrk="1" fontAlgn="auto" latinLnBrk="1" hangingPunct="1">
+                        <a:lnSpc>
+                          <a:spcPct val="100000"/>
+                        </a:lnSpc>
+                        <a:spcBef>
+                          <a:spcPts val="0"/>
+                        </a:spcBef>
+                        <a:spcAft>
+                          <a:spcPts val="0"/>
+                        </a:spcAft>
+                        <a:buClrTx/>
+                        <a:buSzTx/>
+                        <a:buFontTx/>
+                        <a:buNone/>
+                        <a:tabLst/>
+                        <a:defRPr/>
+                      </a:pPr>
+                      <a:r>
+                        <a:rPr lang="en-US" altLang="ko-KR" dirty="0" smtClean="0"/>
+                        <a:t>5/31 </a:t>
+                      </a:r>
+                      <a:r>
+                        <a:rPr lang="ko-KR" altLang="en-US" dirty="0" smtClean="0"/>
+                        <a:t>중간 시연 발표</a:t>
+                      </a:r>
+                      <a:endParaRPr lang="ko-KR" altLang="en-US" dirty="0"/>
+                    </a:p>
+                  </a:txBody>
+                  <a:tcPr anchor="ctr"/>
+                </a:tc>
+              </a:tr>
+              <a:tr h="587251">
+                <a:tc>
+                  <a:txBody>
+                    <a:bodyPr/>
+                    <a:lstStyle/>
+                    <a:p>
+                      <a:pPr algn="ctr" latinLnBrk="1"/>
+                      <a:r>
+                        <a:rPr lang="en-US" altLang="ko-KR" dirty="0" smtClean="0"/>
+                        <a:t>6</a:t>
+                      </a:r>
+                      <a:r>
+                        <a:rPr lang="ko-KR" altLang="en-US" dirty="0" smtClean="0"/>
+                        <a:t>주차</a:t>
+                      </a:r>
+                      <a:endParaRPr lang="ko-KR" altLang="en-US" dirty="0"/>
+                    </a:p>
+                  </a:txBody>
+                  <a:tcPr anchor="ctr"/>
+                </a:tc>
+                <a:tc>
+                  <a:txBody>
+                    <a:bodyPr/>
+                    <a:lstStyle/>
+                    <a:p>
+                      <a:pPr latinLnBrk="1"/>
+                      <a:r>
+                        <a:rPr lang="ko-KR" altLang="en-US" dirty="0" err="1" smtClean="0"/>
+                        <a:t>텔레그램</a:t>
+                      </a:r>
+                      <a:r>
+                        <a:rPr lang="ko-KR" altLang="en-US" dirty="0" smtClean="0"/>
+                        <a:t> 연동 구현</a:t>
+                      </a:r>
+                      <a:endParaRPr lang="ko-KR" altLang="en-US" dirty="0"/>
+                    </a:p>
+                  </a:txBody>
+                  <a:tcPr anchor="ctr"/>
+                </a:tc>
+                <a:tc>
+                  <a:txBody>
+                    <a:bodyPr/>
+                    <a:lstStyle/>
+                    <a:p>
+                      <a:pPr latinLnBrk="1"/>
+                      <a:endParaRPr lang="ko-KR" altLang="en-US" dirty="0"/>
+                    </a:p>
+                  </a:txBody>
+                  <a:tcPr anchor="ctr"/>
+                </a:tc>
+                <a:tc>
+                  <a:txBody>
+                    <a:bodyPr/>
+                    <a:lstStyle/>
+                    <a:p>
+                      <a:pPr latinLnBrk="1"/>
+                      <a:endParaRPr lang="ko-KR" altLang="en-US" dirty="0"/>
+                    </a:p>
+                  </a:txBody>
+                  <a:tcPr anchor="ctr"/>
+                </a:tc>
+              </a:tr>
+              <a:tr h="587251">
+                <a:tc>
+                  <a:txBody>
+                    <a:bodyPr/>
+                    <a:lstStyle/>
+                    <a:p>
+                      <a:pPr algn="ctr" latinLnBrk="1"/>
+                      <a:r>
+                        <a:rPr lang="en-US" altLang="ko-KR" dirty="0" smtClean="0"/>
+                        <a:t>7</a:t>
+                      </a:r>
+                      <a:r>
+                        <a:rPr lang="ko-KR" altLang="en-US" dirty="0" smtClean="0"/>
+                        <a:t>주차</a:t>
+                      </a:r>
+                      <a:endParaRPr lang="ko-KR" altLang="en-US" dirty="0"/>
+                    </a:p>
+                  </a:txBody>
+                  <a:tcPr anchor="ctr"/>
+                </a:tc>
+                <a:tc gridSpan="3">
+                  <a:txBody>
+                    <a:bodyPr/>
+                    <a:lstStyle/>
+                    <a:p>
+                      <a:pPr algn="ctr" latinLnBrk="1"/>
+                      <a:r>
+                        <a:rPr lang="en-US" altLang="ko-KR" dirty="0" smtClean="0"/>
+                        <a:t>6/14</a:t>
+                      </a:r>
+                      <a:r>
+                        <a:rPr lang="en-US" altLang="ko-KR" baseline="0" dirty="0" smtClean="0"/>
+                        <a:t> </a:t>
+                      </a:r>
+                      <a:r>
+                        <a:rPr lang="ko-KR" altLang="en-US" dirty="0" smtClean="0"/>
+                        <a:t>최종 구현 발표</a:t>
+                      </a:r>
+                      <a:endParaRPr lang="ko-KR" altLang="en-US" dirty="0"/>
+                    </a:p>
+                  </a:txBody>
+                  <a:tcPr anchor="ctr"/>
+                </a:tc>
+                <a:tc hMerge="1">
+                  <a:txBody>
+                    <a:bodyPr/>
+                    <a:lstStyle/>
+                    <a:p>
+                      <a:pPr latinLnBrk="1"/>
+                      <a:endParaRPr lang="ko-KR" altLang="en-US"/>
+                    </a:p>
+                  </a:txBody>
+                  <a:tcPr/>
+                </a:tc>
+                <a:tc hMerge="1">
+                  <a:txBody>
+                    <a:bodyPr/>
+                    <a:lstStyle/>
+                    <a:p>
+                      <a:pPr latinLnBrk="1"/>
+                      <a:endParaRPr lang="ko-KR" altLang="en-US" dirty="0"/>
+                    </a:p>
+                  </a:txBody>
+                  <a:tcPr anchor="ctr"/>
+                </a:tc>
+              </a:tr>
+            </a:tbl>
+          </a:graphicData>
+        </a:graphic>
+      </p:graphicFrame>
     </p:spTree>
     <p:extLst>
       <p:ext uri="{BB962C8B-B14F-4D97-AF65-F5344CB8AC3E}">
-        <p14:creationId xmlns:p14="http://schemas.microsoft.com/office/powerpoint/2010/main" val="2912312662"/>
+        <p14:creationId xmlns:p14="http://schemas.microsoft.com/office/powerpoint/2010/main" val="2497622139"/>
       </p:ext>
     </p:extLst>
   </p:cSld>
@@ -12593,7 +15588,7 @@
   <a:extraClrSchemeLst/>
   <a:extLst>
     <a:ext uri="{05A4C25C-085E-4340-85A3-A5531E510DB2}">
-      <thm15:themeFamily xmlns="" xmlns:thm15="http://schemas.microsoft.com/office/thememl/2012/main" name="Office Theme" id="{62F939B6-93AF-4DB8-9C6B-D6C7DFDC589F}" vid="{4A3C46E8-61CC-4603-A589-7422A47A8E4A}"/>
+      <thm15:themeFamily xmlns:thm15="http://schemas.microsoft.com/office/thememl/2012/main" xmlns="" name="Office Theme" id="{62F939B6-93AF-4DB8-9C6B-D6C7DFDC589F}" vid="{4A3C46E8-61CC-4603-A589-7422A47A8E4A}"/>
     </a:ext>
   </a:extLst>
 </a:theme>

--- a/기획발표_최종.pptx
+++ b/기획발표_최종.pptx
@@ -14,15 +14,16 @@
     <p:sldId id="271" r:id="rId8"/>
     <p:sldId id="272" r:id="rId9"/>
     <p:sldId id="273" r:id="rId10"/>
-    <p:sldId id="265" r:id="rId11"/>
+    <p:sldId id="274" r:id="rId11"/>
+    <p:sldId id="265" r:id="rId12"/>
   </p:sldIdLst>
   <p:sldSz cx="12192000" cy="6858000"/>
   <p:notesSz cx="6858000" cy="9144000"/>
   <p:embeddedFontLst>
     <p:embeddedFont>
       <p:font typeface="맑은 고딕" pitchFamily="50" charset="-127"/>
-      <p:regular r:id="rId12"/>
-      <p:bold r:id="rId13"/>
+      <p:regular r:id="rId13"/>
+      <p:bold r:id="rId14"/>
     </p:embeddedFont>
   </p:embeddedFontLst>
   <p:defaultTextStyle>
@@ -232,11 +233,11 @@
         </c:dLbls>
         <c:marker val="1"/>
         <c:smooth val="0"/>
-        <c:axId val="133493504"/>
-        <c:axId val="133494656"/>
+        <c:axId val="139009024"/>
+        <c:axId val="139043584"/>
       </c:lineChart>
       <c:catAx>
-        <c:axId val="133493504"/>
+        <c:axId val="139009024"/>
         <c:scaling>
           <c:orientation val="minMax"/>
         </c:scaling>
@@ -255,7 +256,7 @@
             <a:endParaRPr lang="ko-KR"/>
           </a:p>
         </c:txPr>
-        <c:crossAx val="133494656"/>
+        <c:crossAx val="139043584"/>
         <c:crosses val="autoZero"/>
         <c:auto val="1"/>
         <c:lblAlgn val="ctr"/>
@@ -263,7 +264,7 @@
         <c:noMultiLvlLbl val="0"/>
       </c:catAx>
       <c:valAx>
-        <c:axId val="133494656"/>
+        <c:axId val="139043584"/>
         <c:scaling>
           <c:orientation val="minMax"/>
         </c:scaling>
@@ -274,7 +275,7 @@
         <c:majorTickMark val="out"/>
         <c:minorTickMark val="none"/>
         <c:tickLblPos val="nextTo"/>
-        <c:crossAx val="133493504"/>
+        <c:crossAx val="139009024"/>
         <c:crosses val="autoZero"/>
         <c:crossBetween val="between"/>
       </c:valAx>
@@ -399,11 +400,11 @@
         </c:dLbls>
         <c:marker val="1"/>
         <c:smooth val="0"/>
-        <c:axId val="133887104"/>
-        <c:axId val="133888640"/>
+        <c:axId val="166129664"/>
+        <c:axId val="166131200"/>
       </c:lineChart>
       <c:catAx>
-        <c:axId val="133887104"/>
+        <c:axId val="166129664"/>
         <c:scaling>
           <c:orientation val="minMax"/>
         </c:scaling>
@@ -422,7 +423,7 @@
             <a:endParaRPr lang="ko-KR"/>
           </a:p>
         </c:txPr>
-        <c:crossAx val="133888640"/>
+        <c:crossAx val="166131200"/>
         <c:crosses val="autoZero"/>
         <c:auto val="1"/>
         <c:lblAlgn val="ctr"/>
@@ -430,7 +431,7 @@
         <c:noMultiLvlLbl val="0"/>
       </c:catAx>
       <c:valAx>
-        <c:axId val="133888640"/>
+        <c:axId val="166131200"/>
         <c:scaling>
           <c:orientation val="minMax"/>
         </c:scaling>
@@ -441,7 +442,7 @@
         <c:majorTickMark val="out"/>
         <c:minorTickMark val="none"/>
         <c:tickLblPos val="nextTo"/>
-        <c:crossAx val="133887104"/>
+        <c:crossAx val="166129664"/>
         <c:crosses val="autoZero"/>
         <c:crossBetween val="between"/>
       </c:valAx>
@@ -3687,6 +3688,597 @@
       </p:grpSpPr>
       <p:grpSp>
         <p:nvGrpSpPr>
+          <p:cNvPr id="2" name="그룹 1"/>
+          <p:cNvGrpSpPr/>
+          <p:nvPr/>
+        </p:nvGrpSpPr>
+        <p:grpSpPr>
+          <a:xfrm>
+            <a:off x="-36512" y="315310"/>
+            <a:ext cx="12228512" cy="956441"/>
+            <a:chOff x="-36512" y="315310"/>
+            <a:chExt cx="12228512" cy="956441"/>
+          </a:xfrm>
+        </p:grpSpPr>
+        <p:sp>
+          <p:nvSpPr>
+            <p:cNvPr id="3" name="직사각형 2"/>
+            <p:cNvSpPr/>
+            <p:nvPr/>
+          </p:nvSpPr>
+          <p:spPr>
+            <a:xfrm>
+              <a:off x="-36512" y="655843"/>
+              <a:ext cx="12228512" cy="361374"/>
+            </a:xfrm>
+            <a:prstGeom prst="rect">
+              <a:avLst/>
+            </a:prstGeom>
+            <a:solidFill>
+              <a:srgbClr val="64C044"/>
+            </a:solidFill>
+            <a:ln>
+              <a:noFill/>
+            </a:ln>
+          </p:spPr>
+          <p:style>
+            <a:lnRef idx="2">
+              <a:schemeClr val="accent1">
+                <a:shade val="50000"/>
+              </a:schemeClr>
+            </a:lnRef>
+            <a:fillRef idx="1">
+              <a:schemeClr val="accent1"/>
+            </a:fillRef>
+            <a:effectRef idx="0">
+              <a:schemeClr val="accent1"/>
+            </a:effectRef>
+            <a:fontRef idx="minor">
+              <a:schemeClr val="lt1"/>
+            </a:fontRef>
+          </p:style>
+          <p:txBody>
+            <a:bodyPr rtlCol="0" anchor="ctr"/>
+            <a:lstStyle/>
+            <a:p>
+              <a:pPr algn="ctr"/>
+              <a:endParaRPr lang="ko-KR" altLang="en-US">
+                <a:latin typeface="+mj-lt"/>
+              </a:endParaRPr>
+            </a:p>
+          </p:txBody>
+        </p:sp>
+        <p:sp>
+          <p:nvSpPr>
+            <p:cNvPr id="4" name="모서리가 둥근 직사각형 3"/>
+            <p:cNvSpPr/>
+            <p:nvPr/>
+          </p:nvSpPr>
+          <p:spPr>
+            <a:xfrm>
+              <a:off x="472966" y="315310"/>
+              <a:ext cx="6379780" cy="956441"/>
+            </a:xfrm>
+            <a:prstGeom prst="roundRect">
+              <a:avLst>
+                <a:gd name="adj" fmla="val 50000"/>
+              </a:avLst>
+            </a:prstGeom>
+            <a:solidFill>
+              <a:srgbClr val="64C044"/>
+            </a:solidFill>
+            <a:ln>
+              <a:noFill/>
+            </a:ln>
+          </p:spPr>
+          <p:style>
+            <a:lnRef idx="2">
+              <a:schemeClr val="accent1">
+                <a:shade val="50000"/>
+              </a:schemeClr>
+            </a:lnRef>
+            <a:fillRef idx="1">
+              <a:schemeClr val="accent1"/>
+            </a:fillRef>
+            <a:effectRef idx="0">
+              <a:schemeClr val="accent1"/>
+            </a:effectRef>
+            <a:fontRef idx="minor">
+              <a:schemeClr val="lt1"/>
+            </a:fontRef>
+          </p:style>
+          <p:txBody>
+            <a:bodyPr rtlCol="0" anchor="ctr"/>
+            <a:lstStyle/>
+            <a:p>
+              <a:pPr algn="ctr"/>
+              <a:endParaRPr lang="ko-KR" altLang="en-US" sz="1000">
+                <a:latin typeface="+mj-lt"/>
+              </a:endParaRPr>
+            </a:p>
+          </p:txBody>
+        </p:sp>
+        <p:sp>
+          <p:nvSpPr>
+            <p:cNvPr id="5" name="모서리가 둥근 직사각형 4"/>
+            <p:cNvSpPr/>
+            <p:nvPr/>
+          </p:nvSpPr>
+          <p:spPr>
+            <a:xfrm>
+              <a:off x="578070" y="409903"/>
+              <a:ext cx="6169571" cy="759377"/>
+            </a:xfrm>
+            <a:prstGeom prst="roundRect">
+              <a:avLst>
+                <a:gd name="adj" fmla="val 50000"/>
+              </a:avLst>
+            </a:prstGeom>
+            <a:solidFill>
+              <a:schemeClr val="bg1"/>
+            </a:solidFill>
+            <a:ln>
+              <a:noFill/>
+            </a:ln>
+          </p:spPr>
+          <p:style>
+            <a:lnRef idx="2">
+              <a:schemeClr val="accent1">
+                <a:shade val="50000"/>
+              </a:schemeClr>
+            </a:lnRef>
+            <a:fillRef idx="1">
+              <a:schemeClr val="accent1"/>
+            </a:fillRef>
+            <a:effectRef idx="0">
+              <a:schemeClr val="accent1"/>
+            </a:effectRef>
+            <a:fontRef idx="minor">
+              <a:schemeClr val="lt1"/>
+            </a:fontRef>
+          </p:style>
+          <p:txBody>
+            <a:bodyPr rtlCol="0" anchor="ctr"/>
+            <a:lstStyle/>
+            <a:p>
+              <a:pPr algn="ctr"/>
+              <a:endParaRPr lang="ko-KR" altLang="en-US" sz="1000">
+                <a:latin typeface="+mj-lt"/>
+              </a:endParaRPr>
+            </a:p>
+          </p:txBody>
+        </p:sp>
+        <p:sp>
+          <p:nvSpPr>
+            <p:cNvPr id="6" name="타원 5"/>
+            <p:cNvSpPr/>
+            <p:nvPr/>
+          </p:nvSpPr>
+          <p:spPr>
+            <a:xfrm>
+              <a:off x="761445" y="483070"/>
+              <a:ext cx="625920" cy="613041"/>
+            </a:xfrm>
+            <a:prstGeom prst="ellipse">
+              <a:avLst/>
+            </a:prstGeom>
+            <a:solidFill>
+              <a:srgbClr val="64C044"/>
+            </a:solidFill>
+            <a:ln>
+              <a:noFill/>
+            </a:ln>
+          </p:spPr>
+          <p:style>
+            <a:lnRef idx="2">
+              <a:schemeClr val="accent1">
+                <a:shade val="50000"/>
+              </a:schemeClr>
+            </a:lnRef>
+            <a:fillRef idx="1">
+              <a:schemeClr val="accent1"/>
+            </a:fillRef>
+            <a:effectRef idx="0">
+              <a:schemeClr val="accent1"/>
+            </a:effectRef>
+            <a:fontRef idx="minor">
+              <a:schemeClr val="lt1"/>
+            </a:fontRef>
+          </p:style>
+          <p:txBody>
+            <a:bodyPr rtlCol="0" anchor="ctr"/>
+            <a:lstStyle/>
+            <a:p>
+              <a:pPr algn="ctr"/>
+              <a:endParaRPr lang="ko-KR" altLang="en-US" sz="1000" dirty="0">
+                <a:latin typeface="+mj-lt"/>
+              </a:endParaRPr>
+            </a:p>
+          </p:txBody>
+        </p:sp>
+        <p:sp>
+          <p:nvSpPr>
+            <p:cNvPr id="7" name="TextBox 6"/>
+            <p:cNvSpPr txBox="1"/>
+            <p:nvPr/>
+          </p:nvSpPr>
+          <p:spPr>
+            <a:xfrm>
+              <a:off x="827833" y="466424"/>
+              <a:ext cx="493144" cy="646331"/>
+            </a:xfrm>
+            <a:prstGeom prst="rect">
+              <a:avLst/>
+            </a:prstGeom>
+            <a:noFill/>
+          </p:spPr>
+          <p:txBody>
+            <a:bodyPr wrap="square" rtlCol="0">
+              <a:spAutoFit/>
+            </a:bodyPr>
+            <a:lstStyle/>
+            <a:p>
+              <a:r>
+                <a:rPr lang="en-US" altLang="ko-KR" sz="3600" b="1" dirty="0" smtClean="0">
+                  <a:solidFill>
+                    <a:schemeClr val="bg1"/>
+                  </a:solidFill>
+                  <a:latin typeface="+mj-lt"/>
+                  <a:ea typeface="12롯데마트드림Bold" panose="02020603020101020101" pitchFamily="18" charset="-127"/>
+                </a:rPr>
+                <a:t>7</a:t>
+              </a:r>
+              <a:endParaRPr lang="ko-KR" altLang="en-US" sz="3600" b="1" dirty="0">
+                <a:solidFill>
+                  <a:schemeClr val="bg1"/>
+                </a:solidFill>
+                <a:latin typeface="+mj-lt"/>
+                <a:ea typeface="12롯데마트드림Bold" panose="02020603020101020101" pitchFamily="18" charset="-127"/>
+              </a:endParaRPr>
+            </a:p>
+          </p:txBody>
+        </p:sp>
+        <p:sp>
+          <p:nvSpPr>
+            <p:cNvPr id="8" name="TextBox 7"/>
+            <p:cNvSpPr txBox="1"/>
+            <p:nvPr/>
+          </p:nvSpPr>
+          <p:spPr>
+            <a:xfrm>
+              <a:off x="1846757" y="493997"/>
+              <a:ext cx="3706317" cy="584775"/>
+            </a:xfrm>
+            <a:prstGeom prst="rect">
+              <a:avLst/>
+            </a:prstGeom>
+            <a:noFill/>
+          </p:spPr>
+          <p:txBody>
+            <a:bodyPr wrap="square" rtlCol="0">
+              <a:spAutoFit/>
+            </a:bodyPr>
+            <a:lstStyle/>
+            <a:p>
+              <a:r>
+                <a:rPr lang="ko-KR" altLang="en-US" sz="3200" b="1" dirty="0" smtClean="0"/>
+                <a:t>개발 계획</a:t>
+              </a:r>
+              <a:endParaRPr lang="en-US" altLang="ko-KR" sz="3200" b="1" dirty="0" smtClean="0"/>
+            </a:p>
+          </p:txBody>
+        </p:sp>
+      </p:grpSp>
+      <p:sp>
+        <p:nvSpPr>
+          <p:cNvPr id="9" name="TextBox 8"/>
+          <p:cNvSpPr txBox="1"/>
+          <p:nvPr/>
+        </p:nvSpPr>
+        <p:spPr>
+          <a:xfrm>
+            <a:off x="472966" y="1457325"/>
+            <a:ext cx="11309459" cy="5447645"/>
+          </a:xfrm>
+          <a:prstGeom prst="rect">
+            <a:avLst/>
+          </a:prstGeom>
+          <a:noFill/>
+        </p:spPr>
+        <p:txBody>
+          <a:bodyPr wrap="square" rtlCol="0">
+            <a:spAutoFit/>
+          </a:bodyPr>
+          <a:lstStyle/>
+          <a:p>
+            <a:r>
+              <a:rPr lang="ko-KR" altLang="en-US" sz="2800" b="1" dirty="0" smtClean="0"/>
+              <a:t>활용할</a:t>
+            </a:r>
+            <a:r>
+              <a:rPr lang="en-US" altLang="ko-KR" sz="2800" b="1" dirty="0" smtClean="0"/>
+              <a:t> </a:t>
+            </a:r>
+            <a:r>
+              <a:rPr lang="en-US" altLang="ko-KR" sz="2800" b="1" dirty="0" smtClean="0"/>
+              <a:t>open API</a:t>
+            </a:r>
+            <a:r>
+              <a:rPr lang="ko-KR" altLang="en-US" sz="2800" b="1" dirty="0" smtClean="0"/>
+              <a:t>주소</a:t>
+            </a:r>
+            <a:r>
+              <a:rPr lang="ko-KR" altLang="en-US" sz="2800" b="1" dirty="0" smtClean="0"/>
+              <a:t>와 </a:t>
+            </a:r>
+            <a:r>
+              <a:rPr lang="en-US" altLang="ko-KR" sz="2800" b="1" dirty="0" err="1" smtClean="0"/>
+              <a:t>Git</a:t>
+            </a:r>
+            <a:r>
+              <a:rPr lang="en-US" altLang="ko-KR" sz="2800" b="1" dirty="0" smtClean="0"/>
+              <a:t> </a:t>
+            </a:r>
+            <a:r>
+              <a:rPr lang="ko-KR" altLang="en-US" sz="2800" b="1" dirty="0" smtClean="0"/>
+              <a:t>주소</a:t>
+            </a:r>
+            <a:r>
+              <a:rPr lang="en-US" altLang="ko-KR" sz="2800" b="1" dirty="0" smtClean="0"/>
+              <a:t>, </a:t>
+            </a:r>
+            <a:r>
+              <a:rPr lang="en-US" altLang="ko-KR" sz="2800" b="1" dirty="0" err="1" smtClean="0"/>
+              <a:t>Youtube</a:t>
+            </a:r>
+            <a:r>
+              <a:rPr lang="en-US" altLang="ko-KR" sz="2800" b="1" dirty="0" smtClean="0"/>
+              <a:t> </a:t>
+            </a:r>
+            <a:r>
+              <a:rPr lang="ko-KR" altLang="en-US" sz="2800" b="1" dirty="0" smtClean="0"/>
+              <a:t>주소</a:t>
+            </a:r>
+            <a:endParaRPr lang="en-US" altLang="ko-KR" sz="2800" b="1" dirty="0" smtClean="0"/>
+          </a:p>
+          <a:p>
+            <a:endParaRPr lang="en-US" altLang="ko-KR" sz="1400" b="1" dirty="0" smtClean="0"/>
+          </a:p>
+          <a:p>
+            <a:r>
+              <a:rPr lang="ko-KR" altLang="en-US" b="1" dirty="0" smtClean="0"/>
+              <a:t>서울교통공사</a:t>
+            </a:r>
+            <a:r>
+              <a:rPr lang="en-US" altLang="ko-KR" b="1" dirty="0"/>
+              <a:t>_</a:t>
+            </a:r>
+            <a:r>
+              <a:rPr lang="ko-KR" altLang="en-US" b="1" dirty="0" err="1"/>
+              <a:t>역코드로</a:t>
+            </a:r>
+            <a:r>
+              <a:rPr lang="ko-KR" altLang="en-US" b="1" dirty="0"/>
+              <a:t> 지하철 열차 시간표 검색</a:t>
+            </a:r>
+            <a:endParaRPr lang="en-US" altLang="ko-KR" dirty="0" smtClean="0"/>
+          </a:p>
+          <a:p>
+            <a:r>
+              <a:rPr lang="en-US" altLang="ko-KR" dirty="0">
+                <a:hlinkClick r:id="rId2"/>
+              </a:rPr>
+              <a:t>http://</a:t>
+            </a:r>
+            <a:r>
+              <a:rPr lang="en-US" altLang="ko-KR" dirty="0" smtClean="0">
+                <a:hlinkClick r:id="rId2"/>
+              </a:rPr>
+              <a:t>data.seoul.go.kr/dataList/OA-101/A/1/datasetView.do;jsessionid=3B856D22809653F8C07CE403D7EFCD20.new_portal-svr-21</a:t>
+            </a:r>
+            <a:endParaRPr lang="en-US" altLang="ko-KR" dirty="0" smtClean="0"/>
+          </a:p>
+          <a:p>
+            <a:endParaRPr lang="en-US" altLang="ko-KR" dirty="0"/>
+          </a:p>
+          <a:p>
+            <a:r>
+              <a:rPr lang="ko-KR" altLang="en-US" b="1" dirty="0"/>
+              <a:t>서울교통공사</a:t>
+            </a:r>
+            <a:r>
+              <a:rPr lang="en-US" altLang="ko-KR" b="1" dirty="0"/>
+              <a:t>_</a:t>
+            </a:r>
+            <a:r>
+              <a:rPr lang="ko-KR" altLang="en-US" b="1" dirty="0" err="1"/>
+              <a:t>역별</a:t>
+            </a:r>
+            <a:r>
+              <a:rPr lang="ko-KR" altLang="en-US" b="1" dirty="0"/>
+              <a:t> </a:t>
+            </a:r>
+            <a:r>
+              <a:rPr lang="ko-KR" altLang="en-US" b="1" dirty="0" err="1"/>
+              <a:t>요일별</a:t>
+            </a:r>
+            <a:r>
+              <a:rPr lang="ko-KR" altLang="en-US" b="1" dirty="0"/>
+              <a:t> </a:t>
+            </a:r>
+            <a:r>
+              <a:rPr lang="ko-KR" altLang="en-US" b="1" dirty="0" err="1" smtClean="0"/>
+              <a:t>환승인원</a:t>
+            </a:r>
+            <a:endParaRPr lang="en-US" altLang="ko-KR" b="1" dirty="0" smtClean="0"/>
+          </a:p>
+          <a:p>
+            <a:r>
+              <a:rPr lang="en-US" altLang="ko-KR" dirty="0">
+                <a:hlinkClick r:id="rId3"/>
+              </a:rPr>
+              <a:t>http://</a:t>
+            </a:r>
+            <a:r>
+              <a:rPr lang="en-US" altLang="ko-KR" dirty="0" smtClean="0">
+                <a:hlinkClick r:id="rId3"/>
+              </a:rPr>
+              <a:t>data.seoul.go.kr/dataList/datasetView.do?infId=OA-12033&amp;srvType=S&amp;serviceKind=1&amp;currentPageNo=1</a:t>
+            </a:r>
+            <a:endParaRPr lang="en-US" altLang="ko-KR" dirty="0" smtClean="0"/>
+          </a:p>
+          <a:p>
+            <a:endParaRPr lang="en-US" altLang="ko-KR" dirty="0"/>
+          </a:p>
+          <a:p>
+            <a:r>
+              <a:rPr lang="ko-KR" altLang="en-US" b="1" dirty="0" smtClean="0"/>
+              <a:t>카카오 지도 </a:t>
+            </a:r>
+            <a:r>
+              <a:rPr lang="en-US" altLang="ko-KR" b="1" dirty="0" smtClean="0"/>
+              <a:t>API</a:t>
+            </a:r>
+          </a:p>
+          <a:p>
+            <a:r>
+              <a:rPr lang="en-US" altLang="ko-KR" dirty="0" err="1">
+                <a:hlinkClick r:id="rId4"/>
+              </a:rPr>
+              <a:t>Kakao</a:t>
+            </a:r>
+            <a:r>
+              <a:rPr lang="en-US" altLang="ko-KR" dirty="0">
+                <a:hlinkClick r:id="rId4"/>
+              </a:rPr>
+              <a:t> </a:t>
+            </a:r>
+            <a:r>
+              <a:rPr lang="ko-KR" altLang="en-US" dirty="0">
+                <a:hlinkClick r:id="rId4"/>
+              </a:rPr>
+              <a:t>지도 </a:t>
+            </a:r>
+            <a:r>
+              <a:rPr lang="en-US" altLang="ko-KR" dirty="0">
+                <a:hlinkClick r:id="rId4"/>
+              </a:rPr>
+              <a:t>Web API</a:t>
+            </a:r>
+            <a:endParaRPr lang="en-US" altLang="ko-KR" dirty="0" smtClean="0"/>
+          </a:p>
+          <a:p>
+            <a:endParaRPr lang="en-US" altLang="ko-KR" dirty="0"/>
+          </a:p>
+          <a:p>
+            <a:r>
+              <a:rPr lang="en-US" altLang="ko-KR" b="1" dirty="0" err="1"/>
+              <a:t>Git</a:t>
+            </a:r>
+            <a:r>
+              <a:rPr lang="en-US" altLang="ko-KR" b="1" dirty="0"/>
+              <a:t> </a:t>
+            </a:r>
+            <a:r>
+              <a:rPr lang="ko-KR" altLang="en-US" b="1" dirty="0"/>
+              <a:t>주소</a:t>
+            </a:r>
+            <a:endParaRPr lang="en-US" altLang="ko-KR" b="1" dirty="0"/>
+          </a:p>
+          <a:p>
+            <a:r>
+              <a:rPr lang="en-US" altLang="ko-KR" dirty="0">
+                <a:hlinkClick r:id="rId5"/>
+              </a:rPr>
+              <a:t>https://</a:t>
+            </a:r>
+            <a:r>
+              <a:rPr lang="en-US" altLang="ko-KR" dirty="0" smtClean="0">
+                <a:hlinkClick r:id="rId5"/>
+              </a:rPr>
+              <a:t>github.com/devkkyu/scriptlang</a:t>
+            </a:r>
+            <a:endParaRPr lang="en-US" altLang="ko-KR" dirty="0"/>
+          </a:p>
+          <a:p>
+            <a:endParaRPr lang="en-US" altLang="ko-KR" dirty="0"/>
+          </a:p>
+          <a:p>
+            <a:r>
+              <a:rPr lang="en-US" altLang="ko-KR" b="1" dirty="0" smtClean="0"/>
+              <a:t>YouTube </a:t>
+            </a:r>
+            <a:r>
+              <a:rPr lang="ko-KR" altLang="en-US" b="1" dirty="0" smtClean="0"/>
+              <a:t>주소</a:t>
+            </a:r>
+            <a:endParaRPr lang="en-US" altLang="ko-KR" b="1" dirty="0"/>
+          </a:p>
+          <a:p>
+            <a:r>
+              <a:rPr lang="en-US" altLang="ko-KR" dirty="0" smtClean="0">
+                <a:hlinkClick r:id="rId6"/>
+              </a:rPr>
+              <a:t>https</a:t>
+            </a:r>
+            <a:r>
+              <a:rPr lang="en-US" altLang="ko-KR" dirty="0">
+                <a:hlinkClick r:id="rId6"/>
+              </a:rPr>
+              <a:t>://</a:t>
+            </a:r>
+            <a:r>
+              <a:rPr lang="en-US" altLang="ko-KR" dirty="0" smtClean="0">
+                <a:hlinkClick r:id="rId6"/>
+              </a:rPr>
+              <a:t>youtu.be/RCtfkOQsJ1Y</a:t>
+            </a:r>
+            <a:endParaRPr lang="en-US" altLang="ko-KR" dirty="0" smtClean="0"/>
+          </a:p>
+          <a:p>
+            <a:endParaRPr lang="ko-KR" altLang="en-US" dirty="0"/>
+          </a:p>
+        </p:txBody>
+      </p:sp>
+    </p:spTree>
+    <p:extLst>
+      <p:ext uri="{BB962C8B-B14F-4D97-AF65-F5344CB8AC3E}">
+        <p14:creationId xmlns:p14="http://schemas.microsoft.com/office/powerpoint/2010/main" val="39509299"/>
+      </p:ext>
+    </p:extLst>
+  </p:cSld>
+  <p:clrMapOvr>
+    <a:masterClrMapping/>
+  </p:clrMapOvr>
+  <p:timing>
+    <p:tnLst>
+      <p:par>
+        <p:cTn id="1" dur="indefinite" restart="never" nodeType="tmRoot"/>
+      </p:par>
+    </p:tnLst>
+  </p:timing>
+</p:sld>
+</file>
+
+<file path=ppt/slides/slide11.xml><?xml version="1.0" encoding="utf-8"?>
+<p:sld xmlns:a="http://schemas.openxmlformats.org/drawingml/2006/main" xmlns:r="http://schemas.openxmlformats.org/officeDocument/2006/relationships" xmlns:p="http://schemas.openxmlformats.org/presentationml/2006/main">
+  <p:cSld>
+    <p:spTree>
+      <p:nvGrpSpPr>
+        <p:cNvPr id="1" name=""/>
+        <p:cNvGrpSpPr/>
+        <p:nvPr/>
+      </p:nvGrpSpPr>
+      <p:grpSpPr>
+        <a:xfrm>
+          <a:off x="0" y="0"/>
+          <a:ext cx="0" cy="0"/>
+          <a:chOff x="0" y="0"/>
+          <a:chExt cx="0" cy="0"/>
+        </a:xfrm>
+      </p:grpSpPr>
+      <p:grpSp>
+        <p:nvGrpSpPr>
           <p:cNvPr id="11" name="그룹 10"/>
           <p:cNvGrpSpPr/>
           <p:nvPr/>
@@ -5736,11 +6328,7 @@
               </a:r>
               <a:r>
                 <a:rPr lang="ko-KR" altLang="en-US" sz="2800" b="1" dirty="0" smtClean="0"/>
-                <a:t> </a:t>
-              </a:r>
-              <a:r>
-                <a:rPr lang="ko-KR" altLang="en-US" sz="2800" b="1" dirty="0" smtClean="0"/>
-                <a:t>디자인</a:t>
+                <a:t> 디자인</a:t>
               </a:r>
               <a:endParaRPr lang="ko-KR" altLang="en-US" sz="2800" b="1" dirty="0"/>
             </a:p>
@@ -6907,6 +7495,68 @@
           </a:fontRef>
         </p:style>
       </p:cxnSp>
+      <p:pic>
+        <p:nvPicPr>
+          <p:cNvPr id="24" name="Picture 3"/>
+          <p:cNvPicPr>
+            <a:picLocks noChangeAspect="1" noChangeArrowheads="1"/>
+          </p:cNvPicPr>
+          <p:nvPr/>
+        </p:nvPicPr>
+        <p:blipFill rotWithShape="1">
+          <a:blip r:embed="rId2" cstate="print">
+            <a:extLst>
+              <a:ext uri="{28A0092B-C50C-407E-A947-70E740481C1C}">
+                <a14:useLocalDpi xmlns:a14="http://schemas.microsoft.com/office/drawing/2010/main" val="0"/>
+              </a:ext>
+            </a:extLst>
+          </a:blip>
+          <a:srcRect l="1797" t="11467" r="3203" b="6805"/>
+          <a:stretch/>
+        </p:blipFill>
+        <p:spPr bwMode="auto">
+          <a:xfrm>
+            <a:off x="578070" y="1393639"/>
+            <a:ext cx="10537934" cy="5099460"/>
+          </a:xfrm>
+          <a:prstGeom prst="rect">
+            <a:avLst/>
+          </a:prstGeom>
+          <a:noFill/>
+          <a:ln>
+            <a:noFill/>
+          </a:ln>
+          <a:effectLst/>
+          <a:extLst>
+            <a:ext uri="{909E8E84-426E-40DD-AFC4-6F175D3DCCD1}">
+              <a14:hiddenFill xmlns:a14="http://schemas.microsoft.com/office/drawing/2010/main">
+                <a:solidFill>
+                  <a:schemeClr val="accent1"/>
+                </a:solidFill>
+              </a14:hiddenFill>
+            </a:ext>
+            <a:ext uri="{91240B29-F687-4F45-9708-019B960494DF}">
+              <a14:hiddenLine xmlns:a14="http://schemas.microsoft.com/office/drawing/2010/main" w="9525">
+                <a:solidFill>
+                  <a:schemeClr val="tx1"/>
+                </a:solidFill>
+                <a:miter lim="800000"/>
+                <a:headEnd/>
+                <a:tailEnd/>
+              </a14:hiddenLine>
+            </a:ext>
+            <a:ext uri="{AF507438-7753-43E0-B8FC-AC1667EBCBE1}">
+              <a14:hiddenEffects xmlns:a14="http://schemas.microsoft.com/office/drawing/2010/main">
+                <a:effectLst>
+                  <a:outerShdw dist="35921" dir="2700000" algn="ctr" rotWithShape="0">
+                    <a:schemeClr val="bg2"/>
+                  </a:outerShdw>
+                </a:effectLst>
+              </a14:hiddenEffects>
+            </a:ext>
+          </a:extLst>
+        </p:spPr>
+      </p:pic>
     </p:spTree>
     <p:extLst>
       <p:ext uri="{BB962C8B-B14F-4D97-AF65-F5344CB8AC3E}">
@@ -6920,7 +7570,129 @@
   <p:timing>
     <p:tnLst>
       <p:par>
-        <p:cTn id="1" dur="indefinite" restart="never" nodeType="tmRoot"/>
+        <p:cTn id="1" dur="indefinite" restart="never" nodeType="tmRoot">
+          <p:childTnLst>
+            <p:seq concurrent="1" nextAc="seek">
+              <p:cTn id="2" dur="indefinite" nodeType="mainSeq">
+                <p:childTnLst>
+                  <p:par>
+                    <p:cTn id="3" fill="hold">
+                      <p:stCondLst>
+                        <p:cond delay="indefinite"/>
+                      </p:stCondLst>
+                      <p:childTnLst>
+                        <p:par>
+                          <p:cTn id="4" fill="hold">
+                            <p:stCondLst>
+                              <p:cond delay="0"/>
+                            </p:stCondLst>
+                            <p:childTnLst>
+                              <p:par>
+                                <p:cTn id="5" presetID="42" presetClass="entr" presetSubtype="0" fill="hold" nodeType="clickEffect">
+                                  <p:stCondLst>
+                                    <p:cond delay="0"/>
+                                  </p:stCondLst>
+                                  <p:childTnLst>
+                                    <p:set>
+                                      <p:cBhvr>
+                                        <p:cTn id="6" dur="1" fill="hold">
+                                          <p:stCondLst>
+                                            <p:cond delay="0"/>
+                                          </p:stCondLst>
+                                        </p:cTn>
+                                        <p:tgtEl>
+                                          <p:spTgt spid="24"/>
+                                        </p:tgtEl>
+                                        <p:attrNameLst>
+                                          <p:attrName>style.visibility</p:attrName>
+                                        </p:attrNameLst>
+                                      </p:cBhvr>
+                                      <p:to>
+                                        <p:strVal val="visible"/>
+                                      </p:to>
+                                    </p:set>
+                                    <p:animEffect transition="in" filter="fade">
+                                      <p:cBhvr>
+                                        <p:cTn id="7" dur="1000"/>
+                                        <p:tgtEl>
+                                          <p:spTgt spid="24"/>
+                                        </p:tgtEl>
+                                      </p:cBhvr>
+                                    </p:animEffect>
+                                    <p:anim calcmode="lin" valueType="num">
+                                      <p:cBhvr>
+                                        <p:cTn id="8" dur="1000" fill="hold"/>
+                                        <p:tgtEl>
+                                          <p:spTgt spid="24"/>
+                                        </p:tgtEl>
+                                        <p:attrNameLst>
+                                          <p:attrName>ppt_x</p:attrName>
+                                        </p:attrNameLst>
+                                      </p:cBhvr>
+                                      <p:tavLst>
+                                        <p:tav tm="0">
+                                          <p:val>
+                                            <p:strVal val="#ppt_x"/>
+                                          </p:val>
+                                        </p:tav>
+                                        <p:tav tm="100000">
+                                          <p:val>
+                                            <p:strVal val="#ppt_x"/>
+                                          </p:val>
+                                        </p:tav>
+                                      </p:tavLst>
+                                    </p:anim>
+                                    <p:anim calcmode="lin" valueType="num">
+                                      <p:cBhvr>
+                                        <p:cTn id="9" dur="1000" fill="hold"/>
+                                        <p:tgtEl>
+                                          <p:spTgt spid="24"/>
+                                        </p:tgtEl>
+                                        <p:attrNameLst>
+                                          <p:attrName>ppt_y</p:attrName>
+                                        </p:attrNameLst>
+                                      </p:cBhvr>
+                                      <p:tavLst>
+                                        <p:tav tm="0">
+                                          <p:val>
+                                            <p:strVal val="#ppt_y+.1"/>
+                                          </p:val>
+                                        </p:tav>
+                                        <p:tav tm="100000">
+                                          <p:val>
+                                            <p:strVal val="#ppt_y"/>
+                                          </p:val>
+                                        </p:tav>
+                                      </p:tavLst>
+                                    </p:anim>
+                                  </p:childTnLst>
+                                </p:cTn>
+                              </p:par>
+                            </p:childTnLst>
+                          </p:cTn>
+                        </p:par>
+                      </p:childTnLst>
+                    </p:cTn>
+                  </p:par>
+                </p:childTnLst>
+              </p:cTn>
+              <p:prevCondLst>
+                <p:cond evt="onPrev" delay="0">
+                  <p:tgtEl>
+                    <p:sldTgt/>
+                  </p:tgtEl>
+                </p:cond>
+              </p:prevCondLst>
+              <p:nextCondLst>
+                <p:cond evt="onNext" delay="0">
+                  <p:tgtEl>
+                    <p:sldTgt/>
+                  </p:tgtEl>
+                </p:cond>
+              </p:nextCondLst>
+            </p:seq>
+          </p:childTnLst>
+        </p:cTn>
       </p:par>
     </p:tnLst>
   </p:timing>
@@ -8790,6 +9562,68 @@
           </a:graphicData>
         </a:graphic>
       </p:graphicFrame>
+      <p:pic>
+        <p:nvPicPr>
+          <p:cNvPr id="1026" name="Picture 2"/>
+          <p:cNvPicPr>
+            <a:picLocks noChangeAspect="1" noChangeArrowheads="1"/>
+          </p:cNvPicPr>
+          <p:nvPr/>
+        </p:nvPicPr>
+        <p:blipFill rotWithShape="1">
+          <a:blip r:embed="rId4">
+            <a:extLst>
+              <a:ext uri="{28A0092B-C50C-407E-A947-70E740481C1C}">
+                <a14:useLocalDpi xmlns:a14="http://schemas.microsoft.com/office/drawing/2010/main" val="0"/>
+              </a:ext>
+            </a:extLst>
+          </a:blip>
+          <a:srcRect l="625" t="9563" r="2578" b="6051"/>
+          <a:stretch/>
+        </p:blipFill>
+        <p:spPr bwMode="auto">
+          <a:xfrm>
+            <a:off x="1074405" y="1569010"/>
+            <a:ext cx="9686925" cy="4750278"/>
+          </a:xfrm>
+          <a:prstGeom prst="rect">
+            <a:avLst/>
+          </a:prstGeom>
+          <a:noFill/>
+          <a:ln>
+            <a:noFill/>
+          </a:ln>
+          <a:effectLst/>
+          <a:extLst>
+            <a:ext uri="{909E8E84-426E-40DD-AFC4-6F175D3DCCD1}">
+              <a14:hiddenFill xmlns:a14="http://schemas.microsoft.com/office/drawing/2010/main">
+                <a:solidFill>
+                  <a:schemeClr val="accent1"/>
+                </a:solidFill>
+              </a14:hiddenFill>
+            </a:ext>
+            <a:ext uri="{91240B29-F687-4F45-9708-019B960494DF}">
+              <a14:hiddenLine xmlns:a14="http://schemas.microsoft.com/office/drawing/2010/main" w="9525">
+                <a:solidFill>
+                  <a:schemeClr val="tx1"/>
+                </a:solidFill>
+                <a:miter lim="800000"/>
+                <a:headEnd/>
+                <a:tailEnd/>
+              </a14:hiddenLine>
+            </a:ext>
+            <a:ext uri="{AF507438-7753-43E0-B8FC-AC1667EBCBE1}">
+              <a14:hiddenEffects xmlns:a14="http://schemas.microsoft.com/office/drawing/2010/main">
+                <a:effectLst>
+                  <a:outerShdw dist="35921" dir="2700000" algn="ctr" rotWithShape="0">
+                    <a:schemeClr val="bg2"/>
+                  </a:outerShdw>
+                </a:effectLst>
+              </a14:hiddenEffects>
+            </a:ext>
+          </a:extLst>
+        </p:spPr>
+      </p:pic>
     </p:spTree>
     <p:extLst>
       <p:ext uri="{BB962C8B-B14F-4D97-AF65-F5344CB8AC3E}">
@@ -8803,7 +9637,129 @@
   <p:timing>
     <p:tnLst>
       <p:par>
-        <p:cTn id="1" dur="indefinite" restart="never" nodeType="tmRoot"/>
+        <p:cTn id="1" dur="indefinite" restart="never" nodeType="tmRoot">
+          <p:childTnLst>
+            <p:seq concurrent="1" nextAc="seek">
+              <p:cTn id="2" dur="indefinite" nodeType="mainSeq">
+                <p:childTnLst>
+                  <p:par>
+                    <p:cTn id="3" fill="hold">
+                      <p:stCondLst>
+                        <p:cond delay="indefinite"/>
+                      </p:stCondLst>
+                      <p:childTnLst>
+                        <p:par>
+                          <p:cTn id="4" fill="hold">
+                            <p:stCondLst>
+                              <p:cond delay="0"/>
+                            </p:stCondLst>
+                            <p:childTnLst>
+                              <p:par>
+                                <p:cTn id="5" presetID="42" presetClass="entr" presetSubtype="0" fill="hold" nodeType="clickEffect">
+                                  <p:stCondLst>
+                                    <p:cond delay="0"/>
+                                  </p:stCondLst>
+                                  <p:childTnLst>
+                                    <p:set>
+                                      <p:cBhvr>
+                                        <p:cTn id="6" dur="1" fill="hold">
+                                          <p:stCondLst>
+                                            <p:cond delay="0"/>
+                                          </p:stCondLst>
+                                        </p:cTn>
+                                        <p:tgtEl>
+                                          <p:spTgt spid="1026"/>
+                                        </p:tgtEl>
+                                        <p:attrNameLst>
+                                          <p:attrName>style.visibility</p:attrName>
+                                        </p:attrNameLst>
+                                      </p:cBhvr>
+                                      <p:to>
+                                        <p:strVal val="visible"/>
+                                      </p:to>
+                                    </p:set>
+                                    <p:animEffect transition="in" filter="fade">
+                                      <p:cBhvr>
+                                        <p:cTn id="7" dur="1000"/>
+                                        <p:tgtEl>
+                                          <p:spTgt spid="1026"/>
+                                        </p:tgtEl>
+                                      </p:cBhvr>
+                                    </p:animEffect>
+                                    <p:anim calcmode="lin" valueType="num">
+                                      <p:cBhvr>
+                                        <p:cTn id="8" dur="1000" fill="hold"/>
+                                        <p:tgtEl>
+                                          <p:spTgt spid="1026"/>
+                                        </p:tgtEl>
+                                        <p:attrNameLst>
+                                          <p:attrName>ppt_x</p:attrName>
+                                        </p:attrNameLst>
+                                      </p:cBhvr>
+                                      <p:tavLst>
+                                        <p:tav tm="0">
+                                          <p:val>
+                                            <p:strVal val="#ppt_x"/>
+                                          </p:val>
+                                        </p:tav>
+                                        <p:tav tm="100000">
+                                          <p:val>
+                                            <p:strVal val="#ppt_x"/>
+                                          </p:val>
+                                        </p:tav>
+                                      </p:tavLst>
+                                    </p:anim>
+                                    <p:anim calcmode="lin" valueType="num">
+                                      <p:cBhvr>
+                                        <p:cTn id="9" dur="1000" fill="hold"/>
+                                        <p:tgtEl>
+                                          <p:spTgt spid="1026"/>
+                                        </p:tgtEl>
+                                        <p:attrNameLst>
+                                          <p:attrName>ppt_y</p:attrName>
+                                        </p:attrNameLst>
+                                      </p:cBhvr>
+                                      <p:tavLst>
+                                        <p:tav tm="0">
+                                          <p:val>
+                                            <p:strVal val="#ppt_y+.1"/>
+                                          </p:val>
+                                        </p:tav>
+                                        <p:tav tm="100000">
+                                          <p:val>
+                                            <p:strVal val="#ppt_y"/>
+                                          </p:val>
+                                        </p:tav>
+                                      </p:tavLst>
+                                    </p:anim>
+                                  </p:childTnLst>
+                                </p:cTn>
+                              </p:par>
+                            </p:childTnLst>
+                          </p:cTn>
+                        </p:par>
+                      </p:childTnLst>
+                    </p:cTn>
+                  </p:par>
+                </p:childTnLst>
+              </p:cTn>
+              <p:prevCondLst>
+                <p:cond evt="onPrev" delay="0">
+                  <p:tgtEl>
+                    <p:sldTgt/>
+                  </p:tgtEl>
+                </p:cond>
+              </p:prevCondLst>
+              <p:nextCondLst>
+                <p:cond evt="onNext" delay="0">
+                  <p:tgtEl>
+                    <p:sldTgt/>
+                  </p:tgtEl>
+                </p:cond>
+              </p:nextCondLst>
+            </p:seq>
+          </p:childTnLst>
+        </p:cTn>
       </p:par>
     </p:tnLst>
   </p:timing>
@@ -9617,6 +10573,68 @@
           </p:spPr>
         </p:pic>
       </p:grpSp>
+      <p:pic>
+        <p:nvPicPr>
+          <p:cNvPr id="2050" name="Picture 2"/>
+          <p:cNvPicPr>
+            <a:picLocks noChangeAspect="1" noChangeArrowheads="1"/>
+          </p:cNvPicPr>
+          <p:nvPr/>
+        </p:nvPicPr>
+        <p:blipFill rotWithShape="1">
+          <a:blip r:embed="rId6">
+            <a:extLst>
+              <a:ext uri="{28A0092B-C50C-407E-A947-70E740481C1C}">
+                <a14:useLocalDpi xmlns:a14="http://schemas.microsoft.com/office/drawing/2010/main" val="0"/>
+              </a:ext>
+            </a:extLst>
+          </a:blip>
+          <a:srcRect t="11467" r="2187" b="7202"/>
+          <a:stretch/>
+        </p:blipFill>
+        <p:spPr bwMode="auto">
+          <a:xfrm>
+            <a:off x="761445" y="1472457"/>
+            <a:ext cx="10458450" cy="4891611"/>
+          </a:xfrm>
+          <a:prstGeom prst="rect">
+            <a:avLst/>
+          </a:prstGeom>
+          <a:noFill/>
+          <a:ln>
+            <a:noFill/>
+          </a:ln>
+          <a:effectLst/>
+          <a:extLst>
+            <a:ext uri="{909E8E84-426E-40DD-AFC4-6F175D3DCCD1}">
+              <a14:hiddenFill xmlns:a14="http://schemas.microsoft.com/office/drawing/2010/main">
+                <a:solidFill>
+                  <a:schemeClr val="accent1"/>
+                </a:solidFill>
+              </a14:hiddenFill>
+            </a:ext>
+            <a:ext uri="{91240B29-F687-4F45-9708-019B960494DF}">
+              <a14:hiddenLine xmlns:a14="http://schemas.microsoft.com/office/drawing/2010/main" w="9525">
+                <a:solidFill>
+                  <a:schemeClr val="tx1"/>
+                </a:solidFill>
+                <a:miter lim="800000"/>
+                <a:headEnd/>
+                <a:tailEnd/>
+              </a14:hiddenLine>
+            </a:ext>
+            <a:ext uri="{AF507438-7753-43E0-B8FC-AC1667EBCBE1}">
+              <a14:hiddenEffects xmlns:a14="http://schemas.microsoft.com/office/drawing/2010/main">
+                <a:effectLst>
+                  <a:outerShdw dist="35921" dir="2700000" algn="ctr" rotWithShape="0">
+                    <a:schemeClr val="bg2"/>
+                  </a:outerShdw>
+                </a:effectLst>
+              </a14:hiddenEffects>
+            </a:ext>
+          </a:extLst>
+        </p:spPr>
+      </p:pic>
     </p:spTree>
     <p:extLst>
       <p:ext uri="{BB962C8B-B14F-4D97-AF65-F5344CB8AC3E}">
@@ -9630,7 +10648,129 @@
   <p:timing>
     <p:tnLst>
       <p:par>
-        <p:cTn id="1" dur="indefinite" restart="never" nodeType="tmRoot"/>
+        <p:cTn id="1" dur="indefinite" restart="never" nodeType="tmRoot">
+          <p:childTnLst>
+            <p:seq concurrent="1" nextAc="seek">
+              <p:cTn id="2" dur="indefinite" nodeType="mainSeq">
+                <p:childTnLst>
+                  <p:par>
+                    <p:cTn id="3" fill="hold">
+                      <p:stCondLst>
+                        <p:cond delay="indefinite"/>
+                      </p:stCondLst>
+                      <p:childTnLst>
+                        <p:par>
+                          <p:cTn id="4" fill="hold">
+                            <p:stCondLst>
+                              <p:cond delay="0"/>
+                            </p:stCondLst>
+                            <p:childTnLst>
+                              <p:par>
+                                <p:cTn id="5" presetID="42" presetClass="entr" presetSubtype="0" fill="hold" nodeType="clickEffect">
+                                  <p:stCondLst>
+                                    <p:cond delay="0"/>
+                                  </p:stCondLst>
+                                  <p:childTnLst>
+                                    <p:set>
+                                      <p:cBhvr>
+                                        <p:cTn id="6" dur="1" fill="hold">
+                                          <p:stCondLst>
+                                            <p:cond delay="0"/>
+                                          </p:stCondLst>
+                                        </p:cTn>
+                                        <p:tgtEl>
+                                          <p:spTgt spid="2050"/>
+                                        </p:tgtEl>
+                                        <p:attrNameLst>
+                                          <p:attrName>style.visibility</p:attrName>
+                                        </p:attrNameLst>
+                                      </p:cBhvr>
+                                      <p:to>
+                                        <p:strVal val="visible"/>
+                                      </p:to>
+                                    </p:set>
+                                    <p:animEffect transition="in" filter="fade">
+                                      <p:cBhvr>
+                                        <p:cTn id="7" dur="1000"/>
+                                        <p:tgtEl>
+                                          <p:spTgt spid="2050"/>
+                                        </p:tgtEl>
+                                      </p:cBhvr>
+                                    </p:animEffect>
+                                    <p:anim calcmode="lin" valueType="num">
+                                      <p:cBhvr>
+                                        <p:cTn id="8" dur="1000" fill="hold"/>
+                                        <p:tgtEl>
+                                          <p:spTgt spid="2050"/>
+                                        </p:tgtEl>
+                                        <p:attrNameLst>
+                                          <p:attrName>ppt_x</p:attrName>
+                                        </p:attrNameLst>
+                                      </p:cBhvr>
+                                      <p:tavLst>
+                                        <p:tav tm="0">
+                                          <p:val>
+                                            <p:strVal val="#ppt_x"/>
+                                          </p:val>
+                                        </p:tav>
+                                        <p:tav tm="100000">
+                                          <p:val>
+                                            <p:strVal val="#ppt_x"/>
+                                          </p:val>
+                                        </p:tav>
+                                      </p:tavLst>
+                                    </p:anim>
+                                    <p:anim calcmode="lin" valueType="num">
+                                      <p:cBhvr>
+                                        <p:cTn id="9" dur="1000" fill="hold"/>
+                                        <p:tgtEl>
+                                          <p:spTgt spid="2050"/>
+                                        </p:tgtEl>
+                                        <p:attrNameLst>
+                                          <p:attrName>ppt_y</p:attrName>
+                                        </p:attrNameLst>
+                                      </p:cBhvr>
+                                      <p:tavLst>
+                                        <p:tav tm="0">
+                                          <p:val>
+                                            <p:strVal val="#ppt_y+.1"/>
+                                          </p:val>
+                                        </p:tav>
+                                        <p:tav tm="100000">
+                                          <p:val>
+                                            <p:strVal val="#ppt_y"/>
+                                          </p:val>
+                                        </p:tav>
+                                      </p:tavLst>
+                                    </p:anim>
+                                  </p:childTnLst>
+                                </p:cTn>
+                              </p:par>
+                            </p:childTnLst>
+                          </p:cTn>
+                        </p:par>
+                      </p:childTnLst>
+                    </p:cTn>
+                  </p:par>
+                </p:childTnLst>
+              </p:cTn>
+              <p:prevCondLst>
+                <p:cond evt="onPrev" delay="0">
+                  <p:tgtEl>
+                    <p:sldTgt/>
+                  </p:tgtEl>
+                </p:cond>
+              </p:prevCondLst>
+              <p:nextCondLst>
+                <p:cond evt="onNext" delay="0">
+                  <p:tgtEl>
+                    <p:sldTgt/>
+                  </p:tgtEl>
+                </p:cond>
+              </p:nextCondLst>
+            </p:seq>
+          </p:childTnLst>
+        </p:cTn>
       </p:par>
     </p:tnLst>
   </p:timing>
@@ -11207,15 +12347,23 @@
             </a:r>
             <a:r>
               <a:rPr lang="ko-KR" altLang="en-US" sz="2800" b="1" dirty="0"/>
-              <a:t> 역명을 보내면 실시간 시간표 </a:t>
+              <a:t> 역명을 보내면 실시간 </a:t>
             </a:r>
             <a:r>
-              <a:rPr lang="en-US" altLang="ko-KR" sz="2800" b="1" dirty="0"/>
+              <a:rPr lang="ko-KR" altLang="en-US" sz="2800" b="1" dirty="0" smtClean="0"/>
+              <a:t>도착정보 </a:t>
+            </a:r>
+            <a:r>
+              <a:rPr lang="en-US" altLang="ko-KR" sz="2800" b="1" dirty="0" smtClean="0"/>
               <a:t>5</a:t>
             </a:r>
             <a:r>
+              <a:rPr lang="ko-KR" altLang="en-US" sz="2800" b="1" dirty="0" smtClean="0"/>
+              <a:t>개를 </a:t>
+            </a:r>
+            <a:r>
               <a:rPr lang="ko-KR" altLang="en-US" sz="2800" b="1" dirty="0"/>
-              <a:t>개의 정보를 답장</a:t>
+              <a:t>답장</a:t>
             </a:r>
             <a:endParaRPr lang="en-US" altLang="ko-KR" sz="2800" b="1" dirty="0"/>
           </a:p>
@@ -11881,11 +13029,7 @@
                   </a:r>
                   <a:r>
                     <a:rPr lang="ko-KR" altLang="en-US" sz="4000" b="1" dirty="0" smtClean="0"/>
-                    <a:t> </a:t>
-                  </a:r>
-                  <a:r>
-                    <a:rPr lang="ko-KR" altLang="en-US" sz="4000" b="1" dirty="0" smtClean="0"/>
-                    <a:t>지하철</a:t>
+                    <a:t> 지하철</a:t>
                   </a:r>
                   <a:endParaRPr lang="en-US" altLang="ko-KR" sz="4000" b="1" dirty="0"/>
                 </a:p>
@@ -13413,14 +14557,14 @@
           <p:nvPr>
             <p:extLst>
               <p:ext uri="{D42A27DB-BD31-4B8C-83A1-F6EECF244321}">
-                <p14:modId xmlns:p14="http://schemas.microsoft.com/office/powerpoint/2010/main" val="2317975668"/>
+                <p14:modId xmlns:p14="http://schemas.microsoft.com/office/powerpoint/2010/main" val="2466414540"/>
               </p:ext>
             </p:extLst>
           </p:nvPr>
         </p:nvGraphicFramePr>
         <p:xfrm>
-          <a:off x="827833" y="1638300"/>
-          <a:ext cx="10325942" cy="4899121"/>
+          <a:off x="827833" y="1447800"/>
+          <a:ext cx="10325943" cy="5188639"/>
         </p:xfrm>
         <a:graphic>
           <a:graphicData uri="http://schemas.openxmlformats.org/drawingml/2006/table">
@@ -13429,11 +14573,12 @@
                 <a:tableStyleId>{93296810-A885-4BE3-A3E7-6D5BEEA58F35}</a:tableStyleId>
               </a:tblPr>
               <a:tblGrid>
-                <a:gridCol w="1486742"/>
-                <a:gridCol w="4457700"/>
-                <a:gridCol w="4381500"/>
+                <a:gridCol w="1043826"/>
+                <a:gridCol w="3900491"/>
+                <a:gridCol w="2524125"/>
+                <a:gridCol w="2857501"/>
               </a:tblGrid>
-              <a:tr h="418561">
+              <a:tr h="384017">
                 <a:tc>
                   <a:txBody>
                     <a:bodyPr/>
@@ -13472,6 +14617,21 @@
                       <a:pPr algn="ctr" latinLnBrk="1"/>
                       <a:r>
                         <a:rPr lang="ko-KR" altLang="en-US" dirty="0" smtClean="0"/>
+                        <a:t>진행 상황</a:t>
+                      </a:r>
+                      <a:endParaRPr lang="ko-KR" altLang="en-US" dirty="0"/>
+                    </a:p>
+                  </a:txBody>
+                  <a:tcPr/>
+                </a:tc>
+                <a:tc>
+                  <a:txBody>
+                    <a:bodyPr/>
+                    <a:lstStyle/>
+                    <a:p>
+                      <a:pPr algn="ctr" latinLnBrk="1"/>
+                      <a:r>
+                        <a:rPr lang="ko-KR" altLang="en-US" dirty="0" smtClean="0"/>
                         <a:t>비고</a:t>
                       </a:r>
                       <a:endParaRPr lang="ko-KR" altLang="en-US" dirty="0"/>
@@ -13480,7 +14640,7 @@
                   <a:tcPr/>
                 </a:tc>
               </a:tr>
-              <a:tr h="640080">
+              <a:tr h="587251">
                 <a:tc>
                   <a:txBody>
                     <a:bodyPr/>
@@ -13528,6 +14688,21 @@
                     <a:bodyPr/>
                     <a:lstStyle/>
                     <a:p>
+                      <a:pPr algn="ctr" latinLnBrk="1"/>
+                      <a:r>
+                        <a:rPr lang="en-US" altLang="ko-KR" dirty="0" smtClean="0"/>
+                        <a:t>Done</a:t>
+                      </a:r>
+                      <a:endParaRPr lang="ko-KR" altLang="en-US" dirty="0"/>
+                    </a:p>
+                  </a:txBody>
+                  <a:tcPr anchor="ctr"/>
+                </a:tc>
+                <a:tc>
+                  <a:txBody>
+                    <a:bodyPr/>
+                    <a:lstStyle/>
+                    <a:p>
                       <a:pPr latinLnBrk="1"/>
                       <a:endParaRPr lang="ko-KR" altLang="en-US" dirty="0"/>
                     </a:p>
@@ -13535,7 +14710,7 @@
                   <a:tcPr anchor="ctr"/>
                 </a:tc>
               </a:tr>
-              <a:tr h="640080">
+              <a:tr h="635439">
                 <a:tc>
                   <a:txBody>
                     <a:bodyPr/>
@@ -13595,6 +14770,37 @@
                     <a:bodyPr/>
                     <a:lstStyle/>
                     <a:p>
+                      <a:pPr marL="0" marR="0" indent="0" algn="ctr" defTabSz="914400" rtl="0" eaLnBrk="1" fontAlgn="auto" latinLnBrk="1" hangingPunct="1">
+                        <a:lnSpc>
+                          <a:spcPct val="100000"/>
+                        </a:lnSpc>
+                        <a:spcBef>
+                          <a:spcPts val="0"/>
+                        </a:spcBef>
+                        <a:spcAft>
+                          <a:spcPts val="0"/>
+                        </a:spcAft>
+                        <a:buClrTx/>
+                        <a:buSzTx/>
+                        <a:buFontTx/>
+                        <a:buNone/>
+                        <a:tabLst/>
+                        <a:defRPr/>
+                      </a:pPr>
+                      <a:r>
+                        <a:rPr lang="en-US" altLang="ko-KR" dirty="0" smtClean="0"/>
+                        <a:t>Done</a:t>
+                      </a:r>
+                      <a:endParaRPr lang="ko-KR" altLang="en-US" dirty="0" smtClean="0"/>
+                    </a:p>
+                  </a:txBody>
+                  <a:tcPr anchor="ctr"/>
+                </a:tc>
+                <a:tc>
+                  <a:txBody>
+                    <a:bodyPr/>
+                    <a:lstStyle/>
+                    <a:p>
                       <a:pPr latinLnBrk="1"/>
                       <a:endParaRPr lang="ko-KR" altLang="en-US" dirty="0"/>
                     </a:p>
@@ -13602,7 +14808,7 @@
                   <a:tcPr anchor="ctr"/>
                 </a:tc>
               </a:tr>
-              <a:tr h="640080">
+              <a:tr h="907769">
                 <a:tc>
                   <a:txBody>
                     <a:bodyPr/>
@@ -13693,6 +14899,33 @@
                     <a:bodyPr/>
                     <a:lstStyle/>
                     <a:p>
+                      <a:pPr marL="0" marR="0" indent="0" algn="ctr" defTabSz="914400" rtl="0" eaLnBrk="1" fontAlgn="auto" latinLnBrk="1" hangingPunct="1">
+                        <a:lnSpc>
+                          <a:spcPct val="100000"/>
+                        </a:lnSpc>
+                        <a:spcBef>
+                          <a:spcPts val="0"/>
+                        </a:spcBef>
+                        <a:spcAft>
+                          <a:spcPts val="0"/>
+                        </a:spcAft>
+                        <a:buClrTx/>
+                        <a:buSzTx/>
+                        <a:buFontTx/>
+                        <a:buNone/>
+                        <a:tabLst/>
+                        <a:defRPr/>
+                      </a:pPr>
+                      <a:endParaRPr lang="ko-KR" altLang="en-US" dirty="0"/>
+                    </a:p>
+                  </a:txBody>
+                  <a:tcPr anchor="ctr"/>
+                </a:tc>
+                <a:tc>
+                  <a:txBody>
+                    <a:bodyPr/>
+                    <a:lstStyle/>
+                    <a:p>
                       <a:pPr marL="0" marR="0" indent="0" algn="l" defTabSz="914400" rtl="0" eaLnBrk="1" fontAlgn="auto" latinLnBrk="1" hangingPunct="1">
                         <a:lnSpc>
                           <a:spcPct val="100000"/>
@@ -13724,7 +14957,7 @@
                   <a:tcPr anchor="ctr"/>
                 </a:tc>
               </a:tr>
-              <a:tr h="640080">
+              <a:tr h="587251">
                 <a:tc>
                   <a:txBody>
                     <a:bodyPr/>
@@ -13780,6 +15013,17 @@
                     <a:bodyPr/>
                     <a:lstStyle/>
                     <a:p>
+                      <a:pPr algn="ctr" latinLnBrk="1"/>
+                      <a:endParaRPr lang="ko-KR" altLang="en-US" dirty="0"/>
+                    </a:p>
+                  </a:txBody>
+                  <a:tcPr anchor="ctr"/>
+                </a:tc>
+                <a:tc>
+                  <a:txBody>
+                    <a:bodyPr/>
+                    <a:lstStyle/>
+                    <a:p>
                       <a:pPr latinLnBrk="1"/>
                       <a:endParaRPr lang="ko-KR" altLang="en-US" dirty="0"/>
                     </a:p>
@@ -13787,7 +15031,7 @@
                   <a:tcPr anchor="ctr"/>
                 </a:tc>
               </a:tr>
-              <a:tr h="640080">
+              <a:tr h="907769">
                 <a:tc>
                   <a:txBody>
                     <a:bodyPr/>
@@ -13879,6 +15123,33 @@
                     <a:bodyPr/>
                     <a:lstStyle/>
                     <a:p>
+                      <a:pPr marL="0" marR="0" indent="0" algn="ctr" defTabSz="914400" rtl="0" eaLnBrk="1" fontAlgn="auto" latinLnBrk="1" hangingPunct="1">
+                        <a:lnSpc>
+                          <a:spcPct val="100000"/>
+                        </a:lnSpc>
+                        <a:spcBef>
+                          <a:spcPts val="0"/>
+                        </a:spcBef>
+                        <a:spcAft>
+                          <a:spcPts val="0"/>
+                        </a:spcAft>
+                        <a:buClrTx/>
+                        <a:buSzTx/>
+                        <a:buFontTx/>
+                        <a:buNone/>
+                        <a:tabLst/>
+                        <a:defRPr/>
+                      </a:pPr>
+                      <a:endParaRPr lang="ko-KR" altLang="en-US" dirty="0"/>
+                    </a:p>
+                  </a:txBody>
+                  <a:tcPr anchor="ctr"/>
+                </a:tc>
+                <a:tc>
+                  <a:txBody>
+                    <a:bodyPr/>
+                    <a:lstStyle/>
+                    <a:p>
                       <a:pPr marL="0" marR="0" indent="0" algn="l" defTabSz="914400" rtl="0" eaLnBrk="1" fontAlgn="auto" latinLnBrk="1" hangingPunct="1">
                         <a:lnSpc>
                           <a:spcPct val="100000"/>
@@ -13910,7 +15181,7 @@
                   <a:tcPr anchor="ctr"/>
                 </a:tc>
               </a:tr>
-              <a:tr h="640080">
+              <a:tr h="587251">
                 <a:tc>
                   <a:txBody>
                     <a:bodyPr/>
@@ -13960,8 +15231,19 @@
                   </a:txBody>
                   <a:tcPr anchor="ctr"/>
                 </a:tc>
+                <a:tc>
+                  <a:txBody>
+                    <a:bodyPr/>
+                    <a:lstStyle/>
+                    <a:p>
+                      <a:pPr latinLnBrk="1"/>
+                      <a:endParaRPr lang="ko-KR" altLang="en-US" dirty="0"/>
+                    </a:p>
+                  </a:txBody>
+                  <a:tcPr anchor="ctr"/>
+                </a:tc>
               </a:tr>
-              <a:tr h="640080">
+              <a:tr h="587251">
                 <a:tc>
                   <a:txBody>
                     <a:bodyPr/>
@@ -13981,7 +15263,7 @@
                   </a:txBody>
                   <a:tcPr anchor="ctr"/>
                 </a:tc>
-                <a:tc gridSpan="2">
+                <a:tc gridSpan="3">
                   <a:txBody>
                     <a:bodyPr/>
                     <a:lstStyle/>
@@ -14003,6 +15285,17 @@
                     </a:p>
                   </a:txBody>
                   <a:tcPr anchor="ctr"/>
+                </a:tc>
+                <a:tc hMerge="1">
+                  <a:txBody>
+                    <a:bodyPr/>
+                    <a:lstStyle/>
+                    <a:p>
+                      <a:pPr latinLnBrk="1"/>
+                      <a:endParaRPr lang="ko-KR" altLang="en-US"/>
+                    </a:p>
+                  </a:txBody>
+                  <a:tcPr/>
                 </a:tc>
                 <a:tc hMerge="1">
                   <a:txBody>
